--- a/BC_1.pptx
+++ b/BC_1.pptx
@@ -2,46 +2,47 @@
 <file path=ppt/presentation.xml><?xml version="1.0" encoding="utf-8"?>
 <p:presentation xmlns:a="http://schemas.openxmlformats.org/drawingml/2006/main" xmlns:r="http://schemas.openxmlformats.org/officeDocument/2006/relationships" xmlns:p="http://schemas.openxmlformats.org/presentationml/2006/main" embedTrueTypeFonts="1" saveSubsetFonts="1">
   <p:sldMasterIdLst>
-    <p:sldMasterId id="2147483660" r:id="rId58"/>
+    <p:sldMasterId id="2147483660" r:id="rId60"/>
   </p:sldMasterIdLst>
   <p:notesMasterIdLst>
-    <p:notesMasterId r:id="rId71"/>
+    <p:notesMasterId r:id="rId74"/>
   </p:notesMasterIdLst>
   <p:handoutMasterIdLst>
-    <p:handoutMasterId r:id="rId72"/>
+    <p:handoutMasterId r:id="rId75"/>
   </p:handoutMasterIdLst>
   <p:sldIdLst>
-    <p:sldId id="281" r:id="rId59"/>
-    <p:sldId id="283" r:id="rId60"/>
-    <p:sldId id="284" r:id="rId61"/>
-    <p:sldId id="282" r:id="rId62"/>
-    <p:sldId id="285" r:id="rId63"/>
-    <p:sldId id="286" r:id="rId64"/>
-    <p:sldId id="287" r:id="rId65"/>
-    <p:sldId id="288" r:id="rId66"/>
-    <p:sldId id="289" r:id="rId67"/>
-    <p:sldId id="290" r:id="rId68"/>
-    <p:sldId id="291" r:id="rId69"/>
-    <p:sldId id="292" r:id="rId70"/>
+    <p:sldId id="281" r:id="rId61"/>
+    <p:sldId id="283" r:id="rId62"/>
+    <p:sldId id="284" r:id="rId63"/>
+    <p:sldId id="282" r:id="rId64"/>
+    <p:sldId id="285" r:id="rId65"/>
+    <p:sldId id="286" r:id="rId66"/>
+    <p:sldId id="287" r:id="rId67"/>
+    <p:sldId id="288" r:id="rId68"/>
+    <p:sldId id="289" r:id="rId69"/>
+    <p:sldId id="290" r:id="rId70"/>
+    <p:sldId id="291" r:id="rId71"/>
+    <p:sldId id="293" r:id="rId72"/>
+    <p:sldId id="292" r:id="rId73"/>
   </p:sldIdLst>
   <p:sldSz cx="12192000" cy="6858000"/>
   <p:notesSz cx="6858000" cy="9144000"/>
   <p:embeddedFontLst>
     <p:embeddedFont>
       <p:font typeface="Ericsson Hilda" panose="00000500000000000000" pitchFamily="2" charset="0"/>
-      <p:regular r:id="rId73"/>
-      <p:bold r:id="rId74"/>
+      <p:regular r:id="rId76"/>
+      <p:bold r:id="rId77"/>
     </p:embeddedFont>
     <p:embeddedFont>
       <p:font typeface="Ericsson Hilda Light" panose="00000400000000000000" pitchFamily="2" charset="0"/>
-      <p:regular r:id="rId75"/>
+      <p:regular r:id="rId78"/>
     </p:embeddedFont>
     <p:embeddedFont>
       <p:font typeface="Ericsson Technical Icons" panose="00000500000000000000" pitchFamily="2" charset="0"/>
-      <p:regular r:id="rId76"/>
-      <p:bold r:id="rId77"/>
-      <p:italic r:id="rId78"/>
-      <p:boldItalic r:id="rId79"/>
+      <p:regular r:id="rId79"/>
+      <p:bold r:id="rId80"/>
+      <p:italic r:id="rId81"/>
+      <p:boldItalic r:id="rId82"/>
     </p:embeddedFont>
   </p:embeddedFontLst>
   <p:defaultTextStyle>
@@ -18502,23 +18503,7 @@
             </a:pPr>
             <a:r>
               <a:rPr lang="en-US" sz="1800" dirty="0"/>
-              <a:t>#</a:t>
-            </a:r>
-            <a:r>
-              <a:rPr lang="en-US" sz="1800"/>
-              <a:t>3 </a:t>
-            </a:r>
-            <a:r>
-              <a:rPr lang="en-US" sz="1800" dirty="0"/>
-              <a:t>A</a:t>
-            </a:r>
-            <a:r>
-              <a:rPr lang="en-US" sz="1800"/>
-              <a:t>ll </a:t>
-            </a:r>
-            <a:r>
-              <a:rPr lang="en-US" sz="1800" dirty="0"/>
-              <a:t>the Customer information using Service 1.</a:t>
+              <a:t>#3 All the Customer information using Service 1.</a:t>
             </a:r>
           </a:p>
         </p:txBody>
@@ -18652,7 +18637,7 @@
             </a:pPr>
             <a:r>
               <a:rPr lang="en-US" sz="1800" dirty="0"/>
-              <a:t>#4 Add a new Customer</a:t>
+              <a:t>#4 Add a new Customer Information</a:t>
             </a:r>
           </a:p>
         </p:txBody>
@@ -18816,17 +18801,17 @@
             </a:pPr>
             <a:r>
               <a:rPr lang="en-US" sz="1800" dirty="0"/>
-              <a:t>#3 all the Customer information using Service 1.</a:t>
+              <a:t>#4 Update a new Customer Information</a:t>
             </a:r>
           </a:p>
         </p:txBody>
       </p:sp>
       <p:pic>
         <p:nvPicPr>
-          <p:cNvPr id="2" name="Picture 1">
+          <p:cNvPr id="3" name="Picture 2">
             <a:extLst>
               <a:ext uri="{FF2B5EF4-FFF2-40B4-BE49-F238E27FC236}">
-                <a16:creationId xmlns:a16="http://schemas.microsoft.com/office/drawing/2014/main" id="{F4C5E0AE-DC69-42AA-BE0D-9BEA53983DCD}"/>
+                <a16:creationId xmlns:a16="http://schemas.microsoft.com/office/drawing/2014/main" id="{B7E8BB45-2908-4208-8B2D-A811E7C50B36}"/>
               </a:ext>
             </a:extLst>
           </p:cNvPr>
@@ -18843,8 +18828,202 @@
         </p:blipFill>
         <p:spPr>
           <a:xfrm>
-            <a:off x="0" y="2451960"/>
-            <a:ext cx="12192000" cy="3515752"/>
+            <a:off x="765422" y="1623318"/>
+            <a:ext cx="10804269" cy="3074932"/>
+          </a:xfrm>
+          <a:prstGeom prst="rect">
+            <a:avLst/>
+          </a:prstGeom>
+        </p:spPr>
+      </p:pic>
+      <p:pic>
+        <p:nvPicPr>
+          <p:cNvPr id="6" name="Picture 5">
+            <a:extLst>
+              <a:ext uri="{FF2B5EF4-FFF2-40B4-BE49-F238E27FC236}">
+                <a16:creationId xmlns:a16="http://schemas.microsoft.com/office/drawing/2014/main" id="{FC8D5CA8-D206-4054-AC13-E7D88A9AF5EF}"/>
+              </a:ext>
+            </a:extLst>
+          </p:cNvPr>
+          <p:cNvPicPr>
+            <a:picLocks noChangeAspect="1"/>
+          </p:cNvPicPr>
+          <p:nvPr/>
+        </p:nvPicPr>
+        <p:blipFill>
+          <a:blip r:embed="rId5"/>
+          <a:stretch>
+            <a:fillRect/>
+          </a:stretch>
+        </p:blipFill>
+        <p:spPr>
+          <a:xfrm>
+            <a:off x="765424" y="5038272"/>
+            <a:ext cx="11164585" cy="945754"/>
+          </a:xfrm>
+          <a:prstGeom prst="rect">
+            <a:avLst/>
+          </a:prstGeom>
+        </p:spPr>
+      </p:pic>
+    </p:spTree>
+    <p:custDataLst>
+      <p:custData r:id="rId1"/>
+      <p:custData r:id="rId2"/>
+    </p:custDataLst>
+    <p:extLst>
+      <p:ext uri="{BB962C8B-B14F-4D97-AF65-F5344CB8AC3E}">
+        <p14:creationId xmlns:p14="http://schemas.microsoft.com/office/powerpoint/2010/main" val="1381805364"/>
+      </p:ext>
+    </p:extLst>
+  </p:cSld>
+  <p:clrMapOvr>
+    <a:masterClrMapping/>
+  </p:clrMapOvr>
+</p:sld>
+</file>
+
+<file path=ppt/slides/slide13.xml><?xml version="1.0" encoding="utf-8"?>
+<p:sld xmlns:a="http://schemas.openxmlformats.org/drawingml/2006/main" xmlns:r="http://schemas.openxmlformats.org/officeDocument/2006/relationships" xmlns:p="http://schemas.openxmlformats.org/presentationml/2006/main">
+  <p:cSld>
+    <p:spTree>
+      <p:nvGrpSpPr>
+        <p:cNvPr id="1" name=""/>
+        <p:cNvGrpSpPr/>
+        <p:nvPr/>
+      </p:nvGrpSpPr>
+      <p:grpSpPr>
+        <a:xfrm>
+          <a:off x="0" y="0"/>
+          <a:ext cx="0" cy="0"/>
+          <a:chOff x="0" y="0"/>
+          <a:chExt cx="0" cy="0"/>
+        </a:xfrm>
+      </p:grpSpPr>
+      <p:sp>
+        <p:nvSpPr>
+          <p:cNvPr id="4" name="Title 3">
+            <a:extLst>
+              <a:ext uri="{FF2B5EF4-FFF2-40B4-BE49-F238E27FC236}">
+                <a16:creationId xmlns:a16="http://schemas.microsoft.com/office/drawing/2014/main" id="{EA7D4468-58D5-40D1-8182-8FDBCEF777E1}"/>
+              </a:ext>
+            </a:extLst>
+          </p:cNvPr>
+          <p:cNvSpPr>
+            <a:spLocks noGrp="1"/>
+          </p:cNvSpPr>
+          <p:nvPr>
+            <p:ph type="title"/>
+          </p:nvPr>
+        </p:nvSpPr>
+        <p:spPr>
+          <a:xfrm>
+            <a:off x="284492" y="92302"/>
+            <a:ext cx="10521950" cy="513873"/>
+          </a:xfrm>
+        </p:spPr>
+        <p:txBody>
+          <a:bodyPr/>
+          <a:lstStyle/>
+          <a:p>
+            <a:r>
+              <a:rPr lang="en-US" dirty="0"/>
+              <a:t>Application Verification Results</a:t>
+            </a:r>
+          </a:p>
+        </p:txBody>
+      </p:sp>
+      <p:sp>
+        <p:nvSpPr>
+          <p:cNvPr id="8" name="TextBox 7">
+            <a:extLst>
+              <a:ext uri="{FF2B5EF4-FFF2-40B4-BE49-F238E27FC236}">
+                <a16:creationId xmlns:a16="http://schemas.microsoft.com/office/drawing/2014/main" id="{CABD2085-481A-4BB3-A1FC-23DD137D49A6}"/>
+              </a:ext>
+            </a:extLst>
+          </p:cNvPr>
+          <p:cNvSpPr txBox="1"/>
+          <p:nvPr/>
+        </p:nvSpPr>
+        <p:spPr>
+          <a:xfrm>
+            <a:off x="587338" y="1165720"/>
+            <a:ext cx="7580615" cy="373559"/>
+          </a:xfrm>
+          <a:prstGeom prst="rect">
+            <a:avLst/>
+          </a:prstGeom>
+        </p:spPr>
+        <p:txBody>
+          <a:bodyPr vert="horz" wrap="none" lIns="72000" tIns="36000" rIns="72000" bIns="36000" rtlCol="0" anchor="t">
+            <a:noAutofit/>
+          </a:bodyPr>
+          <a:lstStyle/>
+          <a:p>
+            <a:pPr marL="0" indent="0">
+              <a:buNone/>
+            </a:pPr>
+            <a:r>
+              <a:rPr lang="en-US" sz="1800" dirty="0"/>
+              <a:t>#6 Removing a Customer Information</a:t>
+            </a:r>
+          </a:p>
+        </p:txBody>
+      </p:sp>
+      <p:pic>
+        <p:nvPicPr>
+          <p:cNvPr id="3" name="Picture 2">
+            <a:extLst>
+              <a:ext uri="{FF2B5EF4-FFF2-40B4-BE49-F238E27FC236}">
+                <a16:creationId xmlns:a16="http://schemas.microsoft.com/office/drawing/2014/main" id="{C6A5A913-4D96-4DA0-8C90-18D5C5436561}"/>
+              </a:ext>
+            </a:extLst>
+          </p:cNvPr>
+          <p:cNvPicPr>
+            <a:picLocks noChangeAspect="1"/>
+          </p:cNvPicPr>
+          <p:nvPr/>
+        </p:nvPicPr>
+        <p:blipFill>
+          <a:blip r:embed="rId4"/>
+          <a:stretch>
+            <a:fillRect/>
+          </a:stretch>
+        </p:blipFill>
+        <p:spPr>
+          <a:xfrm>
+            <a:off x="677229" y="1974908"/>
+            <a:ext cx="9736476" cy="2158366"/>
+          </a:xfrm>
+          <a:prstGeom prst="rect">
+            <a:avLst/>
+          </a:prstGeom>
+        </p:spPr>
+      </p:pic>
+      <p:pic>
+        <p:nvPicPr>
+          <p:cNvPr id="5" name="Picture 4">
+            <a:extLst>
+              <a:ext uri="{FF2B5EF4-FFF2-40B4-BE49-F238E27FC236}">
+                <a16:creationId xmlns:a16="http://schemas.microsoft.com/office/drawing/2014/main" id="{2E3C5EB9-43D5-454E-A849-363F612FBB47}"/>
+              </a:ext>
+            </a:extLst>
+          </p:cNvPr>
+          <p:cNvPicPr>
+            <a:picLocks noChangeAspect="1"/>
+          </p:cNvPicPr>
+          <p:nvPr/>
+        </p:nvPicPr>
+        <p:blipFill>
+          <a:blip r:embed="rId5"/>
+          <a:stretch>
+            <a:fillRect/>
+          </a:stretch>
+        </p:blipFill>
+        <p:spPr>
+          <a:xfrm>
+            <a:off x="750014" y="4654476"/>
+            <a:ext cx="10880332" cy="847531"/>
           </a:xfrm>
           <a:prstGeom prst="rect">
             <a:avLst/>
@@ -19251,7 +19430,7 @@
           <p:nvPr>
             <p:extLst>
               <p:ext uri="{D42A27DB-BD31-4B8C-83A1-F6EECF244321}">
-                <p14:modId xmlns:p14="http://schemas.microsoft.com/office/powerpoint/2010/main" val="1948104981"/>
+                <p14:modId xmlns:p14="http://schemas.microsoft.com/office/powerpoint/2010/main" val="453373784"/>
               </p:ext>
             </p:extLst>
           </p:nvPr>
@@ -19324,7 +19503,7 @@
                       </a:pPr>
                       <a:r>
                         <a:rPr lang="en-IN" sz="1600" dirty="0"/>
-                        <a:t>All services use a shared on database. </a:t>
+                        <a:t>All services use a shared database. </a:t>
                       </a:r>
                     </a:p>
                   </a:txBody>
@@ -19380,14 +19559,14 @@
           <p:nvPr>
             <p:extLst>
               <p:ext uri="{D42A27DB-BD31-4B8C-83A1-F6EECF244321}">
-                <p14:modId xmlns:p14="http://schemas.microsoft.com/office/powerpoint/2010/main" val="4150273756"/>
+                <p14:modId xmlns:p14="http://schemas.microsoft.com/office/powerpoint/2010/main" val="2761734554"/>
               </p:ext>
             </p:extLst>
           </p:nvPr>
         </p:nvGraphicFramePr>
         <p:xfrm>
           <a:off x="612809" y="2524052"/>
-          <a:ext cx="5741469" cy="1859280"/>
+          <a:ext cx="5741469" cy="1615440"/>
         </p:xfrm>
         <a:graphic>
           <a:graphicData uri="http://schemas.openxmlformats.org/drawingml/2006/table">
@@ -19448,13 +19627,26 @@
                       </a:r>
                     </a:p>
                     <a:p>
-                      <a:pPr lvl="2">
+                      <a:pPr marL="914400" marR="0" lvl="2" indent="0" algn="l" defTabSz="914400" rtl="0" eaLnBrk="1" fontAlgn="auto" latinLnBrk="0" hangingPunct="1">
+                        <a:lnSpc>
+                          <a:spcPct val="100000"/>
+                        </a:lnSpc>
+                        <a:spcBef>
+                          <a:spcPts val="0"/>
+                        </a:spcBef>
+                        <a:spcAft>
+                          <a:spcPts val="0"/>
+                        </a:spcAft>
+                        <a:buClrTx/>
+                        <a:buSzTx/>
                         <a:buFont typeface="Wingdings" panose="05000000000000000000" pitchFamily="2" charset="2"/>
                         <a:buChar char="ü"/>
+                        <a:tabLst/>
+                        <a:defRPr/>
                       </a:pPr>
                       <a:r>
                         <a:rPr lang="en-IN" sz="1600" dirty="0"/>
-                        <a:t>Spring Cloud</a:t>
+                        <a:t>Spring Cloud [Eureka Discovery Client]</a:t>
                       </a:r>
                     </a:p>
                     <a:p>
@@ -19465,16 +19657,6 @@
                       <a:r>
                         <a:rPr lang="en-IN" sz="1600" dirty="0"/>
                         <a:t>Tomcat [Application Server]</a:t>
-                      </a:r>
-                    </a:p>
-                    <a:p>
-                      <a:pPr lvl="2">
-                        <a:buFont typeface="Wingdings" panose="05000000000000000000" pitchFamily="2" charset="2"/>
-                        <a:buChar char="ü"/>
-                      </a:pPr>
-                      <a:r>
-                        <a:rPr lang="en-IN" sz="1600" dirty="0"/>
-                        <a:t>Eureka Discovery Server</a:t>
                       </a:r>
                     </a:p>
                   </a:txBody>
@@ -21049,12 +21231,49 @@
           </a:p>
         </p:txBody>
       </p:sp>
+      <p:sp>
+        <p:nvSpPr>
+          <p:cNvPr id="8" name="TextBox 7">
+            <a:extLst>
+              <a:ext uri="{FF2B5EF4-FFF2-40B4-BE49-F238E27FC236}">
+                <a16:creationId xmlns:a16="http://schemas.microsoft.com/office/drawing/2014/main" id="{CABD2085-481A-4BB3-A1FC-23DD137D49A6}"/>
+              </a:ext>
+            </a:extLst>
+          </p:cNvPr>
+          <p:cNvSpPr txBox="1"/>
+          <p:nvPr/>
+        </p:nvSpPr>
+        <p:spPr>
+          <a:xfrm>
+            <a:off x="587338" y="1165720"/>
+            <a:ext cx="7580615" cy="373559"/>
+          </a:xfrm>
+          <a:prstGeom prst="rect">
+            <a:avLst/>
+          </a:prstGeom>
+        </p:spPr>
+        <p:txBody>
+          <a:bodyPr vert="horz" wrap="none" lIns="72000" tIns="36000" rIns="72000" bIns="36000" rtlCol="0" anchor="t">
+            <a:noAutofit/>
+          </a:bodyPr>
+          <a:lstStyle/>
+          <a:p>
+            <a:pPr marL="0" indent="0" algn="l">
+              <a:buNone/>
+            </a:pPr>
+            <a:r>
+              <a:rPr lang="en-US" sz="1800" dirty="0"/>
+              <a:t>#1 All the 3 services are up and are visible in the spring Eureka server.</a:t>
+            </a:r>
+          </a:p>
+        </p:txBody>
+      </p:sp>
       <p:pic>
         <p:nvPicPr>
-          <p:cNvPr id="6" name="Picture 5">
+          <p:cNvPr id="9" name="Picture 8">
             <a:extLst>
               <a:ext uri="{FF2B5EF4-FFF2-40B4-BE49-F238E27FC236}">
-                <a16:creationId xmlns:a16="http://schemas.microsoft.com/office/drawing/2014/main" id="{1C1AABBC-5A3B-4E37-8A29-570824ADD349}"/>
+                <a16:creationId xmlns:a16="http://schemas.microsoft.com/office/drawing/2014/main" id="{883892C2-A7FC-4D3F-A91E-551E0BCBA346}"/>
               </a:ext>
             </a:extLst>
           </p:cNvPr>
@@ -21071,51 +21290,14 @@
         </p:blipFill>
         <p:spPr>
           <a:xfrm>
-            <a:off x="719191" y="1690688"/>
-            <a:ext cx="9534418" cy="4688344"/>
+            <a:off x="678094" y="1633590"/>
+            <a:ext cx="9452226" cy="4780947"/>
           </a:xfrm>
           <a:prstGeom prst="rect">
             <a:avLst/>
           </a:prstGeom>
         </p:spPr>
       </p:pic>
-      <p:sp>
-        <p:nvSpPr>
-          <p:cNvPr id="8" name="TextBox 7">
-            <a:extLst>
-              <a:ext uri="{FF2B5EF4-FFF2-40B4-BE49-F238E27FC236}">
-                <a16:creationId xmlns:a16="http://schemas.microsoft.com/office/drawing/2014/main" id="{CABD2085-481A-4BB3-A1FC-23DD137D49A6}"/>
-              </a:ext>
-            </a:extLst>
-          </p:cNvPr>
-          <p:cNvSpPr txBox="1"/>
-          <p:nvPr/>
-        </p:nvSpPr>
-        <p:spPr>
-          <a:xfrm>
-            <a:off x="587338" y="1165720"/>
-            <a:ext cx="7580615" cy="373559"/>
-          </a:xfrm>
-          <a:prstGeom prst="rect">
-            <a:avLst/>
-          </a:prstGeom>
-        </p:spPr>
-        <p:txBody>
-          <a:bodyPr vert="horz" wrap="none" lIns="72000" tIns="36000" rIns="72000" bIns="36000" rtlCol="0" anchor="t">
-            <a:noAutofit/>
-          </a:bodyPr>
-          <a:lstStyle/>
-          <a:p>
-            <a:pPr marL="0" indent="0" algn="l">
-              <a:buNone/>
-            </a:pPr>
-            <a:r>
-              <a:rPr lang="en-US" sz="1800" dirty="0"/>
-              <a:t>#1 All the 3 services are up and are visible in the spring Eureka server.</a:t>
-            </a:r>
-          </a:p>
-        </p:txBody>
-      </p:sp>
     </p:spTree>
     <p:custDataLst>
       <p:custData r:id="rId1"/>
@@ -21222,10 +21404,10 @@
       </p:sp>
       <p:pic>
         <p:nvPicPr>
-          <p:cNvPr id="2" name="Picture 1">
+          <p:cNvPr id="3" name="Picture 2">
             <a:extLst>
               <a:ext uri="{FF2B5EF4-FFF2-40B4-BE49-F238E27FC236}">
-                <a16:creationId xmlns:a16="http://schemas.microsoft.com/office/drawing/2014/main" id="{5149959E-9A28-4E1B-8C13-0E1A105DD7D0}"/>
+                <a16:creationId xmlns:a16="http://schemas.microsoft.com/office/drawing/2014/main" id="{78BB000C-E761-4120-B60F-10CA9F004F48}"/>
               </a:ext>
             </a:extLst>
           </p:cNvPr>
@@ -21242,8 +21424,8 @@
         </p:blipFill>
         <p:spPr>
           <a:xfrm>
-            <a:off x="996591" y="1622546"/>
-            <a:ext cx="9349485" cy="4582694"/>
+            <a:off x="873454" y="1539279"/>
+            <a:ext cx="9344025" cy="4581525"/>
           </a:xfrm>
           <a:prstGeom prst="rect">
             <a:avLst/>
@@ -22628,6 +22810,14 @@
 <TemplafySlideFormConfiguration><![CDATA[{"formFields":[],"formDataEntries":[]}]]></TemplafySlideFormConfiguration>
 </file>
 
+<file path=customXml/item58.xml><?xml version="1.0" encoding="utf-8"?>
+<TemplafySlideTemplateConfiguration><![CDATA[{"documentContentValidatorConfiguration":{"enableDocumentContentValidator":false,"documentContentValidatorVersion":0},"elementsMetadata":[],"slideId":"637037983905221558","enableDocumentContentUpdater":true,"version":"1.9"}]]></TemplafySlideTemplateConfiguration>
+</file>
+
+<file path=customXml/item59.xml><?xml version="1.0" encoding="utf-8"?>
+<TemplafySlideFormConfiguration><![CDATA[{"formFields":[],"formDataEntries":[]}]]></TemplafySlideFormConfiguration>
+</file>
+
 <file path=customXml/item6.xml><?xml version="1.0" encoding="utf-8"?>
 <TemplafySlideFormConfiguration><![CDATA[{"formFields":[],"formDataEntries":[]}]]></TemplafySlideFormConfiguration>
 </file>
@@ -22979,6 +23169,18 @@
 </ds:datastoreItem>
 </file>
 
+<file path=customXml/itemProps58.xml><?xml version="1.0" encoding="utf-8"?>
+<ds:datastoreItem xmlns:ds="http://schemas.openxmlformats.org/officeDocument/2006/customXml" ds:itemID="{459BA17D-3344-435C-B24D-9F8049F051B3}">
+  <ds:schemaRefs/>
+</ds:datastoreItem>
+</file>
+
+<file path=customXml/itemProps59.xml><?xml version="1.0" encoding="utf-8"?>
+<ds:datastoreItem xmlns:ds="http://schemas.openxmlformats.org/officeDocument/2006/customXml" ds:itemID="{C578AE0C-5EE7-4C63-B292-B6FADFB5A6DA}">
+  <ds:schemaRefs/>
+</ds:datastoreItem>
+</file>
+
 <file path=customXml/itemProps6.xml><?xml version="1.0" encoding="utf-8"?>
 <ds:datastoreItem xmlns:ds="http://schemas.openxmlformats.org/officeDocument/2006/customXml" ds:itemID="{4914A395-82D1-48FA-8CB8-12F347A6DC3D}">
   <ds:schemaRefs/>

--- a/BC_1.pptx
+++ b/BC_1.pptx
@@ -2,47 +2,50 @@
 <file path=ppt/presentation.xml><?xml version="1.0" encoding="utf-8"?>
 <p:presentation xmlns:a="http://schemas.openxmlformats.org/drawingml/2006/main" xmlns:r="http://schemas.openxmlformats.org/officeDocument/2006/relationships" xmlns:p="http://schemas.openxmlformats.org/presentationml/2006/main" embedTrueTypeFonts="1" saveSubsetFonts="1">
   <p:sldMasterIdLst>
-    <p:sldMasterId id="2147483660" r:id="rId60"/>
+    <p:sldMasterId id="2147483660" r:id="rId66"/>
   </p:sldMasterIdLst>
   <p:notesMasterIdLst>
-    <p:notesMasterId r:id="rId74"/>
+    <p:notesMasterId r:id="rId83"/>
   </p:notesMasterIdLst>
   <p:handoutMasterIdLst>
-    <p:handoutMasterId r:id="rId75"/>
+    <p:handoutMasterId r:id="rId84"/>
   </p:handoutMasterIdLst>
   <p:sldIdLst>
-    <p:sldId id="281" r:id="rId61"/>
-    <p:sldId id="283" r:id="rId62"/>
-    <p:sldId id="284" r:id="rId63"/>
-    <p:sldId id="282" r:id="rId64"/>
-    <p:sldId id="285" r:id="rId65"/>
-    <p:sldId id="286" r:id="rId66"/>
-    <p:sldId id="287" r:id="rId67"/>
-    <p:sldId id="288" r:id="rId68"/>
-    <p:sldId id="289" r:id="rId69"/>
-    <p:sldId id="290" r:id="rId70"/>
-    <p:sldId id="291" r:id="rId71"/>
-    <p:sldId id="293" r:id="rId72"/>
-    <p:sldId id="292" r:id="rId73"/>
+    <p:sldId id="281" r:id="rId67"/>
+    <p:sldId id="283" r:id="rId68"/>
+    <p:sldId id="284" r:id="rId69"/>
+    <p:sldId id="282" r:id="rId70"/>
+    <p:sldId id="295" r:id="rId71"/>
+    <p:sldId id="296" r:id="rId72"/>
+    <p:sldId id="285" r:id="rId73"/>
+    <p:sldId id="286" r:id="rId74"/>
+    <p:sldId id="287" r:id="rId75"/>
+    <p:sldId id="288" r:id="rId76"/>
+    <p:sldId id="289" r:id="rId77"/>
+    <p:sldId id="290" r:id="rId78"/>
+    <p:sldId id="291" r:id="rId79"/>
+    <p:sldId id="293" r:id="rId80"/>
+    <p:sldId id="292" r:id="rId81"/>
+    <p:sldId id="294" r:id="rId82"/>
   </p:sldIdLst>
   <p:sldSz cx="12192000" cy="6858000"/>
   <p:notesSz cx="6858000" cy="9144000"/>
   <p:embeddedFontLst>
     <p:embeddedFont>
       <p:font typeface="Ericsson Hilda" panose="00000500000000000000" pitchFamily="2" charset="0"/>
-      <p:regular r:id="rId76"/>
-      <p:bold r:id="rId77"/>
+      <p:regular r:id="rId85"/>
+      <p:bold r:id="rId86"/>
     </p:embeddedFont>
     <p:embeddedFont>
       <p:font typeface="Ericsson Hilda Light" panose="00000400000000000000" pitchFamily="2" charset="0"/>
-      <p:regular r:id="rId78"/>
+      <p:regular r:id="rId87"/>
     </p:embeddedFont>
     <p:embeddedFont>
       <p:font typeface="Ericsson Technical Icons" panose="00000500000000000000" pitchFamily="2" charset="0"/>
-      <p:regular r:id="rId79"/>
-      <p:bold r:id="rId80"/>
-      <p:italic r:id="rId81"/>
-      <p:boldItalic r:id="rId82"/>
+      <p:regular r:id="rId88"/>
+      <p:bold r:id="rId89"/>
+      <p:italic r:id="rId90"/>
+      <p:boldItalic r:id="rId91"/>
     </p:embeddedFont>
   </p:embeddedFontLst>
   <p:defaultTextStyle>
@@ -1083,7 +1086,7 @@
         <p:spPr>
           <a:xfrm>
             <a:off x="396000" y="6524625"/>
-            <a:ext cx="3421129" cy="123111"/>
+            <a:ext cx="3474990" cy="123111"/>
           </a:xfrm>
           <a:prstGeom prst="rect">
             <a:avLst/>
@@ -1109,7 +1112,7 @@
               </a:rPr>
               <a:t>  |  EPRTSHE Prashant Shende  |  2019-12-08  |  Ericsson Confidential  |  Page </a:t>
             </a:r>
-            <a:fld id="{815B1458-62A5-4208-A8E6-5B554D8F01D5}" type="slidenum">
+            <a:fld id="{AF96B8D7-C89C-49F9-A950-D25631CEA93F}" type="slidenum">
               <a:rPr lang="en-US" sz="800" b="0" i="0" u="none" smtClean="0">
                 <a:solidFill>
                   <a:srgbClr val="1A1816"/>
@@ -1125,7 +1128,7 @@
                 </a:solidFill>
                 <a:latin typeface="+mn-lt"/>
               </a:rPr>
-              <a:t> of 6</a:t>
+              <a:t> of 15</a:t>
             </a:r>
             <a:endParaRPr lang="en-US" sz="800" b="0" i="0" u="none" dirty="0">
               <a:solidFill>
@@ -1576,7 +1579,7 @@
         <p:spPr>
           <a:xfrm>
             <a:off x="396000" y="6524625"/>
-            <a:ext cx="3421129" cy="123111"/>
+            <a:ext cx="3474990" cy="123111"/>
           </a:xfrm>
           <a:prstGeom prst="rect">
             <a:avLst/>
@@ -1602,7 +1605,7 @@
               </a:rPr>
               <a:t>  |  EPRTSHE Prashant Shende  |  2019-12-08  |  Ericsson Confidential  |  Page </a:t>
             </a:r>
-            <a:fld id="{2C37C83A-A124-42B4-AEBD-A971720F2AC2}" type="slidenum">
+            <a:fld id="{914551BF-73E5-4136-8AF8-3B1954ED8E65}" type="slidenum">
               <a:rPr lang="en-US" sz="800" b="0" i="0" u="none" smtClean="0">
                 <a:solidFill>
                   <a:schemeClr val="bg1"/>
@@ -1618,7 +1621,7 @@
                 </a:solidFill>
                 <a:latin typeface="+mn-lt"/>
               </a:rPr>
-              <a:t> of 6</a:t>
+              <a:t> of 15</a:t>
             </a:r>
             <a:endParaRPr lang="en-US" sz="800" b="0" i="0" u="none" dirty="0">
               <a:solidFill>
@@ -1877,7 +1880,7 @@
         <p:spPr>
           <a:xfrm>
             <a:off x="396000" y="6524625"/>
-            <a:ext cx="3421129" cy="123111"/>
+            <a:ext cx="3474990" cy="123111"/>
           </a:xfrm>
           <a:prstGeom prst="rect">
             <a:avLst/>
@@ -1903,7 +1906,7 @@
               </a:rPr>
               <a:t>  |  EPRTSHE Prashant Shende  |  2019-12-08  |  Ericsson Confidential  |  Page </a:t>
             </a:r>
-            <a:fld id="{3048EE33-B6BB-42B3-B069-97AED033B335}" type="slidenum">
+            <a:fld id="{16A8C560-4CA2-483B-ACC3-15E1E2C26B0B}" type="slidenum">
               <a:rPr lang="en-US" sz="800" b="0" i="0" u="none" smtClean="0">
                 <a:solidFill>
                   <a:srgbClr val="1A1816"/>
@@ -1919,7 +1922,7 @@
                 </a:solidFill>
                 <a:latin typeface="+mn-lt"/>
               </a:rPr>
-              <a:t> of 6</a:t>
+              <a:t> of 15</a:t>
             </a:r>
             <a:endParaRPr lang="en-US" sz="800" b="0" i="0" u="none" dirty="0">
               <a:solidFill>
@@ -2104,7 +2107,7 @@
         <p:spPr>
           <a:xfrm>
             <a:off x="396000" y="6524625"/>
-            <a:ext cx="3421129" cy="123111"/>
+            <a:ext cx="3474990" cy="123111"/>
           </a:xfrm>
           <a:prstGeom prst="rect">
             <a:avLst/>
@@ -2130,7 +2133,7 @@
               </a:rPr>
               <a:t>  |  EPRTSHE Prashant Shende  |  2019-12-08  |  Ericsson Confidential  |  Page </a:t>
             </a:r>
-            <a:fld id="{F777F21E-8413-4C2F-928E-0BAAEBF296A7}" type="slidenum">
+            <a:fld id="{B5A65AF4-9CD4-4ADA-AED1-BE7BEE5D7928}" type="slidenum">
               <a:rPr lang="en-US" sz="800" b="0" i="0" u="none" smtClean="0">
                 <a:solidFill>
                   <a:srgbClr val="1A1816"/>
@@ -2146,7 +2149,7 @@
                 </a:solidFill>
                 <a:latin typeface="+mn-lt"/>
               </a:rPr>
-              <a:t> of 6</a:t>
+              <a:t> of 15</a:t>
             </a:r>
             <a:endParaRPr lang="en-US" sz="800" b="0" i="0" u="none" dirty="0">
               <a:solidFill>
@@ -2273,7 +2276,7 @@
         <p:spPr>
           <a:xfrm>
             <a:off x="396000" y="6524625"/>
-            <a:ext cx="3421129" cy="123111"/>
+            <a:ext cx="3474990" cy="123111"/>
           </a:xfrm>
           <a:prstGeom prst="rect">
             <a:avLst/>
@@ -2299,7 +2302,7 @@
               </a:rPr>
               <a:t>  |  EPRTSHE Prashant Shende  |  2019-12-08  |  Ericsson Confidential  |  Page </a:t>
             </a:r>
-            <a:fld id="{8E21C9F9-8D94-4E6B-A094-F43F005E84B5}" type="slidenum">
+            <a:fld id="{DE4313CC-26D6-4BAD-B3A7-81B77502F259}" type="slidenum">
               <a:rPr lang="en-US" sz="800" b="0" i="0" u="none" smtClean="0">
                 <a:solidFill>
                   <a:srgbClr val="1A1816"/>
@@ -2315,7 +2318,7 @@
                 </a:solidFill>
                 <a:latin typeface="+mn-lt"/>
               </a:rPr>
-              <a:t> of 6</a:t>
+              <a:t> of 15</a:t>
             </a:r>
             <a:endParaRPr lang="en-US" sz="800" b="0" i="0" u="none" dirty="0">
               <a:solidFill>
@@ -2489,7 +2492,7 @@
         <p:spPr>
           <a:xfrm>
             <a:off x="396000" y="6524625"/>
-            <a:ext cx="3421129" cy="123111"/>
+            <a:ext cx="3474990" cy="123111"/>
           </a:xfrm>
           <a:prstGeom prst="rect">
             <a:avLst/>
@@ -2515,7 +2518,7 @@
               </a:rPr>
               <a:t>  |  EPRTSHE Prashant Shende  |  2019-12-08  |  Ericsson Confidential  |  Page </a:t>
             </a:r>
-            <a:fld id="{7076FFB3-2773-4A09-9633-B176788F6D7F}" type="slidenum">
+            <a:fld id="{ABB17926-6AE8-44EC-A83D-C528289B09AC}" type="slidenum">
               <a:rPr lang="en-US" sz="800" b="0" i="0" u="none" smtClean="0">
                 <a:solidFill>
                   <a:srgbClr val="1A1816"/>
@@ -2531,7 +2534,7 @@
                 </a:solidFill>
                 <a:latin typeface="+mn-lt"/>
               </a:rPr>
-              <a:t> of 6</a:t>
+              <a:t> of 15</a:t>
             </a:r>
             <a:endParaRPr lang="en-US" sz="800" b="0" i="0" u="none" dirty="0">
               <a:solidFill>
@@ -2797,7 +2800,7 @@
         <p:spPr>
           <a:xfrm>
             <a:off x="396000" y="6524625"/>
-            <a:ext cx="3421129" cy="123111"/>
+            <a:ext cx="3474990" cy="123111"/>
           </a:xfrm>
           <a:prstGeom prst="rect">
             <a:avLst/>
@@ -2823,7 +2826,7 @@
               </a:rPr>
               <a:t>  |  EPRTSHE Prashant Shende  |  2019-12-08  |  Ericsson Confidential  |  Page </a:t>
             </a:r>
-            <a:fld id="{2103DA0B-D601-47BB-9095-B85E3BEAB7AF}" type="slidenum">
+            <a:fld id="{C34D2473-DB4A-473D-BC7B-B111745F2EB2}" type="slidenum">
               <a:rPr lang="en-US" sz="800" b="0" i="0" u="none" smtClean="0">
                 <a:solidFill>
                   <a:schemeClr val="bg1"/>
@@ -2839,7 +2842,7 @@
                 </a:solidFill>
                 <a:latin typeface="+mn-lt"/>
               </a:rPr>
-              <a:t> of 6</a:t>
+              <a:t> of 15</a:t>
             </a:r>
             <a:endParaRPr lang="en-US" sz="800" b="0" i="0" u="none" dirty="0">
               <a:solidFill>
@@ -3105,7 +3108,7 @@
         <p:spPr>
           <a:xfrm>
             <a:off x="396000" y="6524625"/>
-            <a:ext cx="3421129" cy="123111"/>
+            <a:ext cx="3474990" cy="123111"/>
           </a:xfrm>
           <a:prstGeom prst="rect">
             <a:avLst/>
@@ -3131,7 +3134,7 @@
               </a:rPr>
               <a:t>  |  EPRTSHE Prashant Shende  |  2019-12-08  |  Ericsson Confidential  |  Page </a:t>
             </a:r>
-            <a:fld id="{0422D7FB-698E-44CD-A187-229BACE4A1AC}" type="slidenum">
+            <a:fld id="{BECC7C0E-550D-4EE4-9ECE-84823508A119}" type="slidenum">
               <a:rPr lang="en-US" sz="800" b="0" i="0" u="none" smtClean="0">
                 <a:solidFill>
                   <a:schemeClr val="bg1"/>
@@ -3147,7 +3150,7 @@
                 </a:solidFill>
                 <a:latin typeface="+mn-lt"/>
               </a:rPr>
-              <a:t> of 6</a:t>
+              <a:t> of 15</a:t>
             </a:r>
             <a:endParaRPr lang="en-US" sz="800" b="0" i="0" u="none" dirty="0">
               <a:solidFill>
@@ -3413,7 +3416,7 @@
         <p:spPr>
           <a:xfrm>
             <a:off x="396000" y="6524625"/>
-            <a:ext cx="3421129" cy="123111"/>
+            <a:ext cx="3474990" cy="123111"/>
           </a:xfrm>
           <a:prstGeom prst="rect">
             <a:avLst/>
@@ -3439,7 +3442,7 @@
               </a:rPr>
               <a:t>  |  EPRTSHE Prashant Shende  |  2019-12-08  |  Ericsson Confidential  |  Page </a:t>
             </a:r>
-            <a:fld id="{450B140B-677D-491B-AC4E-F9FCB0F7E341}" type="slidenum">
+            <a:fld id="{0D777B7B-E03A-4DD6-BA6E-A41138DDF6E3}" type="slidenum">
               <a:rPr lang="en-US" sz="800" b="0" i="0" u="none" smtClean="0">
                 <a:solidFill>
                   <a:schemeClr val="bg1"/>
@@ -3455,7 +3458,7 @@
                 </a:solidFill>
                 <a:latin typeface="+mn-lt"/>
               </a:rPr>
-              <a:t> of 6</a:t>
+              <a:t> of 15</a:t>
             </a:r>
             <a:endParaRPr lang="en-US" sz="800" b="0" i="0" u="none" dirty="0">
               <a:solidFill>
@@ -3721,7 +3724,7 @@
         <p:spPr>
           <a:xfrm>
             <a:off x="396000" y="6524625"/>
-            <a:ext cx="3421129" cy="123111"/>
+            <a:ext cx="3474990" cy="123111"/>
           </a:xfrm>
           <a:prstGeom prst="rect">
             <a:avLst/>
@@ -3747,7 +3750,7 @@
               </a:rPr>
               <a:t>  |  EPRTSHE Prashant Shende  |  2019-12-08  |  Ericsson Confidential  |  Page </a:t>
             </a:r>
-            <a:fld id="{8E7C4C26-62A1-49AE-A689-5983640A4338}" type="slidenum">
+            <a:fld id="{89DBA37E-3C4B-4A6E-9E4F-25E1E333CF25}" type="slidenum">
               <a:rPr lang="en-US" sz="800" b="0" i="0" u="none" smtClean="0">
                 <a:solidFill>
                   <a:schemeClr val="bg1"/>
@@ -3763,7 +3766,7 @@
                 </a:solidFill>
                 <a:latin typeface="+mn-lt"/>
               </a:rPr>
-              <a:t> of 6</a:t>
+              <a:t> of 15</a:t>
             </a:r>
             <a:endParaRPr lang="en-US" sz="800" b="0" i="0" u="none" dirty="0">
               <a:solidFill>
@@ -4029,7 +4032,7 @@
         <p:spPr>
           <a:xfrm>
             <a:off x="396000" y="6524625"/>
-            <a:ext cx="3421129" cy="123111"/>
+            <a:ext cx="3474990" cy="123111"/>
           </a:xfrm>
           <a:prstGeom prst="rect">
             <a:avLst/>
@@ -4055,7 +4058,7 @@
               </a:rPr>
               <a:t>  |  EPRTSHE Prashant Shende  |  2019-12-08  |  Ericsson Confidential  |  Page </a:t>
             </a:r>
-            <a:fld id="{A0A57EE0-57ED-4A8B-863E-8D4AC105DB72}" type="slidenum">
+            <a:fld id="{AFCAB4B0-DF31-4855-8000-031246A5CFBF}" type="slidenum">
               <a:rPr lang="en-US" sz="800" b="0" i="0" u="none" smtClean="0">
                 <a:solidFill>
                   <a:schemeClr val="bg1"/>
@@ -4071,7 +4074,7 @@
                 </a:solidFill>
                 <a:latin typeface="+mn-lt"/>
               </a:rPr>
-              <a:t> of 6</a:t>
+              <a:t> of 15</a:t>
             </a:r>
             <a:endParaRPr lang="en-US" sz="800" b="0" i="0" u="none" dirty="0">
               <a:solidFill>
@@ -4550,7 +4553,7 @@
         <p:spPr>
           <a:xfrm>
             <a:off x="396000" y="6524625"/>
-            <a:ext cx="3421129" cy="123111"/>
+            <a:ext cx="3474990" cy="123111"/>
           </a:xfrm>
           <a:prstGeom prst="rect">
             <a:avLst/>
@@ -4576,7 +4579,7 @@
               </a:rPr>
               <a:t>  |  EPRTSHE Prashant Shende  |  2019-12-08  |  Ericsson Confidential  |  Page </a:t>
             </a:r>
-            <a:fld id="{9D0046B0-6642-4275-8E45-758F73FA2922}" type="slidenum">
+            <a:fld id="{06F22ED3-D256-4EAA-8977-3FE016FF1689}" type="slidenum">
               <a:rPr lang="en-US" sz="800" b="0" i="0" u="none" smtClean="0">
                 <a:solidFill>
                   <a:schemeClr val="bg1"/>
@@ -4592,7 +4595,7 @@
                 </a:solidFill>
                 <a:latin typeface="+mn-lt"/>
               </a:rPr>
-              <a:t> of 6</a:t>
+              <a:t> of 15</a:t>
             </a:r>
             <a:endParaRPr lang="en-US" sz="800" b="0" i="0" u="none" dirty="0">
               <a:solidFill>
@@ -4864,7 +4867,7 @@
         <p:spPr>
           <a:xfrm>
             <a:off x="396000" y="6524625"/>
-            <a:ext cx="3421129" cy="123111"/>
+            <a:ext cx="3474990" cy="123111"/>
           </a:xfrm>
           <a:prstGeom prst="rect">
             <a:avLst/>
@@ -4890,7 +4893,7 @@
               </a:rPr>
               <a:t>  |  EPRTSHE Prashant Shende  |  2019-12-08  |  Ericsson Confidential  |  Page </a:t>
             </a:r>
-            <a:fld id="{10B005FC-6AC9-463D-A0B7-FAAFF240ED54}" type="slidenum">
+            <a:fld id="{8A54B848-D09D-4D26-95E6-8FB0E7C598FF}" type="slidenum">
               <a:rPr lang="en-US" sz="800" b="0" i="0" u="none" smtClean="0">
                 <a:solidFill>
                   <a:schemeClr val="bg1"/>
@@ -4906,7 +4909,7 @@
                 </a:solidFill>
                 <a:latin typeface="+mn-lt"/>
               </a:rPr>
-              <a:t> of 6</a:t>
+              <a:t> of 15</a:t>
             </a:r>
             <a:endParaRPr lang="en-US" sz="800" b="0" i="0" u="none" dirty="0">
               <a:solidFill>
@@ -5172,7 +5175,7 @@
         <p:spPr>
           <a:xfrm>
             <a:off x="396000" y="6524625"/>
-            <a:ext cx="3421129" cy="123111"/>
+            <a:ext cx="3474990" cy="123111"/>
           </a:xfrm>
           <a:prstGeom prst="rect">
             <a:avLst/>
@@ -5198,7 +5201,7 @@
               </a:rPr>
               <a:t>  |  EPRTSHE Prashant Shende  |  2019-12-08  |  Ericsson Confidential  |  Page </a:t>
             </a:r>
-            <a:fld id="{DED04EF3-B36A-4806-AA11-1ABE387D899E}" type="slidenum">
+            <a:fld id="{95366FDE-8AB9-4617-A467-A79E57F4198C}" type="slidenum">
               <a:rPr lang="en-US" sz="800" b="0" i="0" u="none" smtClean="0">
                 <a:solidFill>
                   <a:schemeClr val="bg1"/>
@@ -5214,7 +5217,7 @@
                 </a:solidFill>
                 <a:latin typeface="+mn-lt"/>
               </a:rPr>
-              <a:t> of 6</a:t>
+              <a:t> of 15</a:t>
             </a:r>
             <a:endParaRPr lang="en-US" sz="800" b="0" i="0" u="none" dirty="0">
               <a:solidFill>
@@ -5474,7 +5477,7 @@
         <p:spPr>
           <a:xfrm>
             <a:off x="396000" y="6524625"/>
-            <a:ext cx="3421129" cy="123111"/>
+            <a:ext cx="3474990" cy="123111"/>
           </a:xfrm>
           <a:prstGeom prst="rect">
             <a:avLst/>
@@ -5500,7 +5503,7 @@
               </a:rPr>
               <a:t>  |  EPRTSHE Prashant Shende  |  2019-12-08  |  Ericsson Confidential  |  Page </a:t>
             </a:r>
-            <a:fld id="{BE0BFE73-F6B2-49B5-9900-BF935A816983}" type="slidenum">
+            <a:fld id="{110E14A3-0355-4500-B391-83529DF0A201}" type="slidenum">
               <a:rPr lang="en-US" sz="800" b="0" i="0" u="none" smtClean="0">
                 <a:solidFill>
                   <a:srgbClr val="1A1816"/>
@@ -5516,7 +5519,7 @@
                 </a:solidFill>
                 <a:latin typeface="+mn-lt"/>
               </a:rPr>
-              <a:t> of 6</a:t>
+              <a:t> of 15</a:t>
             </a:r>
             <a:endParaRPr lang="en-US" sz="800" b="0" i="0" u="none" dirty="0">
               <a:solidFill>
@@ -5775,7 +5778,7 @@
         <p:spPr>
           <a:xfrm>
             <a:off x="396000" y="6524625"/>
-            <a:ext cx="3421129" cy="123111"/>
+            <a:ext cx="3474990" cy="123111"/>
           </a:xfrm>
           <a:prstGeom prst="rect">
             <a:avLst/>
@@ -5801,7 +5804,7 @@
               </a:rPr>
               <a:t>  |  EPRTSHE Prashant Shende  |  2019-12-08  |  Ericsson Confidential  |  Page </a:t>
             </a:r>
-            <a:fld id="{90E396C3-D571-4B09-BE28-E48D8626967E}" type="slidenum">
+            <a:fld id="{C9CC0005-6803-4143-ABCC-719DB381CD2C}" type="slidenum">
               <a:rPr lang="en-US" sz="800" b="0" i="0" u="none" smtClean="0">
                 <a:solidFill>
                   <a:srgbClr val="1A1816"/>
@@ -5817,7 +5820,7 @@
                 </a:solidFill>
                 <a:latin typeface="+mn-lt"/>
               </a:rPr>
-              <a:t> of 6</a:t>
+              <a:t> of 15</a:t>
             </a:r>
             <a:endParaRPr lang="en-US" sz="800" b="0" i="0" u="none" dirty="0">
               <a:solidFill>
@@ -6082,7 +6085,7 @@
         <p:spPr>
           <a:xfrm>
             <a:off x="396000" y="6524625"/>
-            <a:ext cx="3421129" cy="123111"/>
+            <a:ext cx="3474990" cy="123111"/>
           </a:xfrm>
           <a:prstGeom prst="rect">
             <a:avLst/>
@@ -6108,7 +6111,7 @@
               </a:rPr>
               <a:t>  |  EPRTSHE Prashant Shende  |  2019-12-08  |  Ericsson Confidential  |  Page </a:t>
             </a:r>
-            <a:fld id="{1DD27CAA-73C3-4448-85DE-4C5F7C3528DA}" type="slidenum">
+            <a:fld id="{F0E3798C-4F24-420C-9223-51EA7279965D}" type="slidenum">
               <a:rPr lang="en-US" sz="800" b="0" i="0" u="none" smtClean="0">
                 <a:solidFill>
                   <a:srgbClr val="1A1816"/>
@@ -6124,7 +6127,7 @@
                 </a:solidFill>
                 <a:latin typeface="+mn-lt"/>
               </a:rPr>
-              <a:t> of 6</a:t>
+              <a:t> of 15</a:t>
             </a:r>
             <a:endParaRPr lang="en-US" sz="800" b="0" i="0" u="none" dirty="0">
               <a:solidFill>
@@ -6384,7 +6387,7 @@
         <p:spPr>
           <a:xfrm>
             <a:off x="396000" y="6524625"/>
-            <a:ext cx="3421129" cy="123111"/>
+            <a:ext cx="3474990" cy="123111"/>
           </a:xfrm>
           <a:prstGeom prst="rect">
             <a:avLst/>
@@ -6410,7 +6413,7 @@
               </a:rPr>
               <a:t>  |  EPRTSHE Prashant Shende  |  2019-12-08  |  Ericsson Confidential  |  Page </a:t>
             </a:r>
-            <a:fld id="{FE8A6398-4213-44E7-BE73-26F49F40263D}" type="slidenum">
+            <a:fld id="{6A1EE28D-F2DC-4974-AC63-7D8D9135EE87}" type="slidenum">
               <a:rPr lang="en-US" sz="800" b="0" i="0" u="none" smtClean="0">
                 <a:solidFill>
                   <a:srgbClr val="1A1816"/>
@@ -6426,7 +6429,7 @@
                 </a:solidFill>
                 <a:latin typeface="+mn-lt"/>
               </a:rPr>
-              <a:t> of 6</a:t>
+              <a:t> of 15</a:t>
             </a:r>
             <a:endParaRPr lang="en-US" sz="800" b="0" i="0" u="none" dirty="0">
               <a:solidFill>
@@ -6722,7 +6725,7 @@
         <p:spPr>
           <a:xfrm>
             <a:off x="396000" y="6524625"/>
-            <a:ext cx="3421129" cy="123111"/>
+            <a:ext cx="3474990" cy="123111"/>
           </a:xfrm>
           <a:prstGeom prst="rect">
             <a:avLst/>
@@ -6748,7 +6751,7 @@
               </a:rPr>
               <a:t>  |  EPRTSHE Prashant Shende  |  2019-12-08  |  Ericsson Confidential  |  Page </a:t>
             </a:r>
-            <a:fld id="{E6B3603D-60C1-485E-8540-F09343EFB160}" type="slidenum">
+            <a:fld id="{59D3274C-613E-440A-8560-02E78915BCBD}" type="slidenum">
               <a:rPr lang="en-US" sz="800" b="0" i="0" u="none" smtClean="0">
                 <a:solidFill>
                   <a:srgbClr val="1A1816"/>
@@ -6764,7 +6767,7 @@
                 </a:solidFill>
                 <a:latin typeface="+mn-lt"/>
               </a:rPr>
-              <a:t> of 6</a:t>
+              <a:t> of 15</a:t>
             </a:r>
             <a:endParaRPr lang="en-US" sz="800" b="0" i="0" u="none" dirty="0">
               <a:solidFill>
@@ -7024,7 +7027,7 @@
         <p:spPr>
           <a:xfrm>
             <a:off x="396000" y="6524625"/>
-            <a:ext cx="3421129" cy="123111"/>
+            <a:ext cx="3474990" cy="123111"/>
           </a:xfrm>
           <a:prstGeom prst="rect">
             <a:avLst/>
@@ -7050,7 +7053,7 @@
               </a:rPr>
               <a:t>  |  EPRTSHE Prashant Shende  |  2019-12-08  |  Ericsson Confidential  |  Page </a:t>
             </a:r>
-            <a:fld id="{147B3632-22F5-4F4F-B178-7A6FA67A847D}" type="slidenum">
+            <a:fld id="{1915ADB4-21FD-4630-8D9F-068D149982AE}" type="slidenum">
               <a:rPr lang="en-US" sz="800" b="0" i="0" u="none" smtClean="0">
                 <a:solidFill>
                   <a:srgbClr val="1A1816"/>
@@ -7066,7 +7069,7 @@
                 </a:solidFill>
                 <a:latin typeface="+mn-lt"/>
               </a:rPr>
-              <a:t> of 6</a:t>
+              <a:t> of 15</a:t>
             </a:r>
             <a:endParaRPr lang="en-US" sz="800" b="0" i="0" u="none" dirty="0">
               <a:solidFill>
@@ -7362,7 +7365,7 @@
         <p:spPr>
           <a:xfrm>
             <a:off x="396000" y="6524625"/>
-            <a:ext cx="3421129" cy="123111"/>
+            <a:ext cx="3474990" cy="123111"/>
           </a:xfrm>
           <a:prstGeom prst="rect">
             <a:avLst/>
@@ -7388,7 +7391,7 @@
               </a:rPr>
               <a:t>  |  EPRTSHE Prashant Shende  |  2019-12-08  |  Ericsson Confidential  |  Page </a:t>
             </a:r>
-            <a:fld id="{A2F92C34-E55A-4F19-82D5-8EF29BE61F6C}" type="slidenum">
+            <a:fld id="{DDAEE2D5-656D-4A6C-B577-82E55F1A980B}" type="slidenum">
               <a:rPr lang="en-US" sz="800" b="0" i="0" u="none" smtClean="0">
                 <a:solidFill>
                   <a:srgbClr val="1A1816"/>
@@ -7404,7 +7407,7 @@
                 </a:solidFill>
                 <a:latin typeface="+mn-lt"/>
               </a:rPr>
-              <a:t> of 6</a:t>
+              <a:t> of 15</a:t>
             </a:r>
             <a:endParaRPr lang="en-US" sz="800" b="0" i="0" u="none" dirty="0">
               <a:solidFill>
@@ -7744,7 +7747,7 @@
         <p:spPr>
           <a:xfrm>
             <a:off x="396000" y="6524625"/>
-            <a:ext cx="3421129" cy="123111"/>
+            <a:ext cx="3474990" cy="123111"/>
           </a:xfrm>
           <a:prstGeom prst="rect">
             <a:avLst/>
@@ -7770,7 +7773,7 @@
               </a:rPr>
               <a:t>  |  EPRTSHE Prashant Shende  |  2019-12-08  |  Ericsson Confidential  |  Page </a:t>
             </a:r>
-            <a:fld id="{0442A759-7925-4AC4-8301-FFEADBBC7C0F}" type="slidenum">
+            <a:fld id="{FE2B389A-575C-4DB7-898F-4237615B98D1}" type="slidenum">
               <a:rPr lang="en-US" sz="800" b="0" i="0" u="none" smtClean="0">
                 <a:solidFill>
                   <a:srgbClr val="1A1816"/>
@@ -7786,7 +7789,7 @@
                 </a:solidFill>
                 <a:latin typeface="+mn-lt"/>
               </a:rPr>
-              <a:t> of 6</a:t>
+              <a:t> of 15</a:t>
             </a:r>
             <a:endParaRPr lang="en-US" sz="800" b="0" i="0" u="none" dirty="0">
               <a:solidFill>
@@ -8086,7 +8089,7 @@
         <p:spPr>
           <a:xfrm>
             <a:off x="396000" y="6524625"/>
-            <a:ext cx="3421129" cy="123111"/>
+            <a:ext cx="3474990" cy="123111"/>
           </a:xfrm>
           <a:prstGeom prst="rect">
             <a:avLst/>
@@ -8112,7 +8115,7 @@
               </a:rPr>
               <a:t>  |  EPRTSHE Prashant Shende  |  2019-12-08  |  Ericsson Confidential  |  Page </a:t>
             </a:r>
-            <a:fld id="{2B0C94EC-3B14-4AB7-9031-0F8E41A40D3A}" type="slidenum">
+            <a:fld id="{A2085F8D-44FF-4435-9992-D9D61052CC56}" type="slidenum">
               <a:rPr lang="en-US" sz="800" b="0" i="0" u="none" smtClean="0">
                 <a:solidFill>
                   <a:srgbClr val="1A1816"/>
@@ -8128,7 +8131,7 @@
                 </a:solidFill>
                 <a:latin typeface="+mn-lt"/>
               </a:rPr>
-              <a:t> of 6</a:t>
+              <a:t> of 15</a:t>
             </a:r>
             <a:endParaRPr lang="en-US" sz="800" b="0" i="0" u="none" dirty="0">
               <a:solidFill>
@@ -8453,7 +8456,7 @@
         <p:spPr>
           <a:xfrm>
             <a:off x="396000" y="6524625"/>
-            <a:ext cx="3421129" cy="123111"/>
+            <a:ext cx="3474990" cy="123111"/>
           </a:xfrm>
           <a:prstGeom prst="rect">
             <a:avLst/>
@@ -8479,7 +8482,7 @@
               </a:rPr>
               <a:t>  |  EPRTSHE Prashant Shende  |  2019-12-08  |  Ericsson Confidential  |  Page </a:t>
             </a:r>
-            <a:fld id="{A0604627-FF1C-4682-A592-381764A177B1}" type="slidenum">
+            <a:fld id="{22C6BBF9-364F-4057-924E-23A87D29F0E0}" type="slidenum">
               <a:rPr lang="en-US" sz="800" b="0" i="0" u="none" smtClean="0">
                 <a:solidFill>
                   <a:srgbClr val="1A1816"/>
@@ -8495,7 +8498,7 @@
                 </a:solidFill>
                 <a:latin typeface="+mn-lt"/>
               </a:rPr>
-              <a:t> of 6</a:t>
+              <a:t> of 15</a:t>
             </a:r>
             <a:endParaRPr lang="en-US" sz="800" b="0" i="0" u="none" dirty="0">
               <a:solidFill>
@@ -8835,7 +8838,7 @@
         <p:spPr>
           <a:xfrm>
             <a:off x="396000" y="6524625"/>
-            <a:ext cx="3421129" cy="123111"/>
+            <a:ext cx="3474990" cy="123111"/>
           </a:xfrm>
           <a:prstGeom prst="rect">
             <a:avLst/>
@@ -8861,7 +8864,7 @@
               </a:rPr>
               <a:t>  |  EPRTSHE Prashant Shende  |  2019-12-08  |  Ericsson Confidential  |  Page </a:t>
             </a:r>
-            <a:fld id="{7BB4E98B-AA53-4A84-AC25-566BC4C6696F}" type="slidenum">
+            <a:fld id="{187564C1-BA27-4408-BD5F-D4E21E569C40}" type="slidenum">
               <a:rPr lang="en-US" sz="800" b="0" i="0" u="none" smtClean="0">
                 <a:solidFill>
                   <a:srgbClr val="1A1816"/>
@@ -8877,7 +8880,7 @@
                 </a:solidFill>
                 <a:latin typeface="+mn-lt"/>
               </a:rPr>
-              <a:t> of 6</a:t>
+              <a:t> of 15</a:t>
             </a:r>
             <a:endParaRPr lang="en-US" sz="800" b="0" i="0" u="none" dirty="0">
               <a:solidFill>
@@ -9217,7 +9220,7 @@
         <p:spPr>
           <a:xfrm>
             <a:off x="396000" y="6524625"/>
-            <a:ext cx="3421129" cy="123111"/>
+            <a:ext cx="3474990" cy="123111"/>
           </a:xfrm>
           <a:prstGeom prst="rect">
             <a:avLst/>
@@ -9243,7 +9246,7 @@
               </a:rPr>
               <a:t>  |  EPRTSHE Prashant Shende  |  2019-12-08  |  Ericsson Confidential  |  Page </a:t>
             </a:r>
-            <a:fld id="{13144BE2-C35D-4BFC-872B-13CADB15A3B1}" type="slidenum">
+            <a:fld id="{59AFBD31-9D1F-45F8-A183-25F0FDFC78FC}" type="slidenum">
               <a:rPr lang="en-US" sz="800" b="0" i="0" u="none" smtClean="0">
                 <a:solidFill>
                   <a:srgbClr val="1A1816"/>
@@ -9259,7 +9262,7 @@
                 </a:solidFill>
                 <a:latin typeface="+mn-lt"/>
               </a:rPr>
-              <a:t> of 6</a:t>
+              <a:t> of 15</a:t>
             </a:r>
             <a:endParaRPr lang="en-US" sz="800" b="0" i="0" u="none" dirty="0">
               <a:solidFill>
@@ -9599,7 +9602,7 @@
         <p:spPr>
           <a:xfrm>
             <a:off x="396000" y="6524625"/>
-            <a:ext cx="3421129" cy="123111"/>
+            <a:ext cx="3474990" cy="123111"/>
           </a:xfrm>
           <a:prstGeom prst="rect">
             <a:avLst/>
@@ -9625,7 +9628,7 @@
               </a:rPr>
               <a:t>  |  EPRTSHE Prashant Shende  |  2019-12-08  |  Ericsson Confidential  |  Page </a:t>
             </a:r>
-            <a:fld id="{181E71A0-FD23-4F20-BCF1-B28450EFB0F5}" type="slidenum">
+            <a:fld id="{A1773927-DA82-4F0C-9571-23957707FD32}" type="slidenum">
               <a:rPr lang="en-US" sz="800" b="0" i="0" u="none" smtClean="0">
                 <a:solidFill>
                   <a:srgbClr val="1A1816"/>
@@ -9641,7 +9644,7 @@
                 </a:solidFill>
                 <a:latin typeface="+mn-lt"/>
               </a:rPr>
-              <a:t> of 6</a:t>
+              <a:t> of 15</a:t>
             </a:r>
             <a:endParaRPr lang="en-US" sz="800" b="0" i="0" u="none" dirty="0">
               <a:solidFill>
@@ -9981,7 +9984,7 @@
         <p:spPr>
           <a:xfrm>
             <a:off x="396000" y="6524625"/>
-            <a:ext cx="3421129" cy="123111"/>
+            <a:ext cx="3474990" cy="123111"/>
           </a:xfrm>
           <a:prstGeom prst="rect">
             <a:avLst/>
@@ -10007,7 +10010,7 @@
               </a:rPr>
               <a:t>  |  EPRTSHE Prashant Shende  |  2019-12-08  |  Ericsson Confidential  |  Page </a:t>
             </a:r>
-            <a:fld id="{D98FC8FD-FBE7-449D-B224-81294A6E6199}" type="slidenum">
+            <a:fld id="{4CAC4AB0-D5F9-4FE2-A419-E42DA00EF005}" type="slidenum">
               <a:rPr lang="en-US" sz="800" b="0" i="0" u="none" smtClean="0">
                 <a:solidFill>
                   <a:srgbClr val="1A1816"/>
@@ -10023,7 +10026,7 @@
                 </a:solidFill>
                 <a:latin typeface="+mn-lt"/>
               </a:rPr>
-              <a:t> of 6</a:t>
+              <a:t> of 15</a:t>
             </a:r>
             <a:endParaRPr lang="en-US" sz="800" b="0" i="0" u="none" dirty="0">
               <a:solidFill>
@@ -10425,7 +10428,7 @@
         <p:spPr>
           <a:xfrm>
             <a:off x="396000" y="6524625"/>
-            <a:ext cx="3421129" cy="123111"/>
+            <a:ext cx="3474990" cy="123111"/>
           </a:xfrm>
           <a:prstGeom prst="rect">
             <a:avLst/>
@@ -10451,7 +10454,7 @@
               </a:rPr>
               <a:t>  |  EPRTSHE Prashant Shende  |  2019-12-08  |  Ericsson Confidential  |  Page </a:t>
             </a:r>
-            <a:fld id="{BC1FBBAC-F9A2-4373-AA27-AF9CC56781EC}" type="slidenum">
+            <a:fld id="{37B8FC15-866A-4929-B470-D40A2368B8D1}" type="slidenum">
               <a:rPr lang="en-US" sz="800" b="0" i="0" u="none" smtClean="0">
                 <a:solidFill>
                   <a:srgbClr val="1A1816"/>
@@ -10467,7 +10470,7 @@
                 </a:solidFill>
                 <a:latin typeface="+mn-lt"/>
               </a:rPr>
-              <a:t> of 6</a:t>
+              <a:t> of 15</a:t>
             </a:r>
             <a:endParaRPr lang="en-US" sz="800" b="0" i="0" u="none" dirty="0">
               <a:solidFill>
@@ -10863,7 +10866,7 @@
         <p:spPr>
           <a:xfrm>
             <a:off x="396000" y="6524625"/>
-            <a:ext cx="3421129" cy="123111"/>
+            <a:ext cx="3474990" cy="123111"/>
           </a:xfrm>
           <a:prstGeom prst="rect">
             <a:avLst/>
@@ -10889,7 +10892,7 @@
               </a:rPr>
               <a:t>  |  EPRTSHE Prashant Shende  |  2019-12-08  |  Ericsson Confidential  |  Page </a:t>
             </a:r>
-            <a:fld id="{5DBEEE59-13B3-454F-9E01-159368A351D6}" type="slidenum">
+            <a:fld id="{41E4C55D-E3FC-40F2-AAA9-A76001C16CCD}" type="slidenum">
               <a:rPr lang="en-US" sz="800" b="0" i="0" u="none" smtClean="0">
                 <a:solidFill>
                   <a:srgbClr val="1A1816"/>
@@ -10905,7 +10908,7 @@
                 </a:solidFill>
                 <a:latin typeface="+mn-lt"/>
               </a:rPr>
-              <a:t> of 6</a:t>
+              <a:t> of 15</a:t>
             </a:r>
             <a:endParaRPr lang="en-US" sz="800" b="0" i="0" u="none" dirty="0">
               <a:solidFill>
@@ -11364,7 +11367,7 @@
         <p:spPr>
           <a:xfrm>
             <a:off x="396000" y="6524625"/>
-            <a:ext cx="3421129" cy="123111"/>
+            <a:ext cx="3474990" cy="123111"/>
           </a:xfrm>
           <a:prstGeom prst="rect">
             <a:avLst/>
@@ -11390,7 +11393,7 @@
               </a:rPr>
               <a:t>  |  EPRTSHE Prashant Shende  |  2019-12-08  |  Ericsson Confidential  |  Page </a:t>
             </a:r>
-            <a:fld id="{572AB800-9DA5-4C28-A442-6CBFD5078A96}" type="slidenum">
+            <a:fld id="{F1804982-E18A-43B1-A642-6C736FE0B99E}" type="slidenum">
               <a:rPr lang="en-US" sz="800" b="0" i="0" u="none" smtClean="0">
                 <a:solidFill>
                   <a:srgbClr val="1A1816"/>
@@ -11406,7 +11409,7 @@
                 </a:solidFill>
                 <a:latin typeface="+mn-lt"/>
               </a:rPr>
-              <a:t> of 6</a:t>
+              <a:t> of 15</a:t>
             </a:r>
             <a:endParaRPr lang="en-US" sz="800" b="0" i="0" u="none" dirty="0">
               <a:solidFill>
@@ -11878,7 +11881,7 @@
         <p:spPr>
           <a:xfrm>
             <a:off x="396000" y="6524625"/>
-            <a:ext cx="3421129" cy="123111"/>
+            <a:ext cx="3474990" cy="123111"/>
           </a:xfrm>
           <a:prstGeom prst="rect">
             <a:avLst/>
@@ -11904,7 +11907,7 @@
               </a:rPr>
               <a:t>  |  EPRTSHE Prashant Shende  |  2019-12-08  |  Ericsson Confidential  |  Page </a:t>
             </a:r>
-            <a:fld id="{9A8A974F-BD7D-4900-A5B3-B663B0E3C76A}" type="slidenum">
+            <a:fld id="{594FB2C8-F3F6-4210-9B42-BD4D926ADDF9}" type="slidenum">
               <a:rPr lang="en-US" sz="800" b="0" i="0" u="none" smtClean="0">
                 <a:solidFill>
                   <a:srgbClr val="1A1816"/>
@@ -11920,7 +11923,7 @@
                 </a:solidFill>
                 <a:latin typeface="+mn-lt"/>
               </a:rPr>
-              <a:t> of 6</a:t>
+              <a:t> of 15</a:t>
             </a:r>
             <a:endParaRPr lang="en-US" sz="800" b="0" i="0" u="none" dirty="0">
               <a:solidFill>
@@ -12356,7 +12359,7 @@
         <p:spPr>
           <a:xfrm>
             <a:off x="396000" y="6524625"/>
-            <a:ext cx="3421129" cy="123111"/>
+            <a:ext cx="3474990" cy="123111"/>
           </a:xfrm>
           <a:prstGeom prst="rect">
             <a:avLst/>
@@ -12382,7 +12385,7 @@
               </a:rPr>
               <a:t>  |  EPRTSHE Prashant Shende  |  2019-12-08  |  Ericsson Confidential  |  Page </a:t>
             </a:r>
-            <a:fld id="{A64AD121-20F7-41CD-9E8C-20584CC6F045}" type="slidenum">
+            <a:fld id="{644B3271-B507-4745-94DE-50036F84E3D9}" type="slidenum">
               <a:rPr lang="en-US" sz="800" b="0" i="0" u="none" smtClean="0">
                 <a:solidFill>
                   <a:srgbClr val="1A1816"/>
@@ -12398,7 +12401,7 @@
                 </a:solidFill>
                 <a:latin typeface="+mn-lt"/>
               </a:rPr>
-              <a:t> of 6</a:t>
+              <a:t> of 15</a:t>
             </a:r>
             <a:endParaRPr lang="en-US" sz="800" b="0" i="0" u="none" dirty="0">
               <a:solidFill>
@@ -12744,7 +12747,7 @@
         <p:spPr>
           <a:xfrm>
             <a:off x="396000" y="6524625"/>
-            <a:ext cx="3421129" cy="123111"/>
+            <a:ext cx="3474990" cy="123111"/>
           </a:xfrm>
           <a:prstGeom prst="rect">
             <a:avLst/>
@@ -12770,7 +12773,7 @@
               </a:rPr>
               <a:t>  |  EPRTSHE Prashant Shende  |  2019-12-08  |  Ericsson Confidential  |  Page </a:t>
             </a:r>
-            <a:fld id="{0444F5CF-FB3D-4B43-A792-15ED73597415}" type="slidenum">
+            <a:fld id="{CBCBCF32-16A7-4B35-9C79-BD44A3097206}" type="slidenum">
               <a:rPr lang="en-US" sz="800" b="0" i="0" u="none" smtClean="0">
                 <a:solidFill>
                   <a:schemeClr val="bg1"/>
@@ -12786,7 +12789,7 @@
                 </a:solidFill>
                 <a:latin typeface="+mn-lt"/>
               </a:rPr>
-              <a:t> of 6</a:t>
+              <a:t> of 15</a:t>
             </a:r>
             <a:endParaRPr lang="en-US" sz="800" b="0" i="0" u="none" dirty="0">
               <a:solidFill>
@@ -13293,7 +13296,7 @@
         <p:spPr>
           <a:xfrm>
             <a:off x="396000" y="6524625"/>
-            <a:ext cx="3421129" cy="123111"/>
+            <a:ext cx="3474990" cy="123111"/>
           </a:xfrm>
           <a:prstGeom prst="rect">
             <a:avLst/>
@@ -13319,7 +13322,7 @@
               </a:rPr>
               <a:t>  |  EPRTSHE Prashant Shende  |  2019-12-08  |  Ericsson Confidential  |  Page </a:t>
             </a:r>
-            <a:fld id="{B4890F1D-3D61-48D3-8F27-AE930AA60177}" type="slidenum">
+            <a:fld id="{A5B15E24-A16C-4B2B-BFDD-7CA60D0638E2}" type="slidenum">
               <a:rPr lang="en-US" sz="800" b="0" i="0" u="none" smtClean="0">
                 <a:solidFill>
                   <a:srgbClr val="1A1816"/>
@@ -13335,7 +13338,7 @@
                 </a:solidFill>
                 <a:latin typeface="+mn-lt"/>
               </a:rPr>
-              <a:t> of 6</a:t>
+              <a:t> of 15</a:t>
             </a:r>
             <a:endParaRPr lang="en-US" sz="800" b="0" i="0" u="none" dirty="0">
               <a:solidFill>
@@ -14036,7 +14039,7 @@
         <p:spPr>
           <a:xfrm>
             <a:off x="396000" y="6524625"/>
-            <a:ext cx="3421129" cy="123111"/>
+            <a:ext cx="3474990" cy="123111"/>
           </a:xfrm>
           <a:prstGeom prst="rect">
             <a:avLst/>
@@ -14062,7 +14065,7 @@
               </a:rPr>
               <a:t>  |  EPRTSHE Prashant Shende  |  2019-12-08  |  Ericsson Confidential  |  Page </a:t>
             </a:r>
-            <a:fld id="{EAA41EBF-AB75-44D6-8704-E0DC7ADA20D5}" type="slidenum">
+            <a:fld id="{5A9C5548-FC71-486C-860D-ACF76206B06E}" type="slidenum">
               <a:rPr lang="en-US" sz="800" b="0" i="0" u="none" smtClean="0">
                 <a:solidFill>
                   <a:srgbClr val="1A1816"/>
@@ -14078,7 +14081,7 @@
                 </a:solidFill>
                 <a:latin typeface="+mn-lt"/>
               </a:rPr>
-              <a:t> of 6</a:t>
+              <a:t> of 15</a:t>
             </a:r>
             <a:endParaRPr lang="en-US" sz="800" b="0" i="0" u="none" dirty="0">
               <a:solidFill>
@@ -15392,7 +15395,7 @@
         <p:spPr>
           <a:xfrm>
             <a:off x="396000" y="6524625"/>
-            <a:ext cx="3421129" cy="123111"/>
+            <a:ext cx="3474990" cy="123111"/>
           </a:xfrm>
           <a:prstGeom prst="rect">
             <a:avLst/>
@@ -15418,7 +15421,7 @@
               </a:rPr>
               <a:t>  |  EPRTSHE Prashant Shende  |  2019-12-08  |  Ericsson Confidential  |  Page </a:t>
             </a:r>
-            <a:fld id="{C24BDF71-6B9C-4DF6-BBD1-3C2FDC09045E}" type="slidenum">
+            <a:fld id="{978185AD-B589-4243-A0EF-F99B375A7DD2}" type="slidenum">
               <a:rPr lang="en-US" sz="800" b="0" i="0" u="none" smtClean="0">
                 <a:solidFill>
                   <a:schemeClr val="bg1"/>
@@ -15434,7 +15437,7 @@
                 </a:solidFill>
                 <a:latin typeface="+mn-lt"/>
               </a:rPr>
-              <a:t> of 6</a:t>
+              <a:t> of 15</a:t>
             </a:r>
             <a:endParaRPr lang="en-US" sz="800" b="0" i="0" u="none" dirty="0">
               <a:solidFill>
@@ -15892,7 +15895,7 @@
         <p:spPr>
           <a:xfrm>
             <a:off x="396000" y="6524625"/>
-            <a:ext cx="3421129" cy="123111"/>
+            <a:ext cx="3474990" cy="123111"/>
           </a:xfrm>
           <a:prstGeom prst="rect">
             <a:avLst/>
@@ -15918,7 +15921,7 @@
               </a:rPr>
               <a:t>  |  EPRTSHE Prashant Shende  |  2019-12-08  |  Ericsson Confidential  |  Page </a:t>
             </a:r>
-            <a:fld id="{9995B4F3-CA8D-4553-9CC4-129DD00D61CF}" type="slidenum">
+            <a:fld id="{D8CA4FD8-A47A-4EE1-969A-B8F0EC4E0EE8}" type="slidenum">
               <a:rPr lang="en-US" sz="800" b="0" i="0" u="none" smtClean="0">
                 <a:solidFill>
                   <a:schemeClr val="bg1"/>
@@ -15934,7 +15937,7 @@
                 </a:solidFill>
                 <a:latin typeface="+mn-lt"/>
               </a:rPr>
-              <a:t> of 6</a:t>
+              <a:t> of 15</a:t>
             </a:r>
             <a:endParaRPr lang="en-US" sz="800" b="0" i="0" u="none" dirty="0">
               <a:solidFill>
@@ -16275,7 +16278,7 @@
         <p:spPr>
           <a:xfrm>
             <a:off x="396000" y="6524625"/>
-            <a:ext cx="3421129" cy="123111"/>
+            <a:ext cx="3474990" cy="123111"/>
           </a:xfrm>
           <a:prstGeom prst="rect">
             <a:avLst/>
@@ -16301,7 +16304,7 @@
               </a:rPr>
               <a:t>  |  EPRTSHE Prashant Shende  |  2019-12-08  |  Ericsson Confidential  |  Page </a:t>
             </a:r>
-            <a:fld id="{3DEEBD5F-3910-4D99-9BDC-FBB42A29D804}" type="slidenum">
+            <a:fld id="{01CCD458-5771-4154-AD2E-7044CEE428C2}" type="slidenum">
               <a:rPr lang="en-US" sz="800" b="0" i="0" u="none" smtClean="0">
                 <a:solidFill>
                   <a:schemeClr val="bg1"/>
@@ -16317,7 +16320,7 @@
                 </a:solidFill>
                 <a:latin typeface="+mn-lt"/>
               </a:rPr>
-              <a:t> of 6</a:t>
+              <a:t> of 15</a:t>
             </a:r>
             <a:endParaRPr lang="en-US" sz="800" b="0" i="0" u="none" dirty="0">
               <a:solidFill>
@@ -16763,7 +16766,7 @@
         <p:spPr>
           <a:xfrm>
             <a:off x="396000" y="6524625"/>
-            <a:ext cx="3421129" cy="123111"/>
+            <a:ext cx="3474990" cy="123111"/>
           </a:xfrm>
           <a:prstGeom prst="rect">
             <a:avLst/>
@@ -16789,7 +16792,7 @@
               </a:rPr>
               <a:t>  |  EPRTSHE Prashant Shende  |  2019-12-08  |  Ericsson Confidential  |  Page </a:t>
             </a:r>
-            <a:fld id="{7E13BB93-824C-4530-BD0D-315613280D29}" type="slidenum">
+            <a:fld id="{AC741A6E-D886-435A-8316-2C6C563CA214}" type="slidenum">
               <a:rPr lang="en-US" sz="800" b="0" i="0" u="none" smtClean="0">
                 <a:solidFill>
                   <a:schemeClr val="bg1"/>
@@ -16805,7 +16808,7 @@
                 </a:solidFill>
                 <a:latin typeface="+mn-lt"/>
               </a:rPr>
-              <a:t> of 6</a:t>
+              <a:t> of 15</a:t>
             </a:r>
             <a:endParaRPr lang="en-US" sz="800" b="0" i="0" u="none" dirty="0">
               <a:solidFill>
@@ -17251,7 +17254,7 @@
         <p:spPr>
           <a:xfrm>
             <a:off x="396000" y="6524625"/>
-            <a:ext cx="3421129" cy="123111"/>
+            <a:ext cx="3474990" cy="123111"/>
           </a:xfrm>
           <a:prstGeom prst="rect">
             <a:avLst/>
@@ -17277,7 +17280,7 @@
               </a:rPr>
               <a:t>  |  EPRTSHE Prashant Shende  |  2019-12-08  |  Ericsson Confidential  |  Page </a:t>
             </a:r>
-            <a:fld id="{1A8BA8AC-FC2C-417E-AEDD-CDA06CB03957}" type="slidenum">
+            <a:fld id="{0B9A55E5-A6DD-47C4-9814-7F76B7D5A643}" type="slidenum">
               <a:rPr lang="en-US" sz="800" b="0" i="0" u="none" smtClean="0">
                 <a:solidFill>
                   <a:schemeClr val="bg1"/>
@@ -17293,7 +17296,7 @@
                 </a:solidFill>
                 <a:latin typeface="+mn-lt"/>
               </a:rPr>
-              <a:t> of 6</a:t>
+              <a:t> of 15</a:t>
             </a:r>
             <a:endParaRPr lang="en-US" sz="800" b="0" i="0" u="none" dirty="0">
               <a:solidFill>
@@ -18498,22 +18501,22 @@
           </a:bodyPr>
           <a:lstStyle/>
           <a:p>
-            <a:pPr marL="0" indent="0">
+            <a:pPr marL="0" indent="0" algn="l">
               <a:buNone/>
             </a:pPr>
             <a:r>
               <a:rPr lang="en-US" sz="1800" dirty="0"/>
-              <a:t>#3 All the Customer information using Service 1.</a:t>
+              <a:t>#1 All the 3 services are up and are visible in the spring Eureka server.</a:t>
             </a:r>
           </a:p>
         </p:txBody>
       </p:sp>
       <p:pic>
         <p:nvPicPr>
-          <p:cNvPr id="3" name="Picture 2">
+          <p:cNvPr id="10" name="Picture 9">
             <a:extLst>
               <a:ext uri="{FF2B5EF4-FFF2-40B4-BE49-F238E27FC236}">
-                <a16:creationId xmlns:a16="http://schemas.microsoft.com/office/drawing/2014/main" id="{F5605353-11F2-456A-975C-E0D939A225F3}"/>
+                <a16:creationId xmlns:a16="http://schemas.microsoft.com/office/drawing/2014/main" id="{71DF194B-A305-42DA-986B-F4FAFE9341A6}"/>
               </a:ext>
             </a:extLst>
           </p:cNvPr>
@@ -18530,8 +18533,8 @@
         </p:blipFill>
         <p:spPr>
           <a:xfrm>
-            <a:off x="1212351" y="1645257"/>
-            <a:ext cx="8825501" cy="4560871"/>
+            <a:off x="791110" y="1724319"/>
+            <a:ext cx="9873465" cy="4455659"/>
           </a:xfrm>
           <a:prstGeom prst="rect">
             <a:avLst/>
@@ -18545,7 +18548,7 @@
     </p:custDataLst>
     <p:extLst>
       <p:ext uri="{BB962C8B-B14F-4D97-AF65-F5344CB8AC3E}">
-        <p14:creationId xmlns:p14="http://schemas.microsoft.com/office/powerpoint/2010/main" val="2872891861"/>
+        <p14:creationId xmlns:p14="http://schemas.microsoft.com/office/powerpoint/2010/main" val="165125624"/>
       </p:ext>
     </p:extLst>
   </p:cSld>
@@ -18637,17 +18640,17 @@
             </a:pPr>
             <a:r>
               <a:rPr lang="en-US" sz="1800" dirty="0"/>
-              <a:t>#4 Add a new Customer Information</a:t>
+              <a:t>#2 Customer information against a valid “Customer Id” using Service 1.</a:t>
             </a:r>
           </a:p>
         </p:txBody>
       </p:sp>
       <p:pic>
         <p:nvPicPr>
-          <p:cNvPr id="2" name="Picture 1">
+          <p:cNvPr id="3" name="Picture 2">
             <a:extLst>
               <a:ext uri="{FF2B5EF4-FFF2-40B4-BE49-F238E27FC236}">
-                <a16:creationId xmlns:a16="http://schemas.microsoft.com/office/drawing/2014/main" id="{038055A9-DF99-4109-B9F1-07261FC367B2}"/>
+                <a16:creationId xmlns:a16="http://schemas.microsoft.com/office/drawing/2014/main" id="{78BB000C-E761-4120-B60F-10CA9F004F48}"/>
               </a:ext>
             </a:extLst>
           </p:cNvPr>
@@ -18664,44 +18667,197 @@
         </p:blipFill>
         <p:spPr>
           <a:xfrm>
-            <a:off x="765424" y="1650945"/>
-            <a:ext cx="10661151" cy="2893979"/>
+            <a:off x="873454" y="1539279"/>
+            <a:ext cx="9344025" cy="4581525"/>
           </a:xfrm>
           <a:prstGeom prst="rect">
             <a:avLst/>
           </a:prstGeom>
         </p:spPr>
       </p:pic>
-      <p:pic>
-        <p:nvPicPr>
-          <p:cNvPr id="5" name="Picture 4">
+      <p:grpSp>
+        <p:nvGrpSpPr>
+          <p:cNvPr id="7" name="Group 6">
             <a:extLst>
               <a:ext uri="{FF2B5EF4-FFF2-40B4-BE49-F238E27FC236}">
-                <a16:creationId xmlns:a16="http://schemas.microsoft.com/office/drawing/2014/main" id="{87B9D950-A3E2-45A8-B490-BE505EF37963}"/>
+                <a16:creationId xmlns:a16="http://schemas.microsoft.com/office/drawing/2014/main" id="{8542DE1E-7ACD-410A-AE2C-DE3A974EA170}"/>
               </a:ext>
             </a:extLst>
           </p:cNvPr>
-          <p:cNvPicPr>
-            <a:picLocks noChangeAspect="1"/>
-          </p:cNvPicPr>
+          <p:cNvGrpSpPr/>
           <p:nvPr/>
-        </p:nvPicPr>
-        <p:blipFill>
-          <a:blip r:embed="rId5"/>
-          <a:stretch>
-            <a:fillRect/>
-          </a:stretch>
-        </p:blipFill>
-        <p:spPr>
-          <a:xfrm>
-            <a:off x="765424" y="5289409"/>
-            <a:ext cx="10938552" cy="805741"/>
-          </a:xfrm>
-          <a:prstGeom prst="rect">
-            <a:avLst/>
-          </a:prstGeom>
-        </p:spPr>
-      </p:pic>
+        </p:nvGrpSpPr>
+        <p:grpSpPr>
+          <a:xfrm>
+            <a:off x="-308225" y="6802722"/>
+            <a:ext cx="12801599" cy="110556"/>
+            <a:chOff x="-170626" y="0"/>
+            <a:chExt cx="13534857" cy="166915"/>
+          </a:xfrm>
+        </p:grpSpPr>
+        <p:sp>
+          <p:nvSpPr>
+            <p:cNvPr id="9" name="Parallelogram 8">
+              <a:extLst>
+                <a:ext uri="{FF2B5EF4-FFF2-40B4-BE49-F238E27FC236}">
+                  <a16:creationId xmlns:a16="http://schemas.microsoft.com/office/drawing/2014/main" id="{3EF09840-C4F4-4107-B4C9-8C75F3DCCB6E}"/>
+                </a:ext>
+              </a:extLst>
+            </p:cNvPr>
+            <p:cNvSpPr/>
+            <p:nvPr/>
+          </p:nvSpPr>
+          <p:spPr>
+            <a:xfrm>
+              <a:off x="-170626" y="0"/>
+              <a:ext cx="4511619" cy="166915"/>
+            </a:xfrm>
+            <a:prstGeom prst="parallelogram">
+              <a:avLst>
+                <a:gd name="adj" fmla="val 114362"/>
+              </a:avLst>
+            </a:prstGeom>
+            <a:solidFill>
+              <a:srgbClr val="016AA3"/>
+            </a:solidFill>
+            <a:ln>
+              <a:noFill/>
+            </a:ln>
+          </p:spPr>
+          <p:style>
+            <a:lnRef idx="2">
+              <a:schemeClr val="accent1">
+                <a:shade val="50000"/>
+              </a:schemeClr>
+            </a:lnRef>
+            <a:fillRef idx="1">
+              <a:schemeClr val="accent1"/>
+            </a:fillRef>
+            <a:effectRef idx="0">
+              <a:schemeClr val="accent1"/>
+            </a:effectRef>
+            <a:fontRef idx="minor">
+              <a:schemeClr val="lt1"/>
+            </a:fontRef>
+          </p:style>
+          <p:txBody>
+            <a:bodyPr rtlCol="0" anchor="ctr"/>
+            <a:lstStyle/>
+            <a:p>
+              <a:pPr algn="ctr"/>
+              <a:endParaRPr lang="en-US"/>
+            </a:p>
+          </p:txBody>
+        </p:sp>
+        <p:sp>
+          <p:nvSpPr>
+            <p:cNvPr id="10" name="Parallelogram 9">
+              <a:extLst>
+                <a:ext uri="{FF2B5EF4-FFF2-40B4-BE49-F238E27FC236}">
+                  <a16:creationId xmlns:a16="http://schemas.microsoft.com/office/drawing/2014/main" id="{447D80F1-0B23-40A4-883F-3F1CDE6B2354}"/>
+                </a:ext>
+              </a:extLst>
+            </p:cNvPr>
+            <p:cNvSpPr/>
+            <p:nvPr/>
+          </p:nvSpPr>
+          <p:spPr>
+            <a:xfrm>
+              <a:off x="4340993" y="0"/>
+              <a:ext cx="4511619" cy="166915"/>
+            </a:xfrm>
+            <a:prstGeom prst="parallelogram">
+              <a:avLst>
+                <a:gd name="adj" fmla="val 114362"/>
+              </a:avLst>
+            </a:prstGeom>
+            <a:solidFill>
+              <a:srgbClr val="46B688"/>
+            </a:solidFill>
+            <a:ln>
+              <a:noFill/>
+            </a:ln>
+          </p:spPr>
+          <p:style>
+            <a:lnRef idx="2">
+              <a:schemeClr val="accent1">
+                <a:shade val="50000"/>
+              </a:schemeClr>
+            </a:lnRef>
+            <a:fillRef idx="1">
+              <a:schemeClr val="accent1"/>
+            </a:fillRef>
+            <a:effectRef idx="0">
+              <a:schemeClr val="accent1"/>
+            </a:effectRef>
+            <a:fontRef idx="minor">
+              <a:schemeClr val="lt1"/>
+            </a:fontRef>
+          </p:style>
+          <p:txBody>
+            <a:bodyPr rtlCol="0" anchor="ctr"/>
+            <a:lstStyle/>
+            <a:p>
+              <a:pPr algn="ctr"/>
+              <a:endParaRPr lang="en-US"/>
+            </a:p>
+          </p:txBody>
+        </p:sp>
+        <p:sp>
+          <p:nvSpPr>
+            <p:cNvPr id="11" name="Parallelogram 10">
+              <a:extLst>
+                <a:ext uri="{FF2B5EF4-FFF2-40B4-BE49-F238E27FC236}">
+                  <a16:creationId xmlns:a16="http://schemas.microsoft.com/office/drawing/2014/main" id="{FA93D268-CF4D-4646-A619-C96EF0B3FB0F}"/>
+                </a:ext>
+              </a:extLst>
+            </p:cNvPr>
+            <p:cNvSpPr/>
+            <p:nvPr/>
+          </p:nvSpPr>
+          <p:spPr>
+            <a:xfrm>
+              <a:off x="8852612" y="0"/>
+              <a:ext cx="4511619" cy="166915"/>
+            </a:xfrm>
+            <a:prstGeom prst="parallelogram">
+              <a:avLst>
+                <a:gd name="adj" fmla="val 114362"/>
+              </a:avLst>
+            </a:prstGeom>
+            <a:solidFill>
+              <a:srgbClr val="FEA34F"/>
+            </a:solidFill>
+            <a:ln>
+              <a:noFill/>
+            </a:ln>
+          </p:spPr>
+          <p:style>
+            <a:lnRef idx="2">
+              <a:schemeClr val="accent1">
+                <a:shade val="50000"/>
+              </a:schemeClr>
+            </a:lnRef>
+            <a:fillRef idx="1">
+              <a:schemeClr val="accent1"/>
+            </a:fillRef>
+            <a:effectRef idx="0">
+              <a:schemeClr val="accent1"/>
+            </a:effectRef>
+            <a:fontRef idx="minor">
+              <a:schemeClr val="lt1"/>
+            </a:fontRef>
+          </p:style>
+          <p:txBody>
+            <a:bodyPr rtlCol="0" anchor="ctr"/>
+            <a:lstStyle/>
+            <a:p>
+              <a:pPr algn="ctr"/>
+              <a:endParaRPr lang="en-US"/>
+            </a:p>
+          </p:txBody>
+        </p:sp>
+      </p:grpSp>
     </p:spTree>
     <p:custDataLst>
       <p:custData r:id="rId1"/>
@@ -18709,7 +18865,7 @@
     </p:custDataLst>
     <p:extLst>
       <p:ext uri="{BB962C8B-B14F-4D97-AF65-F5344CB8AC3E}">
-        <p14:creationId xmlns:p14="http://schemas.microsoft.com/office/powerpoint/2010/main" val="3266886031"/>
+        <p14:creationId xmlns:p14="http://schemas.microsoft.com/office/powerpoint/2010/main" val="3108338927"/>
       </p:ext>
     </p:extLst>
   </p:cSld>
@@ -18801,7 +18957,15 @@
             </a:pPr>
             <a:r>
               <a:rPr lang="en-US" sz="1800" dirty="0"/>
-              <a:t>#4 Update a new Customer Information</a:t>
+              <a:t>#3 All the Customer information using </a:t>
+            </a:r>
+            <a:r>
+              <a:rPr lang="en-US" sz="1800" i="1" dirty="0"/>
+              <a:t>Service 1</a:t>
+            </a:r>
+            <a:r>
+              <a:rPr lang="en-US" sz="1800" dirty="0"/>
+              <a:t>.</a:t>
             </a:r>
           </a:p>
         </p:txBody>
@@ -18811,7 +18975,7 @@
           <p:cNvPr id="3" name="Picture 2">
             <a:extLst>
               <a:ext uri="{FF2B5EF4-FFF2-40B4-BE49-F238E27FC236}">
-                <a16:creationId xmlns:a16="http://schemas.microsoft.com/office/drawing/2014/main" id="{B7E8BB45-2908-4208-8B2D-A811E7C50B36}"/>
+                <a16:creationId xmlns:a16="http://schemas.microsoft.com/office/drawing/2014/main" id="{F5605353-11F2-456A-975C-E0D939A225F3}"/>
               </a:ext>
             </a:extLst>
           </p:cNvPr>
@@ -18828,44 +18992,315 @@
         </p:blipFill>
         <p:spPr>
           <a:xfrm>
-            <a:off x="765422" y="1623318"/>
-            <a:ext cx="10804269" cy="3074932"/>
+            <a:off x="1212352" y="1645258"/>
+            <a:ext cx="7801019" cy="4031436"/>
           </a:xfrm>
           <a:prstGeom prst="rect">
             <a:avLst/>
           </a:prstGeom>
         </p:spPr>
       </p:pic>
-      <p:pic>
-        <p:nvPicPr>
-          <p:cNvPr id="6" name="Picture 5">
+      <p:sp>
+        <p:nvSpPr>
+          <p:cNvPr id="6" name="TextBox 5">
             <a:extLst>
               <a:ext uri="{FF2B5EF4-FFF2-40B4-BE49-F238E27FC236}">
-                <a16:creationId xmlns:a16="http://schemas.microsoft.com/office/drawing/2014/main" id="{FC8D5CA8-D206-4054-AC13-E7D88A9AF5EF}"/>
+                <a16:creationId xmlns:a16="http://schemas.microsoft.com/office/drawing/2014/main" id="{9945E871-1DB8-4828-A511-4E7CEB73B002}"/>
               </a:ext>
             </a:extLst>
           </p:cNvPr>
-          <p:cNvPicPr>
-            <a:picLocks noChangeAspect="1"/>
-          </p:cNvPicPr>
+          <p:cNvSpPr txBox="1"/>
           <p:nvPr/>
-        </p:nvPicPr>
-        <p:blipFill>
-          <a:blip r:embed="rId5"/>
-          <a:stretch>
-            <a:fillRect/>
-          </a:stretch>
-        </p:blipFill>
+        </p:nvSpPr>
         <p:spPr>
           <a:xfrm>
-            <a:off x="765424" y="5038272"/>
-            <a:ext cx="11164585" cy="945754"/>
+            <a:off x="765424" y="5692280"/>
+            <a:ext cx="13483976" cy="609600"/>
           </a:xfrm>
           <a:prstGeom prst="rect">
             <a:avLst/>
           </a:prstGeom>
         </p:spPr>
-      </p:pic>
+        <p:txBody>
+          <a:bodyPr vert="horz" wrap="none" lIns="72000" tIns="36000" rIns="72000" bIns="36000" rtlCol="0" anchor="t">
+            <a:noAutofit/>
+          </a:bodyPr>
+          <a:lstStyle/>
+          <a:p>
+            <a:pPr marL="0" indent="0" algn="l">
+              <a:buNone/>
+            </a:pPr>
+            <a:r>
+              <a:rPr lang="en-US" sz="1600" dirty="0">
+                <a:solidFill>
+                  <a:srgbClr val="0070C0"/>
+                </a:solidFill>
+              </a:rPr>
+              <a:t>The above example shows combined response from </a:t>
+            </a:r>
+            <a:r>
+              <a:rPr lang="en-US" sz="1600" i="1" dirty="0">
+                <a:solidFill>
+                  <a:srgbClr val="00B0F0"/>
+                </a:solidFill>
+              </a:rPr>
+              <a:t>“Service 1”</a:t>
+            </a:r>
+            <a:r>
+              <a:rPr lang="en-US" sz="1600" dirty="0">
+                <a:solidFill>
+                  <a:srgbClr val="0070C0"/>
+                </a:solidFill>
+              </a:rPr>
+              <a:t> that internally calls  </a:t>
+            </a:r>
+            <a:r>
+              <a:rPr lang="en-US" sz="1600" i="1" dirty="0">
+                <a:solidFill>
+                  <a:srgbClr val="00B0F0"/>
+                </a:solidFill>
+              </a:rPr>
+              <a:t>“Service 2” </a:t>
+            </a:r>
+            <a:r>
+              <a:rPr lang="en-US" sz="1600" dirty="0">
+                <a:solidFill>
+                  <a:srgbClr val="0070C0"/>
+                </a:solidFill>
+              </a:rPr>
+              <a:t>and </a:t>
+            </a:r>
+            <a:r>
+              <a:rPr lang="en-US" sz="1600" i="1" dirty="0">
+                <a:solidFill>
+                  <a:srgbClr val="00B0F0"/>
+                </a:solidFill>
+              </a:rPr>
+              <a:t>“Service 3”</a:t>
+            </a:r>
+            <a:r>
+              <a:rPr lang="en-US" sz="1600" dirty="0">
+                <a:solidFill>
+                  <a:srgbClr val="0070C0"/>
+                </a:solidFill>
+              </a:rPr>
+              <a:t> </a:t>
+            </a:r>
+          </a:p>
+          <a:p>
+            <a:pPr marL="0" indent="0" algn="l">
+              <a:buNone/>
+            </a:pPr>
+            <a:r>
+              <a:rPr lang="en-US" sz="1600" dirty="0">
+                <a:solidFill>
+                  <a:srgbClr val="0070C0"/>
+                </a:solidFill>
+              </a:rPr>
+              <a:t> to fetch data from “</a:t>
+            </a:r>
+            <a:r>
+              <a:rPr lang="en-US" sz="1600" dirty="0" err="1">
+                <a:solidFill>
+                  <a:srgbClr val="0070C0"/>
+                </a:solidFill>
+              </a:rPr>
+              <a:t>CustomerInfo</a:t>
+            </a:r>
+            <a:r>
+              <a:rPr lang="en-US" sz="1600" dirty="0">
+                <a:solidFill>
+                  <a:srgbClr val="0070C0"/>
+                </a:solidFill>
+              </a:rPr>
+              <a:t>” table respectively.</a:t>
+            </a:r>
+          </a:p>
+        </p:txBody>
+      </p:sp>
+      <p:grpSp>
+        <p:nvGrpSpPr>
+          <p:cNvPr id="7" name="Group 6">
+            <a:extLst>
+              <a:ext uri="{FF2B5EF4-FFF2-40B4-BE49-F238E27FC236}">
+                <a16:creationId xmlns:a16="http://schemas.microsoft.com/office/drawing/2014/main" id="{257DD538-490B-45D1-86E1-4911DCB79551}"/>
+              </a:ext>
+            </a:extLst>
+          </p:cNvPr>
+          <p:cNvGrpSpPr/>
+          <p:nvPr/>
+        </p:nvGrpSpPr>
+        <p:grpSpPr>
+          <a:xfrm>
+            <a:off x="-308225" y="6802722"/>
+            <a:ext cx="12801599" cy="110556"/>
+            <a:chOff x="-170626" y="0"/>
+            <a:chExt cx="13534857" cy="166915"/>
+          </a:xfrm>
+        </p:grpSpPr>
+        <p:sp>
+          <p:nvSpPr>
+            <p:cNvPr id="9" name="Parallelogram 8">
+              <a:extLst>
+                <a:ext uri="{FF2B5EF4-FFF2-40B4-BE49-F238E27FC236}">
+                  <a16:creationId xmlns:a16="http://schemas.microsoft.com/office/drawing/2014/main" id="{C904C887-586C-4CAA-AF52-C9F0343A998D}"/>
+                </a:ext>
+              </a:extLst>
+            </p:cNvPr>
+            <p:cNvSpPr/>
+            <p:nvPr/>
+          </p:nvSpPr>
+          <p:spPr>
+            <a:xfrm>
+              <a:off x="-170626" y="0"/>
+              <a:ext cx="4511619" cy="166915"/>
+            </a:xfrm>
+            <a:prstGeom prst="parallelogram">
+              <a:avLst>
+                <a:gd name="adj" fmla="val 114362"/>
+              </a:avLst>
+            </a:prstGeom>
+            <a:solidFill>
+              <a:srgbClr val="016AA3"/>
+            </a:solidFill>
+            <a:ln>
+              <a:noFill/>
+            </a:ln>
+          </p:spPr>
+          <p:style>
+            <a:lnRef idx="2">
+              <a:schemeClr val="accent1">
+                <a:shade val="50000"/>
+              </a:schemeClr>
+            </a:lnRef>
+            <a:fillRef idx="1">
+              <a:schemeClr val="accent1"/>
+            </a:fillRef>
+            <a:effectRef idx="0">
+              <a:schemeClr val="accent1"/>
+            </a:effectRef>
+            <a:fontRef idx="minor">
+              <a:schemeClr val="lt1"/>
+            </a:fontRef>
+          </p:style>
+          <p:txBody>
+            <a:bodyPr rtlCol="0" anchor="ctr"/>
+            <a:lstStyle/>
+            <a:p>
+              <a:pPr algn="ctr"/>
+              <a:endParaRPr lang="en-US"/>
+            </a:p>
+          </p:txBody>
+        </p:sp>
+        <p:sp>
+          <p:nvSpPr>
+            <p:cNvPr id="10" name="Parallelogram 9">
+              <a:extLst>
+                <a:ext uri="{FF2B5EF4-FFF2-40B4-BE49-F238E27FC236}">
+                  <a16:creationId xmlns:a16="http://schemas.microsoft.com/office/drawing/2014/main" id="{D46C264B-9185-44BC-9793-9904A75EB738}"/>
+                </a:ext>
+              </a:extLst>
+            </p:cNvPr>
+            <p:cNvSpPr/>
+            <p:nvPr/>
+          </p:nvSpPr>
+          <p:spPr>
+            <a:xfrm>
+              <a:off x="4340993" y="0"/>
+              <a:ext cx="4511619" cy="166915"/>
+            </a:xfrm>
+            <a:prstGeom prst="parallelogram">
+              <a:avLst>
+                <a:gd name="adj" fmla="val 114362"/>
+              </a:avLst>
+            </a:prstGeom>
+            <a:solidFill>
+              <a:srgbClr val="46B688"/>
+            </a:solidFill>
+            <a:ln>
+              <a:noFill/>
+            </a:ln>
+          </p:spPr>
+          <p:style>
+            <a:lnRef idx="2">
+              <a:schemeClr val="accent1">
+                <a:shade val="50000"/>
+              </a:schemeClr>
+            </a:lnRef>
+            <a:fillRef idx="1">
+              <a:schemeClr val="accent1"/>
+            </a:fillRef>
+            <a:effectRef idx="0">
+              <a:schemeClr val="accent1"/>
+            </a:effectRef>
+            <a:fontRef idx="minor">
+              <a:schemeClr val="lt1"/>
+            </a:fontRef>
+          </p:style>
+          <p:txBody>
+            <a:bodyPr rtlCol="0" anchor="ctr"/>
+            <a:lstStyle/>
+            <a:p>
+              <a:pPr algn="ctr"/>
+              <a:endParaRPr lang="en-US"/>
+            </a:p>
+          </p:txBody>
+        </p:sp>
+        <p:sp>
+          <p:nvSpPr>
+            <p:cNvPr id="11" name="Parallelogram 10">
+              <a:extLst>
+                <a:ext uri="{FF2B5EF4-FFF2-40B4-BE49-F238E27FC236}">
+                  <a16:creationId xmlns:a16="http://schemas.microsoft.com/office/drawing/2014/main" id="{BB058EA9-4672-4440-824F-4E26D75C42D0}"/>
+                </a:ext>
+              </a:extLst>
+            </p:cNvPr>
+            <p:cNvSpPr/>
+            <p:nvPr/>
+          </p:nvSpPr>
+          <p:spPr>
+            <a:xfrm>
+              <a:off x="8852612" y="0"/>
+              <a:ext cx="4511619" cy="166915"/>
+            </a:xfrm>
+            <a:prstGeom prst="parallelogram">
+              <a:avLst>
+                <a:gd name="adj" fmla="val 114362"/>
+              </a:avLst>
+            </a:prstGeom>
+            <a:solidFill>
+              <a:srgbClr val="FEA34F"/>
+            </a:solidFill>
+            <a:ln>
+              <a:noFill/>
+            </a:ln>
+          </p:spPr>
+          <p:style>
+            <a:lnRef idx="2">
+              <a:schemeClr val="accent1">
+                <a:shade val="50000"/>
+              </a:schemeClr>
+            </a:lnRef>
+            <a:fillRef idx="1">
+              <a:schemeClr val="accent1"/>
+            </a:fillRef>
+            <a:effectRef idx="0">
+              <a:schemeClr val="accent1"/>
+            </a:effectRef>
+            <a:fontRef idx="minor">
+              <a:schemeClr val="lt1"/>
+            </a:fontRef>
+          </p:style>
+          <p:txBody>
+            <a:bodyPr rtlCol="0" anchor="ctr"/>
+            <a:lstStyle/>
+            <a:p>
+              <a:pPr algn="ctr"/>
+              <a:endParaRPr lang="en-US"/>
+            </a:p>
+          </p:txBody>
+        </p:sp>
+      </p:grpSp>
     </p:spTree>
     <p:custDataLst>
       <p:custData r:id="rId1"/>
@@ -18873,7 +19308,7 @@
     </p:custDataLst>
     <p:extLst>
       <p:ext uri="{BB962C8B-B14F-4D97-AF65-F5344CB8AC3E}">
-        <p14:creationId xmlns:p14="http://schemas.microsoft.com/office/powerpoint/2010/main" val="1381805364"/>
+        <p14:creationId xmlns:p14="http://schemas.microsoft.com/office/powerpoint/2010/main" val="2872891861"/>
       </p:ext>
     </p:extLst>
   </p:cSld>
@@ -18965,17 +19400,17 @@
             </a:pPr>
             <a:r>
               <a:rPr lang="en-US" sz="1800" dirty="0"/>
-              <a:t>#6 Removing a Customer Information</a:t>
+              <a:t>#4 Add a new Customer Information</a:t>
             </a:r>
           </a:p>
         </p:txBody>
       </p:sp>
       <p:pic>
         <p:nvPicPr>
-          <p:cNvPr id="3" name="Picture 2">
+          <p:cNvPr id="2" name="Picture 1">
             <a:extLst>
               <a:ext uri="{FF2B5EF4-FFF2-40B4-BE49-F238E27FC236}">
-                <a16:creationId xmlns:a16="http://schemas.microsoft.com/office/drawing/2014/main" id="{C6A5A913-4D96-4DA0-8C90-18D5C5436561}"/>
+                <a16:creationId xmlns:a16="http://schemas.microsoft.com/office/drawing/2014/main" id="{038055A9-DF99-4109-B9F1-07261FC367B2}"/>
               </a:ext>
             </a:extLst>
           </p:cNvPr>
@@ -18992,8 +19427,8 @@
         </p:blipFill>
         <p:spPr>
           <a:xfrm>
-            <a:off x="677229" y="1974908"/>
-            <a:ext cx="9736476" cy="2158366"/>
+            <a:off x="765424" y="1650945"/>
+            <a:ext cx="10661151" cy="2893979"/>
           </a:xfrm>
           <a:prstGeom prst="rect">
             <a:avLst/>
@@ -19005,7 +19440,7 @@
           <p:cNvPr id="5" name="Picture 4">
             <a:extLst>
               <a:ext uri="{FF2B5EF4-FFF2-40B4-BE49-F238E27FC236}">
-                <a16:creationId xmlns:a16="http://schemas.microsoft.com/office/drawing/2014/main" id="{2E3C5EB9-43D5-454E-A849-363F612FBB47}"/>
+                <a16:creationId xmlns:a16="http://schemas.microsoft.com/office/drawing/2014/main" id="{87B9D950-A3E2-45A8-B490-BE505EF37963}"/>
               </a:ext>
             </a:extLst>
           </p:cNvPr>
@@ -19022,14 +19457,1110 @@
         </p:blipFill>
         <p:spPr>
           <a:xfrm>
-            <a:off x="750014" y="4654476"/>
-            <a:ext cx="10880332" cy="847531"/>
+            <a:off x="765424" y="5094200"/>
+            <a:ext cx="10938552" cy="805741"/>
           </a:xfrm>
           <a:prstGeom prst="rect">
             <a:avLst/>
           </a:prstGeom>
         </p:spPr>
       </p:pic>
+      <p:sp>
+        <p:nvSpPr>
+          <p:cNvPr id="6" name="TextBox 5">
+            <a:extLst>
+              <a:ext uri="{FF2B5EF4-FFF2-40B4-BE49-F238E27FC236}">
+                <a16:creationId xmlns:a16="http://schemas.microsoft.com/office/drawing/2014/main" id="{D4898448-56F9-4EE6-8FA7-D5DBA00034E9}"/>
+              </a:ext>
+            </a:extLst>
+          </p:cNvPr>
+          <p:cNvSpPr txBox="1"/>
+          <p:nvPr/>
+        </p:nvSpPr>
+        <p:spPr>
+          <a:xfrm>
+            <a:off x="765424" y="5943600"/>
+            <a:ext cx="10402585" cy="313362"/>
+          </a:xfrm>
+          <a:prstGeom prst="rect">
+            <a:avLst/>
+          </a:prstGeom>
+        </p:spPr>
+        <p:txBody>
+          <a:bodyPr vert="horz" wrap="none" lIns="72000" tIns="36000" rIns="72000" bIns="36000" rtlCol="0" anchor="t">
+            <a:noAutofit/>
+          </a:bodyPr>
+          <a:lstStyle/>
+          <a:p>
+            <a:pPr marL="0" indent="0" algn="l">
+              <a:buNone/>
+            </a:pPr>
+            <a:r>
+              <a:rPr lang="en-US" sz="1600" dirty="0">
+                <a:solidFill>
+                  <a:srgbClr val="0070C0"/>
+                </a:solidFill>
+              </a:rPr>
+              <a:t>The above example shows only for “</a:t>
+            </a:r>
+            <a:r>
+              <a:rPr lang="en-US" sz="1600" dirty="0" err="1">
+                <a:solidFill>
+                  <a:srgbClr val="0070C0"/>
+                </a:solidFill>
+              </a:rPr>
+              <a:t>CustomerInfo</a:t>
+            </a:r>
+            <a:r>
+              <a:rPr lang="en-US" sz="1600" dirty="0">
+                <a:solidFill>
+                  <a:srgbClr val="0070C0"/>
+                </a:solidFill>
+              </a:rPr>
+              <a:t>” table. Similar operation can also be performed in “</a:t>
+            </a:r>
+            <a:r>
+              <a:rPr lang="en-US" sz="1600" dirty="0" err="1">
+                <a:solidFill>
+                  <a:srgbClr val="0070C0"/>
+                </a:solidFill>
+              </a:rPr>
+              <a:t>CustomerPlan</a:t>
+            </a:r>
+            <a:r>
+              <a:rPr lang="en-US" sz="1600" dirty="0">
+                <a:solidFill>
+                  <a:srgbClr val="0070C0"/>
+                </a:solidFill>
+              </a:rPr>
+              <a:t>” table.</a:t>
+            </a:r>
+          </a:p>
+        </p:txBody>
+      </p:sp>
+      <p:grpSp>
+        <p:nvGrpSpPr>
+          <p:cNvPr id="9" name="Group 8">
+            <a:extLst>
+              <a:ext uri="{FF2B5EF4-FFF2-40B4-BE49-F238E27FC236}">
+                <a16:creationId xmlns:a16="http://schemas.microsoft.com/office/drawing/2014/main" id="{57EED4BA-52E5-4759-AD57-5AD842B8D424}"/>
+              </a:ext>
+            </a:extLst>
+          </p:cNvPr>
+          <p:cNvGrpSpPr/>
+          <p:nvPr/>
+        </p:nvGrpSpPr>
+        <p:grpSpPr>
+          <a:xfrm>
+            <a:off x="-308225" y="6802722"/>
+            <a:ext cx="12801599" cy="110556"/>
+            <a:chOff x="-170626" y="0"/>
+            <a:chExt cx="13534857" cy="166915"/>
+          </a:xfrm>
+        </p:grpSpPr>
+        <p:sp>
+          <p:nvSpPr>
+            <p:cNvPr id="10" name="Parallelogram 9">
+              <a:extLst>
+                <a:ext uri="{FF2B5EF4-FFF2-40B4-BE49-F238E27FC236}">
+                  <a16:creationId xmlns:a16="http://schemas.microsoft.com/office/drawing/2014/main" id="{C2FE8D84-20AE-4305-B6A2-D35BB8900C07}"/>
+                </a:ext>
+              </a:extLst>
+            </p:cNvPr>
+            <p:cNvSpPr/>
+            <p:nvPr/>
+          </p:nvSpPr>
+          <p:spPr>
+            <a:xfrm>
+              <a:off x="-170626" y="0"/>
+              <a:ext cx="4511619" cy="166915"/>
+            </a:xfrm>
+            <a:prstGeom prst="parallelogram">
+              <a:avLst>
+                <a:gd name="adj" fmla="val 114362"/>
+              </a:avLst>
+            </a:prstGeom>
+            <a:solidFill>
+              <a:srgbClr val="016AA3"/>
+            </a:solidFill>
+            <a:ln>
+              <a:noFill/>
+            </a:ln>
+          </p:spPr>
+          <p:style>
+            <a:lnRef idx="2">
+              <a:schemeClr val="accent1">
+                <a:shade val="50000"/>
+              </a:schemeClr>
+            </a:lnRef>
+            <a:fillRef idx="1">
+              <a:schemeClr val="accent1"/>
+            </a:fillRef>
+            <a:effectRef idx="0">
+              <a:schemeClr val="accent1"/>
+            </a:effectRef>
+            <a:fontRef idx="minor">
+              <a:schemeClr val="lt1"/>
+            </a:fontRef>
+          </p:style>
+          <p:txBody>
+            <a:bodyPr rtlCol="0" anchor="ctr"/>
+            <a:lstStyle/>
+            <a:p>
+              <a:pPr algn="ctr"/>
+              <a:endParaRPr lang="en-US"/>
+            </a:p>
+          </p:txBody>
+        </p:sp>
+        <p:sp>
+          <p:nvSpPr>
+            <p:cNvPr id="11" name="Parallelogram 10">
+              <a:extLst>
+                <a:ext uri="{FF2B5EF4-FFF2-40B4-BE49-F238E27FC236}">
+                  <a16:creationId xmlns:a16="http://schemas.microsoft.com/office/drawing/2014/main" id="{4A6E3DB0-4103-45C7-B729-1A168236F1BF}"/>
+                </a:ext>
+              </a:extLst>
+            </p:cNvPr>
+            <p:cNvSpPr/>
+            <p:nvPr/>
+          </p:nvSpPr>
+          <p:spPr>
+            <a:xfrm>
+              <a:off x="4340993" y="0"/>
+              <a:ext cx="4511619" cy="166915"/>
+            </a:xfrm>
+            <a:prstGeom prst="parallelogram">
+              <a:avLst>
+                <a:gd name="adj" fmla="val 114362"/>
+              </a:avLst>
+            </a:prstGeom>
+            <a:solidFill>
+              <a:srgbClr val="46B688"/>
+            </a:solidFill>
+            <a:ln>
+              <a:noFill/>
+            </a:ln>
+          </p:spPr>
+          <p:style>
+            <a:lnRef idx="2">
+              <a:schemeClr val="accent1">
+                <a:shade val="50000"/>
+              </a:schemeClr>
+            </a:lnRef>
+            <a:fillRef idx="1">
+              <a:schemeClr val="accent1"/>
+            </a:fillRef>
+            <a:effectRef idx="0">
+              <a:schemeClr val="accent1"/>
+            </a:effectRef>
+            <a:fontRef idx="minor">
+              <a:schemeClr val="lt1"/>
+            </a:fontRef>
+          </p:style>
+          <p:txBody>
+            <a:bodyPr rtlCol="0" anchor="ctr"/>
+            <a:lstStyle/>
+            <a:p>
+              <a:pPr algn="ctr"/>
+              <a:endParaRPr lang="en-US"/>
+            </a:p>
+          </p:txBody>
+        </p:sp>
+        <p:sp>
+          <p:nvSpPr>
+            <p:cNvPr id="12" name="Parallelogram 11">
+              <a:extLst>
+                <a:ext uri="{FF2B5EF4-FFF2-40B4-BE49-F238E27FC236}">
+                  <a16:creationId xmlns:a16="http://schemas.microsoft.com/office/drawing/2014/main" id="{98E7346B-2B0F-4B5E-80D1-13F0236D5876}"/>
+                </a:ext>
+              </a:extLst>
+            </p:cNvPr>
+            <p:cNvSpPr/>
+            <p:nvPr/>
+          </p:nvSpPr>
+          <p:spPr>
+            <a:xfrm>
+              <a:off x="8852612" y="0"/>
+              <a:ext cx="4511619" cy="166915"/>
+            </a:xfrm>
+            <a:prstGeom prst="parallelogram">
+              <a:avLst>
+                <a:gd name="adj" fmla="val 114362"/>
+              </a:avLst>
+            </a:prstGeom>
+            <a:solidFill>
+              <a:srgbClr val="FEA34F"/>
+            </a:solidFill>
+            <a:ln>
+              <a:noFill/>
+            </a:ln>
+          </p:spPr>
+          <p:style>
+            <a:lnRef idx="2">
+              <a:schemeClr val="accent1">
+                <a:shade val="50000"/>
+              </a:schemeClr>
+            </a:lnRef>
+            <a:fillRef idx="1">
+              <a:schemeClr val="accent1"/>
+            </a:fillRef>
+            <a:effectRef idx="0">
+              <a:schemeClr val="accent1"/>
+            </a:effectRef>
+            <a:fontRef idx="minor">
+              <a:schemeClr val="lt1"/>
+            </a:fontRef>
+          </p:style>
+          <p:txBody>
+            <a:bodyPr rtlCol="0" anchor="ctr"/>
+            <a:lstStyle/>
+            <a:p>
+              <a:pPr algn="ctr"/>
+              <a:endParaRPr lang="en-US"/>
+            </a:p>
+          </p:txBody>
+        </p:sp>
+      </p:grpSp>
+    </p:spTree>
+    <p:custDataLst>
+      <p:custData r:id="rId1"/>
+      <p:custData r:id="rId2"/>
+    </p:custDataLst>
+    <p:extLst>
+      <p:ext uri="{BB962C8B-B14F-4D97-AF65-F5344CB8AC3E}">
+        <p14:creationId xmlns:p14="http://schemas.microsoft.com/office/powerpoint/2010/main" val="3266886031"/>
+      </p:ext>
+    </p:extLst>
+  </p:cSld>
+  <p:clrMapOvr>
+    <a:masterClrMapping/>
+  </p:clrMapOvr>
+</p:sld>
+</file>
+
+<file path=ppt/slides/slide14.xml><?xml version="1.0" encoding="utf-8"?>
+<p:sld xmlns:a="http://schemas.openxmlformats.org/drawingml/2006/main" xmlns:r="http://schemas.openxmlformats.org/officeDocument/2006/relationships" xmlns:p="http://schemas.openxmlformats.org/presentationml/2006/main">
+  <p:cSld>
+    <p:spTree>
+      <p:nvGrpSpPr>
+        <p:cNvPr id="1" name=""/>
+        <p:cNvGrpSpPr/>
+        <p:nvPr/>
+      </p:nvGrpSpPr>
+      <p:grpSpPr>
+        <a:xfrm>
+          <a:off x="0" y="0"/>
+          <a:ext cx="0" cy="0"/>
+          <a:chOff x="0" y="0"/>
+          <a:chExt cx="0" cy="0"/>
+        </a:xfrm>
+      </p:grpSpPr>
+      <p:sp>
+        <p:nvSpPr>
+          <p:cNvPr id="4" name="Title 3">
+            <a:extLst>
+              <a:ext uri="{FF2B5EF4-FFF2-40B4-BE49-F238E27FC236}">
+                <a16:creationId xmlns:a16="http://schemas.microsoft.com/office/drawing/2014/main" id="{EA7D4468-58D5-40D1-8182-8FDBCEF777E1}"/>
+              </a:ext>
+            </a:extLst>
+          </p:cNvPr>
+          <p:cNvSpPr>
+            <a:spLocks noGrp="1"/>
+          </p:cNvSpPr>
+          <p:nvPr>
+            <p:ph type="title"/>
+          </p:nvPr>
+        </p:nvSpPr>
+        <p:spPr>
+          <a:xfrm>
+            <a:off x="284492" y="92302"/>
+            <a:ext cx="10521950" cy="513873"/>
+          </a:xfrm>
+        </p:spPr>
+        <p:txBody>
+          <a:bodyPr/>
+          <a:lstStyle/>
+          <a:p>
+            <a:r>
+              <a:rPr lang="en-US" dirty="0"/>
+              <a:t>Application Verification Results</a:t>
+            </a:r>
+          </a:p>
+        </p:txBody>
+      </p:sp>
+      <p:sp>
+        <p:nvSpPr>
+          <p:cNvPr id="8" name="TextBox 7">
+            <a:extLst>
+              <a:ext uri="{FF2B5EF4-FFF2-40B4-BE49-F238E27FC236}">
+                <a16:creationId xmlns:a16="http://schemas.microsoft.com/office/drawing/2014/main" id="{CABD2085-481A-4BB3-A1FC-23DD137D49A6}"/>
+              </a:ext>
+            </a:extLst>
+          </p:cNvPr>
+          <p:cNvSpPr txBox="1"/>
+          <p:nvPr/>
+        </p:nvSpPr>
+        <p:spPr>
+          <a:xfrm>
+            <a:off x="587338" y="1165720"/>
+            <a:ext cx="7580615" cy="373559"/>
+          </a:xfrm>
+          <a:prstGeom prst="rect">
+            <a:avLst/>
+          </a:prstGeom>
+        </p:spPr>
+        <p:txBody>
+          <a:bodyPr vert="horz" wrap="none" lIns="72000" tIns="36000" rIns="72000" bIns="36000" rtlCol="0" anchor="t">
+            <a:noAutofit/>
+          </a:bodyPr>
+          <a:lstStyle/>
+          <a:p>
+            <a:pPr marL="0" indent="0">
+              <a:buNone/>
+            </a:pPr>
+            <a:r>
+              <a:rPr lang="en-US" sz="1800" dirty="0"/>
+              <a:t>#4 Update a new Customer Information</a:t>
+            </a:r>
+          </a:p>
+        </p:txBody>
+      </p:sp>
+      <p:pic>
+        <p:nvPicPr>
+          <p:cNvPr id="3" name="Picture 2">
+            <a:extLst>
+              <a:ext uri="{FF2B5EF4-FFF2-40B4-BE49-F238E27FC236}">
+                <a16:creationId xmlns:a16="http://schemas.microsoft.com/office/drawing/2014/main" id="{B7E8BB45-2908-4208-8B2D-A811E7C50B36}"/>
+              </a:ext>
+            </a:extLst>
+          </p:cNvPr>
+          <p:cNvPicPr>
+            <a:picLocks noChangeAspect="1"/>
+          </p:cNvPicPr>
+          <p:nvPr/>
+        </p:nvPicPr>
+        <p:blipFill>
+          <a:blip r:embed="rId4"/>
+          <a:stretch>
+            <a:fillRect/>
+          </a:stretch>
+        </p:blipFill>
+        <p:spPr>
+          <a:xfrm>
+            <a:off x="765422" y="1623318"/>
+            <a:ext cx="10804269" cy="3074932"/>
+          </a:xfrm>
+          <a:prstGeom prst="rect">
+            <a:avLst/>
+          </a:prstGeom>
+        </p:spPr>
+      </p:pic>
+      <p:pic>
+        <p:nvPicPr>
+          <p:cNvPr id="6" name="Picture 5">
+            <a:extLst>
+              <a:ext uri="{FF2B5EF4-FFF2-40B4-BE49-F238E27FC236}">
+                <a16:creationId xmlns:a16="http://schemas.microsoft.com/office/drawing/2014/main" id="{FC8D5CA8-D206-4054-AC13-E7D88A9AF5EF}"/>
+              </a:ext>
+            </a:extLst>
+          </p:cNvPr>
+          <p:cNvPicPr>
+            <a:picLocks noChangeAspect="1"/>
+          </p:cNvPicPr>
+          <p:nvPr/>
+        </p:nvPicPr>
+        <p:blipFill>
+          <a:blip r:embed="rId5"/>
+          <a:stretch>
+            <a:fillRect/>
+          </a:stretch>
+        </p:blipFill>
+        <p:spPr>
+          <a:xfrm>
+            <a:off x="765424" y="5038272"/>
+            <a:ext cx="11164585" cy="945754"/>
+          </a:xfrm>
+          <a:prstGeom prst="rect">
+            <a:avLst/>
+          </a:prstGeom>
+        </p:spPr>
+      </p:pic>
+      <p:sp>
+        <p:nvSpPr>
+          <p:cNvPr id="9" name="TextBox 8">
+            <a:extLst>
+              <a:ext uri="{FF2B5EF4-FFF2-40B4-BE49-F238E27FC236}">
+                <a16:creationId xmlns:a16="http://schemas.microsoft.com/office/drawing/2014/main" id="{FBF590EB-F5A6-47E0-9294-04ABF589DF89}"/>
+              </a:ext>
+            </a:extLst>
+          </p:cNvPr>
+          <p:cNvSpPr txBox="1"/>
+          <p:nvPr/>
+        </p:nvSpPr>
+        <p:spPr>
+          <a:xfrm>
+            <a:off x="765424" y="5943600"/>
+            <a:ext cx="10402585" cy="313362"/>
+          </a:xfrm>
+          <a:prstGeom prst="rect">
+            <a:avLst/>
+          </a:prstGeom>
+        </p:spPr>
+        <p:txBody>
+          <a:bodyPr vert="horz" wrap="none" lIns="72000" tIns="36000" rIns="72000" bIns="36000" rtlCol="0" anchor="t">
+            <a:noAutofit/>
+          </a:bodyPr>
+          <a:lstStyle/>
+          <a:p>
+            <a:pPr marL="0" indent="0" algn="l">
+              <a:buNone/>
+            </a:pPr>
+            <a:r>
+              <a:rPr lang="en-US" sz="1600" dirty="0">
+                <a:solidFill>
+                  <a:srgbClr val="0070C0"/>
+                </a:solidFill>
+              </a:rPr>
+              <a:t>The above example shows only for “</a:t>
+            </a:r>
+            <a:r>
+              <a:rPr lang="en-US" sz="1600" dirty="0" err="1">
+                <a:solidFill>
+                  <a:srgbClr val="0070C0"/>
+                </a:solidFill>
+              </a:rPr>
+              <a:t>CustomerInfo</a:t>
+            </a:r>
+            <a:r>
+              <a:rPr lang="en-US" sz="1600" dirty="0">
+                <a:solidFill>
+                  <a:srgbClr val="0070C0"/>
+                </a:solidFill>
+              </a:rPr>
+              <a:t>” table. Similar operation can also be performed in “</a:t>
+            </a:r>
+            <a:r>
+              <a:rPr lang="en-US" sz="1600" dirty="0" err="1">
+                <a:solidFill>
+                  <a:srgbClr val="0070C0"/>
+                </a:solidFill>
+              </a:rPr>
+              <a:t>CustomerPlan</a:t>
+            </a:r>
+            <a:r>
+              <a:rPr lang="en-US" sz="1600" dirty="0">
+                <a:solidFill>
+                  <a:srgbClr val="0070C0"/>
+                </a:solidFill>
+              </a:rPr>
+              <a:t>” table.</a:t>
+            </a:r>
+          </a:p>
+        </p:txBody>
+      </p:sp>
+      <p:grpSp>
+        <p:nvGrpSpPr>
+          <p:cNvPr id="10" name="Group 9">
+            <a:extLst>
+              <a:ext uri="{FF2B5EF4-FFF2-40B4-BE49-F238E27FC236}">
+                <a16:creationId xmlns:a16="http://schemas.microsoft.com/office/drawing/2014/main" id="{D0FED508-4575-434C-B71F-3670F2375B56}"/>
+              </a:ext>
+            </a:extLst>
+          </p:cNvPr>
+          <p:cNvGrpSpPr/>
+          <p:nvPr/>
+        </p:nvGrpSpPr>
+        <p:grpSpPr>
+          <a:xfrm>
+            <a:off x="-308225" y="6802722"/>
+            <a:ext cx="12801599" cy="110556"/>
+            <a:chOff x="-170626" y="0"/>
+            <a:chExt cx="13534857" cy="166915"/>
+          </a:xfrm>
+        </p:grpSpPr>
+        <p:sp>
+          <p:nvSpPr>
+            <p:cNvPr id="11" name="Parallelogram 10">
+              <a:extLst>
+                <a:ext uri="{FF2B5EF4-FFF2-40B4-BE49-F238E27FC236}">
+                  <a16:creationId xmlns:a16="http://schemas.microsoft.com/office/drawing/2014/main" id="{A98F7AA6-E467-449B-AD74-8B43A54D71ED}"/>
+                </a:ext>
+              </a:extLst>
+            </p:cNvPr>
+            <p:cNvSpPr/>
+            <p:nvPr/>
+          </p:nvSpPr>
+          <p:spPr>
+            <a:xfrm>
+              <a:off x="-170626" y="0"/>
+              <a:ext cx="4511619" cy="166915"/>
+            </a:xfrm>
+            <a:prstGeom prst="parallelogram">
+              <a:avLst>
+                <a:gd name="adj" fmla="val 114362"/>
+              </a:avLst>
+            </a:prstGeom>
+            <a:solidFill>
+              <a:srgbClr val="016AA3"/>
+            </a:solidFill>
+            <a:ln>
+              <a:noFill/>
+            </a:ln>
+          </p:spPr>
+          <p:style>
+            <a:lnRef idx="2">
+              <a:schemeClr val="accent1">
+                <a:shade val="50000"/>
+              </a:schemeClr>
+            </a:lnRef>
+            <a:fillRef idx="1">
+              <a:schemeClr val="accent1"/>
+            </a:fillRef>
+            <a:effectRef idx="0">
+              <a:schemeClr val="accent1"/>
+            </a:effectRef>
+            <a:fontRef idx="minor">
+              <a:schemeClr val="lt1"/>
+            </a:fontRef>
+          </p:style>
+          <p:txBody>
+            <a:bodyPr rtlCol="0" anchor="ctr"/>
+            <a:lstStyle/>
+            <a:p>
+              <a:pPr algn="ctr"/>
+              <a:endParaRPr lang="en-US"/>
+            </a:p>
+          </p:txBody>
+        </p:sp>
+        <p:sp>
+          <p:nvSpPr>
+            <p:cNvPr id="12" name="Parallelogram 11">
+              <a:extLst>
+                <a:ext uri="{FF2B5EF4-FFF2-40B4-BE49-F238E27FC236}">
+                  <a16:creationId xmlns:a16="http://schemas.microsoft.com/office/drawing/2014/main" id="{16AE1091-6C68-4A63-9747-6FA5541EC64A}"/>
+                </a:ext>
+              </a:extLst>
+            </p:cNvPr>
+            <p:cNvSpPr/>
+            <p:nvPr/>
+          </p:nvSpPr>
+          <p:spPr>
+            <a:xfrm>
+              <a:off x="4340993" y="0"/>
+              <a:ext cx="4511619" cy="166915"/>
+            </a:xfrm>
+            <a:prstGeom prst="parallelogram">
+              <a:avLst>
+                <a:gd name="adj" fmla="val 114362"/>
+              </a:avLst>
+            </a:prstGeom>
+            <a:solidFill>
+              <a:srgbClr val="46B688"/>
+            </a:solidFill>
+            <a:ln>
+              <a:noFill/>
+            </a:ln>
+          </p:spPr>
+          <p:style>
+            <a:lnRef idx="2">
+              <a:schemeClr val="accent1">
+                <a:shade val="50000"/>
+              </a:schemeClr>
+            </a:lnRef>
+            <a:fillRef idx="1">
+              <a:schemeClr val="accent1"/>
+            </a:fillRef>
+            <a:effectRef idx="0">
+              <a:schemeClr val="accent1"/>
+            </a:effectRef>
+            <a:fontRef idx="minor">
+              <a:schemeClr val="lt1"/>
+            </a:fontRef>
+          </p:style>
+          <p:txBody>
+            <a:bodyPr rtlCol="0" anchor="ctr"/>
+            <a:lstStyle/>
+            <a:p>
+              <a:pPr algn="ctr"/>
+              <a:endParaRPr lang="en-US"/>
+            </a:p>
+          </p:txBody>
+        </p:sp>
+        <p:sp>
+          <p:nvSpPr>
+            <p:cNvPr id="13" name="Parallelogram 12">
+              <a:extLst>
+                <a:ext uri="{FF2B5EF4-FFF2-40B4-BE49-F238E27FC236}">
+                  <a16:creationId xmlns:a16="http://schemas.microsoft.com/office/drawing/2014/main" id="{BB82C4E9-C6ED-4FB9-A591-E62C7BF0527D}"/>
+                </a:ext>
+              </a:extLst>
+            </p:cNvPr>
+            <p:cNvSpPr/>
+            <p:nvPr/>
+          </p:nvSpPr>
+          <p:spPr>
+            <a:xfrm>
+              <a:off x="8852612" y="0"/>
+              <a:ext cx="4511619" cy="166915"/>
+            </a:xfrm>
+            <a:prstGeom prst="parallelogram">
+              <a:avLst>
+                <a:gd name="adj" fmla="val 114362"/>
+              </a:avLst>
+            </a:prstGeom>
+            <a:solidFill>
+              <a:srgbClr val="FEA34F"/>
+            </a:solidFill>
+            <a:ln>
+              <a:noFill/>
+            </a:ln>
+          </p:spPr>
+          <p:style>
+            <a:lnRef idx="2">
+              <a:schemeClr val="accent1">
+                <a:shade val="50000"/>
+              </a:schemeClr>
+            </a:lnRef>
+            <a:fillRef idx="1">
+              <a:schemeClr val="accent1"/>
+            </a:fillRef>
+            <a:effectRef idx="0">
+              <a:schemeClr val="accent1"/>
+            </a:effectRef>
+            <a:fontRef idx="minor">
+              <a:schemeClr val="lt1"/>
+            </a:fontRef>
+          </p:style>
+          <p:txBody>
+            <a:bodyPr rtlCol="0" anchor="ctr"/>
+            <a:lstStyle/>
+            <a:p>
+              <a:pPr algn="ctr"/>
+              <a:endParaRPr lang="en-US"/>
+            </a:p>
+          </p:txBody>
+        </p:sp>
+      </p:grpSp>
+    </p:spTree>
+    <p:custDataLst>
+      <p:custData r:id="rId1"/>
+      <p:custData r:id="rId2"/>
+    </p:custDataLst>
+    <p:extLst>
+      <p:ext uri="{BB962C8B-B14F-4D97-AF65-F5344CB8AC3E}">
+        <p14:creationId xmlns:p14="http://schemas.microsoft.com/office/powerpoint/2010/main" val="1381805364"/>
+      </p:ext>
+    </p:extLst>
+  </p:cSld>
+  <p:clrMapOvr>
+    <a:masterClrMapping/>
+  </p:clrMapOvr>
+</p:sld>
+</file>
+
+<file path=ppt/slides/slide15.xml><?xml version="1.0" encoding="utf-8"?>
+<p:sld xmlns:a="http://schemas.openxmlformats.org/drawingml/2006/main" xmlns:r="http://schemas.openxmlformats.org/officeDocument/2006/relationships" xmlns:p="http://schemas.openxmlformats.org/presentationml/2006/main">
+  <p:cSld>
+    <p:spTree>
+      <p:nvGrpSpPr>
+        <p:cNvPr id="1" name=""/>
+        <p:cNvGrpSpPr/>
+        <p:nvPr/>
+      </p:nvGrpSpPr>
+      <p:grpSpPr>
+        <a:xfrm>
+          <a:off x="0" y="0"/>
+          <a:ext cx="0" cy="0"/>
+          <a:chOff x="0" y="0"/>
+          <a:chExt cx="0" cy="0"/>
+        </a:xfrm>
+      </p:grpSpPr>
+      <p:sp>
+        <p:nvSpPr>
+          <p:cNvPr id="4" name="Title 3">
+            <a:extLst>
+              <a:ext uri="{FF2B5EF4-FFF2-40B4-BE49-F238E27FC236}">
+                <a16:creationId xmlns:a16="http://schemas.microsoft.com/office/drawing/2014/main" id="{EA7D4468-58D5-40D1-8182-8FDBCEF777E1}"/>
+              </a:ext>
+            </a:extLst>
+          </p:cNvPr>
+          <p:cNvSpPr>
+            <a:spLocks noGrp="1"/>
+          </p:cNvSpPr>
+          <p:nvPr>
+            <p:ph type="title"/>
+          </p:nvPr>
+        </p:nvSpPr>
+        <p:spPr>
+          <a:xfrm>
+            <a:off x="284492" y="92302"/>
+            <a:ext cx="10521950" cy="513873"/>
+          </a:xfrm>
+        </p:spPr>
+        <p:txBody>
+          <a:bodyPr/>
+          <a:lstStyle/>
+          <a:p>
+            <a:r>
+              <a:rPr lang="en-US" dirty="0"/>
+              <a:t>Application Verification Results</a:t>
+            </a:r>
+          </a:p>
+        </p:txBody>
+      </p:sp>
+      <p:sp>
+        <p:nvSpPr>
+          <p:cNvPr id="8" name="TextBox 7">
+            <a:extLst>
+              <a:ext uri="{FF2B5EF4-FFF2-40B4-BE49-F238E27FC236}">
+                <a16:creationId xmlns:a16="http://schemas.microsoft.com/office/drawing/2014/main" id="{CABD2085-481A-4BB3-A1FC-23DD137D49A6}"/>
+              </a:ext>
+            </a:extLst>
+          </p:cNvPr>
+          <p:cNvSpPr txBox="1"/>
+          <p:nvPr/>
+        </p:nvSpPr>
+        <p:spPr>
+          <a:xfrm>
+            <a:off x="587338" y="1165720"/>
+            <a:ext cx="7580615" cy="373559"/>
+          </a:xfrm>
+          <a:prstGeom prst="rect">
+            <a:avLst/>
+          </a:prstGeom>
+        </p:spPr>
+        <p:txBody>
+          <a:bodyPr vert="horz" wrap="none" lIns="72000" tIns="36000" rIns="72000" bIns="36000" rtlCol="0" anchor="t">
+            <a:noAutofit/>
+          </a:bodyPr>
+          <a:lstStyle/>
+          <a:p>
+            <a:pPr marL="0" indent="0">
+              <a:buNone/>
+            </a:pPr>
+            <a:r>
+              <a:rPr lang="en-US" sz="1800" dirty="0"/>
+              <a:t>#6 Removing a Customer Information</a:t>
+            </a:r>
+          </a:p>
+        </p:txBody>
+      </p:sp>
+      <p:pic>
+        <p:nvPicPr>
+          <p:cNvPr id="3" name="Picture 2">
+            <a:extLst>
+              <a:ext uri="{FF2B5EF4-FFF2-40B4-BE49-F238E27FC236}">
+                <a16:creationId xmlns:a16="http://schemas.microsoft.com/office/drawing/2014/main" id="{C6A5A913-4D96-4DA0-8C90-18D5C5436561}"/>
+              </a:ext>
+            </a:extLst>
+          </p:cNvPr>
+          <p:cNvPicPr>
+            <a:picLocks noChangeAspect="1"/>
+          </p:cNvPicPr>
+          <p:nvPr/>
+        </p:nvPicPr>
+        <p:blipFill>
+          <a:blip r:embed="rId4"/>
+          <a:stretch>
+            <a:fillRect/>
+          </a:stretch>
+        </p:blipFill>
+        <p:spPr>
+          <a:xfrm>
+            <a:off x="677229" y="1974908"/>
+            <a:ext cx="9736476" cy="2158366"/>
+          </a:xfrm>
+          <a:prstGeom prst="rect">
+            <a:avLst/>
+          </a:prstGeom>
+        </p:spPr>
+      </p:pic>
+      <p:pic>
+        <p:nvPicPr>
+          <p:cNvPr id="5" name="Picture 4">
+            <a:extLst>
+              <a:ext uri="{FF2B5EF4-FFF2-40B4-BE49-F238E27FC236}">
+                <a16:creationId xmlns:a16="http://schemas.microsoft.com/office/drawing/2014/main" id="{2E3C5EB9-43D5-454E-A849-363F612FBB47}"/>
+              </a:ext>
+            </a:extLst>
+          </p:cNvPr>
+          <p:cNvPicPr>
+            <a:picLocks noChangeAspect="1"/>
+          </p:cNvPicPr>
+          <p:nvPr/>
+        </p:nvPicPr>
+        <p:blipFill>
+          <a:blip r:embed="rId5"/>
+          <a:stretch>
+            <a:fillRect/>
+          </a:stretch>
+        </p:blipFill>
+        <p:spPr>
+          <a:xfrm>
+            <a:off x="750014" y="4568903"/>
+            <a:ext cx="10880332" cy="847531"/>
+          </a:xfrm>
+          <a:prstGeom prst="rect">
+            <a:avLst/>
+          </a:prstGeom>
+        </p:spPr>
+      </p:pic>
+      <p:sp>
+        <p:nvSpPr>
+          <p:cNvPr id="7" name="TextBox 6">
+            <a:extLst>
+              <a:ext uri="{FF2B5EF4-FFF2-40B4-BE49-F238E27FC236}">
+                <a16:creationId xmlns:a16="http://schemas.microsoft.com/office/drawing/2014/main" id="{FE42E422-2467-4E34-99C5-7B50C9AEC2DC}"/>
+              </a:ext>
+            </a:extLst>
+          </p:cNvPr>
+          <p:cNvSpPr txBox="1"/>
+          <p:nvPr/>
+        </p:nvSpPr>
+        <p:spPr>
+          <a:xfrm>
+            <a:off x="765424" y="5943600"/>
+            <a:ext cx="10402585" cy="313362"/>
+          </a:xfrm>
+          <a:prstGeom prst="rect">
+            <a:avLst/>
+          </a:prstGeom>
+        </p:spPr>
+        <p:txBody>
+          <a:bodyPr vert="horz" wrap="none" lIns="72000" tIns="36000" rIns="72000" bIns="36000" rtlCol="0" anchor="t">
+            <a:noAutofit/>
+          </a:bodyPr>
+          <a:lstStyle/>
+          <a:p>
+            <a:pPr marL="0" indent="0" algn="l">
+              <a:buNone/>
+            </a:pPr>
+            <a:r>
+              <a:rPr lang="en-US" sz="1600" dirty="0">
+                <a:solidFill>
+                  <a:srgbClr val="0070C0"/>
+                </a:solidFill>
+              </a:rPr>
+              <a:t>The above example shows only for “</a:t>
+            </a:r>
+            <a:r>
+              <a:rPr lang="en-US" sz="1600" dirty="0" err="1">
+                <a:solidFill>
+                  <a:srgbClr val="0070C0"/>
+                </a:solidFill>
+              </a:rPr>
+              <a:t>CustomerInfo</a:t>
+            </a:r>
+            <a:r>
+              <a:rPr lang="en-US" sz="1600" dirty="0">
+                <a:solidFill>
+                  <a:srgbClr val="0070C0"/>
+                </a:solidFill>
+              </a:rPr>
+              <a:t>” table. Similar operation can also be performed in “</a:t>
+            </a:r>
+            <a:r>
+              <a:rPr lang="en-US" sz="1600" dirty="0" err="1">
+                <a:solidFill>
+                  <a:srgbClr val="0070C0"/>
+                </a:solidFill>
+              </a:rPr>
+              <a:t>CustomerPlan</a:t>
+            </a:r>
+            <a:r>
+              <a:rPr lang="en-US" sz="1600" dirty="0">
+                <a:solidFill>
+                  <a:srgbClr val="0070C0"/>
+                </a:solidFill>
+              </a:rPr>
+              <a:t>” table.</a:t>
+            </a:r>
+          </a:p>
+        </p:txBody>
+      </p:sp>
+      <p:grpSp>
+        <p:nvGrpSpPr>
+          <p:cNvPr id="9" name="Group 8">
+            <a:extLst>
+              <a:ext uri="{FF2B5EF4-FFF2-40B4-BE49-F238E27FC236}">
+                <a16:creationId xmlns:a16="http://schemas.microsoft.com/office/drawing/2014/main" id="{504C51B0-9979-4A9D-A5D9-5358CDFFC501}"/>
+              </a:ext>
+            </a:extLst>
+          </p:cNvPr>
+          <p:cNvGrpSpPr/>
+          <p:nvPr/>
+        </p:nvGrpSpPr>
+        <p:grpSpPr>
+          <a:xfrm>
+            <a:off x="-308225" y="6802722"/>
+            <a:ext cx="12801599" cy="110556"/>
+            <a:chOff x="-170626" y="0"/>
+            <a:chExt cx="13534857" cy="166915"/>
+          </a:xfrm>
+        </p:grpSpPr>
+        <p:sp>
+          <p:nvSpPr>
+            <p:cNvPr id="10" name="Parallelogram 9">
+              <a:extLst>
+                <a:ext uri="{FF2B5EF4-FFF2-40B4-BE49-F238E27FC236}">
+                  <a16:creationId xmlns:a16="http://schemas.microsoft.com/office/drawing/2014/main" id="{326AA2EB-B747-44D8-BE4F-F9E3242591A5}"/>
+                </a:ext>
+              </a:extLst>
+            </p:cNvPr>
+            <p:cNvSpPr/>
+            <p:nvPr/>
+          </p:nvSpPr>
+          <p:spPr>
+            <a:xfrm>
+              <a:off x="-170626" y="0"/>
+              <a:ext cx="4511619" cy="166915"/>
+            </a:xfrm>
+            <a:prstGeom prst="parallelogram">
+              <a:avLst>
+                <a:gd name="adj" fmla="val 114362"/>
+              </a:avLst>
+            </a:prstGeom>
+            <a:solidFill>
+              <a:srgbClr val="016AA3"/>
+            </a:solidFill>
+            <a:ln>
+              <a:noFill/>
+            </a:ln>
+          </p:spPr>
+          <p:style>
+            <a:lnRef idx="2">
+              <a:schemeClr val="accent1">
+                <a:shade val="50000"/>
+              </a:schemeClr>
+            </a:lnRef>
+            <a:fillRef idx="1">
+              <a:schemeClr val="accent1"/>
+            </a:fillRef>
+            <a:effectRef idx="0">
+              <a:schemeClr val="accent1"/>
+            </a:effectRef>
+            <a:fontRef idx="minor">
+              <a:schemeClr val="lt1"/>
+            </a:fontRef>
+          </p:style>
+          <p:txBody>
+            <a:bodyPr rtlCol="0" anchor="ctr"/>
+            <a:lstStyle/>
+            <a:p>
+              <a:pPr algn="ctr"/>
+              <a:endParaRPr lang="en-US"/>
+            </a:p>
+          </p:txBody>
+        </p:sp>
+        <p:sp>
+          <p:nvSpPr>
+            <p:cNvPr id="11" name="Parallelogram 10">
+              <a:extLst>
+                <a:ext uri="{FF2B5EF4-FFF2-40B4-BE49-F238E27FC236}">
+                  <a16:creationId xmlns:a16="http://schemas.microsoft.com/office/drawing/2014/main" id="{6266AE11-D180-403D-9198-851732C267C6}"/>
+                </a:ext>
+              </a:extLst>
+            </p:cNvPr>
+            <p:cNvSpPr/>
+            <p:nvPr/>
+          </p:nvSpPr>
+          <p:spPr>
+            <a:xfrm>
+              <a:off x="4340993" y="0"/>
+              <a:ext cx="4511619" cy="166915"/>
+            </a:xfrm>
+            <a:prstGeom prst="parallelogram">
+              <a:avLst>
+                <a:gd name="adj" fmla="val 114362"/>
+              </a:avLst>
+            </a:prstGeom>
+            <a:solidFill>
+              <a:srgbClr val="46B688"/>
+            </a:solidFill>
+            <a:ln>
+              <a:noFill/>
+            </a:ln>
+          </p:spPr>
+          <p:style>
+            <a:lnRef idx="2">
+              <a:schemeClr val="accent1">
+                <a:shade val="50000"/>
+              </a:schemeClr>
+            </a:lnRef>
+            <a:fillRef idx="1">
+              <a:schemeClr val="accent1"/>
+            </a:fillRef>
+            <a:effectRef idx="0">
+              <a:schemeClr val="accent1"/>
+            </a:effectRef>
+            <a:fontRef idx="minor">
+              <a:schemeClr val="lt1"/>
+            </a:fontRef>
+          </p:style>
+          <p:txBody>
+            <a:bodyPr rtlCol="0" anchor="ctr"/>
+            <a:lstStyle/>
+            <a:p>
+              <a:pPr algn="ctr"/>
+              <a:endParaRPr lang="en-US"/>
+            </a:p>
+          </p:txBody>
+        </p:sp>
+        <p:sp>
+          <p:nvSpPr>
+            <p:cNvPr id="12" name="Parallelogram 11">
+              <a:extLst>
+                <a:ext uri="{FF2B5EF4-FFF2-40B4-BE49-F238E27FC236}">
+                  <a16:creationId xmlns:a16="http://schemas.microsoft.com/office/drawing/2014/main" id="{73791B02-582E-4F75-9B3C-ACD8AE354688}"/>
+                </a:ext>
+              </a:extLst>
+            </p:cNvPr>
+            <p:cNvSpPr/>
+            <p:nvPr/>
+          </p:nvSpPr>
+          <p:spPr>
+            <a:xfrm>
+              <a:off x="8852612" y="0"/>
+              <a:ext cx="4511619" cy="166915"/>
+            </a:xfrm>
+            <a:prstGeom prst="parallelogram">
+              <a:avLst>
+                <a:gd name="adj" fmla="val 114362"/>
+              </a:avLst>
+            </a:prstGeom>
+            <a:solidFill>
+              <a:srgbClr val="FEA34F"/>
+            </a:solidFill>
+            <a:ln>
+              <a:noFill/>
+            </a:ln>
+          </p:spPr>
+          <p:style>
+            <a:lnRef idx="2">
+              <a:schemeClr val="accent1">
+                <a:shade val="50000"/>
+              </a:schemeClr>
+            </a:lnRef>
+            <a:fillRef idx="1">
+              <a:schemeClr val="accent1"/>
+            </a:fillRef>
+            <a:effectRef idx="0">
+              <a:schemeClr val="accent1"/>
+            </a:effectRef>
+            <a:fontRef idx="minor">
+              <a:schemeClr val="lt1"/>
+            </a:fontRef>
+          </p:style>
+          <p:txBody>
+            <a:bodyPr rtlCol="0" anchor="ctr"/>
+            <a:lstStyle/>
+            <a:p>
+              <a:pPr algn="ctr"/>
+              <a:endParaRPr lang="en-US"/>
+            </a:p>
+          </p:txBody>
+        </p:sp>
+      </p:grpSp>
     </p:spTree>
     <p:custDataLst>
       <p:custData r:id="rId1"/>
@@ -19038,6 +20569,259 @@
     <p:extLst>
       <p:ext uri="{BB962C8B-B14F-4D97-AF65-F5344CB8AC3E}">
         <p14:creationId xmlns:p14="http://schemas.microsoft.com/office/powerpoint/2010/main" val="2336943535"/>
+      </p:ext>
+    </p:extLst>
+  </p:cSld>
+  <p:clrMapOvr>
+    <a:masterClrMapping/>
+  </p:clrMapOvr>
+</p:sld>
+</file>
+
+<file path=ppt/slides/slide16.xml><?xml version="1.0" encoding="utf-8"?>
+<p:sld xmlns:a="http://schemas.openxmlformats.org/drawingml/2006/main" xmlns:r="http://schemas.openxmlformats.org/officeDocument/2006/relationships" xmlns:p="http://schemas.openxmlformats.org/presentationml/2006/main">
+  <p:cSld>
+    <p:spTree>
+      <p:nvGrpSpPr>
+        <p:cNvPr id="1" name=""/>
+        <p:cNvGrpSpPr/>
+        <p:nvPr/>
+      </p:nvGrpSpPr>
+      <p:grpSpPr>
+        <a:xfrm>
+          <a:off x="0" y="0"/>
+          <a:ext cx="0" cy="0"/>
+          <a:chOff x="0" y="0"/>
+          <a:chExt cx="0" cy="0"/>
+        </a:xfrm>
+      </p:grpSpPr>
+      <p:pic>
+        <p:nvPicPr>
+          <p:cNvPr id="9" name="Logo_ChapterSlide_Normal">
+            <a:extLst>
+              <a:ext uri="{FF2B5EF4-FFF2-40B4-BE49-F238E27FC236}">
+                <a16:creationId xmlns:a16="http://schemas.microsoft.com/office/drawing/2014/main" id="{AD29E0B4-6782-4B84-A053-ADE2A277B89B}"/>
+              </a:ext>
+            </a:extLst>
+          </p:cNvPr>
+          <p:cNvPicPr>
+            <a:picLocks/>
+          </p:cNvPicPr>
+          <p:nvPr/>
+        </p:nvPicPr>
+        <p:blipFill>
+          <a:blip r:embed="rId4">
+            <a:extLst>
+              <a:ext uri="{28A0092B-C50C-407E-A947-70E740481C1C}">
+                <a14:useLocalDpi xmlns:a14="http://schemas.microsoft.com/office/drawing/2010/main" val="0"/>
+              </a:ext>
+            </a:extLst>
+          </a:blip>
+          <a:stretch>
+            <a:fillRect/>
+          </a:stretch>
+        </p:blipFill>
+        <p:spPr>
+          <a:xfrm>
+            <a:off x="1962362" y="657381"/>
+            <a:ext cx="7705619" cy="5055050"/>
+          </a:xfrm>
+          <a:prstGeom prst="rect">
+            <a:avLst/>
+          </a:prstGeom>
+        </p:spPr>
+      </p:pic>
+      <p:grpSp>
+        <p:nvGrpSpPr>
+          <p:cNvPr id="10" name="Group 9">
+            <a:extLst>
+              <a:ext uri="{FF2B5EF4-FFF2-40B4-BE49-F238E27FC236}">
+                <a16:creationId xmlns:a16="http://schemas.microsoft.com/office/drawing/2014/main" id="{4DF8E681-1354-42D0-92EF-9ABD0DAD2924}"/>
+              </a:ext>
+            </a:extLst>
+          </p:cNvPr>
+          <p:cNvGrpSpPr/>
+          <p:nvPr/>
+        </p:nvGrpSpPr>
+        <p:grpSpPr>
+          <a:xfrm>
+            <a:off x="-308225" y="6802722"/>
+            <a:ext cx="12801599" cy="110556"/>
+            <a:chOff x="-170626" y="0"/>
+            <a:chExt cx="13534857" cy="166915"/>
+          </a:xfrm>
+        </p:grpSpPr>
+        <p:sp>
+          <p:nvSpPr>
+            <p:cNvPr id="11" name="Parallelogram 10">
+              <a:extLst>
+                <a:ext uri="{FF2B5EF4-FFF2-40B4-BE49-F238E27FC236}">
+                  <a16:creationId xmlns:a16="http://schemas.microsoft.com/office/drawing/2014/main" id="{93653776-F6A5-43B6-B801-84048D4C50CA}"/>
+                </a:ext>
+              </a:extLst>
+            </p:cNvPr>
+            <p:cNvSpPr/>
+            <p:nvPr/>
+          </p:nvSpPr>
+          <p:spPr>
+            <a:xfrm>
+              <a:off x="-170626" y="0"/>
+              <a:ext cx="4511619" cy="166915"/>
+            </a:xfrm>
+            <a:prstGeom prst="parallelogram">
+              <a:avLst>
+                <a:gd name="adj" fmla="val 114362"/>
+              </a:avLst>
+            </a:prstGeom>
+            <a:solidFill>
+              <a:srgbClr val="016AA3"/>
+            </a:solidFill>
+            <a:ln>
+              <a:noFill/>
+            </a:ln>
+          </p:spPr>
+          <p:style>
+            <a:lnRef idx="2">
+              <a:schemeClr val="accent1">
+                <a:shade val="50000"/>
+              </a:schemeClr>
+            </a:lnRef>
+            <a:fillRef idx="1">
+              <a:schemeClr val="accent1"/>
+            </a:fillRef>
+            <a:effectRef idx="0">
+              <a:schemeClr val="accent1"/>
+            </a:effectRef>
+            <a:fontRef idx="minor">
+              <a:schemeClr val="lt1"/>
+            </a:fontRef>
+          </p:style>
+          <p:txBody>
+            <a:bodyPr rtlCol="0" anchor="ctr"/>
+            <a:lstStyle/>
+            <a:p>
+              <a:pPr algn="ctr"/>
+              <a:endParaRPr lang="en-US"/>
+            </a:p>
+          </p:txBody>
+        </p:sp>
+        <p:sp>
+          <p:nvSpPr>
+            <p:cNvPr id="12" name="Parallelogram 11">
+              <a:extLst>
+                <a:ext uri="{FF2B5EF4-FFF2-40B4-BE49-F238E27FC236}">
+                  <a16:creationId xmlns:a16="http://schemas.microsoft.com/office/drawing/2014/main" id="{6C4547A2-D6C9-4C1E-9411-6444BE213EE1}"/>
+                </a:ext>
+              </a:extLst>
+            </p:cNvPr>
+            <p:cNvSpPr/>
+            <p:nvPr/>
+          </p:nvSpPr>
+          <p:spPr>
+            <a:xfrm>
+              <a:off x="4340993" y="0"/>
+              <a:ext cx="4511619" cy="166915"/>
+            </a:xfrm>
+            <a:prstGeom prst="parallelogram">
+              <a:avLst>
+                <a:gd name="adj" fmla="val 114362"/>
+              </a:avLst>
+            </a:prstGeom>
+            <a:solidFill>
+              <a:srgbClr val="46B688"/>
+            </a:solidFill>
+            <a:ln>
+              <a:noFill/>
+            </a:ln>
+          </p:spPr>
+          <p:style>
+            <a:lnRef idx="2">
+              <a:schemeClr val="accent1">
+                <a:shade val="50000"/>
+              </a:schemeClr>
+            </a:lnRef>
+            <a:fillRef idx="1">
+              <a:schemeClr val="accent1"/>
+            </a:fillRef>
+            <a:effectRef idx="0">
+              <a:schemeClr val="accent1"/>
+            </a:effectRef>
+            <a:fontRef idx="minor">
+              <a:schemeClr val="lt1"/>
+            </a:fontRef>
+          </p:style>
+          <p:txBody>
+            <a:bodyPr rtlCol="0" anchor="ctr"/>
+            <a:lstStyle/>
+            <a:p>
+              <a:pPr algn="ctr"/>
+              <a:endParaRPr lang="en-US"/>
+            </a:p>
+          </p:txBody>
+        </p:sp>
+        <p:sp>
+          <p:nvSpPr>
+            <p:cNvPr id="13" name="Parallelogram 12">
+              <a:extLst>
+                <a:ext uri="{FF2B5EF4-FFF2-40B4-BE49-F238E27FC236}">
+                  <a16:creationId xmlns:a16="http://schemas.microsoft.com/office/drawing/2014/main" id="{957E6AE3-8C73-4024-A585-3A4A3699BA10}"/>
+                </a:ext>
+              </a:extLst>
+            </p:cNvPr>
+            <p:cNvSpPr/>
+            <p:nvPr/>
+          </p:nvSpPr>
+          <p:spPr>
+            <a:xfrm>
+              <a:off x="8852612" y="0"/>
+              <a:ext cx="4511619" cy="166915"/>
+            </a:xfrm>
+            <a:prstGeom prst="parallelogram">
+              <a:avLst>
+                <a:gd name="adj" fmla="val 114362"/>
+              </a:avLst>
+            </a:prstGeom>
+            <a:solidFill>
+              <a:srgbClr val="FEA34F"/>
+            </a:solidFill>
+            <a:ln>
+              <a:noFill/>
+            </a:ln>
+          </p:spPr>
+          <p:style>
+            <a:lnRef idx="2">
+              <a:schemeClr val="accent1">
+                <a:shade val="50000"/>
+              </a:schemeClr>
+            </a:lnRef>
+            <a:fillRef idx="1">
+              <a:schemeClr val="accent1"/>
+            </a:fillRef>
+            <a:effectRef idx="0">
+              <a:schemeClr val="accent1"/>
+            </a:effectRef>
+            <a:fontRef idx="minor">
+              <a:schemeClr val="lt1"/>
+            </a:fontRef>
+          </p:style>
+          <p:txBody>
+            <a:bodyPr rtlCol="0" anchor="ctr"/>
+            <a:lstStyle/>
+            <a:p>
+              <a:pPr algn="ctr"/>
+              <a:endParaRPr lang="en-US"/>
+            </a:p>
+          </p:txBody>
+        </p:sp>
+      </p:grpSp>
+    </p:spTree>
+    <p:custDataLst>
+      <p:custData r:id="rId1"/>
+      <p:custData r:id="rId2"/>
+    </p:custDataLst>
+    <p:extLst>
+      <p:ext uri="{BB962C8B-B14F-4D97-AF65-F5344CB8AC3E}">
+        <p14:creationId xmlns:p14="http://schemas.microsoft.com/office/powerpoint/2010/main" val="168107348"/>
       </p:ext>
     </p:extLst>
   </p:cSld>
@@ -19348,6 +21132,236 @@
           </a:p>
         </p:txBody>
       </p:sp>
+      <p:sp>
+        <p:nvSpPr>
+          <p:cNvPr id="11" name="TextBox 10">
+            <a:extLst>
+              <a:ext uri="{FF2B5EF4-FFF2-40B4-BE49-F238E27FC236}">
+                <a16:creationId xmlns:a16="http://schemas.microsoft.com/office/drawing/2014/main" id="{14966CBD-887A-473D-855A-63603A49FB7C}"/>
+              </a:ext>
+            </a:extLst>
+          </p:cNvPr>
+          <p:cNvSpPr txBox="1"/>
+          <p:nvPr/>
+        </p:nvSpPr>
+        <p:spPr>
+          <a:xfrm>
+            <a:off x="626724" y="5108891"/>
+            <a:ext cx="8065215" cy="457200"/>
+          </a:xfrm>
+          <a:prstGeom prst="rect">
+            <a:avLst/>
+          </a:prstGeom>
+        </p:spPr>
+        <p:txBody>
+          <a:bodyPr vert="horz" wrap="none" lIns="72000" tIns="36000" rIns="72000" bIns="36000" rtlCol="0" anchor="t">
+            <a:noAutofit/>
+          </a:bodyPr>
+          <a:lstStyle/>
+          <a:p>
+            <a:pPr marL="0" indent="0">
+              <a:buNone/>
+            </a:pPr>
+            <a:r>
+              <a:rPr lang="en-US" dirty="0"/>
+              <a:t>Code Repository: </a:t>
+            </a:r>
+            <a:r>
+              <a:rPr lang="en-US" dirty="0">
+                <a:hlinkClick r:id="rId4"/>
+              </a:rPr>
+              <a:t>https://github.com/Subzzy/subhayuRepository.git</a:t>
+            </a:r>
+            <a:r>
+              <a:rPr lang="en-US" dirty="0"/>
+              <a:t> </a:t>
+            </a:r>
+          </a:p>
+        </p:txBody>
+      </p:sp>
+      <p:grpSp>
+        <p:nvGrpSpPr>
+          <p:cNvPr id="12" name="Group 11">
+            <a:extLst>
+              <a:ext uri="{FF2B5EF4-FFF2-40B4-BE49-F238E27FC236}">
+                <a16:creationId xmlns:a16="http://schemas.microsoft.com/office/drawing/2014/main" id="{CEF31009-E44E-4E78-A1DA-79D30069722F}"/>
+              </a:ext>
+            </a:extLst>
+          </p:cNvPr>
+          <p:cNvGrpSpPr/>
+          <p:nvPr/>
+        </p:nvGrpSpPr>
+        <p:grpSpPr>
+          <a:xfrm>
+            <a:off x="-308225" y="6802722"/>
+            <a:ext cx="12801599" cy="110556"/>
+            <a:chOff x="-170626" y="0"/>
+            <a:chExt cx="13534857" cy="166915"/>
+          </a:xfrm>
+        </p:grpSpPr>
+        <p:sp>
+          <p:nvSpPr>
+            <p:cNvPr id="13" name="Parallelogram 12">
+              <a:extLst>
+                <a:ext uri="{FF2B5EF4-FFF2-40B4-BE49-F238E27FC236}">
+                  <a16:creationId xmlns:a16="http://schemas.microsoft.com/office/drawing/2014/main" id="{71CCA016-F3F3-465C-A19A-FD9D7A09A60C}"/>
+                </a:ext>
+              </a:extLst>
+            </p:cNvPr>
+            <p:cNvSpPr/>
+            <p:nvPr/>
+          </p:nvSpPr>
+          <p:spPr>
+            <a:xfrm>
+              <a:off x="-170626" y="0"/>
+              <a:ext cx="4511619" cy="166915"/>
+            </a:xfrm>
+            <a:prstGeom prst="parallelogram">
+              <a:avLst>
+                <a:gd name="adj" fmla="val 114362"/>
+              </a:avLst>
+            </a:prstGeom>
+            <a:solidFill>
+              <a:srgbClr val="016AA3"/>
+            </a:solidFill>
+            <a:ln>
+              <a:noFill/>
+            </a:ln>
+          </p:spPr>
+          <p:style>
+            <a:lnRef idx="2">
+              <a:schemeClr val="accent1">
+                <a:shade val="50000"/>
+              </a:schemeClr>
+            </a:lnRef>
+            <a:fillRef idx="1">
+              <a:schemeClr val="accent1"/>
+            </a:fillRef>
+            <a:effectRef idx="0">
+              <a:schemeClr val="accent1"/>
+            </a:effectRef>
+            <a:fontRef idx="minor">
+              <a:schemeClr val="lt1"/>
+            </a:fontRef>
+          </p:style>
+          <p:txBody>
+            <a:bodyPr rtlCol="0" anchor="ctr"/>
+            <a:lstStyle/>
+            <a:p>
+              <a:pPr algn="ctr"/>
+              <a:endParaRPr lang="en-US"/>
+            </a:p>
+          </p:txBody>
+        </p:sp>
+        <p:sp>
+          <p:nvSpPr>
+            <p:cNvPr id="14" name="Parallelogram 13">
+              <a:extLst>
+                <a:ext uri="{FF2B5EF4-FFF2-40B4-BE49-F238E27FC236}">
+                  <a16:creationId xmlns:a16="http://schemas.microsoft.com/office/drawing/2014/main" id="{758B7752-9917-42D7-A594-637A6731D57A}"/>
+                </a:ext>
+              </a:extLst>
+            </p:cNvPr>
+            <p:cNvSpPr/>
+            <p:nvPr/>
+          </p:nvSpPr>
+          <p:spPr>
+            <a:xfrm>
+              <a:off x="4340993" y="0"/>
+              <a:ext cx="4511619" cy="166915"/>
+            </a:xfrm>
+            <a:prstGeom prst="parallelogram">
+              <a:avLst>
+                <a:gd name="adj" fmla="val 114362"/>
+              </a:avLst>
+            </a:prstGeom>
+            <a:solidFill>
+              <a:srgbClr val="46B688"/>
+            </a:solidFill>
+            <a:ln>
+              <a:noFill/>
+            </a:ln>
+          </p:spPr>
+          <p:style>
+            <a:lnRef idx="2">
+              <a:schemeClr val="accent1">
+                <a:shade val="50000"/>
+              </a:schemeClr>
+            </a:lnRef>
+            <a:fillRef idx="1">
+              <a:schemeClr val="accent1"/>
+            </a:fillRef>
+            <a:effectRef idx="0">
+              <a:schemeClr val="accent1"/>
+            </a:effectRef>
+            <a:fontRef idx="minor">
+              <a:schemeClr val="lt1"/>
+            </a:fontRef>
+          </p:style>
+          <p:txBody>
+            <a:bodyPr rtlCol="0" anchor="ctr"/>
+            <a:lstStyle/>
+            <a:p>
+              <a:pPr algn="ctr"/>
+              <a:endParaRPr lang="en-US"/>
+            </a:p>
+          </p:txBody>
+        </p:sp>
+        <p:sp>
+          <p:nvSpPr>
+            <p:cNvPr id="15" name="Parallelogram 14">
+              <a:extLst>
+                <a:ext uri="{FF2B5EF4-FFF2-40B4-BE49-F238E27FC236}">
+                  <a16:creationId xmlns:a16="http://schemas.microsoft.com/office/drawing/2014/main" id="{0F5D9719-3DAF-4142-91E7-ADC6D825AF57}"/>
+                </a:ext>
+              </a:extLst>
+            </p:cNvPr>
+            <p:cNvSpPr/>
+            <p:nvPr/>
+          </p:nvSpPr>
+          <p:spPr>
+            <a:xfrm>
+              <a:off x="8852612" y="0"/>
+              <a:ext cx="4511619" cy="166915"/>
+            </a:xfrm>
+            <a:prstGeom prst="parallelogram">
+              <a:avLst>
+                <a:gd name="adj" fmla="val 114362"/>
+              </a:avLst>
+            </a:prstGeom>
+            <a:solidFill>
+              <a:srgbClr val="FEA34F"/>
+            </a:solidFill>
+            <a:ln>
+              <a:noFill/>
+            </a:ln>
+          </p:spPr>
+          <p:style>
+            <a:lnRef idx="2">
+              <a:schemeClr val="accent1">
+                <a:shade val="50000"/>
+              </a:schemeClr>
+            </a:lnRef>
+            <a:fillRef idx="1">
+              <a:schemeClr val="accent1"/>
+            </a:fillRef>
+            <a:effectRef idx="0">
+              <a:schemeClr val="accent1"/>
+            </a:effectRef>
+            <a:fontRef idx="minor">
+              <a:schemeClr val="lt1"/>
+            </a:fontRef>
+          </p:style>
+          <p:txBody>
+            <a:bodyPr rtlCol="0" anchor="ctr"/>
+            <a:lstStyle/>
+            <a:p>
+              <a:pPr algn="ctr"/>
+              <a:endParaRPr lang="en-US"/>
+            </a:p>
+          </p:txBody>
+        </p:sp>
+      </p:grpSp>
     </p:spTree>
     <p:custDataLst>
       <p:custData r:id="rId1"/>
@@ -19430,7 +21444,7 @@
           <p:nvPr>
             <p:extLst>
               <p:ext uri="{D42A27DB-BD31-4B8C-83A1-F6EECF244321}">
-                <p14:modId xmlns:p14="http://schemas.microsoft.com/office/powerpoint/2010/main" val="453373784"/>
+                <p14:modId xmlns:p14="http://schemas.microsoft.com/office/powerpoint/2010/main" val="2926426644"/>
               </p:ext>
             </p:extLst>
           </p:nvPr>
@@ -19462,7 +21476,11 @@
                         <a:buNone/>
                       </a:pPr>
                       <a:r>
-                        <a:rPr lang="en-IN" sz="1800" b="1" dirty="0"/>
+                        <a:rPr lang="en-IN" sz="2000" b="1" i="1" dirty="0">
+                          <a:solidFill>
+                            <a:srgbClr val="7030A0"/>
+                          </a:solidFill>
+                        </a:rPr>
                         <a:t>Solution Approach:</a:t>
                       </a:r>
                     </a:p>
@@ -19559,13 +21577,13 @@
           <p:nvPr>
             <p:extLst>
               <p:ext uri="{D42A27DB-BD31-4B8C-83A1-F6EECF244321}">
-                <p14:modId xmlns:p14="http://schemas.microsoft.com/office/powerpoint/2010/main" val="2761734554"/>
+                <p14:modId xmlns:p14="http://schemas.microsoft.com/office/powerpoint/2010/main" val="1598602420"/>
               </p:ext>
             </p:extLst>
           </p:nvPr>
         </p:nvGraphicFramePr>
         <p:xfrm>
-          <a:off x="612809" y="2524052"/>
+          <a:off x="612809" y="2616518"/>
           <a:ext cx="5741469" cy="1615440"/>
         </p:xfrm>
         <a:graphic>
@@ -19591,10 +21609,18 @@
                         <a:buNone/>
                       </a:pPr>
                       <a:r>
-                        <a:rPr lang="en-IN" sz="2000" b="1" dirty="0"/>
+                        <a:rPr lang="en-IN" sz="2000" b="1" i="1" dirty="0">
+                          <a:solidFill>
+                            <a:srgbClr val="7030A0"/>
+                          </a:solidFill>
+                        </a:rPr>
                         <a:t>Technology Used:</a:t>
                       </a:r>
-                      <a:endParaRPr lang="en-IN" sz="2000" dirty="0"/>
+                      <a:endParaRPr lang="en-IN" sz="2000" i="1" dirty="0">
+                        <a:solidFill>
+                          <a:srgbClr val="7030A0"/>
+                        </a:solidFill>
+                      </a:endParaRPr>
                     </a:p>
                     <a:p>
                       <a:pPr lvl="2">
@@ -19646,7 +21672,7 @@
                       </a:pPr>
                       <a:r>
                         <a:rPr lang="en-IN" sz="1600" dirty="0"/>
-                        <a:t>Spring Cloud [Eureka Discovery Client]</a:t>
+                        <a:t>Spring Cloud [Eureka Discovery Client &amp; Server]</a:t>
                       </a:r>
                     </a:p>
                     <a:p>
@@ -19712,14 +21738,14 @@
           <p:nvPr>
             <p:extLst>
               <p:ext uri="{D42A27DB-BD31-4B8C-83A1-F6EECF244321}">
-                <p14:modId xmlns:p14="http://schemas.microsoft.com/office/powerpoint/2010/main" val="1564474930"/>
+                <p14:modId xmlns:p14="http://schemas.microsoft.com/office/powerpoint/2010/main" val="2915640743"/>
               </p:ext>
             </p:extLst>
           </p:nvPr>
         </p:nvGraphicFramePr>
         <p:xfrm>
-          <a:off x="631100" y="4691794"/>
-          <a:ext cx="4761296" cy="1584960"/>
+          <a:off x="612809" y="4577021"/>
+          <a:ext cx="4761296" cy="1615440"/>
         </p:xfrm>
         <a:graphic>
           <a:graphicData uri="http://schemas.openxmlformats.org/drawingml/2006/table">
@@ -19744,7 +21770,11 @@
                         <a:buNone/>
                       </a:pPr>
                       <a:r>
-                        <a:rPr lang="en-IN" sz="1800" b="1" dirty="0"/>
+                        <a:rPr lang="en-IN" sz="2000" b="1" i="1" dirty="0">
+                          <a:solidFill>
+                            <a:srgbClr val="7030A0"/>
+                          </a:solidFill>
+                        </a:rPr>
                         <a:t>Tool used:</a:t>
                       </a:r>
                     </a:p>
@@ -19789,15 +21819,7 @@
                       </a:r>
                       <a:r>
                         <a:rPr lang="en-IN" sz="1600" dirty="0"/>
-                        <a:t> [Code </a:t>
-                      </a:r>
-                      <a:r>
-                        <a:rPr lang="en-IN" sz="1600" dirty="0" err="1"/>
-                        <a:t>reposi</a:t>
-                      </a:r>
-                      <a:r>
-                        <a:rPr lang="en-IN" sz="1600" dirty="0"/>
-                        <a:t>]</a:t>
+                        <a:t> [Code repository]</a:t>
                       </a:r>
                     </a:p>
                     <a:p>
@@ -19878,6 +21900,189 @@
           </a:prstGeom>
         </p:spPr>
       </p:pic>
+      <p:grpSp>
+        <p:nvGrpSpPr>
+          <p:cNvPr id="9" name="Group 8">
+            <a:extLst>
+              <a:ext uri="{FF2B5EF4-FFF2-40B4-BE49-F238E27FC236}">
+                <a16:creationId xmlns:a16="http://schemas.microsoft.com/office/drawing/2014/main" id="{592CAAB6-E75B-4B73-81E7-3E8F932E5266}"/>
+              </a:ext>
+            </a:extLst>
+          </p:cNvPr>
+          <p:cNvGrpSpPr/>
+          <p:nvPr/>
+        </p:nvGrpSpPr>
+        <p:grpSpPr>
+          <a:xfrm>
+            <a:off x="-308225" y="6802722"/>
+            <a:ext cx="12801599" cy="110556"/>
+            <a:chOff x="-170626" y="0"/>
+            <a:chExt cx="13534857" cy="166915"/>
+          </a:xfrm>
+        </p:grpSpPr>
+        <p:sp>
+          <p:nvSpPr>
+            <p:cNvPr id="10" name="Parallelogram 9">
+              <a:extLst>
+                <a:ext uri="{FF2B5EF4-FFF2-40B4-BE49-F238E27FC236}">
+                  <a16:creationId xmlns:a16="http://schemas.microsoft.com/office/drawing/2014/main" id="{C7A42E39-6366-4642-8CCA-5AD1A1B257BD}"/>
+                </a:ext>
+              </a:extLst>
+            </p:cNvPr>
+            <p:cNvSpPr/>
+            <p:nvPr/>
+          </p:nvSpPr>
+          <p:spPr>
+            <a:xfrm>
+              <a:off x="-170626" y="0"/>
+              <a:ext cx="4511619" cy="166915"/>
+            </a:xfrm>
+            <a:prstGeom prst="parallelogram">
+              <a:avLst>
+                <a:gd name="adj" fmla="val 114362"/>
+              </a:avLst>
+            </a:prstGeom>
+            <a:solidFill>
+              <a:srgbClr val="016AA3"/>
+            </a:solidFill>
+            <a:ln>
+              <a:noFill/>
+            </a:ln>
+          </p:spPr>
+          <p:style>
+            <a:lnRef idx="2">
+              <a:schemeClr val="accent1">
+                <a:shade val="50000"/>
+              </a:schemeClr>
+            </a:lnRef>
+            <a:fillRef idx="1">
+              <a:schemeClr val="accent1"/>
+            </a:fillRef>
+            <a:effectRef idx="0">
+              <a:schemeClr val="accent1"/>
+            </a:effectRef>
+            <a:fontRef idx="minor">
+              <a:schemeClr val="lt1"/>
+            </a:fontRef>
+          </p:style>
+          <p:txBody>
+            <a:bodyPr rtlCol="0" anchor="ctr"/>
+            <a:lstStyle/>
+            <a:p>
+              <a:pPr algn="ctr"/>
+              <a:endParaRPr lang="en-US"/>
+            </a:p>
+          </p:txBody>
+        </p:sp>
+        <p:sp>
+          <p:nvSpPr>
+            <p:cNvPr id="13" name="Parallelogram 12">
+              <a:extLst>
+                <a:ext uri="{FF2B5EF4-FFF2-40B4-BE49-F238E27FC236}">
+                  <a16:creationId xmlns:a16="http://schemas.microsoft.com/office/drawing/2014/main" id="{FA7E7181-5DC6-427B-B71F-6862173812A8}"/>
+                </a:ext>
+              </a:extLst>
+            </p:cNvPr>
+            <p:cNvSpPr/>
+            <p:nvPr/>
+          </p:nvSpPr>
+          <p:spPr>
+            <a:xfrm>
+              <a:off x="4340993" y="0"/>
+              <a:ext cx="4511619" cy="166915"/>
+            </a:xfrm>
+            <a:prstGeom prst="parallelogram">
+              <a:avLst>
+                <a:gd name="adj" fmla="val 114362"/>
+              </a:avLst>
+            </a:prstGeom>
+            <a:solidFill>
+              <a:srgbClr val="46B688"/>
+            </a:solidFill>
+            <a:ln>
+              <a:noFill/>
+            </a:ln>
+          </p:spPr>
+          <p:style>
+            <a:lnRef idx="2">
+              <a:schemeClr val="accent1">
+                <a:shade val="50000"/>
+              </a:schemeClr>
+            </a:lnRef>
+            <a:fillRef idx="1">
+              <a:schemeClr val="accent1"/>
+            </a:fillRef>
+            <a:effectRef idx="0">
+              <a:schemeClr val="accent1"/>
+            </a:effectRef>
+            <a:fontRef idx="minor">
+              <a:schemeClr val="lt1"/>
+            </a:fontRef>
+          </p:style>
+          <p:txBody>
+            <a:bodyPr rtlCol="0" anchor="ctr"/>
+            <a:lstStyle/>
+            <a:p>
+              <a:pPr algn="ctr"/>
+              <a:endParaRPr lang="en-US"/>
+            </a:p>
+          </p:txBody>
+        </p:sp>
+        <p:sp>
+          <p:nvSpPr>
+            <p:cNvPr id="14" name="Parallelogram 13">
+              <a:extLst>
+                <a:ext uri="{FF2B5EF4-FFF2-40B4-BE49-F238E27FC236}">
+                  <a16:creationId xmlns:a16="http://schemas.microsoft.com/office/drawing/2014/main" id="{01D58E8E-7333-4DE1-BBA1-F5B65C9DFE50}"/>
+                </a:ext>
+              </a:extLst>
+            </p:cNvPr>
+            <p:cNvSpPr/>
+            <p:nvPr/>
+          </p:nvSpPr>
+          <p:spPr>
+            <a:xfrm>
+              <a:off x="8852612" y="0"/>
+              <a:ext cx="4511619" cy="166915"/>
+            </a:xfrm>
+            <a:prstGeom prst="parallelogram">
+              <a:avLst>
+                <a:gd name="adj" fmla="val 114362"/>
+              </a:avLst>
+            </a:prstGeom>
+            <a:solidFill>
+              <a:srgbClr val="FEA34F"/>
+            </a:solidFill>
+            <a:ln>
+              <a:noFill/>
+            </a:ln>
+          </p:spPr>
+          <p:style>
+            <a:lnRef idx="2">
+              <a:schemeClr val="accent1">
+                <a:shade val="50000"/>
+              </a:schemeClr>
+            </a:lnRef>
+            <a:fillRef idx="1">
+              <a:schemeClr val="accent1"/>
+            </a:fillRef>
+            <a:effectRef idx="0">
+              <a:schemeClr val="accent1"/>
+            </a:effectRef>
+            <a:fontRef idx="minor">
+              <a:schemeClr val="lt1"/>
+            </a:fontRef>
+          </p:style>
+          <p:txBody>
+            <a:bodyPr rtlCol="0" anchor="ctr"/>
+            <a:lstStyle/>
+            <a:p>
+              <a:pPr algn="ctr"/>
+              <a:endParaRPr lang="en-US"/>
+            </a:p>
+          </p:txBody>
+        </p:sp>
+      </p:grpSp>
     </p:spTree>
     <p:custDataLst>
       <p:custData r:id="rId1"/>
@@ -19990,14 +22195,14 @@
           <p:nvPr>
             <p:extLst>
               <p:ext uri="{D42A27DB-BD31-4B8C-83A1-F6EECF244321}">
-                <p14:modId xmlns:p14="http://schemas.microsoft.com/office/powerpoint/2010/main" val="3563951630"/>
+                <p14:modId xmlns:p14="http://schemas.microsoft.com/office/powerpoint/2010/main" val="2619228584"/>
               </p:ext>
             </p:extLst>
           </p:nvPr>
         </p:nvGraphicFramePr>
         <p:xfrm>
-          <a:off x="269508" y="818146"/>
-          <a:ext cx="4196614" cy="5516880"/>
+          <a:off x="284492" y="717199"/>
+          <a:ext cx="4196614" cy="5730240"/>
         </p:xfrm>
         <a:graphic>
           <a:graphicData uri="http://schemas.openxmlformats.org/drawingml/2006/table">
@@ -20022,7 +22227,11 @@
                         <a:buNone/>
                       </a:pPr>
                       <a:r>
-                        <a:rPr lang="en-IN" sz="1800" b="1" dirty="0"/>
+                        <a:rPr lang="en-IN" sz="1800" b="1" i="1" dirty="0">
+                          <a:solidFill>
+                            <a:srgbClr val="7030A0"/>
+                          </a:solidFill>
+                        </a:rPr>
                         <a:t>Service 1:</a:t>
                       </a:r>
                     </a:p>
@@ -20075,7 +22284,7 @@
                       </a:pPr>
                       <a:r>
                         <a:rPr lang="en-IN" sz="1400" dirty="0"/>
-                        <a:t>Note: Option 1 is the default way for displaying the result. Option 2 is just a fallback method.</a:t>
+                        <a:t>Note: Option 1 is the default way for displaying the result. Option 2 is just another monolithic way to get the result.</a:t>
                       </a:r>
                     </a:p>
                     <a:p>
@@ -20089,7 +22298,11 @@
                         <a:buNone/>
                       </a:pPr>
                       <a:r>
-                        <a:rPr lang="en-IN" sz="1800" b="1" dirty="0"/>
+                        <a:rPr lang="en-IN" sz="1800" b="1" i="1" dirty="0">
+                          <a:solidFill>
+                            <a:srgbClr val="7030A0"/>
+                          </a:solidFill>
+                        </a:rPr>
                         <a:t>Service 2:</a:t>
                       </a:r>
                     </a:p>
@@ -20129,7 +22342,11 @@
                         <a:buNone/>
                       </a:pPr>
                       <a:r>
-                        <a:rPr lang="en-IN" sz="1800" b="1" dirty="0"/>
+                        <a:rPr lang="en-IN" sz="1800" b="1" i="1" dirty="0">
+                          <a:solidFill>
+                            <a:srgbClr val="7030A0"/>
+                          </a:solidFill>
+                        </a:rPr>
                         <a:t>Service 3:</a:t>
                       </a:r>
                     </a:p>
@@ -20196,6 +22413,189 @@
           </a:graphicData>
         </a:graphic>
       </p:graphicFrame>
+      <p:grpSp>
+        <p:nvGrpSpPr>
+          <p:cNvPr id="5" name="Group 4">
+            <a:extLst>
+              <a:ext uri="{FF2B5EF4-FFF2-40B4-BE49-F238E27FC236}">
+                <a16:creationId xmlns:a16="http://schemas.microsoft.com/office/drawing/2014/main" id="{FF46104B-6346-410A-8346-4DD949891946}"/>
+              </a:ext>
+            </a:extLst>
+          </p:cNvPr>
+          <p:cNvGrpSpPr/>
+          <p:nvPr/>
+        </p:nvGrpSpPr>
+        <p:grpSpPr>
+          <a:xfrm>
+            <a:off x="-308225" y="6802722"/>
+            <a:ext cx="12801599" cy="110556"/>
+            <a:chOff x="-170626" y="0"/>
+            <a:chExt cx="13534857" cy="166915"/>
+          </a:xfrm>
+        </p:grpSpPr>
+        <p:sp>
+          <p:nvSpPr>
+            <p:cNvPr id="6" name="Parallelogram 5">
+              <a:extLst>
+                <a:ext uri="{FF2B5EF4-FFF2-40B4-BE49-F238E27FC236}">
+                  <a16:creationId xmlns:a16="http://schemas.microsoft.com/office/drawing/2014/main" id="{41A72BDB-BD8D-4D1D-AB87-DEF75608B84A}"/>
+                </a:ext>
+              </a:extLst>
+            </p:cNvPr>
+            <p:cNvSpPr/>
+            <p:nvPr/>
+          </p:nvSpPr>
+          <p:spPr>
+            <a:xfrm>
+              <a:off x="-170626" y="0"/>
+              <a:ext cx="4511619" cy="166915"/>
+            </a:xfrm>
+            <a:prstGeom prst="parallelogram">
+              <a:avLst>
+                <a:gd name="adj" fmla="val 114362"/>
+              </a:avLst>
+            </a:prstGeom>
+            <a:solidFill>
+              <a:srgbClr val="016AA3"/>
+            </a:solidFill>
+            <a:ln>
+              <a:noFill/>
+            </a:ln>
+          </p:spPr>
+          <p:style>
+            <a:lnRef idx="2">
+              <a:schemeClr val="accent1">
+                <a:shade val="50000"/>
+              </a:schemeClr>
+            </a:lnRef>
+            <a:fillRef idx="1">
+              <a:schemeClr val="accent1"/>
+            </a:fillRef>
+            <a:effectRef idx="0">
+              <a:schemeClr val="accent1"/>
+            </a:effectRef>
+            <a:fontRef idx="minor">
+              <a:schemeClr val="lt1"/>
+            </a:fontRef>
+          </p:style>
+          <p:txBody>
+            <a:bodyPr rtlCol="0" anchor="ctr"/>
+            <a:lstStyle/>
+            <a:p>
+              <a:pPr algn="ctr"/>
+              <a:endParaRPr lang="en-US"/>
+            </a:p>
+          </p:txBody>
+        </p:sp>
+        <p:sp>
+          <p:nvSpPr>
+            <p:cNvPr id="7" name="Parallelogram 6">
+              <a:extLst>
+                <a:ext uri="{FF2B5EF4-FFF2-40B4-BE49-F238E27FC236}">
+                  <a16:creationId xmlns:a16="http://schemas.microsoft.com/office/drawing/2014/main" id="{C5E81017-21EA-4049-922E-C8D6ECB0E078}"/>
+                </a:ext>
+              </a:extLst>
+            </p:cNvPr>
+            <p:cNvSpPr/>
+            <p:nvPr/>
+          </p:nvSpPr>
+          <p:spPr>
+            <a:xfrm>
+              <a:off x="4340993" y="0"/>
+              <a:ext cx="4511619" cy="166915"/>
+            </a:xfrm>
+            <a:prstGeom prst="parallelogram">
+              <a:avLst>
+                <a:gd name="adj" fmla="val 114362"/>
+              </a:avLst>
+            </a:prstGeom>
+            <a:solidFill>
+              <a:srgbClr val="46B688"/>
+            </a:solidFill>
+            <a:ln>
+              <a:noFill/>
+            </a:ln>
+          </p:spPr>
+          <p:style>
+            <a:lnRef idx="2">
+              <a:schemeClr val="accent1">
+                <a:shade val="50000"/>
+              </a:schemeClr>
+            </a:lnRef>
+            <a:fillRef idx="1">
+              <a:schemeClr val="accent1"/>
+            </a:fillRef>
+            <a:effectRef idx="0">
+              <a:schemeClr val="accent1"/>
+            </a:effectRef>
+            <a:fontRef idx="minor">
+              <a:schemeClr val="lt1"/>
+            </a:fontRef>
+          </p:style>
+          <p:txBody>
+            <a:bodyPr rtlCol="0" anchor="ctr"/>
+            <a:lstStyle/>
+            <a:p>
+              <a:pPr algn="ctr"/>
+              <a:endParaRPr lang="en-US"/>
+            </a:p>
+          </p:txBody>
+        </p:sp>
+        <p:sp>
+          <p:nvSpPr>
+            <p:cNvPr id="9" name="Parallelogram 8">
+              <a:extLst>
+                <a:ext uri="{FF2B5EF4-FFF2-40B4-BE49-F238E27FC236}">
+                  <a16:creationId xmlns:a16="http://schemas.microsoft.com/office/drawing/2014/main" id="{C290C66F-EFCC-4B9C-8D83-EE08EB792FD3}"/>
+                </a:ext>
+              </a:extLst>
+            </p:cNvPr>
+            <p:cNvSpPr/>
+            <p:nvPr/>
+          </p:nvSpPr>
+          <p:spPr>
+            <a:xfrm>
+              <a:off x="8852612" y="0"/>
+              <a:ext cx="4511619" cy="166915"/>
+            </a:xfrm>
+            <a:prstGeom prst="parallelogram">
+              <a:avLst>
+                <a:gd name="adj" fmla="val 114362"/>
+              </a:avLst>
+            </a:prstGeom>
+            <a:solidFill>
+              <a:srgbClr val="FEA34F"/>
+            </a:solidFill>
+            <a:ln>
+              <a:noFill/>
+            </a:ln>
+          </p:spPr>
+          <p:style>
+            <a:lnRef idx="2">
+              <a:schemeClr val="accent1">
+                <a:shade val="50000"/>
+              </a:schemeClr>
+            </a:lnRef>
+            <a:fillRef idx="1">
+              <a:schemeClr val="accent1"/>
+            </a:fillRef>
+            <a:effectRef idx="0">
+              <a:schemeClr val="accent1"/>
+            </a:effectRef>
+            <a:fontRef idx="minor">
+              <a:schemeClr val="lt1"/>
+            </a:fontRef>
+          </p:style>
+          <p:txBody>
+            <a:bodyPr rtlCol="0" anchor="ctr"/>
+            <a:lstStyle/>
+            <a:p>
+              <a:pPr algn="ctr"/>
+              <a:endParaRPr lang="en-US"/>
+            </a:p>
+          </p:txBody>
+        </p:sp>
+      </p:grpSp>
     </p:spTree>
     <p:custDataLst>
       <p:custData r:id="rId1"/>
@@ -20258,91 +22658,200 @@
           <a:p>
             <a:r>
               <a:rPr lang="en-US" dirty="0"/>
-              <a:t>Sequence Diagrams – Service 1 [Option 1]</a:t>
+              <a:t>Deployment Architecture</a:t>
             </a:r>
           </a:p>
         </p:txBody>
       </p:sp>
-      <p:sp>
-        <p:nvSpPr>
-          <p:cNvPr id="7" name="Content Placeholder 4">
+      <p:grpSp>
+        <p:nvGrpSpPr>
+          <p:cNvPr id="5" name="Group 4">
             <a:extLst>
               <a:ext uri="{FF2B5EF4-FFF2-40B4-BE49-F238E27FC236}">
-                <a16:creationId xmlns:a16="http://schemas.microsoft.com/office/drawing/2014/main" id="{17A729A8-6191-47E5-944A-D113AE49EA35}"/>
+                <a16:creationId xmlns:a16="http://schemas.microsoft.com/office/drawing/2014/main" id="{FF46104B-6346-410A-8346-4DD949891946}"/>
               </a:ext>
             </a:extLst>
           </p:cNvPr>
-          <p:cNvSpPr>
-            <a:spLocks noGrp="1"/>
-          </p:cNvSpPr>
-          <p:nvPr>
-            <p:ph sz="quarter" idx="10"/>
-          </p:nvPr>
-        </p:nvSpPr>
-        <p:spPr>
-          <a:xfrm>
-            <a:off x="149737" y="714284"/>
-            <a:ext cx="5201909" cy="5782769"/>
-          </a:xfrm>
-        </p:spPr>
-        <p:txBody>
-          <a:bodyPr/>
-          <a:lstStyle/>
-          <a:p>
-            <a:pPr marL="363600" lvl="2" indent="0">
-              <a:buNone/>
-            </a:pPr>
-            <a:endParaRPr lang="en-IN" dirty="0"/>
-          </a:p>
-          <a:p>
-            <a:pPr marL="363600" lvl="2" indent="0">
-              <a:buNone/>
-            </a:pPr>
-            <a:endParaRPr lang="en-IN" dirty="0"/>
-          </a:p>
-          <a:p>
-            <a:pPr marL="820800" lvl="2" indent="-457200">
-              <a:buFont typeface="+mj-lt"/>
-              <a:buAutoNum type="arabicPeriod"/>
-            </a:pPr>
-            <a:endParaRPr lang="en-IN" dirty="0"/>
-          </a:p>
-          <a:p>
-            <a:pPr lvl="2"/>
-            <a:endParaRPr lang="en-IN" dirty="0"/>
-          </a:p>
-          <a:p>
-            <a:pPr lvl="5"/>
-            <a:endParaRPr lang="en-IN" dirty="0"/>
-          </a:p>
-          <a:p>
-            <a:pPr marL="1057950" lvl="3" indent="-514350">
-              <a:buFont typeface="+mj-lt"/>
-              <a:buAutoNum type="romanLcPeriod"/>
-            </a:pPr>
-            <a:endParaRPr lang="en-US" dirty="0"/>
-          </a:p>
-          <a:p>
-            <a:pPr marL="877950" lvl="2" indent="-514350">
-              <a:buFont typeface="+mj-lt"/>
-              <a:buAutoNum type="alphaLcPeriod"/>
-            </a:pPr>
-            <a:endParaRPr lang="en-US" dirty="0"/>
-          </a:p>
-          <a:p>
-            <a:pPr marL="457200" indent="-457200">
-              <a:buAutoNum type="arabicPeriod" startAt="5"/>
-            </a:pPr>
-            <a:endParaRPr lang="en-US" dirty="0"/>
-          </a:p>
-        </p:txBody>
-      </p:sp>
+          <p:cNvGrpSpPr/>
+          <p:nvPr/>
+        </p:nvGrpSpPr>
+        <p:grpSpPr>
+          <a:xfrm>
+            <a:off x="-308225" y="6802722"/>
+            <a:ext cx="12801599" cy="110556"/>
+            <a:chOff x="-170626" y="0"/>
+            <a:chExt cx="13534857" cy="166915"/>
+          </a:xfrm>
+        </p:grpSpPr>
+        <p:sp>
+          <p:nvSpPr>
+            <p:cNvPr id="6" name="Parallelogram 5">
+              <a:extLst>
+                <a:ext uri="{FF2B5EF4-FFF2-40B4-BE49-F238E27FC236}">
+                  <a16:creationId xmlns:a16="http://schemas.microsoft.com/office/drawing/2014/main" id="{41A72BDB-BD8D-4D1D-AB87-DEF75608B84A}"/>
+                </a:ext>
+              </a:extLst>
+            </p:cNvPr>
+            <p:cNvSpPr/>
+            <p:nvPr/>
+          </p:nvSpPr>
+          <p:spPr>
+            <a:xfrm>
+              <a:off x="-170626" y="0"/>
+              <a:ext cx="4511619" cy="166915"/>
+            </a:xfrm>
+            <a:prstGeom prst="parallelogram">
+              <a:avLst>
+                <a:gd name="adj" fmla="val 114362"/>
+              </a:avLst>
+            </a:prstGeom>
+            <a:solidFill>
+              <a:srgbClr val="016AA3"/>
+            </a:solidFill>
+            <a:ln>
+              <a:noFill/>
+            </a:ln>
+          </p:spPr>
+          <p:style>
+            <a:lnRef idx="2">
+              <a:schemeClr val="accent1">
+                <a:shade val="50000"/>
+              </a:schemeClr>
+            </a:lnRef>
+            <a:fillRef idx="1">
+              <a:schemeClr val="accent1"/>
+            </a:fillRef>
+            <a:effectRef idx="0">
+              <a:schemeClr val="accent1"/>
+            </a:effectRef>
+            <a:fontRef idx="minor">
+              <a:schemeClr val="lt1"/>
+            </a:fontRef>
+          </p:style>
+          <p:txBody>
+            <a:bodyPr rtlCol="0" anchor="ctr"/>
+            <a:lstStyle/>
+            <a:p>
+              <a:pPr algn="ctr"/>
+              <a:endParaRPr lang="en-US"/>
+            </a:p>
+          </p:txBody>
+        </p:sp>
+        <p:sp>
+          <p:nvSpPr>
+            <p:cNvPr id="7" name="Parallelogram 6">
+              <a:extLst>
+                <a:ext uri="{FF2B5EF4-FFF2-40B4-BE49-F238E27FC236}">
+                  <a16:creationId xmlns:a16="http://schemas.microsoft.com/office/drawing/2014/main" id="{C5E81017-21EA-4049-922E-C8D6ECB0E078}"/>
+                </a:ext>
+              </a:extLst>
+            </p:cNvPr>
+            <p:cNvSpPr/>
+            <p:nvPr/>
+          </p:nvSpPr>
+          <p:spPr>
+            <a:xfrm>
+              <a:off x="4340993" y="0"/>
+              <a:ext cx="4511619" cy="166915"/>
+            </a:xfrm>
+            <a:prstGeom prst="parallelogram">
+              <a:avLst>
+                <a:gd name="adj" fmla="val 114362"/>
+              </a:avLst>
+            </a:prstGeom>
+            <a:solidFill>
+              <a:srgbClr val="46B688"/>
+            </a:solidFill>
+            <a:ln>
+              <a:noFill/>
+            </a:ln>
+          </p:spPr>
+          <p:style>
+            <a:lnRef idx="2">
+              <a:schemeClr val="accent1">
+                <a:shade val="50000"/>
+              </a:schemeClr>
+            </a:lnRef>
+            <a:fillRef idx="1">
+              <a:schemeClr val="accent1"/>
+            </a:fillRef>
+            <a:effectRef idx="0">
+              <a:schemeClr val="accent1"/>
+            </a:effectRef>
+            <a:fontRef idx="minor">
+              <a:schemeClr val="lt1"/>
+            </a:fontRef>
+          </p:style>
+          <p:txBody>
+            <a:bodyPr rtlCol="0" anchor="ctr"/>
+            <a:lstStyle/>
+            <a:p>
+              <a:pPr algn="ctr"/>
+              <a:endParaRPr lang="en-US"/>
+            </a:p>
+          </p:txBody>
+        </p:sp>
+        <p:sp>
+          <p:nvSpPr>
+            <p:cNvPr id="9" name="Parallelogram 8">
+              <a:extLst>
+                <a:ext uri="{FF2B5EF4-FFF2-40B4-BE49-F238E27FC236}">
+                  <a16:creationId xmlns:a16="http://schemas.microsoft.com/office/drawing/2014/main" id="{C290C66F-EFCC-4B9C-8D83-EE08EB792FD3}"/>
+                </a:ext>
+              </a:extLst>
+            </p:cNvPr>
+            <p:cNvSpPr/>
+            <p:nvPr/>
+          </p:nvSpPr>
+          <p:spPr>
+            <a:xfrm>
+              <a:off x="8852612" y="0"/>
+              <a:ext cx="4511619" cy="166915"/>
+            </a:xfrm>
+            <a:prstGeom prst="parallelogram">
+              <a:avLst>
+                <a:gd name="adj" fmla="val 114362"/>
+              </a:avLst>
+            </a:prstGeom>
+            <a:solidFill>
+              <a:srgbClr val="FEA34F"/>
+            </a:solidFill>
+            <a:ln>
+              <a:noFill/>
+            </a:ln>
+          </p:spPr>
+          <p:style>
+            <a:lnRef idx="2">
+              <a:schemeClr val="accent1">
+                <a:shade val="50000"/>
+              </a:schemeClr>
+            </a:lnRef>
+            <a:fillRef idx="1">
+              <a:schemeClr val="accent1"/>
+            </a:fillRef>
+            <a:effectRef idx="0">
+              <a:schemeClr val="accent1"/>
+            </a:effectRef>
+            <a:fontRef idx="minor">
+              <a:schemeClr val="lt1"/>
+            </a:fontRef>
+          </p:style>
+          <p:txBody>
+            <a:bodyPr rtlCol="0" anchor="ctr"/>
+            <a:lstStyle/>
+            <a:p>
+              <a:pPr algn="ctr"/>
+              <a:endParaRPr lang="en-US"/>
+            </a:p>
+          </p:txBody>
+        </p:sp>
+      </p:grpSp>
       <p:pic>
         <p:nvPicPr>
-          <p:cNvPr id="3" name="Picture 2">
+          <p:cNvPr id="2" name="Picture 1">
             <a:extLst>
               <a:ext uri="{FF2B5EF4-FFF2-40B4-BE49-F238E27FC236}">
-                <a16:creationId xmlns:a16="http://schemas.microsoft.com/office/drawing/2014/main" id="{82C4FCEA-EE73-4EF4-9A3B-DD1A3FF82003}"/>
+                <a16:creationId xmlns:a16="http://schemas.microsoft.com/office/drawing/2014/main" id="{E7AD44E9-E58F-41D3-B25F-6681A612A6F2}"/>
               </a:ext>
             </a:extLst>
           </p:cNvPr>
@@ -20359,8 +22868,8 @@
         </p:blipFill>
         <p:spPr>
           <a:xfrm>
-            <a:off x="4109663" y="749186"/>
-            <a:ext cx="7238413" cy="5708943"/>
+            <a:off x="4541585" y="918970"/>
+            <a:ext cx="7369177" cy="5365473"/>
           </a:xfrm>
           <a:prstGeom prst="rect">
             <a:avLst/>
@@ -20369,10 +22878,10 @@
       </p:pic>
       <p:graphicFrame>
         <p:nvGraphicFramePr>
-          <p:cNvPr id="6" name="Table 5">
+          <p:cNvPr id="8" name="Table 7">
             <a:extLst>
               <a:ext uri="{FF2B5EF4-FFF2-40B4-BE49-F238E27FC236}">
-                <a16:creationId xmlns:a16="http://schemas.microsoft.com/office/drawing/2014/main" id="{B03A0AFB-0F0F-485C-9310-2598D3826B01}"/>
+                <a16:creationId xmlns:a16="http://schemas.microsoft.com/office/drawing/2014/main" id="{3E0B38D9-D5BB-4587-BA86-163A719A5D70}"/>
               </a:ext>
             </a:extLst>
           </p:cNvPr>
@@ -20382,7 +22891,1220 @@
           <p:nvPr>
             <p:extLst>
               <p:ext uri="{D42A27DB-BD31-4B8C-83A1-F6EECF244321}">
-                <p14:modId xmlns:p14="http://schemas.microsoft.com/office/powerpoint/2010/main" val="1571442509"/>
+                <p14:modId xmlns:p14="http://schemas.microsoft.com/office/powerpoint/2010/main" val="1603650321"/>
+              </p:ext>
+            </p:extLst>
+          </p:nvPr>
+        </p:nvGraphicFramePr>
+        <p:xfrm>
+          <a:off x="739739" y="1973335"/>
+          <a:ext cx="3332251" cy="3657600"/>
+        </p:xfrm>
+        <a:graphic>
+          <a:graphicData uri="http://schemas.openxmlformats.org/drawingml/2006/table">
+            <a:tbl>
+              <a:tblPr/>
+              <a:tblGrid>
+                <a:gridCol w="3332251">
+                  <a:extLst>
+                    <a:ext uri="{9D8B030D-6E8A-4147-A177-3AD203B41FA5}">
+                      <a16:colId xmlns:a16="http://schemas.microsoft.com/office/drawing/2014/main" val="1620626935"/>
+                    </a:ext>
+                  </a:extLst>
+                </a:gridCol>
+              </a:tblGrid>
+              <a:tr h="3462227">
+                <a:tc>
+                  <a:txBody>
+                    <a:bodyPr/>
+                    <a:lstStyle/>
+                    <a:p>
+                      <a:pPr marL="363600" lvl="2" indent="0">
+                        <a:buNone/>
+                      </a:pPr>
+                      <a:r>
+                        <a:rPr lang="en-IN" b="0" dirty="0"/>
+                        <a:t>All the services are standalone and deployed in different containers.</a:t>
+                      </a:r>
+                    </a:p>
+                    <a:p>
+                      <a:pPr marL="363600" lvl="2" indent="0">
+                        <a:buNone/>
+                      </a:pPr>
+                      <a:endParaRPr lang="en-IN" b="0" dirty="0"/>
+                    </a:p>
+                    <a:p>
+                      <a:pPr marL="363600" lvl="2" indent="0">
+                        <a:buNone/>
+                      </a:pPr>
+                      <a:r>
+                        <a:rPr lang="en-IN" b="0" dirty="0"/>
+                        <a:t>In real environment dockers can be used to host the services.</a:t>
+                      </a:r>
+                    </a:p>
+                    <a:p>
+                      <a:pPr marL="363600" lvl="2" indent="0">
+                        <a:buNone/>
+                      </a:pPr>
+                      <a:endParaRPr lang="en-IN" b="0" dirty="0"/>
+                    </a:p>
+                    <a:p>
+                      <a:pPr marL="363600" lvl="2" indent="0">
+                        <a:buNone/>
+                      </a:pPr>
+                      <a:r>
+                        <a:rPr lang="en-IN" b="0" dirty="0"/>
+                        <a:t>This diagram shows how I have locally deployed the application.</a:t>
+                      </a:r>
+                    </a:p>
+                    <a:p>
+                      <a:pPr marL="363600" lvl="2" indent="0">
+                        <a:buNone/>
+                      </a:pPr>
+                      <a:endParaRPr lang="en-IN" b="0" dirty="0"/>
+                    </a:p>
+                    <a:p>
+                      <a:pPr marL="363600" lvl="2" indent="0">
+                        <a:buNone/>
+                      </a:pPr>
+                      <a:endParaRPr lang="en-IN" b="0" dirty="0"/>
+                    </a:p>
+                  </a:txBody>
+                  <a:tcPr>
+                    <a:lnL w="12700" cmpd="sng">
+                      <a:solidFill>
+                        <a:schemeClr val="tx1"/>
+                      </a:solidFill>
+                      <a:prstDash val="solid"/>
+                    </a:lnL>
+                    <a:lnR w="12700" cmpd="sng">
+                      <a:solidFill>
+                        <a:schemeClr val="tx1"/>
+                      </a:solidFill>
+                      <a:prstDash val="solid"/>
+                    </a:lnR>
+                    <a:lnT w="12700" cmpd="sng">
+                      <a:solidFill>
+                        <a:schemeClr val="tx1"/>
+                      </a:solidFill>
+                      <a:prstDash val="solid"/>
+                    </a:lnT>
+                    <a:lnB w="12700" cmpd="sng">
+                      <a:solidFill>
+                        <a:schemeClr val="tx1"/>
+                      </a:solidFill>
+                      <a:prstDash val="solid"/>
+                    </a:lnB>
+                  </a:tcPr>
+                </a:tc>
+                <a:extLst>
+                  <a:ext uri="{0D108BD9-81ED-4DB2-BD59-A6C34878D82A}">
+                    <a16:rowId xmlns:a16="http://schemas.microsoft.com/office/drawing/2014/main" val="2330082663"/>
+                  </a:ext>
+                </a:extLst>
+              </a:tr>
+            </a:tbl>
+          </a:graphicData>
+        </a:graphic>
+      </p:graphicFrame>
+    </p:spTree>
+    <p:custDataLst>
+      <p:custData r:id="rId1"/>
+      <p:custData r:id="rId2"/>
+    </p:custDataLst>
+    <p:extLst>
+      <p:ext uri="{BB962C8B-B14F-4D97-AF65-F5344CB8AC3E}">
+        <p14:creationId xmlns:p14="http://schemas.microsoft.com/office/powerpoint/2010/main" val="4144034952"/>
+      </p:ext>
+    </p:extLst>
+  </p:cSld>
+  <p:clrMapOvr>
+    <a:masterClrMapping/>
+  </p:clrMapOvr>
+</p:sld>
+</file>
+
+<file path=ppt/slides/slide6.xml><?xml version="1.0" encoding="utf-8"?>
+<p:sld xmlns:a="http://schemas.openxmlformats.org/drawingml/2006/main" xmlns:r="http://schemas.openxmlformats.org/officeDocument/2006/relationships" xmlns:p="http://schemas.openxmlformats.org/presentationml/2006/main">
+  <p:cSld>
+    <p:spTree>
+      <p:nvGrpSpPr>
+        <p:cNvPr id="1" name=""/>
+        <p:cNvGrpSpPr/>
+        <p:nvPr/>
+      </p:nvGrpSpPr>
+      <p:grpSpPr>
+        <a:xfrm>
+          <a:off x="0" y="0"/>
+          <a:ext cx="0" cy="0"/>
+          <a:chOff x="0" y="0"/>
+          <a:chExt cx="0" cy="0"/>
+        </a:xfrm>
+      </p:grpSpPr>
+      <p:sp>
+        <p:nvSpPr>
+          <p:cNvPr id="4" name="Title 3">
+            <a:extLst>
+              <a:ext uri="{FF2B5EF4-FFF2-40B4-BE49-F238E27FC236}">
+                <a16:creationId xmlns:a16="http://schemas.microsoft.com/office/drawing/2014/main" id="{EA7D4468-58D5-40D1-8182-8FDBCEF777E1}"/>
+              </a:ext>
+            </a:extLst>
+          </p:cNvPr>
+          <p:cNvSpPr>
+            <a:spLocks noGrp="1"/>
+          </p:cNvSpPr>
+          <p:nvPr>
+            <p:ph type="title"/>
+          </p:nvPr>
+        </p:nvSpPr>
+        <p:spPr>
+          <a:xfrm>
+            <a:off x="284492" y="92302"/>
+            <a:ext cx="10521950" cy="513873"/>
+          </a:xfrm>
+        </p:spPr>
+        <p:txBody>
+          <a:bodyPr/>
+          <a:lstStyle/>
+          <a:p>
+            <a:r>
+              <a:rPr lang="en-US" dirty="0"/>
+              <a:t>Advantages of the Layered Architecture</a:t>
+            </a:r>
+          </a:p>
+        </p:txBody>
+      </p:sp>
+      <p:grpSp>
+        <p:nvGrpSpPr>
+          <p:cNvPr id="5" name="Group 4">
+            <a:extLst>
+              <a:ext uri="{FF2B5EF4-FFF2-40B4-BE49-F238E27FC236}">
+                <a16:creationId xmlns:a16="http://schemas.microsoft.com/office/drawing/2014/main" id="{FF46104B-6346-410A-8346-4DD949891946}"/>
+              </a:ext>
+            </a:extLst>
+          </p:cNvPr>
+          <p:cNvGrpSpPr/>
+          <p:nvPr/>
+        </p:nvGrpSpPr>
+        <p:grpSpPr>
+          <a:xfrm>
+            <a:off x="-308225" y="6802722"/>
+            <a:ext cx="12801599" cy="110556"/>
+            <a:chOff x="-170626" y="0"/>
+            <a:chExt cx="13534857" cy="166915"/>
+          </a:xfrm>
+        </p:grpSpPr>
+        <p:sp>
+          <p:nvSpPr>
+            <p:cNvPr id="6" name="Parallelogram 5">
+              <a:extLst>
+                <a:ext uri="{FF2B5EF4-FFF2-40B4-BE49-F238E27FC236}">
+                  <a16:creationId xmlns:a16="http://schemas.microsoft.com/office/drawing/2014/main" id="{41A72BDB-BD8D-4D1D-AB87-DEF75608B84A}"/>
+                </a:ext>
+              </a:extLst>
+            </p:cNvPr>
+            <p:cNvSpPr/>
+            <p:nvPr/>
+          </p:nvSpPr>
+          <p:spPr>
+            <a:xfrm>
+              <a:off x="-170626" y="0"/>
+              <a:ext cx="4511619" cy="166915"/>
+            </a:xfrm>
+            <a:prstGeom prst="parallelogram">
+              <a:avLst>
+                <a:gd name="adj" fmla="val 114362"/>
+              </a:avLst>
+            </a:prstGeom>
+            <a:solidFill>
+              <a:srgbClr val="016AA3"/>
+            </a:solidFill>
+            <a:ln>
+              <a:noFill/>
+            </a:ln>
+          </p:spPr>
+          <p:style>
+            <a:lnRef idx="2">
+              <a:schemeClr val="accent1">
+                <a:shade val="50000"/>
+              </a:schemeClr>
+            </a:lnRef>
+            <a:fillRef idx="1">
+              <a:schemeClr val="accent1"/>
+            </a:fillRef>
+            <a:effectRef idx="0">
+              <a:schemeClr val="accent1"/>
+            </a:effectRef>
+            <a:fontRef idx="minor">
+              <a:schemeClr val="lt1"/>
+            </a:fontRef>
+          </p:style>
+          <p:txBody>
+            <a:bodyPr rtlCol="0" anchor="ctr"/>
+            <a:lstStyle/>
+            <a:p>
+              <a:pPr algn="ctr"/>
+              <a:endParaRPr lang="en-US"/>
+            </a:p>
+          </p:txBody>
+        </p:sp>
+        <p:sp>
+          <p:nvSpPr>
+            <p:cNvPr id="7" name="Parallelogram 6">
+              <a:extLst>
+                <a:ext uri="{FF2B5EF4-FFF2-40B4-BE49-F238E27FC236}">
+                  <a16:creationId xmlns:a16="http://schemas.microsoft.com/office/drawing/2014/main" id="{C5E81017-21EA-4049-922E-C8D6ECB0E078}"/>
+                </a:ext>
+              </a:extLst>
+            </p:cNvPr>
+            <p:cNvSpPr/>
+            <p:nvPr/>
+          </p:nvSpPr>
+          <p:spPr>
+            <a:xfrm>
+              <a:off x="4340993" y="0"/>
+              <a:ext cx="4511619" cy="166915"/>
+            </a:xfrm>
+            <a:prstGeom prst="parallelogram">
+              <a:avLst>
+                <a:gd name="adj" fmla="val 114362"/>
+              </a:avLst>
+            </a:prstGeom>
+            <a:solidFill>
+              <a:srgbClr val="46B688"/>
+            </a:solidFill>
+            <a:ln>
+              <a:noFill/>
+            </a:ln>
+          </p:spPr>
+          <p:style>
+            <a:lnRef idx="2">
+              <a:schemeClr val="accent1">
+                <a:shade val="50000"/>
+              </a:schemeClr>
+            </a:lnRef>
+            <a:fillRef idx="1">
+              <a:schemeClr val="accent1"/>
+            </a:fillRef>
+            <a:effectRef idx="0">
+              <a:schemeClr val="accent1"/>
+            </a:effectRef>
+            <a:fontRef idx="minor">
+              <a:schemeClr val="lt1"/>
+            </a:fontRef>
+          </p:style>
+          <p:txBody>
+            <a:bodyPr rtlCol="0" anchor="ctr"/>
+            <a:lstStyle/>
+            <a:p>
+              <a:pPr algn="ctr"/>
+              <a:endParaRPr lang="en-US"/>
+            </a:p>
+          </p:txBody>
+        </p:sp>
+        <p:sp>
+          <p:nvSpPr>
+            <p:cNvPr id="9" name="Parallelogram 8">
+              <a:extLst>
+                <a:ext uri="{FF2B5EF4-FFF2-40B4-BE49-F238E27FC236}">
+                  <a16:creationId xmlns:a16="http://schemas.microsoft.com/office/drawing/2014/main" id="{C290C66F-EFCC-4B9C-8D83-EE08EB792FD3}"/>
+                </a:ext>
+              </a:extLst>
+            </p:cNvPr>
+            <p:cNvSpPr/>
+            <p:nvPr/>
+          </p:nvSpPr>
+          <p:spPr>
+            <a:xfrm>
+              <a:off x="8852612" y="0"/>
+              <a:ext cx="4511619" cy="166915"/>
+            </a:xfrm>
+            <a:prstGeom prst="parallelogram">
+              <a:avLst>
+                <a:gd name="adj" fmla="val 114362"/>
+              </a:avLst>
+            </a:prstGeom>
+            <a:solidFill>
+              <a:srgbClr val="FEA34F"/>
+            </a:solidFill>
+            <a:ln>
+              <a:noFill/>
+            </a:ln>
+          </p:spPr>
+          <p:style>
+            <a:lnRef idx="2">
+              <a:schemeClr val="accent1">
+                <a:shade val="50000"/>
+              </a:schemeClr>
+            </a:lnRef>
+            <a:fillRef idx="1">
+              <a:schemeClr val="accent1"/>
+            </a:fillRef>
+            <a:effectRef idx="0">
+              <a:schemeClr val="accent1"/>
+            </a:effectRef>
+            <a:fontRef idx="minor">
+              <a:schemeClr val="lt1"/>
+            </a:fontRef>
+          </p:style>
+          <p:txBody>
+            <a:bodyPr rtlCol="0" anchor="ctr"/>
+            <a:lstStyle/>
+            <a:p>
+              <a:pPr algn="ctr"/>
+              <a:endParaRPr lang="en-US"/>
+            </a:p>
+          </p:txBody>
+        </p:sp>
+      </p:grpSp>
+      <p:sp>
+        <p:nvSpPr>
+          <p:cNvPr id="10" name="Rectangle: Diagonal Corners Snipped 9">
+            <a:extLst>
+              <a:ext uri="{FF2B5EF4-FFF2-40B4-BE49-F238E27FC236}">
+                <a16:creationId xmlns:a16="http://schemas.microsoft.com/office/drawing/2014/main" id="{8346D2C3-0DE6-4E7A-8445-DEC8547A2431}"/>
+              </a:ext>
+            </a:extLst>
+          </p:cNvPr>
+          <p:cNvSpPr/>
+          <p:nvPr/>
+        </p:nvSpPr>
+        <p:spPr bwMode="auto">
+          <a:xfrm>
+            <a:off x="2789325" y="1541427"/>
+            <a:ext cx="3001499" cy="482600"/>
+          </a:xfrm>
+          <a:prstGeom prst="snip2DiagRect">
+            <a:avLst/>
+          </a:prstGeom>
+          <a:gradFill flip="none" rotWithShape="1">
+            <a:gsLst>
+              <a:gs pos="1000">
+                <a:schemeClr val="accent1">
+                  <a:lumMod val="5000"/>
+                  <a:lumOff val="95000"/>
+                </a:schemeClr>
+              </a:gs>
+              <a:gs pos="65000">
+                <a:srgbClr val="8BC5FF"/>
+              </a:gs>
+              <a:gs pos="85000">
+                <a:srgbClr val="99CCFF"/>
+              </a:gs>
+              <a:gs pos="100000">
+                <a:srgbClr val="8BC5FF"/>
+              </a:gs>
+            </a:gsLst>
+            <a:lin ang="10800000" scaled="1"/>
+            <a:tileRect/>
+          </a:gradFill>
+          <a:ln w="12700" cap="flat" cmpd="sng" algn="ctr">
+            <a:solidFill>
+              <a:schemeClr val="tx1"/>
+            </a:solidFill>
+            <a:prstDash val="solid"/>
+            <a:round/>
+            <a:headEnd type="none" w="med" len="med"/>
+            <a:tailEnd type="none" w="med" len="med"/>
+          </a:ln>
+          <a:effectLst/>
+        </p:spPr>
+        <p:txBody>
+          <a:bodyPr vert="horz" wrap="none" lIns="72000" tIns="45720" rIns="72000" bIns="45720" numCol="1" rtlCol="0" anchor="t" anchorCtr="0" compatLnSpc="1">
+            <a:prstTxWarp prst="textNoShape">
+              <a:avLst/>
+            </a:prstTxWarp>
+          </a:bodyPr>
+          <a:lstStyle/>
+          <a:p>
+            <a:pPr marL="0" marR="0" indent="0" algn="l" defTabSz="914400" rtl="0" eaLnBrk="1" fontAlgn="base" latinLnBrk="0" hangingPunct="1">
+              <a:lnSpc>
+                <a:spcPct val="100000"/>
+              </a:lnSpc>
+              <a:spcBef>
+                <a:spcPct val="50000"/>
+              </a:spcBef>
+              <a:spcAft>
+                <a:spcPct val="0"/>
+              </a:spcAft>
+              <a:buClrTx/>
+              <a:buSzTx/>
+              <a:buFontTx/>
+              <a:buNone/>
+              <a:tabLst/>
+            </a:pPr>
+            <a:r>
+              <a:rPr kumimoji="0" lang="en-US" sz="1800" b="1" u="none" strike="noStrike" cap="none" normalizeH="0" baseline="0" dirty="0">
+                <a:ln>
+                  <a:noFill/>
+                </a:ln>
+                <a:solidFill>
+                  <a:schemeClr val="tx2"/>
+                </a:solidFill>
+                <a:effectLst/>
+                <a:latin typeface="Arial" charset="0"/>
+              </a:rPr>
+              <a:t>Small focused</a:t>
+            </a:r>
+          </a:p>
+        </p:txBody>
+      </p:sp>
+      <p:sp>
+        <p:nvSpPr>
+          <p:cNvPr id="11" name="Rectangle: Diagonal Corners Snipped 10">
+            <a:extLst>
+              <a:ext uri="{FF2B5EF4-FFF2-40B4-BE49-F238E27FC236}">
+                <a16:creationId xmlns:a16="http://schemas.microsoft.com/office/drawing/2014/main" id="{E381C93E-911F-4BF6-9C86-CBC3B79AA943}"/>
+              </a:ext>
+            </a:extLst>
+          </p:cNvPr>
+          <p:cNvSpPr/>
+          <p:nvPr/>
+        </p:nvSpPr>
+        <p:spPr bwMode="auto">
+          <a:xfrm>
+            <a:off x="3873058" y="2607265"/>
+            <a:ext cx="3001499" cy="482600"/>
+          </a:xfrm>
+          <a:prstGeom prst="snip2DiagRect">
+            <a:avLst/>
+          </a:prstGeom>
+          <a:gradFill flip="none" rotWithShape="1">
+            <a:gsLst>
+              <a:gs pos="1000">
+                <a:schemeClr val="accent1">
+                  <a:lumMod val="5000"/>
+                  <a:lumOff val="95000"/>
+                </a:schemeClr>
+              </a:gs>
+              <a:gs pos="65000">
+                <a:srgbClr val="8BC5FF"/>
+              </a:gs>
+              <a:gs pos="85000">
+                <a:srgbClr val="99CCFF"/>
+              </a:gs>
+              <a:gs pos="100000">
+                <a:srgbClr val="8BC5FF"/>
+              </a:gs>
+            </a:gsLst>
+            <a:lin ang="10800000" scaled="1"/>
+            <a:tileRect/>
+          </a:gradFill>
+          <a:ln w="12700" cap="flat" cmpd="sng" algn="ctr">
+            <a:solidFill>
+              <a:schemeClr val="tx1"/>
+            </a:solidFill>
+            <a:prstDash val="solid"/>
+            <a:round/>
+            <a:headEnd type="none" w="med" len="med"/>
+            <a:tailEnd type="none" w="med" len="med"/>
+          </a:ln>
+          <a:effectLst/>
+        </p:spPr>
+        <p:txBody>
+          <a:bodyPr vert="horz" wrap="none" lIns="72000" tIns="45720" rIns="72000" bIns="45720" numCol="1" rtlCol="0" anchor="t" anchorCtr="0" compatLnSpc="1">
+            <a:prstTxWarp prst="textNoShape">
+              <a:avLst/>
+            </a:prstTxWarp>
+          </a:bodyPr>
+          <a:lstStyle/>
+          <a:p>
+            <a:pPr marL="0" marR="0" indent="0" algn="l" defTabSz="914400" rtl="0" eaLnBrk="1" fontAlgn="base" latinLnBrk="0" hangingPunct="1">
+              <a:lnSpc>
+                <a:spcPct val="100000"/>
+              </a:lnSpc>
+              <a:spcBef>
+                <a:spcPct val="50000"/>
+              </a:spcBef>
+              <a:spcAft>
+                <a:spcPct val="0"/>
+              </a:spcAft>
+              <a:buClrTx/>
+              <a:buSzTx/>
+              <a:buFontTx/>
+              <a:buNone/>
+              <a:tabLst/>
+            </a:pPr>
+            <a:r>
+              <a:rPr kumimoji="0" lang="en-US" sz="1800" b="1" u="none" strike="noStrike" cap="none" normalizeH="0" baseline="0" dirty="0">
+                <a:ln>
+                  <a:noFill/>
+                </a:ln>
+                <a:solidFill>
+                  <a:schemeClr val="tx2"/>
+                </a:solidFill>
+                <a:effectLst/>
+                <a:latin typeface="Arial" charset="0"/>
+              </a:rPr>
+              <a:t>Loosely Coupled</a:t>
+            </a:r>
+          </a:p>
+        </p:txBody>
+      </p:sp>
+      <p:sp>
+        <p:nvSpPr>
+          <p:cNvPr id="12" name="Rectangle: Diagonal Corners Snipped 11">
+            <a:extLst>
+              <a:ext uri="{FF2B5EF4-FFF2-40B4-BE49-F238E27FC236}">
+                <a16:creationId xmlns:a16="http://schemas.microsoft.com/office/drawing/2014/main" id="{AF4B0EAD-30CF-42DD-B4F6-0ED981AA8FB7}"/>
+              </a:ext>
+            </a:extLst>
+          </p:cNvPr>
+          <p:cNvSpPr/>
+          <p:nvPr/>
+        </p:nvSpPr>
+        <p:spPr bwMode="auto">
+          <a:xfrm>
+            <a:off x="4956791" y="3668152"/>
+            <a:ext cx="3001499" cy="482600"/>
+          </a:xfrm>
+          <a:prstGeom prst="snip2DiagRect">
+            <a:avLst/>
+          </a:prstGeom>
+          <a:gradFill flip="none" rotWithShape="1">
+            <a:gsLst>
+              <a:gs pos="1000">
+                <a:schemeClr val="accent1">
+                  <a:lumMod val="5000"/>
+                  <a:lumOff val="95000"/>
+                </a:schemeClr>
+              </a:gs>
+              <a:gs pos="65000">
+                <a:srgbClr val="8BC5FF"/>
+              </a:gs>
+              <a:gs pos="85000">
+                <a:srgbClr val="99CCFF"/>
+              </a:gs>
+              <a:gs pos="100000">
+                <a:srgbClr val="8BC5FF"/>
+              </a:gs>
+            </a:gsLst>
+            <a:lin ang="10800000" scaled="1"/>
+            <a:tileRect/>
+          </a:gradFill>
+          <a:ln w="12700" cap="flat" cmpd="sng" algn="ctr">
+            <a:solidFill>
+              <a:schemeClr val="tx1"/>
+            </a:solidFill>
+            <a:prstDash val="solid"/>
+            <a:round/>
+            <a:headEnd type="none" w="med" len="med"/>
+            <a:tailEnd type="none" w="med" len="med"/>
+          </a:ln>
+          <a:effectLst/>
+        </p:spPr>
+        <p:txBody>
+          <a:bodyPr vert="horz" wrap="none" lIns="72000" tIns="45720" rIns="72000" bIns="45720" numCol="1" rtlCol="0" anchor="t" anchorCtr="0" compatLnSpc="1">
+            <a:prstTxWarp prst="textNoShape">
+              <a:avLst/>
+            </a:prstTxWarp>
+          </a:bodyPr>
+          <a:lstStyle/>
+          <a:p>
+            <a:pPr marL="0" marR="0" indent="0" algn="l" defTabSz="914400" rtl="0" eaLnBrk="1" fontAlgn="base" latinLnBrk="0" hangingPunct="1">
+              <a:lnSpc>
+                <a:spcPct val="100000"/>
+              </a:lnSpc>
+              <a:spcBef>
+                <a:spcPct val="50000"/>
+              </a:spcBef>
+              <a:spcAft>
+                <a:spcPct val="0"/>
+              </a:spcAft>
+              <a:buClrTx/>
+              <a:buSzTx/>
+              <a:buFontTx/>
+              <a:buNone/>
+              <a:tabLst/>
+            </a:pPr>
+            <a:r>
+              <a:rPr kumimoji="0" lang="en-US" sz="1800" b="1" u="none" strike="noStrike" cap="none" normalizeH="0" baseline="0" dirty="0">
+                <a:ln>
+                  <a:noFill/>
+                </a:ln>
+                <a:solidFill>
+                  <a:schemeClr val="tx2"/>
+                </a:solidFill>
+                <a:effectLst/>
+                <a:latin typeface="Arial" charset="0"/>
+              </a:rPr>
+              <a:t>Language Neutral</a:t>
+            </a:r>
+          </a:p>
+        </p:txBody>
+      </p:sp>
+      <p:sp>
+        <p:nvSpPr>
+          <p:cNvPr id="13" name="Rectangle: Diagonal Corners Snipped 12">
+            <a:extLst>
+              <a:ext uri="{FF2B5EF4-FFF2-40B4-BE49-F238E27FC236}">
+                <a16:creationId xmlns:a16="http://schemas.microsoft.com/office/drawing/2014/main" id="{BD7F3523-FE52-4D1C-BFBD-0EE5541F38B0}"/>
+              </a:ext>
+            </a:extLst>
+          </p:cNvPr>
+          <p:cNvSpPr/>
+          <p:nvPr/>
+        </p:nvSpPr>
+        <p:spPr bwMode="auto">
+          <a:xfrm>
+            <a:off x="6150590" y="4733990"/>
+            <a:ext cx="3001499" cy="482600"/>
+          </a:xfrm>
+          <a:prstGeom prst="snip2DiagRect">
+            <a:avLst/>
+          </a:prstGeom>
+          <a:gradFill flip="none" rotWithShape="1">
+            <a:gsLst>
+              <a:gs pos="1000">
+                <a:schemeClr val="accent1">
+                  <a:lumMod val="5000"/>
+                  <a:lumOff val="95000"/>
+                </a:schemeClr>
+              </a:gs>
+              <a:gs pos="65000">
+                <a:srgbClr val="8BC5FF"/>
+              </a:gs>
+              <a:gs pos="85000">
+                <a:srgbClr val="99CCFF"/>
+              </a:gs>
+              <a:gs pos="100000">
+                <a:srgbClr val="8BC5FF"/>
+              </a:gs>
+            </a:gsLst>
+            <a:lin ang="10800000" scaled="1"/>
+            <a:tileRect/>
+          </a:gradFill>
+          <a:ln w="12700" cap="flat" cmpd="sng" algn="ctr">
+            <a:solidFill>
+              <a:schemeClr val="tx1"/>
+            </a:solidFill>
+            <a:prstDash val="solid"/>
+            <a:round/>
+            <a:headEnd type="none" w="med" len="med"/>
+            <a:tailEnd type="none" w="med" len="med"/>
+          </a:ln>
+          <a:effectLst/>
+        </p:spPr>
+        <p:txBody>
+          <a:bodyPr vert="horz" wrap="none" lIns="72000" tIns="45720" rIns="72000" bIns="45720" numCol="1" rtlCol="0" anchor="t" anchorCtr="0" compatLnSpc="1">
+            <a:prstTxWarp prst="textNoShape">
+              <a:avLst/>
+            </a:prstTxWarp>
+          </a:bodyPr>
+          <a:lstStyle/>
+          <a:p>
+            <a:pPr marL="0" marR="0" indent="0" algn="l" defTabSz="914400" rtl="0" eaLnBrk="1" fontAlgn="base" latinLnBrk="0" hangingPunct="1">
+              <a:lnSpc>
+                <a:spcPct val="100000"/>
+              </a:lnSpc>
+              <a:spcBef>
+                <a:spcPct val="50000"/>
+              </a:spcBef>
+              <a:spcAft>
+                <a:spcPct val="0"/>
+              </a:spcAft>
+              <a:buClrTx/>
+              <a:buSzTx/>
+              <a:buFontTx/>
+              <a:buNone/>
+              <a:tabLst/>
+            </a:pPr>
+            <a:r>
+              <a:rPr kumimoji="0" lang="en-US" sz="1800" b="1" u="none" strike="noStrike" cap="none" normalizeH="0" baseline="0" dirty="0">
+                <a:ln>
+                  <a:noFill/>
+                </a:ln>
+                <a:solidFill>
+                  <a:schemeClr val="tx2"/>
+                </a:solidFill>
+                <a:effectLst/>
+                <a:latin typeface="Arial" charset="0"/>
+              </a:rPr>
+              <a:t>Bounded Context        </a:t>
+            </a:r>
+          </a:p>
+        </p:txBody>
+      </p:sp>
+      <p:cxnSp>
+        <p:nvCxnSpPr>
+          <p:cNvPr id="14" name="Connector: Elbow 13">
+            <a:extLst>
+              <a:ext uri="{FF2B5EF4-FFF2-40B4-BE49-F238E27FC236}">
+                <a16:creationId xmlns:a16="http://schemas.microsoft.com/office/drawing/2014/main" id="{EC9871E5-81A9-4E59-A168-988090F1ECD7}"/>
+              </a:ext>
+            </a:extLst>
+          </p:cNvPr>
+          <p:cNvCxnSpPr>
+            <a:stCxn id="10" idx="2"/>
+            <a:endCxn id="11" idx="2"/>
+          </p:cNvCxnSpPr>
+          <p:nvPr/>
+        </p:nvCxnSpPr>
+        <p:spPr bwMode="auto">
+          <a:xfrm rot="10800000" flipH="1" flipV="1">
+            <a:off x="2789324" y="1782727"/>
+            <a:ext cx="1083733" cy="1065838"/>
+          </a:xfrm>
+          <a:prstGeom prst="bentConnector3">
+            <a:avLst>
+              <a:gd name="adj1" fmla="val -21094"/>
+            </a:avLst>
+          </a:prstGeom>
+          <a:ln>
+            <a:headEnd type="none" w="med" len="med"/>
+            <a:tailEnd type="none" w="med" len="med"/>
+          </a:ln>
+        </p:spPr>
+        <p:style>
+          <a:lnRef idx="1">
+            <a:schemeClr val="accent2"/>
+          </a:lnRef>
+          <a:fillRef idx="0">
+            <a:schemeClr val="accent2"/>
+          </a:fillRef>
+          <a:effectRef idx="0">
+            <a:schemeClr val="accent2"/>
+          </a:effectRef>
+          <a:fontRef idx="minor">
+            <a:schemeClr val="tx1"/>
+          </a:fontRef>
+        </p:style>
+      </p:cxnSp>
+      <p:cxnSp>
+        <p:nvCxnSpPr>
+          <p:cNvPr id="15" name="Connector: Elbow 14">
+            <a:extLst>
+              <a:ext uri="{FF2B5EF4-FFF2-40B4-BE49-F238E27FC236}">
+                <a16:creationId xmlns:a16="http://schemas.microsoft.com/office/drawing/2014/main" id="{D1D44740-0ADA-4EB5-881A-FF8627B9771F}"/>
+              </a:ext>
+            </a:extLst>
+          </p:cNvPr>
+          <p:cNvCxnSpPr>
+            <a:cxnSpLocks/>
+            <a:stCxn id="11" idx="0"/>
+            <a:endCxn id="12" idx="0"/>
+          </p:cNvCxnSpPr>
+          <p:nvPr/>
+        </p:nvCxnSpPr>
+        <p:spPr bwMode="auto">
+          <a:xfrm>
+            <a:off x="6874557" y="2848565"/>
+            <a:ext cx="1083733" cy="1060887"/>
+          </a:xfrm>
+          <a:prstGeom prst="bentConnector3">
+            <a:avLst>
+              <a:gd name="adj1" fmla="val 121094"/>
+            </a:avLst>
+          </a:prstGeom>
+          <a:ln>
+            <a:headEnd type="none" w="med" len="med"/>
+            <a:tailEnd type="none" w="med" len="med"/>
+          </a:ln>
+        </p:spPr>
+        <p:style>
+          <a:lnRef idx="1">
+            <a:schemeClr val="accent2"/>
+          </a:lnRef>
+          <a:fillRef idx="0">
+            <a:schemeClr val="accent2"/>
+          </a:fillRef>
+          <a:effectRef idx="0">
+            <a:schemeClr val="accent2"/>
+          </a:effectRef>
+          <a:fontRef idx="minor">
+            <a:schemeClr val="tx1"/>
+          </a:fontRef>
+        </p:style>
+      </p:cxnSp>
+      <p:cxnSp>
+        <p:nvCxnSpPr>
+          <p:cNvPr id="16" name="Connector: Elbow 15">
+            <a:extLst>
+              <a:ext uri="{FF2B5EF4-FFF2-40B4-BE49-F238E27FC236}">
+                <a16:creationId xmlns:a16="http://schemas.microsoft.com/office/drawing/2014/main" id="{AFF7E8E3-7E7C-4404-A279-0B3499290EDF}"/>
+              </a:ext>
+            </a:extLst>
+          </p:cNvPr>
+          <p:cNvCxnSpPr>
+            <a:stCxn id="12" idx="2"/>
+            <a:endCxn id="13" idx="2"/>
+          </p:cNvCxnSpPr>
+          <p:nvPr/>
+        </p:nvCxnSpPr>
+        <p:spPr bwMode="auto">
+          <a:xfrm rot="10800000" flipH="1" flipV="1">
+            <a:off x="4956790" y="3909452"/>
+            <a:ext cx="1193799" cy="1065838"/>
+          </a:xfrm>
+          <a:prstGeom prst="bentConnector3">
+            <a:avLst>
+              <a:gd name="adj1" fmla="val -19149"/>
+            </a:avLst>
+          </a:prstGeom>
+          <a:ln>
+            <a:headEnd type="none" w="med" len="med"/>
+            <a:tailEnd type="none" w="med" len="med"/>
+          </a:ln>
+        </p:spPr>
+        <p:style>
+          <a:lnRef idx="1">
+            <a:schemeClr val="accent2"/>
+          </a:lnRef>
+          <a:fillRef idx="0">
+            <a:schemeClr val="accent2"/>
+          </a:fillRef>
+          <a:effectRef idx="0">
+            <a:schemeClr val="accent2"/>
+          </a:effectRef>
+          <a:fontRef idx="minor">
+            <a:schemeClr val="tx1"/>
+          </a:fontRef>
+        </p:style>
+      </p:cxnSp>
+      <p:sp>
+        <p:nvSpPr>
+          <p:cNvPr id="17" name="Rectangle 16">
+            <a:extLst>
+              <a:ext uri="{FF2B5EF4-FFF2-40B4-BE49-F238E27FC236}">
+                <a16:creationId xmlns:a16="http://schemas.microsoft.com/office/drawing/2014/main" id="{3E0FBCC6-AFCC-4E1D-8FC0-7780EA87D2CB}"/>
+              </a:ext>
+            </a:extLst>
+          </p:cNvPr>
+          <p:cNvSpPr/>
+          <p:nvPr/>
+        </p:nvSpPr>
+        <p:spPr>
+          <a:xfrm>
+            <a:off x="6021559" y="1507559"/>
+            <a:ext cx="3913620" cy="646331"/>
+          </a:xfrm>
+          <a:prstGeom prst="rect">
+            <a:avLst/>
+          </a:prstGeom>
+        </p:spPr>
+        <p:txBody>
+          <a:bodyPr wrap="square">
+            <a:spAutoFit/>
+          </a:bodyPr>
+          <a:lstStyle/>
+          <a:p>
+            <a:r>
+              <a:rPr lang="en-US" sz="1200" i="1" dirty="0">
+                <a:solidFill>
+                  <a:srgbClr val="000000"/>
+                </a:solidFill>
+                <a:latin typeface="Arial" panose="020B0604020202020204" pitchFamily="34" charset="0"/>
+              </a:rPr>
+              <a:t>A service should not perform more than one business task, hence small in size and easy to maintain than any other monolithic application</a:t>
+            </a:r>
+          </a:p>
+        </p:txBody>
+      </p:sp>
+      <p:sp>
+        <p:nvSpPr>
+          <p:cNvPr id="18" name="Rectangle 17">
+            <a:extLst>
+              <a:ext uri="{FF2B5EF4-FFF2-40B4-BE49-F238E27FC236}">
+                <a16:creationId xmlns:a16="http://schemas.microsoft.com/office/drawing/2014/main" id="{8CE2D36A-CDC7-44CE-A7BA-C3D75C3913F6}"/>
+              </a:ext>
+            </a:extLst>
+          </p:cNvPr>
+          <p:cNvSpPr/>
+          <p:nvPr/>
+        </p:nvSpPr>
+        <p:spPr>
+          <a:xfrm>
+            <a:off x="1805172" y="3145701"/>
+            <a:ext cx="3685020" cy="646331"/>
+          </a:xfrm>
+          <a:prstGeom prst="rect">
+            <a:avLst/>
+          </a:prstGeom>
+        </p:spPr>
+        <p:txBody>
+          <a:bodyPr wrap="square">
+            <a:spAutoFit/>
+          </a:bodyPr>
+          <a:lstStyle/>
+          <a:p>
+            <a:r>
+              <a:rPr lang="en-US" sz="1200" i="1" dirty="0">
+                <a:solidFill>
+                  <a:srgbClr val="000000"/>
+                </a:solidFill>
+                <a:latin typeface="Arial" panose="020B0604020202020204" pitchFamily="34" charset="0"/>
+              </a:rPr>
+              <a:t>Autonomous business unit of the entire application making it more loosely coupled, which helps to reduce the maintenance cost.</a:t>
+            </a:r>
+            <a:endParaRPr lang="en-US" sz="1200" i="1" dirty="0"/>
+          </a:p>
+        </p:txBody>
+      </p:sp>
+      <p:sp>
+        <p:nvSpPr>
+          <p:cNvPr id="19" name="Rectangle 18">
+            <a:extLst>
+              <a:ext uri="{FF2B5EF4-FFF2-40B4-BE49-F238E27FC236}">
+                <a16:creationId xmlns:a16="http://schemas.microsoft.com/office/drawing/2014/main" id="{1F0103CF-0FBE-4174-BF41-00EB3098E8FB}"/>
+              </a:ext>
+            </a:extLst>
+          </p:cNvPr>
+          <p:cNvSpPr/>
+          <p:nvPr/>
+        </p:nvSpPr>
+        <p:spPr>
+          <a:xfrm>
+            <a:off x="7966757" y="3917919"/>
+            <a:ext cx="2713502" cy="646331"/>
+          </a:xfrm>
+          <a:prstGeom prst="rect">
+            <a:avLst/>
+          </a:prstGeom>
+        </p:spPr>
+        <p:txBody>
+          <a:bodyPr wrap="square">
+            <a:spAutoFit/>
+          </a:bodyPr>
+          <a:lstStyle/>
+          <a:p>
+            <a:r>
+              <a:rPr lang="en-US" sz="1200" i="1" dirty="0">
+                <a:solidFill>
+                  <a:srgbClr val="000000"/>
+                </a:solidFill>
+                <a:latin typeface="Arial" panose="020B0604020202020204" pitchFamily="34" charset="0"/>
+              </a:rPr>
+              <a:t>Supports different technologies, helping developers to use the correct technology at the correct place.</a:t>
+            </a:r>
+          </a:p>
+        </p:txBody>
+      </p:sp>
+      <p:sp>
+        <p:nvSpPr>
+          <p:cNvPr id="20" name="Rectangle 19">
+            <a:extLst>
+              <a:ext uri="{FF2B5EF4-FFF2-40B4-BE49-F238E27FC236}">
+                <a16:creationId xmlns:a16="http://schemas.microsoft.com/office/drawing/2014/main" id="{0D5629CE-3DC2-4481-B238-69EEFF8CA516}"/>
+              </a:ext>
+            </a:extLst>
+          </p:cNvPr>
+          <p:cNvSpPr/>
+          <p:nvPr/>
+        </p:nvSpPr>
+        <p:spPr>
+          <a:xfrm>
+            <a:off x="3322864" y="5032129"/>
+            <a:ext cx="2713502" cy="646331"/>
+          </a:xfrm>
+          <a:prstGeom prst="rect">
+            <a:avLst/>
+          </a:prstGeom>
+        </p:spPr>
+        <p:txBody>
+          <a:bodyPr wrap="square">
+            <a:spAutoFit/>
+          </a:bodyPr>
+          <a:lstStyle/>
+          <a:p>
+            <a:r>
+              <a:rPr lang="en-US" sz="1200" i="1" dirty="0">
+                <a:solidFill>
+                  <a:srgbClr val="000000"/>
+                </a:solidFill>
+                <a:latin typeface="Arial" panose="020B0604020202020204" pitchFamily="34" charset="0"/>
+              </a:rPr>
+              <a:t>One microservice doesn’t need to understand the implementation of the other.</a:t>
+            </a:r>
+          </a:p>
+        </p:txBody>
+      </p:sp>
+    </p:spTree>
+    <p:custDataLst>
+      <p:custData r:id="rId1"/>
+      <p:custData r:id="rId2"/>
+    </p:custDataLst>
+    <p:extLst>
+      <p:ext uri="{BB962C8B-B14F-4D97-AF65-F5344CB8AC3E}">
+        <p14:creationId xmlns:p14="http://schemas.microsoft.com/office/powerpoint/2010/main" val="3833486004"/>
+      </p:ext>
+    </p:extLst>
+  </p:cSld>
+  <p:clrMapOvr>
+    <a:masterClrMapping/>
+  </p:clrMapOvr>
+</p:sld>
+</file>
+
+<file path=ppt/slides/slide7.xml><?xml version="1.0" encoding="utf-8"?>
+<p:sld xmlns:a="http://schemas.openxmlformats.org/drawingml/2006/main" xmlns:r="http://schemas.openxmlformats.org/officeDocument/2006/relationships" xmlns:p="http://schemas.openxmlformats.org/presentationml/2006/main">
+  <p:cSld>
+    <p:spTree>
+      <p:nvGrpSpPr>
+        <p:cNvPr id="1" name=""/>
+        <p:cNvGrpSpPr/>
+        <p:nvPr/>
+      </p:nvGrpSpPr>
+      <p:grpSpPr>
+        <a:xfrm>
+          <a:off x="0" y="0"/>
+          <a:ext cx="0" cy="0"/>
+          <a:chOff x="0" y="0"/>
+          <a:chExt cx="0" cy="0"/>
+        </a:xfrm>
+      </p:grpSpPr>
+      <p:sp>
+        <p:nvSpPr>
+          <p:cNvPr id="4" name="Title 3">
+            <a:extLst>
+              <a:ext uri="{FF2B5EF4-FFF2-40B4-BE49-F238E27FC236}">
+                <a16:creationId xmlns:a16="http://schemas.microsoft.com/office/drawing/2014/main" id="{EA7D4468-58D5-40D1-8182-8FDBCEF777E1}"/>
+              </a:ext>
+            </a:extLst>
+          </p:cNvPr>
+          <p:cNvSpPr>
+            <a:spLocks noGrp="1"/>
+          </p:cNvSpPr>
+          <p:nvPr>
+            <p:ph type="title"/>
+          </p:nvPr>
+        </p:nvSpPr>
+        <p:spPr>
+          <a:xfrm>
+            <a:off x="284492" y="92302"/>
+            <a:ext cx="10521950" cy="513873"/>
+          </a:xfrm>
+        </p:spPr>
+        <p:txBody>
+          <a:bodyPr/>
+          <a:lstStyle/>
+          <a:p>
+            <a:r>
+              <a:rPr lang="en-US" dirty="0"/>
+              <a:t>Sequence Diagrams – Service 1 [Option 1]</a:t>
+            </a:r>
+          </a:p>
+        </p:txBody>
+      </p:sp>
+      <p:sp>
+        <p:nvSpPr>
+          <p:cNvPr id="7" name="Content Placeholder 4">
+            <a:extLst>
+              <a:ext uri="{FF2B5EF4-FFF2-40B4-BE49-F238E27FC236}">
+                <a16:creationId xmlns:a16="http://schemas.microsoft.com/office/drawing/2014/main" id="{17A729A8-6191-47E5-944A-D113AE49EA35}"/>
+              </a:ext>
+            </a:extLst>
+          </p:cNvPr>
+          <p:cNvSpPr>
+            <a:spLocks noGrp="1"/>
+          </p:cNvSpPr>
+          <p:nvPr>
+            <p:ph sz="quarter" idx="10"/>
+          </p:nvPr>
+        </p:nvSpPr>
+        <p:spPr>
+          <a:xfrm>
+            <a:off x="149737" y="714284"/>
+            <a:ext cx="5201909" cy="5782769"/>
+          </a:xfrm>
+        </p:spPr>
+        <p:txBody>
+          <a:bodyPr/>
+          <a:lstStyle/>
+          <a:p>
+            <a:pPr marL="363600" lvl="2" indent="0">
+              <a:buNone/>
+            </a:pPr>
+            <a:endParaRPr lang="en-IN" dirty="0"/>
+          </a:p>
+          <a:p>
+            <a:pPr marL="363600" lvl="2" indent="0">
+              <a:buNone/>
+            </a:pPr>
+            <a:endParaRPr lang="en-IN" dirty="0"/>
+          </a:p>
+          <a:p>
+            <a:pPr marL="820800" lvl="2" indent="-457200">
+              <a:buFont typeface="+mj-lt"/>
+              <a:buAutoNum type="arabicPeriod"/>
+            </a:pPr>
+            <a:endParaRPr lang="en-IN" dirty="0"/>
+          </a:p>
+          <a:p>
+            <a:pPr lvl="2"/>
+            <a:endParaRPr lang="en-IN" dirty="0"/>
+          </a:p>
+          <a:p>
+            <a:pPr lvl="5"/>
+            <a:endParaRPr lang="en-IN" dirty="0"/>
+          </a:p>
+          <a:p>
+            <a:pPr marL="1057950" lvl="3" indent="-514350">
+              <a:buFont typeface="+mj-lt"/>
+              <a:buAutoNum type="romanLcPeriod"/>
+            </a:pPr>
+            <a:endParaRPr lang="en-US" dirty="0"/>
+          </a:p>
+          <a:p>
+            <a:pPr marL="877950" lvl="2" indent="-514350">
+              <a:buFont typeface="+mj-lt"/>
+              <a:buAutoNum type="alphaLcPeriod"/>
+            </a:pPr>
+            <a:endParaRPr lang="en-US" dirty="0"/>
+          </a:p>
+          <a:p>
+            <a:pPr marL="457200" indent="-457200">
+              <a:buAutoNum type="arabicPeriod" startAt="5"/>
+            </a:pPr>
+            <a:endParaRPr lang="en-US" dirty="0"/>
+          </a:p>
+        </p:txBody>
+      </p:sp>
+      <p:pic>
+        <p:nvPicPr>
+          <p:cNvPr id="3" name="Picture 2">
+            <a:extLst>
+              <a:ext uri="{FF2B5EF4-FFF2-40B4-BE49-F238E27FC236}">
+                <a16:creationId xmlns:a16="http://schemas.microsoft.com/office/drawing/2014/main" id="{82C4FCEA-EE73-4EF4-9A3B-DD1A3FF82003}"/>
+              </a:ext>
+            </a:extLst>
+          </p:cNvPr>
+          <p:cNvPicPr>
+            <a:picLocks noChangeAspect="1"/>
+          </p:cNvPicPr>
+          <p:nvPr/>
+        </p:nvPicPr>
+        <p:blipFill>
+          <a:blip r:embed="rId4"/>
+          <a:stretch>
+            <a:fillRect/>
+          </a:stretch>
+        </p:blipFill>
+        <p:spPr>
+          <a:xfrm>
+            <a:off x="4109663" y="749186"/>
+            <a:ext cx="7238413" cy="5708943"/>
+          </a:xfrm>
+          <a:prstGeom prst="rect">
+            <a:avLst/>
+          </a:prstGeom>
+        </p:spPr>
+      </p:pic>
+      <p:graphicFrame>
+        <p:nvGraphicFramePr>
+          <p:cNvPr id="6" name="Table 5">
+            <a:extLst>
+              <a:ext uri="{FF2B5EF4-FFF2-40B4-BE49-F238E27FC236}">
+                <a16:creationId xmlns:a16="http://schemas.microsoft.com/office/drawing/2014/main" id="{B03A0AFB-0F0F-485C-9310-2598D3826B01}"/>
+              </a:ext>
+            </a:extLst>
+          </p:cNvPr>
+          <p:cNvGraphicFramePr>
+            <a:graphicFrameLocks noGrp="1"/>
+          </p:cNvGraphicFramePr>
+          <p:nvPr>
+            <p:extLst>
+              <p:ext uri="{D42A27DB-BD31-4B8C-83A1-F6EECF244321}">
+                <p14:modId xmlns:p14="http://schemas.microsoft.com/office/powerpoint/2010/main" val="1298647724"/>
               </p:ext>
             </p:extLst>
           </p:nvPr>
@@ -20414,7 +24136,11 @@
                         <a:buNone/>
                       </a:pPr>
                       <a:r>
-                        <a:rPr lang="en-US" sz="1600" b="1" i="1" dirty="0"/>
+                        <a:rPr lang="en-US" sz="1600" b="1" i="1" dirty="0">
+                          <a:solidFill>
+                            <a:srgbClr val="7030A0"/>
+                          </a:solidFill>
+                        </a:rPr>
                         <a:t>This is a Layered Architecture.</a:t>
                       </a:r>
                     </a:p>
@@ -20481,7 +24207,7 @@
                       </a:pPr>
                       <a:r>
                         <a:rPr lang="en-US" sz="1400" dirty="0"/>
-                        <a:t>Having the application distributed across different small services it becomes scalable, high-available and ready for continuous deployment through Dev-Ops.</a:t>
+                        <a:t>Having the application distributed across different small services it becomes scalable, high-available and suitable for continuous deployment through Dev-Ops.</a:t>
                       </a:r>
                     </a:p>
                     <a:p>
@@ -20528,6 +24254,189 @@
           </a:graphicData>
         </a:graphic>
       </p:graphicFrame>
+      <p:grpSp>
+        <p:nvGrpSpPr>
+          <p:cNvPr id="8" name="Group 7">
+            <a:extLst>
+              <a:ext uri="{FF2B5EF4-FFF2-40B4-BE49-F238E27FC236}">
+                <a16:creationId xmlns:a16="http://schemas.microsoft.com/office/drawing/2014/main" id="{9F7AA135-430B-4D38-B1D5-FA4117258CCD}"/>
+              </a:ext>
+            </a:extLst>
+          </p:cNvPr>
+          <p:cNvGrpSpPr/>
+          <p:nvPr/>
+        </p:nvGrpSpPr>
+        <p:grpSpPr>
+          <a:xfrm>
+            <a:off x="-308225" y="6802722"/>
+            <a:ext cx="12801599" cy="110556"/>
+            <a:chOff x="-170626" y="0"/>
+            <a:chExt cx="13534857" cy="166915"/>
+          </a:xfrm>
+        </p:grpSpPr>
+        <p:sp>
+          <p:nvSpPr>
+            <p:cNvPr id="9" name="Parallelogram 8">
+              <a:extLst>
+                <a:ext uri="{FF2B5EF4-FFF2-40B4-BE49-F238E27FC236}">
+                  <a16:creationId xmlns:a16="http://schemas.microsoft.com/office/drawing/2014/main" id="{9296201A-B38A-4080-BBEB-16849839E6C1}"/>
+                </a:ext>
+              </a:extLst>
+            </p:cNvPr>
+            <p:cNvSpPr/>
+            <p:nvPr/>
+          </p:nvSpPr>
+          <p:spPr>
+            <a:xfrm>
+              <a:off x="-170626" y="0"/>
+              <a:ext cx="4511619" cy="166915"/>
+            </a:xfrm>
+            <a:prstGeom prst="parallelogram">
+              <a:avLst>
+                <a:gd name="adj" fmla="val 114362"/>
+              </a:avLst>
+            </a:prstGeom>
+            <a:solidFill>
+              <a:srgbClr val="016AA3"/>
+            </a:solidFill>
+            <a:ln>
+              <a:noFill/>
+            </a:ln>
+          </p:spPr>
+          <p:style>
+            <a:lnRef idx="2">
+              <a:schemeClr val="accent1">
+                <a:shade val="50000"/>
+              </a:schemeClr>
+            </a:lnRef>
+            <a:fillRef idx="1">
+              <a:schemeClr val="accent1"/>
+            </a:fillRef>
+            <a:effectRef idx="0">
+              <a:schemeClr val="accent1"/>
+            </a:effectRef>
+            <a:fontRef idx="minor">
+              <a:schemeClr val="lt1"/>
+            </a:fontRef>
+          </p:style>
+          <p:txBody>
+            <a:bodyPr rtlCol="0" anchor="ctr"/>
+            <a:lstStyle/>
+            <a:p>
+              <a:pPr algn="ctr"/>
+              <a:endParaRPr lang="en-US"/>
+            </a:p>
+          </p:txBody>
+        </p:sp>
+        <p:sp>
+          <p:nvSpPr>
+            <p:cNvPr id="10" name="Parallelogram 9">
+              <a:extLst>
+                <a:ext uri="{FF2B5EF4-FFF2-40B4-BE49-F238E27FC236}">
+                  <a16:creationId xmlns:a16="http://schemas.microsoft.com/office/drawing/2014/main" id="{764D65F5-FA5F-4FEA-8CF6-8F80840F9B32}"/>
+                </a:ext>
+              </a:extLst>
+            </p:cNvPr>
+            <p:cNvSpPr/>
+            <p:nvPr/>
+          </p:nvSpPr>
+          <p:spPr>
+            <a:xfrm>
+              <a:off x="4340993" y="0"/>
+              <a:ext cx="4511619" cy="166915"/>
+            </a:xfrm>
+            <a:prstGeom prst="parallelogram">
+              <a:avLst>
+                <a:gd name="adj" fmla="val 114362"/>
+              </a:avLst>
+            </a:prstGeom>
+            <a:solidFill>
+              <a:srgbClr val="46B688"/>
+            </a:solidFill>
+            <a:ln>
+              <a:noFill/>
+            </a:ln>
+          </p:spPr>
+          <p:style>
+            <a:lnRef idx="2">
+              <a:schemeClr val="accent1">
+                <a:shade val="50000"/>
+              </a:schemeClr>
+            </a:lnRef>
+            <a:fillRef idx="1">
+              <a:schemeClr val="accent1"/>
+            </a:fillRef>
+            <a:effectRef idx="0">
+              <a:schemeClr val="accent1"/>
+            </a:effectRef>
+            <a:fontRef idx="minor">
+              <a:schemeClr val="lt1"/>
+            </a:fontRef>
+          </p:style>
+          <p:txBody>
+            <a:bodyPr rtlCol="0" anchor="ctr"/>
+            <a:lstStyle/>
+            <a:p>
+              <a:pPr algn="ctr"/>
+              <a:endParaRPr lang="en-US"/>
+            </a:p>
+          </p:txBody>
+        </p:sp>
+        <p:sp>
+          <p:nvSpPr>
+            <p:cNvPr id="11" name="Parallelogram 10">
+              <a:extLst>
+                <a:ext uri="{FF2B5EF4-FFF2-40B4-BE49-F238E27FC236}">
+                  <a16:creationId xmlns:a16="http://schemas.microsoft.com/office/drawing/2014/main" id="{B9CB3069-1B27-475E-B8FB-77CD70CA59B9}"/>
+                </a:ext>
+              </a:extLst>
+            </p:cNvPr>
+            <p:cNvSpPr/>
+            <p:nvPr/>
+          </p:nvSpPr>
+          <p:spPr>
+            <a:xfrm>
+              <a:off x="8852612" y="0"/>
+              <a:ext cx="4511619" cy="166915"/>
+            </a:xfrm>
+            <a:prstGeom prst="parallelogram">
+              <a:avLst>
+                <a:gd name="adj" fmla="val 114362"/>
+              </a:avLst>
+            </a:prstGeom>
+            <a:solidFill>
+              <a:srgbClr val="FEA34F"/>
+            </a:solidFill>
+            <a:ln>
+              <a:noFill/>
+            </a:ln>
+          </p:spPr>
+          <p:style>
+            <a:lnRef idx="2">
+              <a:schemeClr val="accent1">
+                <a:shade val="50000"/>
+              </a:schemeClr>
+            </a:lnRef>
+            <a:fillRef idx="1">
+              <a:schemeClr val="accent1"/>
+            </a:fillRef>
+            <a:effectRef idx="0">
+              <a:schemeClr val="accent1"/>
+            </a:effectRef>
+            <a:fontRef idx="minor">
+              <a:schemeClr val="lt1"/>
+            </a:fontRef>
+          </p:style>
+          <p:txBody>
+            <a:bodyPr rtlCol="0" anchor="ctr"/>
+            <a:lstStyle/>
+            <a:p>
+              <a:pPr algn="ctr"/>
+              <a:endParaRPr lang="en-US"/>
+            </a:p>
+          </p:txBody>
+        </p:sp>
+      </p:grpSp>
     </p:spTree>
     <p:custDataLst>
       <p:custData r:id="rId1"/>
@@ -20545,7 +24454,7 @@
 </p:sld>
 </file>
 
-<file path=ppt/slides/slide6.xml><?xml version="1.0" encoding="utf-8"?>
+<file path=ppt/slides/slide8.xml><?xml version="1.0" encoding="utf-8"?>
 <p:sld xmlns:a="http://schemas.openxmlformats.org/drawingml/2006/main" xmlns:r="http://schemas.openxmlformats.org/officeDocument/2006/relationships" xmlns:p="http://schemas.openxmlformats.org/presentationml/2006/main">
   <p:cSld>
     <p:spTree>
@@ -20674,7 +24583,7 @@
           <p:nvPr>
             <p:extLst>
               <p:ext uri="{D42A27DB-BD31-4B8C-83A1-F6EECF244321}">
-                <p14:modId xmlns:p14="http://schemas.microsoft.com/office/powerpoint/2010/main" val="1194403140"/>
+                <p14:modId xmlns:p14="http://schemas.microsoft.com/office/powerpoint/2010/main" val="2869700594"/>
               </p:ext>
             </p:extLst>
           </p:nvPr>
@@ -20720,7 +24629,11 @@
                         <a:defRPr/>
                       </a:pPr>
                       <a:r>
-                        <a:rPr lang="en-US" sz="1600" b="1" i="1" dirty="0"/>
+                        <a:rPr lang="en-US" sz="1600" b="1" i="1" dirty="0">
+                          <a:solidFill>
+                            <a:srgbClr val="7030A0"/>
+                          </a:solidFill>
+                        </a:rPr>
                         <a:t>This is a Monolithic Architecture.</a:t>
                       </a:r>
                     </a:p>
@@ -20801,6 +24714,189 @@
           </a:graphicData>
         </a:graphic>
       </p:graphicFrame>
+      <p:grpSp>
+        <p:nvGrpSpPr>
+          <p:cNvPr id="9" name="Group 8">
+            <a:extLst>
+              <a:ext uri="{FF2B5EF4-FFF2-40B4-BE49-F238E27FC236}">
+                <a16:creationId xmlns:a16="http://schemas.microsoft.com/office/drawing/2014/main" id="{A8176D47-A6BF-47E5-BEC7-D35886946F77}"/>
+              </a:ext>
+            </a:extLst>
+          </p:cNvPr>
+          <p:cNvGrpSpPr/>
+          <p:nvPr/>
+        </p:nvGrpSpPr>
+        <p:grpSpPr>
+          <a:xfrm>
+            <a:off x="-308225" y="6802722"/>
+            <a:ext cx="12801599" cy="110556"/>
+            <a:chOff x="-170626" y="0"/>
+            <a:chExt cx="13534857" cy="166915"/>
+          </a:xfrm>
+        </p:grpSpPr>
+        <p:sp>
+          <p:nvSpPr>
+            <p:cNvPr id="10" name="Parallelogram 9">
+              <a:extLst>
+                <a:ext uri="{FF2B5EF4-FFF2-40B4-BE49-F238E27FC236}">
+                  <a16:creationId xmlns:a16="http://schemas.microsoft.com/office/drawing/2014/main" id="{AF85D178-711E-421C-B7CF-B393AFD6A01A}"/>
+                </a:ext>
+              </a:extLst>
+            </p:cNvPr>
+            <p:cNvSpPr/>
+            <p:nvPr/>
+          </p:nvSpPr>
+          <p:spPr>
+            <a:xfrm>
+              <a:off x="-170626" y="0"/>
+              <a:ext cx="4511619" cy="166915"/>
+            </a:xfrm>
+            <a:prstGeom prst="parallelogram">
+              <a:avLst>
+                <a:gd name="adj" fmla="val 114362"/>
+              </a:avLst>
+            </a:prstGeom>
+            <a:solidFill>
+              <a:srgbClr val="016AA3"/>
+            </a:solidFill>
+            <a:ln>
+              <a:noFill/>
+            </a:ln>
+          </p:spPr>
+          <p:style>
+            <a:lnRef idx="2">
+              <a:schemeClr val="accent1">
+                <a:shade val="50000"/>
+              </a:schemeClr>
+            </a:lnRef>
+            <a:fillRef idx="1">
+              <a:schemeClr val="accent1"/>
+            </a:fillRef>
+            <a:effectRef idx="0">
+              <a:schemeClr val="accent1"/>
+            </a:effectRef>
+            <a:fontRef idx="minor">
+              <a:schemeClr val="lt1"/>
+            </a:fontRef>
+          </p:style>
+          <p:txBody>
+            <a:bodyPr rtlCol="0" anchor="ctr"/>
+            <a:lstStyle/>
+            <a:p>
+              <a:pPr algn="ctr"/>
+              <a:endParaRPr lang="en-US"/>
+            </a:p>
+          </p:txBody>
+        </p:sp>
+        <p:sp>
+          <p:nvSpPr>
+            <p:cNvPr id="11" name="Parallelogram 10">
+              <a:extLst>
+                <a:ext uri="{FF2B5EF4-FFF2-40B4-BE49-F238E27FC236}">
+                  <a16:creationId xmlns:a16="http://schemas.microsoft.com/office/drawing/2014/main" id="{550ECEB0-9A2B-41E7-BCD9-0835DCE86C95}"/>
+                </a:ext>
+              </a:extLst>
+            </p:cNvPr>
+            <p:cNvSpPr/>
+            <p:nvPr/>
+          </p:nvSpPr>
+          <p:spPr>
+            <a:xfrm>
+              <a:off x="4340993" y="0"/>
+              <a:ext cx="4511619" cy="166915"/>
+            </a:xfrm>
+            <a:prstGeom prst="parallelogram">
+              <a:avLst>
+                <a:gd name="adj" fmla="val 114362"/>
+              </a:avLst>
+            </a:prstGeom>
+            <a:solidFill>
+              <a:srgbClr val="46B688"/>
+            </a:solidFill>
+            <a:ln>
+              <a:noFill/>
+            </a:ln>
+          </p:spPr>
+          <p:style>
+            <a:lnRef idx="2">
+              <a:schemeClr val="accent1">
+                <a:shade val="50000"/>
+              </a:schemeClr>
+            </a:lnRef>
+            <a:fillRef idx="1">
+              <a:schemeClr val="accent1"/>
+            </a:fillRef>
+            <a:effectRef idx="0">
+              <a:schemeClr val="accent1"/>
+            </a:effectRef>
+            <a:fontRef idx="minor">
+              <a:schemeClr val="lt1"/>
+            </a:fontRef>
+          </p:style>
+          <p:txBody>
+            <a:bodyPr rtlCol="0" anchor="ctr"/>
+            <a:lstStyle/>
+            <a:p>
+              <a:pPr algn="ctr"/>
+              <a:endParaRPr lang="en-US"/>
+            </a:p>
+          </p:txBody>
+        </p:sp>
+        <p:sp>
+          <p:nvSpPr>
+            <p:cNvPr id="12" name="Parallelogram 11">
+              <a:extLst>
+                <a:ext uri="{FF2B5EF4-FFF2-40B4-BE49-F238E27FC236}">
+                  <a16:creationId xmlns:a16="http://schemas.microsoft.com/office/drawing/2014/main" id="{90347CFA-6465-4F6D-8FE0-B78DF6128790}"/>
+                </a:ext>
+              </a:extLst>
+            </p:cNvPr>
+            <p:cNvSpPr/>
+            <p:nvPr/>
+          </p:nvSpPr>
+          <p:spPr>
+            <a:xfrm>
+              <a:off x="8852612" y="0"/>
+              <a:ext cx="4511619" cy="166915"/>
+            </a:xfrm>
+            <a:prstGeom prst="parallelogram">
+              <a:avLst>
+                <a:gd name="adj" fmla="val 114362"/>
+              </a:avLst>
+            </a:prstGeom>
+            <a:solidFill>
+              <a:srgbClr val="FEA34F"/>
+            </a:solidFill>
+            <a:ln>
+              <a:noFill/>
+            </a:ln>
+          </p:spPr>
+          <p:style>
+            <a:lnRef idx="2">
+              <a:schemeClr val="accent1">
+                <a:shade val="50000"/>
+              </a:schemeClr>
+            </a:lnRef>
+            <a:fillRef idx="1">
+              <a:schemeClr val="accent1"/>
+            </a:fillRef>
+            <a:effectRef idx="0">
+              <a:schemeClr val="accent1"/>
+            </a:effectRef>
+            <a:fontRef idx="minor">
+              <a:schemeClr val="lt1"/>
+            </a:fontRef>
+          </p:style>
+          <p:txBody>
+            <a:bodyPr rtlCol="0" anchor="ctr"/>
+            <a:lstStyle/>
+            <a:p>
+              <a:pPr algn="ctr"/>
+              <a:endParaRPr lang="en-US"/>
+            </a:p>
+          </p:txBody>
+        </p:sp>
+      </p:grpSp>
     </p:spTree>
     <p:custDataLst>
       <p:custData r:id="rId1"/>
@@ -20818,7 +24914,7 @@
 </p:sld>
 </file>
 
-<file path=ppt/slides/slide7.xml><?xml version="1.0" encoding="utf-8"?>
+<file path=ppt/slides/slide9.xml><?xml version="1.0" encoding="utf-8"?>
 <p:sld xmlns:a="http://schemas.openxmlformats.org/drawingml/2006/main" xmlns:r="http://schemas.openxmlformats.org/officeDocument/2006/relationships" xmlns:p="http://schemas.openxmlformats.org/presentationml/2006/main">
   <p:cSld>
     <p:spTree>
@@ -20939,7 +25035,7 @@
           <p:nvPr>
             <p:extLst>
               <p:ext uri="{D42A27DB-BD31-4B8C-83A1-F6EECF244321}">
-                <p14:modId xmlns:p14="http://schemas.microsoft.com/office/powerpoint/2010/main" val="1837216612"/>
+                <p14:modId xmlns:p14="http://schemas.microsoft.com/office/powerpoint/2010/main" val="4050298929"/>
               </p:ext>
             </p:extLst>
           </p:nvPr>
@@ -20971,7 +25067,11 @@
                         <a:buNone/>
                       </a:pPr>
                       <a:r>
-                        <a:rPr lang="en-US" sz="1600" dirty="0"/>
+                        <a:rPr lang="en-US" sz="1600" i="1" dirty="0">
+                          <a:solidFill>
+                            <a:srgbClr val="7030A0"/>
+                          </a:solidFill>
+                        </a:rPr>
                         <a:t>Positive Scenarios:</a:t>
                       </a:r>
                     </a:p>
@@ -21041,7 +25141,11 @@
                         <a:buNone/>
                       </a:pPr>
                       <a:r>
-                        <a:rPr lang="en-US" sz="1600" dirty="0"/>
+                        <a:rPr lang="en-US" sz="1600" i="1" dirty="0">
+                          <a:solidFill>
+                            <a:srgbClr val="7030A0"/>
+                          </a:solidFill>
+                        </a:rPr>
                         <a:t>Negative Scenarios:</a:t>
                       </a:r>
                     </a:p>
@@ -21159,11 +25263,206 @@
             </a:pPr>
             <a:r>
               <a:rPr lang="en-US" sz="1800" dirty="0"/>
-              <a:t>List of Test Cases: &lt;On High-Level&gt;</a:t>
+              <a:t>List of Test Cases: &lt;</a:t>
+            </a:r>
+            <a:r>
+              <a:rPr lang="en-US" sz="1800" i="1" dirty="0">
+                <a:solidFill>
+                  <a:srgbClr val="00B0F0"/>
+                </a:solidFill>
+              </a:rPr>
+              <a:t>On High-Level</a:t>
+            </a:r>
+            <a:r>
+              <a:rPr lang="en-US" sz="1800" dirty="0"/>
+              <a:t>&gt;</a:t>
             </a:r>
           </a:p>
         </p:txBody>
       </p:sp>
+      <p:grpSp>
+        <p:nvGrpSpPr>
+          <p:cNvPr id="9" name="Group 8">
+            <a:extLst>
+              <a:ext uri="{FF2B5EF4-FFF2-40B4-BE49-F238E27FC236}">
+                <a16:creationId xmlns:a16="http://schemas.microsoft.com/office/drawing/2014/main" id="{0E8020A0-D91A-465F-AA5B-602A601E08A2}"/>
+              </a:ext>
+            </a:extLst>
+          </p:cNvPr>
+          <p:cNvGrpSpPr/>
+          <p:nvPr/>
+        </p:nvGrpSpPr>
+        <p:grpSpPr>
+          <a:xfrm>
+            <a:off x="-308225" y="6802722"/>
+            <a:ext cx="12801599" cy="110556"/>
+            <a:chOff x="-170626" y="0"/>
+            <a:chExt cx="13534857" cy="166915"/>
+          </a:xfrm>
+        </p:grpSpPr>
+        <p:sp>
+          <p:nvSpPr>
+            <p:cNvPr id="10" name="Parallelogram 9">
+              <a:extLst>
+                <a:ext uri="{FF2B5EF4-FFF2-40B4-BE49-F238E27FC236}">
+                  <a16:creationId xmlns:a16="http://schemas.microsoft.com/office/drawing/2014/main" id="{BE07290C-5684-408B-9CB5-9AFAD84013EB}"/>
+                </a:ext>
+              </a:extLst>
+            </p:cNvPr>
+            <p:cNvSpPr/>
+            <p:nvPr/>
+          </p:nvSpPr>
+          <p:spPr>
+            <a:xfrm>
+              <a:off x="-170626" y="0"/>
+              <a:ext cx="4511619" cy="166915"/>
+            </a:xfrm>
+            <a:prstGeom prst="parallelogram">
+              <a:avLst>
+                <a:gd name="adj" fmla="val 114362"/>
+              </a:avLst>
+            </a:prstGeom>
+            <a:solidFill>
+              <a:srgbClr val="016AA3"/>
+            </a:solidFill>
+            <a:ln>
+              <a:noFill/>
+            </a:ln>
+          </p:spPr>
+          <p:style>
+            <a:lnRef idx="2">
+              <a:schemeClr val="accent1">
+                <a:shade val="50000"/>
+              </a:schemeClr>
+            </a:lnRef>
+            <a:fillRef idx="1">
+              <a:schemeClr val="accent1"/>
+            </a:fillRef>
+            <a:effectRef idx="0">
+              <a:schemeClr val="accent1"/>
+            </a:effectRef>
+            <a:fontRef idx="minor">
+              <a:schemeClr val="lt1"/>
+            </a:fontRef>
+          </p:style>
+          <p:txBody>
+            <a:bodyPr rtlCol="0" anchor="ctr"/>
+            <a:lstStyle/>
+            <a:p>
+              <a:pPr algn="ctr"/>
+              <a:endParaRPr lang="en-US"/>
+            </a:p>
+          </p:txBody>
+        </p:sp>
+        <p:sp>
+          <p:nvSpPr>
+            <p:cNvPr id="11" name="Parallelogram 10">
+              <a:extLst>
+                <a:ext uri="{FF2B5EF4-FFF2-40B4-BE49-F238E27FC236}">
+                  <a16:creationId xmlns:a16="http://schemas.microsoft.com/office/drawing/2014/main" id="{0E76D7B0-4B2C-49AE-890B-9F8C30451C5E}"/>
+                </a:ext>
+              </a:extLst>
+            </p:cNvPr>
+            <p:cNvSpPr/>
+            <p:nvPr/>
+          </p:nvSpPr>
+          <p:spPr>
+            <a:xfrm>
+              <a:off x="4340993" y="0"/>
+              <a:ext cx="4511619" cy="166915"/>
+            </a:xfrm>
+            <a:prstGeom prst="parallelogram">
+              <a:avLst>
+                <a:gd name="adj" fmla="val 114362"/>
+              </a:avLst>
+            </a:prstGeom>
+            <a:solidFill>
+              <a:srgbClr val="46B688"/>
+            </a:solidFill>
+            <a:ln>
+              <a:noFill/>
+            </a:ln>
+          </p:spPr>
+          <p:style>
+            <a:lnRef idx="2">
+              <a:schemeClr val="accent1">
+                <a:shade val="50000"/>
+              </a:schemeClr>
+            </a:lnRef>
+            <a:fillRef idx="1">
+              <a:schemeClr val="accent1"/>
+            </a:fillRef>
+            <a:effectRef idx="0">
+              <a:schemeClr val="accent1"/>
+            </a:effectRef>
+            <a:fontRef idx="minor">
+              <a:schemeClr val="lt1"/>
+            </a:fontRef>
+          </p:style>
+          <p:txBody>
+            <a:bodyPr rtlCol="0" anchor="ctr"/>
+            <a:lstStyle/>
+            <a:p>
+              <a:pPr algn="ctr"/>
+              <a:endParaRPr lang="en-US"/>
+            </a:p>
+          </p:txBody>
+        </p:sp>
+        <p:sp>
+          <p:nvSpPr>
+            <p:cNvPr id="12" name="Parallelogram 11">
+              <a:extLst>
+                <a:ext uri="{FF2B5EF4-FFF2-40B4-BE49-F238E27FC236}">
+                  <a16:creationId xmlns:a16="http://schemas.microsoft.com/office/drawing/2014/main" id="{ADE492E5-C05E-40E9-8748-1A1BAFE25014}"/>
+                </a:ext>
+              </a:extLst>
+            </p:cNvPr>
+            <p:cNvSpPr/>
+            <p:nvPr/>
+          </p:nvSpPr>
+          <p:spPr>
+            <a:xfrm>
+              <a:off x="8852612" y="0"/>
+              <a:ext cx="4511619" cy="166915"/>
+            </a:xfrm>
+            <a:prstGeom prst="parallelogram">
+              <a:avLst>
+                <a:gd name="adj" fmla="val 114362"/>
+              </a:avLst>
+            </a:prstGeom>
+            <a:solidFill>
+              <a:srgbClr val="FEA34F"/>
+            </a:solidFill>
+            <a:ln>
+              <a:noFill/>
+            </a:ln>
+          </p:spPr>
+          <p:style>
+            <a:lnRef idx="2">
+              <a:schemeClr val="accent1">
+                <a:shade val="50000"/>
+              </a:schemeClr>
+            </a:lnRef>
+            <a:fillRef idx="1">
+              <a:schemeClr val="accent1"/>
+            </a:fillRef>
+            <a:effectRef idx="0">
+              <a:schemeClr val="accent1"/>
+            </a:effectRef>
+            <a:fontRef idx="minor">
+              <a:schemeClr val="lt1"/>
+            </a:fontRef>
+          </p:style>
+          <p:txBody>
+            <a:bodyPr rtlCol="0" anchor="ctr"/>
+            <a:lstStyle/>
+            <a:p>
+              <a:pPr algn="ctr"/>
+              <a:endParaRPr lang="en-US"/>
+            </a:p>
+          </p:txBody>
+        </p:sp>
+      </p:grpSp>
     </p:spTree>
     <p:custDataLst>
       <p:custData r:id="rId1"/>
@@ -21172,274 +25471,6 @@
     <p:extLst>
       <p:ext uri="{BB962C8B-B14F-4D97-AF65-F5344CB8AC3E}">
         <p14:creationId xmlns:p14="http://schemas.microsoft.com/office/powerpoint/2010/main" val="3800689167"/>
-      </p:ext>
-    </p:extLst>
-  </p:cSld>
-  <p:clrMapOvr>
-    <a:masterClrMapping/>
-  </p:clrMapOvr>
-</p:sld>
-</file>
-
-<file path=ppt/slides/slide8.xml><?xml version="1.0" encoding="utf-8"?>
-<p:sld xmlns:a="http://schemas.openxmlformats.org/drawingml/2006/main" xmlns:r="http://schemas.openxmlformats.org/officeDocument/2006/relationships" xmlns:p="http://schemas.openxmlformats.org/presentationml/2006/main">
-  <p:cSld>
-    <p:spTree>
-      <p:nvGrpSpPr>
-        <p:cNvPr id="1" name=""/>
-        <p:cNvGrpSpPr/>
-        <p:nvPr/>
-      </p:nvGrpSpPr>
-      <p:grpSpPr>
-        <a:xfrm>
-          <a:off x="0" y="0"/>
-          <a:ext cx="0" cy="0"/>
-          <a:chOff x="0" y="0"/>
-          <a:chExt cx="0" cy="0"/>
-        </a:xfrm>
-      </p:grpSpPr>
-      <p:sp>
-        <p:nvSpPr>
-          <p:cNvPr id="4" name="Title 3">
-            <a:extLst>
-              <a:ext uri="{FF2B5EF4-FFF2-40B4-BE49-F238E27FC236}">
-                <a16:creationId xmlns:a16="http://schemas.microsoft.com/office/drawing/2014/main" id="{EA7D4468-58D5-40D1-8182-8FDBCEF777E1}"/>
-              </a:ext>
-            </a:extLst>
-          </p:cNvPr>
-          <p:cNvSpPr>
-            <a:spLocks noGrp="1"/>
-          </p:cNvSpPr>
-          <p:nvPr>
-            <p:ph type="title"/>
-          </p:nvPr>
-        </p:nvSpPr>
-        <p:spPr>
-          <a:xfrm>
-            <a:off x="284492" y="92302"/>
-            <a:ext cx="10521950" cy="513873"/>
-          </a:xfrm>
-        </p:spPr>
-        <p:txBody>
-          <a:bodyPr/>
-          <a:lstStyle/>
-          <a:p>
-            <a:r>
-              <a:rPr lang="en-US" dirty="0"/>
-              <a:t>Application Verification Results</a:t>
-            </a:r>
-          </a:p>
-        </p:txBody>
-      </p:sp>
-      <p:sp>
-        <p:nvSpPr>
-          <p:cNvPr id="8" name="TextBox 7">
-            <a:extLst>
-              <a:ext uri="{FF2B5EF4-FFF2-40B4-BE49-F238E27FC236}">
-                <a16:creationId xmlns:a16="http://schemas.microsoft.com/office/drawing/2014/main" id="{CABD2085-481A-4BB3-A1FC-23DD137D49A6}"/>
-              </a:ext>
-            </a:extLst>
-          </p:cNvPr>
-          <p:cNvSpPr txBox="1"/>
-          <p:nvPr/>
-        </p:nvSpPr>
-        <p:spPr>
-          <a:xfrm>
-            <a:off x="587338" y="1165720"/>
-            <a:ext cx="7580615" cy="373559"/>
-          </a:xfrm>
-          <a:prstGeom prst="rect">
-            <a:avLst/>
-          </a:prstGeom>
-        </p:spPr>
-        <p:txBody>
-          <a:bodyPr vert="horz" wrap="none" lIns="72000" tIns="36000" rIns="72000" bIns="36000" rtlCol="0" anchor="t">
-            <a:noAutofit/>
-          </a:bodyPr>
-          <a:lstStyle/>
-          <a:p>
-            <a:pPr marL="0" indent="0" algn="l">
-              <a:buNone/>
-            </a:pPr>
-            <a:r>
-              <a:rPr lang="en-US" sz="1800" dirty="0"/>
-              <a:t>#1 All the 3 services are up and are visible in the spring Eureka server.</a:t>
-            </a:r>
-          </a:p>
-        </p:txBody>
-      </p:sp>
-      <p:pic>
-        <p:nvPicPr>
-          <p:cNvPr id="9" name="Picture 8">
-            <a:extLst>
-              <a:ext uri="{FF2B5EF4-FFF2-40B4-BE49-F238E27FC236}">
-                <a16:creationId xmlns:a16="http://schemas.microsoft.com/office/drawing/2014/main" id="{883892C2-A7FC-4D3F-A91E-551E0BCBA346}"/>
-              </a:ext>
-            </a:extLst>
-          </p:cNvPr>
-          <p:cNvPicPr>
-            <a:picLocks noChangeAspect="1"/>
-          </p:cNvPicPr>
-          <p:nvPr/>
-        </p:nvPicPr>
-        <p:blipFill>
-          <a:blip r:embed="rId4"/>
-          <a:stretch>
-            <a:fillRect/>
-          </a:stretch>
-        </p:blipFill>
-        <p:spPr>
-          <a:xfrm>
-            <a:off x="678094" y="1633590"/>
-            <a:ext cx="9452226" cy="4780947"/>
-          </a:xfrm>
-          <a:prstGeom prst="rect">
-            <a:avLst/>
-          </a:prstGeom>
-        </p:spPr>
-      </p:pic>
-    </p:spTree>
-    <p:custDataLst>
-      <p:custData r:id="rId1"/>
-      <p:custData r:id="rId2"/>
-    </p:custDataLst>
-    <p:extLst>
-      <p:ext uri="{BB962C8B-B14F-4D97-AF65-F5344CB8AC3E}">
-        <p14:creationId xmlns:p14="http://schemas.microsoft.com/office/powerpoint/2010/main" val="165125624"/>
-      </p:ext>
-    </p:extLst>
-  </p:cSld>
-  <p:clrMapOvr>
-    <a:masterClrMapping/>
-  </p:clrMapOvr>
-</p:sld>
-</file>
-
-<file path=ppt/slides/slide9.xml><?xml version="1.0" encoding="utf-8"?>
-<p:sld xmlns:a="http://schemas.openxmlformats.org/drawingml/2006/main" xmlns:r="http://schemas.openxmlformats.org/officeDocument/2006/relationships" xmlns:p="http://schemas.openxmlformats.org/presentationml/2006/main">
-  <p:cSld>
-    <p:spTree>
-      <p:nvGrpSpPr>
-        <p:cNvPr id="1" name=""/>
-        <p:cNvGrpSpPr/>
-        <p:nvPr/>
-      </p:nvGrpSpPr>
-      <p:grpSpPr>
-        <a:xfrm>
-          <a:off x="0" y="0"/>
-          <a:ext cx="0" cy="0"/>
-          <a:chOff x="0" y="0"/>
-          <a:chExt cx="0" cy="0"/>
-        </a:xfrm>
-      </p:grpSpPr>
-      <p:sp>
-        <p:nvSpPr>
-          <p:cNvPr id="4" name="Title 3">
-            <a:extLst>
-              <a:ext uri="{FF2B5EF4-FFF2-40B4-BE49-F238E27FC236}">
-                <a16:creationId xmlns:a16="http://schemas.microsoft.com/office/drawing/2014/main" id="{EA7D4468-58D5-40D1-8182-8FDBCEF777E1}"/>
-              </a:ext>
-            </a:extLst>
-          </p:cNvPr>
-          <p:cNvSpPr>
-            <a:spLocks noGrp="1"/>
-          </p:cNvSpPr>
-          <p:nvPr>
-            <p:ph type="title"/>
-          </p:nvPr>
-        </p:nvSpPr>
-        <p:spPr>
-          <a:xfrm>
-            <a:off x="284492" y="92302"/>
-            <a:ext cx="10521950" cy="513873"/>
-          </a:xfrm>
-        </p:spPr>
-        <p:txBody>
-          <a:bodyPr/>
-          <a:lstStyle/>
-          <a:p>
-            <a:r>
-              <a:rPr lang="en-US" dirty="0"/>
-              <a:t>Application Verification Results</a:t>
-            </a:r>
-          </a:p>
-        </p:txBody>
-      </p:sp>
-      <p:sp>
-        <p:nvSpPr>
-          <p:cNvPr id="8" name="TextBox 7">
-            <a:extLst>
-              <a:ext uri="{FF2B5EF4-FFF2-40B4-BE49-F238E27FC236}">
-                <a16:creationId xmlns:a16="http://schemas.microsoft.com/office/drawing/2014/main" id="{CABD2085-481A-4BB3-A1FC-23DD137D49A6}"/>
-              </a:ext>
-            </a:extLst>
-          </p:cNvPr>
-          <p:cNvSpPr txBox="1"/>
-          <p:nvPr/>
-        </p:nvSpPr>
-        <p:spPr>
-          <a:xfrm>
-            <a:off x="587338" y="1165720"/>
-            <a:ext cx="7580615" cy="373559"/>
-          </a:xfrm>
-          <a:prstGeom prst="rect">
-            <a:avLst/>
-          </a:prstGeom>
-        </p:spPr>
-        <p:txBody>
-          <a:bodyPr vert="horz" wrap="none" lIns="72000" tIns="36000" rIns="72000" bIns="36000" rtlCol="0" anchor="t">
-            <a:noAutofit/>
-          </a:bodyPr>
-          <a:lstStyle/>
-          <a:p>
-            <a:pPr marL="0" indent="0">
-              <a:buNone/>
-            </a:pPr>
-            <a:r>
-              <a:rPr lang="en-US" sz="1800" dirty="0"/>
-              <a:t>#2 Customer information against a valid “Customer Id” using Service 1.</a:t>
-            </a:r>
-          </a:p>
-        </p:txBody>
-      </p:sp>
-      <p:pic>
-        <p:nvPicPr>
-          <p:cNvPr id="3" name="Picture 2">
-            <a:extLst>
-              <a:ext uri="{FF2B5EF4-FFF2-40B4-BE49-F238E27FC236}">
-                <a16:creationId xmlns:a16="http://schemas.microsoft.com/office/drawing/2014/main" id="{78BB000C-E761-4120-B60F-10CA9F004F48}"/>
-              </a:ext>
-            </a:extLst>
-          </p:cNvPr>
-          <p:cNvPicPr>
-            <a:picLocks noChangeAspect="1"/>
-          </p:cNvPicPr>
-          <p:nvPr/>
-        </p:nvPicPr>
-        <p:blipFill>
-          <a:blip r:embed="rId4"/>
-          <a:stretch>
-            <a:fillRect/>
-          </a:stretch>
-        </p:blipFill>
-        <p:spPr>
-          <a:xfrm>
-            <a:off x="873454" y="1539279"/>
-            <a:ext cx="9344025" cy="4581525"/>
-          </a:xfrm>
-          <a:prstGeom prst="rect">
-            <a:avLst/>
-          </a:prstGeom>
-        </p:spPr>
-      </p:pic>
-    </p:spTree>
-    <p:custDataLst>
-      <p:custData r:id="rId1"/>
-      <p:custData r:id="rId2"/>
-    </p:custDataLst>
-    <p:extLst>
-      <p:ext uri="{BB962C8B-B14F-4D97-AF65-F5344CB8AC3E}">
-        <p14:creationId xmlns:p14="http://schemas.microsoft.com/office/powerpoint/2010/main" val="3108338927"/>
       </p:ext>
     </p:extLst>
   </p:cSld>
@@ -22379,6 +26410,213 @@
 </file>
 
 <file path=customXml/item10.xml><?xml version="1.0" encoding="utf-8"?>
+<TemplafySlideTemplateConfiguration><![CDATA[{"documentContentValidatorConfiguration":{"enableDocumentContentValidator":false,"documentContentValidatorVersion":0},"elementsMetadata":[],"slideId":"637037983905221558","enableDocumentContentUpdater":true,"version":"1.9"}]]></TemplafySlideTemplateConfiguration>
+</file>
+
+<file path=customXml/item11.xml><?xml version="1.0" encoding="utf-8"?>
+<p:properties xmlns:p="http://schemas.microsoft.com/office/2006/metadata/properties" xmlns:xsi="http://www.w3.org/2001/XMLSchema-instance" xmlns:pc="http://schemas.microsoft.com/office/infopath/2007/PartnerControls">
+  <documentManagement/>
+</p:properties>
+</file>
+
+<file path=customXml/item12.xml><?xml version="1.0" encoding="utf-8"?>
+<TemplafyTemplateConfiguration><![CDATA[{"elementsMetadata":[{"type":"shape","id":"d89929bb-4e06-4762-98cc-52c29ac5c103","elementConfiguration":{"binding":"Form.LogoInsertion.Pplogoname","inheritDimensions":"inheritNone","height":"1.34 cm","disableUpdates":false,"type":"image"}}],"transformationConfigurations":[{"language":"{{DocumentLanguage}}","disableUpdates":false,"type":"proofingLanguage"},{"propertyName":"FooterText","propertyValue":"true","disableUpdates":false,"type":"customDocumentProperty"},{"propertyName":"SecurityClass","propertyValue":"{{Form.ConfidentialityClass.Confidentiality}}","disableUpdates":false,"type":"customDocumentProperty"},{"propertyName":"ExtConf","propertyValue":"{{Form.ExternalConfidentialityLabel.ExternalConfidentiality}}","disableUpdates":false,"type":"customDocumentProperty"},{"propertyName":"Prepared","propertyValue":"{{Form.Prepared}}","disableUpdates":false,"type":"customDocumentProperty"},{"propertyName":"ApprovedBy","propertyValue":"{{Form.ApprovedBy}}","disableUpdates":false,"type":"customDocumentProperty"},{"propertyName":"DocNo","propertyValue":"{{Form.DocumentNumber}} {{Form.LanguageCode.LanguageCode}}","disableUpdates":false,"type":"customDocumentProperty"},{"propertyName":"Checked","propertyValue":"{{Form.Checked}}","disableUpdates":false,"type":"customDocumentProperty"},{"propertyName":"Date","propertyValue":"{{Form.Date}}","disableUpdates":false,"type":"customDocumentProperty"},{"propertyName":"Reference","propertyValue":"{{Form.Reference}}","disableUpdates":false,"type":"customDocumentProperty"},{"propertyName":"Title","propertyValue":"{{Form.DocumentTitle}}","disableUpdates":false,"type":"customDocumentProperty"},{"propertyName":"Keyword","propertyValue":"{{Form.Keywords}}","disableUpdates":false,"type":"customDocumentProperty"},{"propertyName":"DocumentType","propertyValue":"Presentation2011","disableUpdates":false,"type":"customDocumentProperty"},{"propertyName":"Language","propertyValue":"EnglishUS","disableUpdates":false,"type":"customDocumentProperty"},{"propertyName":"TemplateID","propertyValue":"FALSE","disableUpdates":false,"type":"customDocumentProperty"},{"propertyName":"ConfCtrl","propertyValue":"FALSE","disableUpdates":false,"type":"customDocumentProperty"},{"propertyName":"title","propertyValue":"{{Form.DocumentTitle}}","disableUpdates":false,"type":"documentProperty"},{"propertyName":"keywords","propertyValue":"{{Form.Keywords}}","disableUpdates":false,"type":"documentProperty"},{"propertyName":"creator","propertyValue":"{{Form.Prepared}}","disableUpdates":false,"type":"documentProperty"},{"propertyName":"DocTitle","propertyValue":"{{Form.DocTitle.DocTitle}}","disableUpdates":false,"type":"customDocumentProperty"},{"propertyName":"IsDocument","propertyValue":"{{Form.TemplateType.IsDocument}}","disableUpdates":false,"type":"customDocumentProperty"},{"propertyName":"IsPresentation","propertyValue":"{{Form.TemplateType.IsPresentation}}","disableUpdates":false,"type":"customDocumentProperty"},{"propertyName":"company","propertyValue":"Ericsson","disableUpdates":false,"type":"documentProperty"},{"propertyName":"PageNumberVisible","propertyValue":"{{Form.TotalPageNo.TotalPageNo_value}}","disableUpdates":false,"type":"customDocumentProperty"},{"propertyName":"Revision","propertyValue":"{{Form.Revision}}","disableUpdates":false,"type":"customDocumentProperty"},{"propertyName":"DocType","propertyValue":"{{Form.DocTypePresentation}}","disableUpdates":false,"type":"customDocumentProperty"},{"propertyName":"TemplateVersion","propertyValue":"R2A","disableUpdates":false,"type":"customDocumentProperty"},{"propertyName":"PackageNo","propertyValue":"LXA 119 603","disableUpdates":false,"type":"customDocumentProperty"},{"propertyName":"PackageVersion","propertyValue":"R6B","disableUpdates":false,"type":"customDocumentProperty"},{"propertyName":"TemplateName","propertyValue":"CXC 173 2731/1","disableUpdates":false,"type":"customDocumentProperty"},{"propertyName":"DocName","propertyValue":" ","disableUpdates":false,"type":"customDocumentProperty"},{"propertyName":"description","propertyValue":"{{Form.DocumentNumber}} {{Form.LanguageCode.LanguageCode}}\nRev {{Form.Revision}}","disableUpdates":false,"type":"documentProperty"}],"templateName":"Standard landscape","templateDescription":"","enableDocumentContentUpdater":true,"version":"1.9"}]]></TemplafyTemplateConfiguration>
+</file>
+
+<file path=customXml/item13.xml><?xml version="1.0" encoding="utf-8"?>
+<TemplafySlideTemplateConfiguration><![CDATA[{"documentContentValidatorConfiguration":{"enableDocumentContentValidator":false,"documentContentValidatorVersion":0},"elementsMetadata":[],"slideId":"637037983905678162","enableDocumentContentUpdater":true,"version":"1.9"}]]></TemplafySlideTemplateConfiguration>
+</file>
+
+<file path=customXml/item14.xml><?xml version="1.0" encoding="utf-8"?>
+<TemplafySlideTemplateConfiguration><![CDATA[{"documentContentValidatorConfiguration":{"enableDocumentContentValidator":false,"documentContentValidatorVersion":0},"elementsMetadata":[],"slideId":"637037983905221558","enableDocumentContentUpdater":true,"version":"1.9"}]]></TemplafySlideTemplateConfiguration>
+</file>
+
+<file path=customXml/item15.xml><?xml version="1.0" encoding="utf-8"?>
+<TemplafySlideTemplateConfiguration><![CDATA[{"documentContentValidatorConfiguration":{"enableDocumentContentValidator":false,"documentContentValidatorVersion":0},"elementsMetadata":[],"slideId":"637037983905221558","enableDocumentContentUpdater":true,"version":"1.9"}]]></TemplafySlideTemplateConfiguration>
+</file>
+
+<file path=customXml/item16.xml><?xml version="1.0" encoding="utf-8"?>
+<TemplafySlideFormConfiguration><![CDATA[{"formFields":[],"formDataEntries":[]}]]></TemplafySlideFormConfiguration>
+</file>
+
+<file path=customXml/item17.xml><?xml version="1.0" encoding="utf-8"?>
+<TemplafySlideFormConfiguration><![CDATA[{"formFields":[],"formDataEntries":[]}]]></TemplafySlideFormConfiguration>
+</file>
+
+<file path=customXml/item18.xml><?xml version="1.0" encoding="utf-8"?>
+<TemplafySlideTemplateConfiguration><![CDATA[{"documentContentValidatorConfiguration":{"enableDocumentContentValidator":false,"documentContentValidatorVersion":0},"elementsMetadata":[],"slideId":"637037983905221558","enableDocumentContentUpdater":true,"version":"1.9"}]]></TemplafySlideTemplateConfiguration>
+</file>
+
+<file path=customXml/item19.xml><?xml version="1.0" encoding="utf-8"?>
+<TemplafySlideFormConfiguration><![CDATA[{"formFields":[],"formDataEntries":[]}]]></TemplafySlideFormConfiguration>
+</file>
+
+<file path=customXml/item2.xml><?xml version="1.0" encoding="utf-8"?>
+<TemplafySlideFormConfiguration><![CDATA[{"formFields":[],"formDataEntries":[]}]]></TemplafySlideFormConfiguration>
+</file>
+
+<file path=customXml/item20.xml><?xml version="1.0" encoding="utf-8"?>
+<TemplafySlideFormConfiguration><![CDATA[{"formFields":[],"formDataEntries":[]}]]></TemplafySlideFormConfiguration>
+</file>
+
+<file path=customXml/item21.xml><?xml version="1.0" encoding="utf-8"?>
+<TemplafySlideTemplateConfiguration><![CDATA[{"documentContentValidatorConfiguration":{"enableDocumentContentValidator":false,"documentContentValidatorVersion":0},"elementsMetadata":[],"slideId":"637037983905221558","enableDocumentContentUpdater":true,"version":"1.9"}]]></TemplafySlideTemplateConfiguration>
+</file>
+
+<file path=customXml/item22.xml><?xml version="1.0" encoding="utf-8"?>
+<TemplafySlideTemplateConfiguration><![CDATA[{"documentContentValidatorConfiguration":{"enableDocumentContentValidator":false,"documentContentValidatorVersion":0},"elementsMetadata":[],"slideId":"637037983905221558","enableDocumentContentUpdater":true,"version":"1.9"}]]></TemplafySlideTemplateConfiguration>
+</file>
+
+<file path=customXml/item23.xml><?xml version="1.0" encoding="utf-8"?>
+<?mso-contentType ?>
+<FormTemplates xmlns="http://schemas.microsoft.com/sharepoint/v3/contenttype/forms">
+  <Display>DocumentLibraryForm</Display>
+  <Edit>DocumentLibraryForm</Edit>
+  <New>DocumentLibraryForm</New>
+</FormTemplates>
+</file>
+
+<file path=customXml/item24.xml><?xml version="1.0" encoding="utf-8"?>
+<TemplafySlideTemplateConfiguration><![CDATA[{"documentContentValidatorConfiguration":{"enableDocumentContentValidator":false,"documentContentValidatorVersion":0},"elementsMetadata":[],"slideId":"637037983905221558","enableDocumentContentUpdater":true,"version":"1.9"}]]></TemplafySlideTemplateConfiguration>
+</file>
+
+<file path=customXml/item25.xml><?xml version="1.0" encoding="utf-8"?>
+<TemplafySlideFormConfiguration><![CDATA[{"formFields":[],"formDataEntries":[]}]]></TemplafySlideFormConfiguration>
+</file>
+
+<file path=customXml/item26.xml><?xml version="1.0" encoding="utf-8"?>
+<TemplafySlideTemplateConfiguration><![CDATA[{"documentContentValidatorConfiguration":{"enableDocumentContentValidator":false,"documentContentValidatorVersion":0},"elementsMetadata":[],"slideId":"637037983905221558","enableDocumentContentUpdater":true,"version":"1.9"}]]></TemplafySlideTemplateConfiguration>
+</file>
+
+<file path=customXml/item27.xml><?xml version="1.0" encoding="utf-8"?>
+<TemplafySlideTemplateConfiguration><![CDATA[{"documentContentValidatorConfiguration":{"enableDocumentContentValidator":false,"documentContentValidatorVersion":0},"elementsMetadata":[],"slideId":"637037983905221557","enableDocumentContentUpdater":true,"version":"1.9"}]]></TemplafySlideTemplateConfiguration>
+</file>
+
+<file path=customXml/item28.xml><?xml version="1.0" encoding="utf-8"?>
+<TemplafySlideTemplateConfiguration><![CDATA[{"documentContentValidatorConfiguration":{"enableDocumentContentValidator":false,"documentContentValidatorVersion":0},"elementsMetadata":[],"slideId":"637037983905221558","enableDocumentContentUpdater":true,"version":"1.9"}]]></TemplafySlideTemplateConfiguration>
+</file>
+
+<file path=customXml/item29.xml><?xml version="1.0" encoding="utf-8"?>
+<TemplafySlideFormConfiguration><![CDATA[{"formFields":[],"formDataEntries":[]}]]></TemplafySlideFormConfiguration>
+</file>
+
+<file path=customXml/item3.xml><?xml version="1.0" encoding="utf-8"?>
+<TemplafySlideTemplateConfiguration><![CDATA[{"documentContentValidatorConfiguration":{"enableDocumentContentValidator":false,"documentContentValidatorVersion":0},"elementsMetadata":[],"slideId":"637037983905221558","enableDocumentContentUpdater":true,"version":"1.9"}]]></TemplafySlideTemplateConfiguration>
+</file>
+
+<file path=customXml/item30.xml><?xml version="1.0" encoding="utf-8"?>
+<TemplafySlideTemplateConfiguration><![CDATA[{"documentContentValidatorConfiguration":{"enableDocumentContentValidator":false,"documentContentValidatorVersion":0},"elementsMetadata":[],"slideId":"637037983905221558","enableDocumentContentUpdater":true,"version":"1.9"}]]></TemplafySlideTemplateConfiguration>
+</file>
+
+<file path=customXml/item31.xml><?xml version="1.0" encoding="utf-8"?>
+<TemplafyFormConfiguration><![CDATA[{"formFields":[{"required":true,"placeholder":"","lines":0,"type":"textBox","name":"DocumentTitle","label":"Document Title","helpTexts":{"prefix":"","postfix":""},"spacing":{},"fullyQualifiedName":"DocumentTitle"},{"dataSource":"Confidentiality","displayColumn":"confidentiality","hideIfNoUserInteractionRequired":false,"distinct":true,"required":true,"autoSelectFirstOption":false,"type":"dropDown","name":"ConfidentialityClass","label":"Confidentiality Class","helpTexts":{"prefix":"","postfix":""},"spacing":{},"fullyQualifiedName":"ConfidentialityClass"},{"dataSource":"External Confidentiality label","displayColumn":"externalConfidentiality","hideIfNoUserInteractionRequired":false,"distinct":true,"required":false,"autoSelectFirstOption":false,"defaultValue":"1","type":"dropDown","name":"ExternalConfidentialityLabel","label":"External Confidentiality label","helpTexts":{"prefix":"","postfix":"If no external confidentiality class then please choose the blank value"},"spacing":{},"fullyQualifiedName":"ExternalConfidentialityLabel"},{"dataSource":"PowerPoint Document Type","column":"documentType","required":false,"placeholder":"","autoSelectFirstOption":false,"type":"comboBox","name":"DocTypePresentation","label":"Document Type Presentation","helpTexts":{"prefix":"","postfix":"If the document type differs from the default value, click on the X to delete and type/choose another type."},"spacing":{},"fullyQualifiedName":"DocTypePresentation"},{"required":false,"placeholder":"","lines":0,"type":"textBox","name":"DocumentNumber","label":"Document Number","helpTexts":{"prefix":"","postfix":""},"spacing":{},"fullyQualifiedName":"DocumentNumber"},{"dataSource":"Language code","displayColumn":"showName","hideIfNoUserInteractionRequired":false,"distinct":true,"required":false,"autoSelectFirstOption":false,"defaultValue":"1","type":"dropDown","name":"LanguageCode","label":"Language Code","helpTexts":{"prefix":"","postfix":"The language code will be appended to the Document No."},"spacing":{},"fullyQualifiedName":"LanguageCode"},{"dataSource":"Revision","column":"revision","required":false,"placeholder":"","autoSelectFirstOption":false,"type":"comboBox","name":"Revision","label":"Revision","helpTexts":{"prefix":"","postfix":""},"spacing":{},"fullyQualifiedName":"Revision"},{"required":false,"type":"datePicker","name":"Date","label":"Date","helpTexts":{"prefix":"","postfix":""},"spacing":{},"fullyQualifiedName":"Date"},{"type":"heading","name":"FooterVisibilityOptions","label":"Footer Visibility Options","helpTexts":{"prefix":"","postfix":""},"spacing":{},"fullyQualifiedName":"FooterVisibilityOptions"},{"dataSource":"PPT FooterVisibility","displayColumn":"templateType","hideIfNoUserInteractionRequired":false,"distinct":true,"required":true,"autoSelectFirstOption":false,"defaultValue":"1","type":"dropDown","name":"TemplateType","label":"Is this a document or presentation?","helpTexts":{"prefix":"","postfix":""},"spacing":{},"fullyQualifiedName":"TemplateType"},{"dataSource":"PPT FooterVisibility","displayColumn":"docTitle_label","hideIfNoUserInteractionRequired":false,"distinct":true,"required":false,"autoSelectFirstOption":true,"filter":{"column":"templateType","otherFieldName":"TemplateType","fullyQualifiedOtherFieldName":"TemplateType","otherFieldColumn":"TemplateType","formReference":"none","operator":"equals"},"type":"dropDown","name":"DocTitle","label":"Show document title in footer?","helpTexts":{"prefix":"","postfix":""},"spacing":{},"fullyQualifiedName":"DocTitle"},{"dataSource":"PPT FooterVisibility","displayColumn":"totalPageNo_text","hideIfNoUserInteractionRequired":false,"distinct":true,"required":false,"autoSelectFirstOption":true,"filter":{"column":"templateType","otherFieldName":"TemplateType","fullyQualifiedOtherFieldName":"TemplateType","otherFieldColumn":"TemplateType","formReference":"none","operator":"equals"},"type":"dropDown","name":"TotalPageNo","label":"Page numbering","helpTexts":{"prefix":"","postfix":""},"spacing":{},"fullyQualifiedName":"TotalPageNo"},{"required":false,"placeholder":"","lines":0,"defaultValue":"{{UserProfile.Prepared}}","type":"textBox","name":"Prepared","label":"Prepared By (Subject Responsible)","helpTexts":{"prefix":"","postfix":""},"spacing":{},"fullyQualifiedName":"Prepared"},{"required":false,"placeholder":"","lines":0,"type":"textBox","name":"ApprovedBy","label":"Approved By (Document Responsible)","helpTexts":{"prefix":"","postfix":""},"spacing":{},"fullyQualifiedName":"ApprovedBy"},{"required":false,"placeholder":"","lines":0,"type":"textBox","name":"Checked","label":"Checked","helpTexts":{"prefix":"","postfix":""},"spacing":{},"fullyQualifiedName":"Checked"},{"required":false,"placeholder":"","lines":0,"type":"textBox","name":"Reference","label":"Reference","helpTexts":{"prefix":"","postfix":""},"spacing":{},"fullyQualifiedName":"Reference"},{"required":false,"placeholder":"","lines":0,"type":"textBox","name":"Keywords","label":"Keywords","helpTexts":{"prefix":"","postfix":""},"spacing":{},"fullyQualifiedName":"Keywords"}],"formDataEntries":[{"name":"DocumentTitle","value":"cphpHFlWHVi/hOLtniQh1aBPYIR/AaE9QbbfhC0y1F8="},{"name":"ConfidentialityClass","value":"PxVEvJY8nE7m/hY9622Sng=="},{"name":"ExternalConfidentialityLabel","value":"5wlu7ZdPxHQj1W0w+yTNSg=="},{"name":"LanguageCode","value":"5wlu7ZdPxHQj1W0w+yTNSg=="},{"name":"Date","value":"X/KcS/SLiGScaUuFag44ug=="},{"name":"TemplateType","value":"5wlu7ZdPxHQj1W0w+yTNSg=="},{"name":"DocTitle","value":"5wlu7ZdPxHQj1W0w+yTNSg=="},{"name":"TotalPageNo","value":"5wlu7ZdPxHQj1W0w+yTNSg=="},{"name":"Prepared","value":"HrIrmeCpDkLBtg+ddS/H+U58vvGTYxAWCvR2E3vOs4o="}]}]]></TemplafyFormConfiguration>
+</file>
+
+<file path=customXml/item32.xml><?xml version="1.0" encoding="utf-8"?>
+<TemplafySlideFormConfiguration><![CDATA[{"formFields":[],"formDataEntries":[]}]]></TemplafySlideFormConfiguration>
+</file>
+
+<file path=customXml/item33.xml><?xml version="1.0" encoding="utf-8"?>
+<TemplafySlideTemplateConfiguration><![CDATA[{"documentContentValidatorConfiguration":{"enableDocumentContentValidator":false,"documentContentValidatorVersion":0},"elementsMetadata":[],"slideId":"637037983905221558","enableDocumentContentUpdater":true,"version":"1.9"}]]></TemplafySlideTemplateConfiguration>
+</file>
+
+<file path=customXml/item34.xml><?xml version="1.0" encoding="utf-8"?>
+<TemplafySlideFormConfiguration><![CDATA[{"formFields":[],"formDataEntries":[]}]]></TemplafySlideFormConfiguration>
+</file>
+
+<file path=customXml/item35.xml><?xml version="1.0" encoding="utf-8"?>
+<TemplafySlideTemplateConfiguration><![CDATA[{"documentContentValidatorConfiguration":{"enableDocumentContentValidator":false,"documentContentValidatorVersion":0},"elementsMetadata":[],"slideId":"637037983905221558","enableDocumentContentUpdater":true,"version":"1.9"}]]></TemplafySlideTemplateConfiguration>
+</file>
+
+<file path=customXml/item36.xml><?xml version="1.0" encoding="utf-8"?>
+<TemplafySlideTemplateConfiguration><![CDATA[{"documentContentValidatorConfiguration":{"enableDocumentContentValidator":false,"documentContentValidatorVersion":0},"elementsMetadata":[],"slideId":"637037983905221558","enableDocumentContentUpdater":true,"version":"1.9"}]]></TemplafySlideTemplateConfiguration>
+</file>
+
+<file path=customXml/item37.xml><?xml version="1.0" encoding="utf-8"?>
+<TemplafySlideTemplateConfiguration><![CDATA[{"documentContentValidatorConfiguration":{"enableDocumentContentValidator":false,"documentContentValidatorVersion":0},"elementsMetadata":[],"slideId":"637037983905221558","enableDocumentContentUpdater":true,"version":"1.9"}]]></TemplafySlideTemplateConfiguration>
+</file>
+
+<file path=customXml/item38.xml><?xml version="1.0" encoding="utf-8"?>
+<TemplafySlideTemplateConfiguration><![CDATA[{"documentContentValidatorConfiguration":{"enableDocumentContentValidator":false,"documentContentValidatorVersion":0},"elementsMetadata":[],"slideId":"637037983905221558","enableDocumentContentUpdater":true,"version":"1.9"}]]></TemplafySlideTemplateConfiguration>
+</file>
+
+<file path=customXml/item39.xml><?xml version="1.0" encoding="utf-8"?>
+<TemplafySlideTemplateConfiguration><![CDATA[{"documentContentValidatorConfiguration":{"enableDocumentContentValidator":false,"documentContentValidatorVersion":0},"elementsMetadata":[],"slideId":"637037983905221558","enableDocumentContentUpdater":true,"version":"1.9"}]]></TemplafySlideTemplateConfiguration>
+</file>
+
+<file path=customXml/item4.xml><?xml version="1.0" encoding="utf-8"?>
+<TemplafySlideTemplateConfiguration><![CDATA[{"documentContentValidatorConfiguration":{"enableDocumentContentValidator":false,"documentContentValidatorVersion":0},"elementsMetadata":[],"slideId":"637037983905221558","enableDocumentContentUpdater":true,"version":"1.9"}]]></TemplafySlideTemplateConfiguration>
+</file>
+
+<file path=customXml/item40.xml><?xml version="1.0" encoding="utf-8"?>
+<TemplafySlideFormConfiguration><![CDATA[{"formFields":[],"formDataEntries":[]}]]></TemplafySlideFormConfiguration>
+</file>
+
+<file path=customXml/item41.xml><?xml version="1.0" encoding="utf-8"?>
+<TemplafySlideFormConfiguration><![CDATA[{"formFields":[],"formDataEntries":[]}]]></TemplafySlideFormConfiguration>
+</file>
+
+<file path=customXml/item42.xml><?xml version="1.0" encoding="utf-8"?>
+<TemplafySlideFormConfiguration><![CDATA[{"formFields":[],"formDataEntries":[]}]]></TemplafySlideFormConfiguration>
+</file>
+
+<file path=customXml/item43.xml><?xml version="1.0" encoding="utf-8"?>
+<TemplafySlideFormConfiguration><![CDATA[{"formFields":[],"formDataEntries":[]}]]></TemplafySlideFormConfiguration>
+</file>
+
+<file path=customXml/item44.xml><?xml version="1.0" encoding="utf-8"?>
+<TemplafySlideFormConfiguration><![CDATA[{"formFields":[],"formDataEntries":[]}]]></TemplafySlideFormConfiguration>
+</file>
+
+<file path=customXml/item45.xml><?xml version="1.0" encoding="utf-8"?>
+<TemplafySlideTemplateConfiguration><![CDATA[{"documentContentValidatorConfiguration":{"enableDocumentContentValidator":false,"documentContentValidatorVersion":0},"elementsMetadata":[],"slideId":"637037983905221558","enableDocumentContentUpdater":true,"version":"1.9"}]]></TemplafySlideTemplateConfiguration>
+</file>
+
+<file path=customXml/item46.xml><?xml version="1.0" encoding="utf-8"?>
+<TemplafySlideFormConfiguration><![CDATA[{"formFields":[],"formDataEntries":[]}]]></TemplafySlideFormConfiguration>
+</file>
+
+<file path=customXml/item47.xml><?xml version="1.0" encoding="utf-8"?>
+<TemplafySlideFormConfiguration><![CDATA[{"formFields":[],"formDataEntries":[]}]]></TemplafySlideFormConfiguration>
+</file>
+
+<file path=customXml/item48.xml><?xml version="1.0" encoding="utf-8"?>
+<TemplafySlideFormConfiguration><![CDATA[{"formFields":[],"formDataEntries":[]}]]></TemplafySlideFormConfiguration>
+</file>
+
+<file path=customXml/item49.xml><?xml version="1.0" encoding="utf-8"?>
+<TemplafySlideFormConfiguration><![CDATA[{"formFields":[],"formDataEntries":[]}]]></TemplafySlideFormConfiguration>
+</file>
+
+<file path=customXml/item5.xml><?xml version="1.0" encoding="utf-8"?>
+<TemplafySlideTemplateConfiguration><![CDATA[{"elementsMetadata":[],"documentContentValidatorConfiguration":{"enableDocumentContentValidator":false,"documentContentValidatorVersion":0},"slideId":"637027476704980324","enableDocumentContentUpdater":true,"version":"1.9"}]]></TemplafySlideTemplateConfiguration>
+</file>
+
+<file path=customXml/item50.xml><?xml version="1.0" encoding="utf-8"?>
+<TemplafySlideFormConfiguration><![CDATA[{"formFields":[],"formDataEntries":[]}]]></TemplafySlideFormConfiguration>
+</file>
+
+<file path=customXml/item51.xml><?xml version="1.0" encoding="utf-8"?>
+<TemplafySlideFormConfiguration><![CDATA[{"formFields":[],"formDataEntries":[]}]]></TemplafySlideFormConfiguration>
+</file>
+
+<file path=customXml/item52.xml><?xml version="1.0" encoding="utf-8"?>
+<TemplafySlideFormConfiguration><![CDATA[{"formFields":[],"formDataEntries":[]}]]></TemplafySlideFormConfiguration>
+</file>
+
+<file path=customXml/item53.xml><?xml version="1.0" encoding="utf-8"?>
+<TemplafySlideFormConfiguration><![CDATA[{"formFields":[],"formDataEntries":[]}]]></TemplafySlideFormConfiguration>
+</file>
+
+<file path=customXml/item54.xml><?xml version="1.0" encoding="utf-8"?>
+<TemplafySlideTemplateConfiguration><![CDATA[{"documentContentValidatorConfiguration":{"enableDocumentContentValidator":false,"documentContentValidatorVersion":0},"elementsMetadata":[],"slideId":"637037983905221558","enableDocumentContentUpdater":true,"version":"1.9"}]]></TemplafySlideTemplateConfiguration>
+</file>
+
+<file path=customXml/item55.xml><?xml version="1.0" encoding="utf-8"?>
+<TemplafySlideFormConfiguration><![CDATA[{"formFields":[],"formDataEntries":[]}]]></TemplafySlideFormConfiguration>
+</file>
+
+<file path=customXml/item56.xml><?xml version="1.0" encoding="utf-8"?>
 <ct:contentTypeSchema xmlns:ct="http://schemas.microsoft.com/office/2006/metadata/contentType" xmlns:ma="http://schemas.microsoft.com/office/2006/metadata/properties/metaAttributes" ct:_="" ma:_="" ma:contentTypeName="Document" ma:contentTypeID="0x0101002C8661F604A9A64C9627B875CBEE0D49" ma:contentTypeVersion="13" ma:contentTypeDescription="Create a new document." ma:contentTypeScope="" ma:versionID="efb89547655977800231d60c8e2388d5">
   <xsd:schema xmlns:xsd="http://www.w3.org/2001/XMLSchema" xmlns:xs="http://www.w3.org/2001/XMLSchema" xmlns:p="http://schemas.microsoft.com/office/2006/metadata/properties" xmlns:ns3="92e1255f-bb7b-4dc9-b051-584cc104eb44" xmlns:ns4="a6550eff-0fc9-443f-8e77-72cbcf778382" targetNamespace="http://schemas.microsoft.com/office/2006/metadata/properties" ma:root="true" ma:fieldsID="5147822fdb6803771ba7305cbc438486" ns3:_="" ns4:_="">
     <xsd:import namespace="92e1255f-bb7b-4dc9-b051-584cc104eb44"/>
@@ -22601,217 +26839,12 @@
 </ct:contentTypeSchema>
 </file>
 
-<file path=customXml/item11.xml><?xml version="1.0" encoding="utf-8"?>
-<TemplafySlideTemplateConfiguration><![CDATA[{"documentContentValidatorConfiguration":{"enableDocumentContentValidator":false,"documentContentValidatorVersion":0},"elementsMetadata":[],"slideId":"637037983905221558","enableDocumentContentUpdater":true,"version":"1.9"}]]></TemplafySlideTemplateConfiguration>
-</file>
-
-<file path=customXml/item12.xml><?xml version="1.0" encoding="utf-8"?>
-<TemplafySlideTemplateConfiguration><![CDATA[{"documentContentValidatorConfiguration":{"enableDocumentContentValidator":false,"documentContentValidatorVersion":0},"elementsMetadata":[],"slideId":"637037983905221558","enableDocumentContentUpdater":true,"version":"1.9"}]]></TemplafySlideTemplateConfiguration>
-</file>
-
-<file path=customXml/item13.xml><?xml version="1.0" encoding="utf-8"?>
-<TemplafySlideTemplateConfiguration><![CDATA[{"documentContentValidatorConfiguration":{"enableDocumentContentValidator":false,"documentContentValidatorVersion":0},"elementsMetadata":[],"slideId":"637037983905221558","enableDocumentContentUpdater":true,"version":"1.9"}]]></TemplafySlideTemplateConfiguration>
-</file>
-
-<file path=customXml/item14.xml><?xml version="1.0" encoding="utf-8"?>
-<TemplafySlideTemplateConfiguration><![CDATA[{"documentContentValidatorConfiguration":{"enableDocumentContentValidator":false,"documentContentValidatorVersion":0},"elementsMetadata":[],"slideId":"637037983905221558","enableDocumentContentUpdater":true,"version":"1.9"}]]></TemplafySlideTemplateConfiguration>
-</file>
-
-<file path=customXml/item15.xml><?xml version="1.0" encoding="utf-8"?>
-<TemplafySlideFormConfiguration><![CDATA[{"formFields":[],"formDataEntries":[]}]]></TemplafySlideFormConfiguration>
-</file>
-
-<file path=customXml/item16.xml><?xml version="1.0" encoding="utf-8"?>
-<TemplafySlideTemplateConfiguration><![CDATA[{"documentContentValidatorConfiguration":{"enableDocumentContentValidator":false,"documentContentValidatorVersion":0},"elementsMetadata":[],"slideId":"637037983905678162","enableDocumentContentUpdater":true,"version":"1.9"}]]></TemplafySlideTemplateConfiguration>
-</file>
-
-<file path=customXml/item17.xml><?xml version="1.0" encoding="utf-8"?>
-<TemplafySlideTemplateConfiguration><![CDATA[{"documentContentValidatorConfiguration":{"enableDocumentContentValidator":false,"documentContentValidatorVersion":0},"elementsMetadata":[],"slideId":"637037983905221558","enableDocumentContentUpdater":true,"version":"1.9"}]]></TemplafySlideTemplateConfiguration>
-</file>
-
-<file path=customXml/item18.xml><?xml version="1.0" encoding="utf-8"?>
-<TemplafySlideFormConfiguration><![CDATA[{"formFields":[],"formDataEntries":[]}]]></TemplafySlideFormConfiguration>
-</file>
-
-<file path=customXml/item19.xml><?xml version="1.0" encoding="utf-8"?>
-<TemplafySlideFormConfiguration><![CDATA[{"formFields":[],"formDataEntries":[]}]]></TemplafySlideFormConfiguration>
-</file>
-
-<file path=customXml/item2.xml><?xml version="1.0" encoding="utf-8"?>
-<TemplafyTemplateConfiguration><![CDATA[{"elementsMetadata":[{"type":"shape","id":"d89929bb-4e06-4762-98cc-52c29ac5c103","elementConfiguration":{"binding":"Form.LogoInsertion.Pplogoname","inheritDimensions":"inheritNone","height":"1.34 cm","disableUpdates":false,"type":"image"}}],"transformationConfigurations":[{"language":"{{DocumentLanguage}}","disableUpdates":false,"type":"proofingLanguage"},{"propertyName":"FooterText","propertyValue":"true","disableUpdates":false,"type":"customDocumentProperty"},{"propertyName":"SecurityClass","propertyValue":"{{Form.ConfidentialityClass.Confidentiality}}","disableUpdates":false,"type":"customDocumentProperty"},{"propertyName":"ExtConf","propertyValue":"{{Form.ExternalConfidentialityLabel.ExternalConfidentiality}}","disableUpdates":false,"type":"customDocumentProperty"},{"propertyName":"Prepared","propertyValue":"{{Form.Prepared}}","disableUpdates":false,"type":"customDocumentProperty"},{"propertyName":"ApprovedBy","propertyValue":"{{Form.ApprovedBy}}","disableUpdates":false,"type":"customDocumentProperty"},{"propertyName":"DocNo","propertyValue":"{{Form.DocumentNumber}} {{Form.LanguageCode.LanguageCode}}","disableUpdates":false,"type":"customDocumentProperty"},{"propertyName":"Checked","propertyValue":"{{Form.Checked}}","disableUpdates":false,"type":"customDocumentProperty"},{"propertyName":"Date","propertyValue":"{{Form.Date}}","disableUpdates":false,"type":"customDocumentProperty"},{"propertyName":"Reference","propertyValue":"{{Form.Reference}}","disableUpdates":false,"type":"customDocumentProperty"},{"propertyName":"Title","propertyValue":"{{Form.DocumentTitle}}","disableUpdates":false,"type":"customDocumentProperty"},{"propertyName":"Keyword","propertyValue":"{{Form.Keywords}}","disableUpdates":false,"type":"customDocumentProperty"},{"propertyName":"DocumentType","propertyValue":"Presentation2011","disableUpdates":false,"type":"customDocumentProperty"},{"propertyName":"Language","propertyValue":"EnglishUS","disableUpdates":false,"type":"customDocumentProperty"},{"propertyName":"TemplateID","propertyValue":"FALSE","disableUpdates":false,"type":"customDocumentProperty"},{"propertyName":"ConfCtrl","propertyValue":"FALSE","disableUpdates":false,"type":"customDocumentProperty"},{"propertyName":"title","propertyValue":"{{Form.DocumentTitle}}","disableUpdates":false,"type":"documentProperty"},{"propertyName":"keywords","propertyValue":"{{Form.Keywords}}","disableUpdates":false,"type":"documentProperty"},{"propertyName":"creator","propertyValue":"{{Form.Prepared}}","disableUpdates":false,"type":"documentProperty"},{"propertyName":"DocTitle","propertyValue":"{{Form.DocTitle.DocTitle}}","disableUpdates":false,"type":"customDocumentProperty"},{"propertyName":"IsDocument","propertyValue":"{{Form.TemplateType.IsDocument}}","disableUpdates":false,"type":"customDocumentProperty"},{"propertyName":"IsPresentation","propertyValue":"{{Form.TemplateType.IsPresentation}}","disableUpdates":false,"type":"customDocumentProperty"},{"propertyName":"company","propertyValue":"Ericsson","disableUpdates":false,"type":"documentProperty"},{"propertyName":"PageNumberVisible","propertyValue":"{{Form.TotalPageNo.TotalPageNo_value}}","disableUpdates":false,"type":"customDocumentProperty"},{"propertyName":"Revision","propertyValue":"{{Form.Revision}}","disableUpdates":false,"type":"customDocumentProperty"},{"propertyName":"DocType","propertyValue":"{{Form.DocTypePresentation}}","disableUpdates":false,"type":"customDocumentProperty"},{"propertyName":"TemplateVersion","propertyValue":"R2A","disableUpdates":false,"type":"customDocumentProperty"},{"propertyName":"PackageNo","propertyValue":"LXA 119 603","disableUpdates":false,"type":"customDocumentProperty"},{"propertyName":"PackageVersion","propertyValue":"R6B","disableUpdates":false,"type":"customDocumentProperty"},{"propertyName":"TemplateName","propertyValue":"CXC 173 2731/1","disableUpdates":false,"type":"customDocumentProperty"},{"propertyName":"DocName","propertyValue":" ","disableUpdates":false,"type":"customDocumentProperty"},{"propertyName":"description","propertyValue":"{{Form.DocumentNumber}} {{Form.LanguageCode.LanguageCode}}\nRev {{Form.Revision}}","disableUpdates":false,"type":"documentProperty"}],"templateName":"Standard landscape","templateDescription":"","enableDocumentContentUpdater":true,"version":"1.9"}]]></TemplafyTemplateConfiguration>
-</file>
-
-<file path=customXml/item20.xml><?xml version="1.0" encoding="utf-8"?>
-<TemplafySlideFormConfiguration><![CDATA[{"formFields":[],"formDataEntries":[]}]]></TemplafySlideFormConfiguration>
-</file>
-
-<file path=customXml/item21.xml><?xml version="1.0" encoding="utf-8"?>
-<TemplafySlideTemplateConfiguration><![CDATA[{"documentContentValidatorConfiguration":{"enableDocumentContentValidator":false,"documentContentValidatorVersion":0},"elementsMetadata":[],"slideId":"637037983905221558","enableDocumentContentUpdater":true,"version":"1.9"}]]></TemplafySlideTemplateConfiguration>
-</file>
-
-<file path=customXml/item22.xml><?xml version="1.0" encoding="utf-8"?>
-<TemplafySlideTemplateConfiguration><![CDATA[{"documentContentValidatorConfiguration":{"enableDocumentContentValidator":false,"documentContentValidatorVersion":0},"elementsMetadata":[],"slideId":"637037983905221557","enableDocumentContentUpdater":true,"version":"1.9"}]]></TemplafySlideTemplateConfiguration>
-</file>
-
-<file path=customXml/item23.xml><?xml version="1.0" encoding="utf-8"?>
-<TemplafySlideFormConfiguration><![CDATA[{"formFields":[],"formDataEntries":[]}]]></TemplafySlideFormConfiguration>
-</file>
-
-<file path=customXml/item24.xml><?xml version="1.0" encoding="utf-8"?>
-<TemplafySlideFormConfiguration><![CDATA[{"formFields":[],"formDataEntries":[]}]]></TemplafySlideFormConfiguration>
-</file>
-
-<file path=customXml/item25.xml><?xml version="1.0" encoding="utf-8"?>
-<TemplafySlideTemplateConfiguration><![CDATA[{"documentContentValidatorConfiguration":{"enableDocumentContentValidator":false,"documentContentValidatorVersion":0},"elementsMetadata":[],"slideId":"637037983905221558","enableDocumentContentUpdater":true,"version":"1.9"}]]></TemplafySlideTemplateConfiguration>
-</file>
-
-<file path=customXml/item26.xml><?xml version="1.0" encoding="utf-8"?>
-<TemplafySlideFormConfiguration><![CDATA[{"formFields":[],"formDataEntries":[]}]]></TemplafySlideFormConfiguration>
-</file>
-
-<file path=customXml/item27.xml><?xml version="1.0" encoding="utf-8"?>
-<TemplafySlideTemplateConfiguration><![CDATA[{"documentContentValidatorConfiguration":{"enableDocumentContentValidator":false,"documentContentValidatorVersion":0},"elementsMetadata":[],"slideId":"637037983905221558","enableDocumentContentUpdater":true,"version":"1.9"}]]></TemplafySlideTemplateConfiguration>
-</file>
-
-<file path=customXml/item28.xml><?xml version="1.0" encoding="utf-8"?>
-<TemplafySlideFormConfiguration><![CDATA[{"formFields":[],"formDataEntries":[]}]]></TemplafySlideFormConfiguration>
-</file>
-
-<file path=customXml/item29.xml><?xml version="1.0" encoding="utf-8"?>
-<TemplafySlideTemplateConfiguration><![CDATA[{"documentContentValidatorConfiguration":{"enableDocumentContentValidator":false,"documentContentValidatorVersion":0},"elementsMetadata":[],"slideId":"637037983905221558","enableDocumentContentUpdater":true,"version":"1.9"}]]></TemplafySlideTemplateConfiguration>
-</file>
-
-<file path=customXml/item3.xml><?xml version="1.0" encoding="utf-8"?>
-<TemplafySlideTemplateConfiguration><![CDATA[{"documentContentValidatorConfiguration":{"enableDocumentContentValidator":false,"documentContentValidatorVersion":0},"elementsMetadata":[],"slideId":"637037983905221558","enableDocumentContentUpdater":true,"version":"1.9"}]]></TemplafySlideTemplateConfiguration>
-</file>
-
-<file path=customXml/item30.xml><?xml version="1.0" encoding="utf-8"?>
-<TemplafySlideFormConfiguration><![CDATA[{"formFields":[],"formDataEntries":[]}]]></TemplafySlideFormConfiguration>
-</file>
-
-<file path=customXml/item31.xml><?xml version="1.0" encoding="utf-8"?>
-<TemplafySlideFormConfiguration><![CDATA[{"formFields":[],"formDataEntries":[]}]]></TemplafySlideFormConfiguration>
-</file>
-
-<file path=customXml/item32.xml><?xml version="1.0" encoding="utf-8"?>
-<TemplafySlideFormConfiguration><![CDATA[{"formFields":[],"formDataEntries":[]}]]></TemplafySlideFormConfiguration>
-</file>
-
-<file path=customXml/item33.xml><?xml version="1.0" encoding="utf-8"?>
-<TemplafySlideFormConfiguration><![CDATA[{"formFields":[],"formDataEntries":[]}]]></TemplafySlideFormConfiguration>
-</file>
-
-<file path=customXml/item34.xml><?xml version="1.0" encoding="utf-8"?>
-<TemplafySlideTemplateConfiguration><![CDATA[{"elementsMetadata":[],"documentContentValidatorConfiguration":{"enableDocumentContentValidator":false,"documentContentValidatorVersion":0},"slideId":"637027476704980324","enableDocumentContentUpdater":true,"version":"1.9"}]]></TemplafySlideTemplateConfiguration>
-</file>
-
-<file path=customXml/item35.xml><?xml version="1.0" encoding="utf-8"?>
-<TemplafySlideTemplateConfiguration><![CDATA[{"documentContentValidatorConfiguration":{"enableDocumentContentValidator":false,"documentContentValidatorVersion":0},"elementsMetadata":[],"slideId":"637037983905221558","enableDocumentContentUpdater":true,"version":"1.9"}]]></TemplafySlideTemplateConfiguration>
-</file>
-
-<file path=customXml/item36.xml><?xml version="1.0" encoding="utf-8"?>
-<TemplafySlideFormConfiguration><![CDATA[{"formFields":[],"formDataEntries":[]}]]></TemplafySlideFormConfiguration>
-</file>
-
-<file path=customXml/item37.xml><?xml version="1.0" encoding="utf-8"?>
-<TemplafySlideTemplateConfiguration><![CDATA[{"documentContentValidatorConfiguration":{"enableDocumentContentValidator":false,"documentContentValidatorVersion":0},"elementsMetadata":[],"slideId":"637037983905221558","enableDocumentContentUpdater":true,"version":"1.9"}]]></TemplafySlideTemplateConfiguration>
-</file>
-
-<file path=customXml/item38.xml><?xml version="1.0" encoding="utf-8"?>
-<TemplafySlideFormConfiguration><![CDATA[{"formFields":[],"formDataEntries":[]}]]></TemplafySlideFormConfiguration>
-</file>
-
-<file path=customXml/item39.xml><?xml version="1.0" encoding="utf-8"?>
-<TemplafySlideTemplateConfiguration><![CDATA[{"documentContentValidatorConfiguration":{"enableDocumentContentValidator":false,"documentContentValidatorVersion":0},"elementsMetadata":[],"slideId":"637037983905221558","enableDocumentContentUpdater":true,"version":"1.9"}]]></TemplafySlideTemplateConfiguration>
-</file>
-
-<file path=customXml/item4.xml><?xml version="1.0" encoding="utf-8"?>
-<TemplafySlideTemplateConfiguration><![CDATA[{"documentContentValidatorConfiguration":{"enableDocumentContentValidator":false,"documentContentValidatorVersion":0},"elementsMetadata":[],"slideId":"637050925554934895","enableDocumentContentUpdater":true,"version":"1.9"}]]></TemplafySlideTemplateConfiguration>
-</file>
-
-<file path=customXml/item40.xml><?xml version="1.0" encoding="utf-8"?>
-<TemplafySlideFormConfiguration><![CDATA[{"formFields":[],"formDataEntries":[]}]]></TemplafySlideFormConfiguration>
-</file>
-
-<file path=customXml/item41.xml><?xml version="1.0" encoding="utf-8"?>
-<TemplafySlideTemplateConfiguration><![CDATA[{"documentContentValidatorConfiguration":{"enableDocumentContentValidator":false,"documentContentValidatorVersion":0},"elementsMetadata":[],"slideId":"637037983905221558","enableDocumentContentUpdater":true,"version":"1.9"}]]></TemplafySlideTemplateConfiguration>
-</file>
-
-<file path=customXml/item42.xml><?xml version="1.0" encoding="utf-8"?>
-<TemplafySlideTemplateConfiguration><![CDATA[{"documentContentValidatorConfiguration":{"enableDocumentContentValidator":false,"documentContentValidatorVersion":0},"elementsMetadata":[],"slideId":"637037983905221558","enableDocumentContentUpdater":true,"version":"1.9"}]]></TemplafySlideTemplateConfiguration>
-</file>
-
-<file path=customXml/item43.xml><?xml version="1.0" encoding="utf-8"?>
-<TemplafyFormConfiguration><![CDATA[{"formFields":[{"required":true,"placeholder":"","lines":0,"type":"textBox","name":"DocumentTitle","label":"Document Title","helpTexts":{"prefix":"","postfix":""},"spacing":{},"fullyQualifiedName":"DocumentTitle"},{"dataSource":"Confidentiality","displayColumn":"confidentiality","hideIfNoUserInteractionRequired":false,"distinct":true,"required":true,"autoSelectFirstOption":false,"type":"dropDown","name":"ConfidentialityClass","label":"Confidentiality Class","helpTexts":{"prefix":"","postfix":""},"spacing":{},"fullyQualifiedName":"ConfidentialityClass"},{"dataSource":"External Confidentiality label","displayColumn":"externalConfidentiality","hideIfNoUserInteractionRequired":false,"distinct":true,"required":false,"autoSelectFirstOption":false,"defaultValue":"1","type":"dropDown","name":"ExternalConfidentialityLabel","label":"External Confidentiality label","helpTexts":{"prefix":"","postfix":"If no external confidentiality class then please choose the blank value"},"spacing":{},"fullyQualifiedName":"ExternalConfidentialityLabel"},{"dataSource":"PowerPoint Document Type","column":"documentType","required":false,"placeholder":"","autoSelectFirstOption":false,"type":"comboBox","name":"DocTypePresentation","label":"Document Type Presentation","helpTexts":{"prefix":"","postfix":"If the document type differs from the default value, click on the X to delete and type/choose another type."},"spacing":{},"fullyQualifiedName":"DocTypePresentation"},{"required":false,"placeholder":"","lines":0,"type":"textBox","name":"DocumentNumber","label":"Document Number","helpTexts":{"prefix":"","postfix":""},"spacing":{},"fullyQualifiedName":"DocumentNumber"},{"dataSource":"Language code","displayColumn":"showName","hideIfNoUserInteractionRequired":false,"distinct":true,"required":false,"autoSelectFirstOption":false,"defaultValue":"1","type":"dropDown","name":"LanguageCode","label":"Language Code","helpTexts":{"prefix":"","postfix":"The language code will be appended to the Document No."},"spacing":{},"fullyQualifiedName":"LanguageCode"},{"dataSource":"Revision","column":"revision","required":false,"placeholder":"","autoSelectFirstOption":false,"type":"comboBox","name":"Revision","label":"Revision","helpTexts":{"prefix":"","postfix":""},"spacing":{},"fullyQualifiedName":"Revision"},{"required":false,"type":"datePicker","name":"Date","label":"Date","helpTexts":{"prefix":"","postfix":""},"spacing":{},"fullyQualifiedName":"Date"},{"type":"heading","name":"FooterVisibilityOptions","label":"Footer Visibility Options","helpTexts":{"prefix":"","postfix":""},"spacing":{},"fullyQualifiedName":"FooterVisibilityOptions"},{"dataSource":"PPT FooterVisibility","displayColumn":"templateType","hideIfNoUserInteractionRequired":false,"distinct":true,"required":true,"autoSelectFirstOption":false,"defaultValue":"1","type":"dropDown","name":"TemplateType","label":"Is this a document or presentation?","helpTexts":{"prefix":"","postfix":""},"spacing":{},"fullyQualifiedName":"TemplateType"},{"dataSource":"PPT FooterVisibility","displayColumn":"docTitle_label","hideIfNoUserInteractionRequired":false,"distinct":true,"required":false,"autoSelectFirstOption":true,"filter":{"column":"templateType","otherFieldName":"TemplateType","fullyQualifiedOtherFieldName":"TemplateType","otherFieldColumn":"TemplateType","formReference":"none","operator":"equals"},"type":"dropDown","name":"DocTitle","label":"Show document title in footer?","helpTexts":{"prefix":"","postfix":""},"spacing":{},"fullyQualifiedName":"DocTitle"},{"dataSource":"PPT FooterVisibility","displayColumn":"totalPageNo_text","hideIfNoUserInteractionRequired":false,"distinct":true,"required":false,"autoSelectFirstOption":true,"filter":{"column":"templateType","otherFieldName":"TemplateType","fullyQualifiedOtherFieldName":"TemplateType","otherFieldColumn":"TemplateType","formReference":"none","operator":"equals"},"type":"dropDown","name":"TotalPageNo","label":"Page numbering","helpTexts":{"prefix":"","postfix":""},"spacing":{},"fullyQualifiedName":"TotalPageNo"},{"required":false,"placeholder":"","lines":0,"defaultValue":"{{UserProfile.Prepared}}","type":"textBox","name":"Prepared","label":"Prepared By (Subject Responsible)","helpTexts":{"prefix":"","postfix":""},"spacing":{},"fullyQualifiedName":"Prepared"},{"required":false,"placeholder":"","lines":0,"type":"textBox","name":"ApprovedBy","label":"Approved By (Document Responsible)","helpTexts":{"prefix":"","postfix":""},"spacing":{},"fullyQualifiedName":"ApprovedBy"},{"required":false,"placeholder":"","lines":0,"type":"textBox","name":"Checked","label":"Checked","helpTexts":{"prefix":"","postfix":""},"spacing":{},"fullyQualifiedName":"Checked"},{"required":false,"placeholder":"","lines":0,"type":"textBox","name":"Reference","label":"Reference","helpTexts":{"prefix":"","postfix":""},"spacing":{},"fullyQualifiedName":"Reference"},{"required":false,"placeholder":"","lines":0,"type":"textBox","name":"Keywords","label":"Keywords","helpTexts":{"prefix":"","postfix":""},"spacing":{},"fullyQualifiedName":"Keywords"}],"formDataEntries":[{"name":"DocumentTitle","value":"cphpHFlWHVi/hOLtniQh1aBPYIR/AaE9QbbfhC0y1F8="},{"name":"ConfidentialityClass","value":"PxVEvJY8nE7m/hY9622Sng=="},{"name":"ExternalConfidentialityLabel","value":"5wlu7ZdPxHQj1W0w+yTNSg=="},{"name":"LanguageCode","value":"5wlu7ZdPxHQj1W0w+yTNSg=="},{"name":"Date","value":"X/KcS/SLiGScaUuFag44ug=="},{"name":"TemplateType","value":"5wlu7ZdPxHQj1W0w+yTNSg=="},{"name":"DocTitle","value":"5wlu7ZdPxHQj1W0w+yTNSg=="},{"name":"TotalPageNo","value":"5wlu7ZdPxHQj1W0w+yTNSg=="},{"name":"Prepared","value":"HrIrmeCpDkLBtg+ddS/H+U58vvGTYxAWCvR2E3vOs4o="}]}]]></TemplafyFormConfiguration>
-</file>
-
-<file path=customXml/item44.xml><?xml version="1.0" encoding="utf-8"?>
-<TemplafySlideFormConfiguration><![CDATA[{"formFields":[],"formDataEntries":[]}]]></TemplafySlideFormConfiguration>
-</file>
-
-<file path=customXml/item45.xml><?xml version="1.0" encoding="utf-8"?>
-<TemplafySlideFormConfiguration><![CDATA[{"formFields":[],"formDataEntries":[]}]]></TemplafySlideFormConfiguration>
-</file>
-
-<file path=customXml/item46.xml><?xml version="1.0" encoding="utf-8"?>
-<TemplafySlideFormConfiguration><![CDATA[{"formFields":[],"formDataEntries":[]}]]></TemplafySlideFormConfiguration>
-</file>
-
-<file path=customXml/item47.xml><?xml version="1.0" encoding="utf-8"?>
-<TemplafySlideTemplateConfiguration><![CDATA[{"documentContentValidatorConfiguration":{"enableDocumentContentValidator":false,"documentContentValidatorVersion":0},"elementsMetadata":[],"slideId":"637037983905221558","enableDocumentContentUpdater":true,"version":"1.9"}]]></TemplafySlideTemplateConfiguration>
-</file>
-
-<file path=customXml/item48.xml><?xml version="1.0" encoding="utf-8"?>
-<TemplafySlideFormConfiguration><![CDATA[{"formFields":[],"formDataEntries":[]}]]></TemplafySlideFormConfiguration>
-</file>
-
-<file path=customXml/item49.xml><?xml version="1.0" encoding="utf-8"?>
-<TemplafySlideTemplateConfiguration><![CDATA[{"documentContentValidatorConfiguration":{"enableDocumentContentValidator":false,"documentContentValidatorVersion":0},"elementsMetadata":[],"slideId":"637037983905221558","enableDocumentContentUpdater":true,"version":"1.9"}]]></TemplafySlideTemplateConfiguration>
-</file>
-
-<file path=customXml/item5.xml><?xml version="1.0" encoding="utf-8"?>
-<?mso-contentType ?>
-<FormTemplates xmlns="http://schemas.microsoft.com/sharepoint/v3/contenttype/forms">
-  <Display>DocumentLibraryForm</Display>
-  <Edit>DocumentLibraryForm</Edit>
-  <New>DocumentLibraryForm</New>
-</FormTemplates>
-</file>
-
-<file path=customXml/item50.xml><?xml version="1.0" encoding="utf-8"?>
-<TemplafySlideFormConfiguration><![CDATA[{"formFields":[],"formDataEntries":[]}]]></TemplafySlideFormConfiguration>
-</file>
-
-<file path=customXml/item51.xml><?xml version="1.0" encoding="utf-8"?>
-<TemplafySlideTemplateConfiguration><![CDATA[{"documentContentValidatorConfiguration":{"enableDocumentContentValidator":false,"documentContentValidatorVersion":0},"elementsMetadata":[],"slideId":"637037983905221558","enableDocumentContentUpdater":true,"version":"1.9"}]]></TemplafySlideTemplateConfiguration>
-</file>
-
-<file path=customXml/item52.xml><?xml version="1.0" encoding="utf-8"?>
-<TemplafySlideFormConfiguration><![CDATA[{"formFields":[],"formDataEntries":[]}]]></TemplafySlideFormConfiguration>
-</file>
-
-<file path=customXml/item53.xml><?xml version="1.0" encoding="utf-8"?>
-<TemplafySlideTemplateConfiguration><![CDATA[{"documentContentValidatorConfiguration":{"enableDocumentContentValidator":false,"documentContentValidatorVersion":0},"elementsMetadata":[],"slideId":"637037983905221558","enableDocumentContentUpdater":true,"version":"1.9"}]]></TemplafySlideTemplateConfiguration>
-</file>
-
-<file path=customXml/item54.xml><?xml version="1.0" encoding="utf-8"?>
-<TemplafySlideFormConfiguration><![CDATA[{"formFields":[],"formDataEntries":[]}]]></TemplafySlideFormConfiguration>
-</file>
-
-<file path=customXml/item55.xml><?xml version="1.0" encoding="utf-8"?>
-<TemplafySlideTemplateConfiguration><![CDATA[{"documentContentValidatorConfiguration":{"enableDocumentContentValidator":false,"documentContentValidatorVersion":0},"elementsMetadata":[],"slideId":"637037983905221558","enableDocumentContentUpdater":true,"version":"1.9"}]]></TemplafySlideTemplateConfiguration>
-</file>
-
-<file path=customXml/item56.xml><?xml version="1.0" encoding="utf-8"?>
-<TemplafySlideTemplateConfiguration><![CDATA[{"documentContentValidatorConfiguration":{"enableDocumentContentValidator":false,"documentContentValidatorVersion":0},"elementsMetadata":[],"slideId":"637037983905221558","enableDocumentContentUpdater":true,"version":"1.9"}]]></TemplafySlideTemplateConfiguration>
-</file>
-
 <file path=customXml/item57.xml><?xml version="1.0" encoding="utf-8"?>
 <TemplafySlideFormConfiguration><![CDATA[{"formFields":[],"formDataEntries":[]}]]></TemplafySlideFormConfiguration>
 </file>
 
 <file path=customXml/item58.xml><?xml version="1.0" encoding="utf-8"?>
-<TemplafySlideTemplateConfiguration><![CDATA[{"documentContentValidatorConfiguration":{"enableDocumentContentValidator":false,"documentContentValidatorVersion":0},"elementsMetadata":[],"slideId":"637037983905221558","enableDocumentContentUpdater":true,"version":"1.9"}]]></TemplafySlideTemplateConfiguration>
+<TemplafySlideFormConfiguration><![CDATA[{"formFields":[],"formDataEntries":[]}]]></TemplafySlideFormConfiguration>
 </file>
 
 <file path=customXml/item59.xml><?xml version="1.0" encoding="utf-8"?>
@@ -22819,13 +26852,35 @@
 </file>
 
 <file path=customXml/item6.xml><?xml version="1.0" encoding="utf-8"?>
+<TemplafySlideTemplateConfiguration><![CDATA[{"documentContentValidatorConfiguration":{"enableDocumentContentValidator":false,"documentContentValidatorVersion":0},"elementsMetadata":[],"slideId":"637037983905221558","enableDocumentContentUpdater":true,"version":"1.9"}]]></TemplafySlideTemplateConfiguration>
+</file>
+
+<file path=customXml/item60.xml><?xml version="1.0" encoding="utf-8"?>
 <TemplafySlideFormConfiguration><![CDATA[{"formFields":[],"formDataEntries":[]}]]></TemplafySlideFormConfiguration>
 </file>
 
+<file path=customXml/item61.xml><?xml version="1.0" encoding="utf-8"?>
+<TemplafySlideTemplateConfiguration><![CDATA[{"documentContentValidatorConfiguration":{"enableDocumentContentValidator":false,"documentContentValidatorVersion":0},"elementsMetadata":[],"slideId":"637050925554934895","enableDocumentContentUpdater":true,"version":"1.9"}]]></TemplafySlideTemplateConfiguration>
+</file>
+
+<file path=customXml/item62.xml><?xml version="1.0" encoding="utf-8"?>
+<TemplafySlideTemplateConfiguration><![CDATA[{"documentContentValidatorConfiguration":{"enableDocumentContentValidator":false,"documentContentValidatorVersion":0},"elementsMetadata":[],"slideId":"637037983905221558","enableDocumentContentUpdater":true,"version":"1.9"}]]></TemplafySlideTemplateConfiguration>
+</file>
+
+<file path=customXml/item63.xml><?xml version="1.0" encoding="utf-8"?>
+<TemplafySlideTemplateConfiguration><![CDATA[{"documentContentValidatorConfiguration":{"enableDocumentContentValidator":false,"documentContentValidatorVersion":0},"elementsMetadata":[],"slideId":"637037983905221558","enableDocumentContentUpdater":true,"version":"1.9"}]]></TemplafySlideTemplateConfiguration>
+</file>
+
+<file path=customXml/item64.xml><?xml version="1.0" encoding="utf-8"?>
+<TemplafySlideFormConfiguration><![CDATA[{"formFields":[],"formDataEntries":[]}]]></TemplafySlideFormConfiguration>
+</file>
+
+<file path=customXml/item65.xml><?xml version="1.0" encoding="utf-8"?>
+<TemplafySlideTemplateConfiguration><![CDATA[{"documentContentValidatorConfiguration":{"enableDocumentContentValidator":false,"documentContentValidatorVersion":0},"elementsMetadata":[],"slideId":"637037983905221558","enableDocumentContentUpdater":true,"version":"1.9"}]]></TemplafySlideTemplateConfiguration>
+</file>
+
 <file path=customXml/item7.xml><?xml version="1.0" encoding="utf-8"?>
-<p:properties xmlns:p="http://schemas.microsoft.com/office/2006/metadata/properties" xmlns:xsi="http://www.w3.org/2001/XMLSchema-instance" xmlns:pc="http://schemas.microsoft.com/office/infopath/2007/PartnerControls">
-  <documentManagement/>
-</p:properties>
+<TemplafySlideTemplateConfiguration><![CDATA[{"documentContentValidatorConfiguration":{"enableDocumentContentValidator":false,"documentContentValidatorVersion":0},"elementsMetadata":[],"slideId":"637037983905221558","enableDocumentContentUpdater":true,"version":"1.9"}]]></TemplafySlideTemplateConfiguration>
 </file>
 
 <file path=customXml/item8.xml><?xml version="1.0" encoding="utf-8"?>
@@ -22837,12 +26892,325 @@
 </file>
 
 <file path=customXml/itemProps1.xml><?xml version="1.0" encoding="utf-8"?>
+<ds:datastoreItem xmlns:ds="http://schemas.openxmlformats.org/officeDocument/2006/customXml" ds:itemID="{1D860451-5A3B-4D87-A1E2-07CBFB6B39B8}">
+  <ds:schemaRefs/>
+</ds:datastoreItem>
+</file>
+
+<file path=customXml/itemProps10.xml><?xml version="1.0" encoding="utf-8"?>
+<ds:datastoreItem xmlns:ds="http://schemas.openxmlformats.org/officeDocument/2006/customXml" ds:itemID="{0759E41F-49E7-4FA7-9127-920280DC8CF1}">
+  <ds:schemaRefs/>
+</ds:datastoreItem>
+</file>
+
+<file path=customXml/itemProps11.xml><?xml version="1.0" encoding="utf-8"?>
+<ds:datastoreItem xmlns:ds="http://schemas.openxmlformats.org/officeDocument/2006/customXml" ds:itemID="{56F2EE69-0CCA-4F48-BE22-EC4A886C57A7}">
+  <ds:schemaRefs>
+    <ds:schemaRef ds:uri="http://schemas.microsoft.com/office/2006/metadata/properties"/>
+    <ds:schemaRef ds:uri="http://schemas.microsoft.com/office/2006/documentManagement/types"/>
+    <ds:schemaRef ds:uri="92e1255f-bb7b-4dc9-b051-584cc104eb44"/>
+    <ds:schemaRef ds:uri="http://purl.org/dc/dcmitype/"/>
+    <ds:schemaRef ds:uri="http://schemas.microsoft.com/office/infopath/2007/PartnerControls"/>
+    <ds:schemaRef ds:uri="http://schemas.openxmlformats.org/package/2006/metadata/core-properties"/>
+    <ds:schemaRef ds:uri="http://purl.org/dc/elements/1.1/"/>
+    <ds:schemaRef ds:uri="a6550eff-0fc9-443f-8e77-72cbcf778382"/>
+    <ds:schemaRef ds:uri="http://www.w3.org/XML/1998/namespace"/>
+    <ds:schemaRef ds:uri="http://purl.org/dc/terms/"/>
+  </ds:schemaRefs>
+</ds:datastoreItem>
+</file>
+
+<file path=customXml/itemProps12.xml><?xml version="1.0" encoding="utf-8"?>
+<ds:datastoreItem xmlns:ds="http://schemas.openxmlformats.org/officeDocument/2006/customXml" ds:itemID="{07958A4E-FAB1-42E4-B6B5-29B01F63F87B}">
+  <ds:schemaRefs/>
+</ds:datastoreItem>
+</file>
+
+<file path=customXml/itemProps13.xml><?xml version="1.0" encoding="utf-8"?>
+<ds:datastoreItem xmlns:ds="http://schemas.openxmlformats.org/officeDocument/2006/customXml" ds:itemID="{1CE36EA9-2186-4EB1-871A-8AE59C2A13BB}">
+  <ds:schemaRefs/>
+</ds:datastoreItem>
+</file>
+
+<file path=customXml/itemProps14.xml><?xml version="1.0" encoding="utf-8"?>
+<ds:datastoreItem xmlns:ds="http://schemas.openxmlformats.org/officeDocument/2006/customXml" ds:itemID="{FC58A8E3-81C4-4F66-AA67-C126F768BD8C}">
+  <ds:schemaRefs/>
+</ds:datastoreItem>
+</file>
+
+<file path=customXml/itemProps15.xml><?xml version="1.0" encoding="utf-8"?>
+<ds:datastoreItem xmlns:ds="http://schemas.openxmlformats.org/officeDocument/2006/customXml" ds:itemID="{9FAD4269-FAB5-4B6F-A9E7-75C4B74ADDBA}">
+  <ds:schemaRefs/>
+</ds:datastoreItem>
+</file>
+
+<file path=customXml/itemProps16.xml><?xml version="1.0" encoding="utf-8"?>
+<ds:datastoreItem xmlns:ds="http://schemas.openxmlformats.org/officeDocument/2006/customXml" ds:itemID="{32BA7684-6BE4-4F73-B22E-30934AB379B8}">
+  <ds:schemaRefs/>
+</ds:datastoreItem>
+</file>
+
+<file path=customXml/itemProps17.xml><?xml version="1.0" encoding="utf-8"?>
+<ds:datastoreItem xmlns:ds="http://schemas.openxmlformats.org/officeDocument/2006/customXml" ds:itemID="{BE1F93B5-AF26-4F0A-BAC1-8CF07BD532AD}">
+  <ds:schemaRefs/>
+</ds:datastoreItem>
+</file>
+
+<file path=customXml/itemProps18.xml><?xml version="1.0" encoding="utf-8"?>
+<ds:datastoreItem xmlns:ds="http://schemas.openxmlformats.org/officeDocument/2006/customXml" ds:itemID="{27173B33-945E-463C-A014-EF54741A112C}">
+  <ds:schemaRefs/>
+</ds:datastoreItem>
+</file>
+
+<file path=customXml/itemProps19.xml><?xml version="1.0" encoding="utf-8"?>
+<ds:datastoreItem xmlns:ds="http://schemas.openxmlformats.org/officeDocument/2006/customXml" ds:itemID="{5CEBE36B-30B4-45CF-9E32-D80F596098BD}">
+  <ds:schemaRefs/>
+</ds:datastoreItem>
+</file>
+
+<file path=customXml/itemProps2.xml><?xml version="1.0" encoding="utf-8"?>
+<ds:datastoreItem xmlns:ds="http://schemas.openxmlformats.org/officeDocument/2006/customXml" ds:itemID="{D7D292BA-742B-46E0-AC89-77D6ED21560E}">
+  <ds:schemaRefs/>
+</ds:datastoreItem>
+</file>
+
+<file path=customXml/itemProps20.xml><?xml version="1.0" encoding="utf-8"?>
+<ds:datastoreItem xmlns:ds="http://schemas.openxmlformats.org/officeDocument/2006/customXml" ds:itemID="{8647BAD8-9C0D-44D3-8F26-B35AB680ED0B}">
+  <ds:schemaRefs/>
+</ds:datastoreItem>
+</file>
+
+<file path=customXml/itemProps21.xml><?xml version="1.0" encoding="utf-8"?>
+<ds:datastoreItem xmlns:ds="http://schemas.openxmlformats.org/officeDocument/2006/customXml" ds:itemID="{4CC300FD-F619-4F09-9E10-51D42657DF62}">
+  <ds:schemaRefs/>
+</ds:datastoreItem>
+</file>
+
+<file path=customXml/itemProps22.xml><?xml version="1.0" encoding="utf-8"?>
+<ds:datastoreItem xmlns:ds="http://schemas.openxmlformats.org/officeDocument/2006/customXml" ds:itemID="{459BA17D-3344-435C-B24D-9F8049F051B3}">
+  <ds:schemaRefs/>
+</ds:datastoreItem>
+</file>
+
+<file path=customXml/itemProps23.xml><?xml version="1.0" encoding="utf-8"?>
+<ds:datastoreItem xmlns:ds="http://schemas.openxmlformats.org/officeDocument/2006/customXml" ds:itemID="{F5A7E41D-6E7F-4B05-AFAB-F540BD4C068B}">
+  <ds:schemaRefs>
+    <ds:schemaRef ds:uri="http://schemas.microsoft.com/sharepoint/v3/contenttype/forms"/>
+  </ds:schemaRefs>
+</ds:datastoreItem>
+</file>
+
+<file path=customXml/itemProps24.xml><?xml version="1.0" encoding="utf-8"?>
+<ds:datastoreItem xmlns:ds="http://schemas.openxmlformats.org/officeDocument/2006/customXml" ds:itemID="{A2580BC4-03C6-4FD1-8C64-FE19DE615286}">
+  <ds:schemaRefs/>
+</ds:datastoreItem>
+</file>
+
+<file path=customXml/itemProps25.xml><?xml version="1.0" encoding="utf-8"?>
+<ds:datastoreItem xmlns:ds="http://schemas.openxmlformats.org/officeDocument/2006/customXml" ds:itemID="{317D1776-4417-4622-AD96-D83CFCEEBA1C}">
+  <ds:schemaRefs/>
+</ds:datastoreItem>
+</file>
+
+<file path=customXml/itemProps26.xml><?xml version="1.0" encoding="utf-8"?>
+<ds:datastoreItem xmlns:ds="http://schemas.openxmlformats.org/officeDocument/2006/customXml" ds:itemID="{EA44109E-9F2C-4118-91FC-98571BB2C36F}">
+  <ds:schemaRefs/>
+</ds:datastoreItem>
+</file>
+
+<file path=customXml/itemProps27.xml><?xml version="1.0" encoding="utf-8"?>
+<ds:datastoreItem xmlns:ds="http://schemas.openxmlformats.org/officeDocument/2006/customXml" ds:itemID="{72516535-7702-46AF-9B1F-8623A67A824E}">
+  <ds:schemaRefs/>
+</ds:datastoreItem>
+</file>
+
+<file path=customXml/itemProps28.xml><?xml version="1.0" encoding="utf-8"?>
+<ds:datastoreItem xmlns:ds="http://schemas.openxmlformats.org/officeDocument/2006/customXml" ds:itemID="{7C8A74D3-8A90-43C4-90E3-C02BFA84440C}">
+  <ds:schemaRefs/>
+</ds:datastoreItem>
+</file>
+
+<file path=customXml/itemProps29.xml><?xml version="1.0" encoding="utf-8"?>
+<ds:datastoreItem xmlns:ds="http://schemas.openxmlformats.org/officeDocument/2006/customXml" ds:itemID="{847502A6-7CBE-43AF-BDF6-4D4423521D8C}">
+  <ds:schemaRefs/>
+</ds:datastoreItem>
+</file>
+
+<file path=customXml/itemProps3.xml><?xml version="1.0" encoding="utf-8"?>
+<ds:datastoreItem xmlns:ds="http://schemas.openxmlformats.org/officeDocument/2006/customXml" ds:itemID="{D120E521-1155-4C12-963B-E5F1B15E10E4}">
+  <ds:schemaRefs/>
+</ds:datastoreItem>
+</file>
+
+<file path=customXml/itemProps30.xml><?xml version="1.0" encoding="utf-8"?>
+<ds:datastoreItem xmlns:ds="http://schemas.openxmlformats.org/officeDocument/2006/customXml" ds:itemID="{433BD653-666E-4636-8BB6-9C46120EA7BE}">
+  <ds:schemaRefs/>
+</ds:datastoreItem>
+</file>
+
+<file path=customXml/itemProps31.xml><?xml version="1.0" encoding="utf-8"?>
+<ds:datastoreItem xmlns:ds="http://schemas.openxmlformats.org/officeDocument/2006/customXml" ds:itemID="{D92C3DF5-A179-4E2D-BD20-07044B39171F}">
+  <ds:schemaRefs/>
+</ds:datastoreItem>
+</file>
+
+<file path=customXml/itemProps32.xml><?xml version="1.0" encoding="utf-8"?>
+<ds:datastoreItem xmlns:ds="http://schemas.openxmlformats.org/officeDocument/2006/customXml" ds:itemID="{60674E46-5871-43B7-A6EA-907A403B767B}">
+  <ds:schemaRefs/>
+</ds:datastoreItem>
+</file>
+
+<file path=customXml/itemProps33.xml><?xml version="1.0" encoding="utf-8"?>
+<ds:datastoreItem xmlns:ds="http://schemas.openxmlformats.org/officeDocument/2006/customXml" ds:itemID="{C717A6FA-BCFD-46DC-BC27-953BA39B46E6}">
+  <ds:schemaRefs/>
+</ds:datastoreItem>
+</file>
+
+<file path=customXml/itemProps34.xml><?xml version="1.0" encoding="utf-8"?>
+<ds:datastoreItem xmlns:ds="http://schemas.openxmlformats.org/officeDocument/2006/customXml" ds:itemID="{58CC0B31-82B9-497A-9A2E-F3F72D0BBDAD}">
+  <ds:schemaRefs/>
+</ds:datastoreItem>
+</file>
+
+<file path=customXml/itemProps35.xml><?xml version="1.0" encoding="utf-8"?>
+<ds:datastoreItem xmlns:ds="http://schemas.openxmlformats.org/officeDocument/2006/customXml" ds:itemID="{FE716B1B-5E72-41FE-8634-288F88BBA8F9}">
+  <ds:schemaRefs/>
+</ds:datastoreItem>
+</file>
+
+<file path=customXml/itemProps36.xml><?xml version="1.0" encoding="utf-8"?>
+<ds:datastoreItem xmlns:ds="http://schemas.openxmlformats.org/officeDocument/2006/customXml" ds:itemID="{C2BC8509-EBAB-4B73-B13C-4F5DE708DC0D}">
+  <ds:schemaRefs/>
+</ds:datastoreItem>
+</file>
+
+<file path=customXml/itemProps37.xml><?xml version="1.0" encoding="utf-8"?>
+<ds:datastoreItem xmlns:ds="http://schemas.openxmlformats.org/officeDocument/2006/customXml" ds:itemID="{D4A722AD-2B5B-45A5-A3D7-6D0905F583E2}">
+  <ds:schemaRefs/>
+</ds:datastoreItem>
+</file>
+
+<file path=customXml/itemProps38.xml><?xml version="1.0" encoding="utf-8"?>
+<ds:datastoreItem xmlns:ds="http://schemas.openxmlformats.org/officeDocument/2006/customXml" ds:itemID="{E62F5BD9-F540-46EF-9A11-25855FFC66A9}">
+  <ds:schemaRefs/>
+</ds:datastoreItem>
+</file>
+
+<file path=customXml/itemProps39.xml><?xml version="1.0" encoding="utf-8"?>
+<ds:datastoreItem xmlns:ds="http://schemas.openxmlformats.org/officeDocument/2006/customXml" ds:itemID="{E92247C9-F131-4F1E-8A9B-C0C26FA129F1}">
+  <ds:schemaRefs/>
+</ds:datastoreItem>
+</file>
+
+<file path=customXml/itemProps4.xml><?xml version="1.0" encoding="utf-8"?>
+<ds:datastoreItem xmlns:ds="http://schemas.openxmlformats.org/officeDocument/2006/customXml" ds:itemID="{683FEB75-8CFA-449C-A6B1-B1E4A86A58A1}">
+  <ds:schemaRefs/>
+</ds:datastoreItem>
+</file>
+
+<file path=customXml/itemProps40.xml><?xml version="1.0" encoding="utf-8"?>
+<ds:datastoreItem xmlns:ds="http://schemas.openxmlformats.org/officeDocument/2006/customXml" ds:itemID="{28651875-9BFB-492B-B1AF-53CD38F1E0E4}">
+  <ds:schemaRefs/>
+</ds:datastoreItem>
+</file>
+
+<file path=customXml/itemProps41.xml><?xml version="1.0" encoding="utf-8"?>
+<ds:datastoreItem xmlns:ds="http://schemas.openxmlformats.org/officeDocument/2006/customXml" ds:itemID="{8F053257-F875-4C08-9F38-3C244F92FD0C}">
+  <ds:schemaRefs/>
+</ds:datastoreItem>
+</file>
+
+<file path=customXml/itemProps42.xml><?xml version="1.0" encoding="utf-8"?>
+<ds:datastoreItem xmlns:ds="http://schemas.openxmlformats.org/officeDocument/2006/customXml" ds:itemID="{089FEF82-FF49-4304-ACE1-9CC99C3F3AD4}">
+  <ds:schemaRefs/>
+</ds:datastoreItem>
+</file>
+
+<file path=customXml/itemProps43.xml><?xml version="1.0" encoding="utf-8"?>
+<ds:datastoreItem xmlns:ds="http://schemas.openxmlformats.org/officeDocument/2006/customXml" ds:itemID="{C578AE0C-5EE7-4C63-B292-B6FADFB5A6DA}">
+  <ds:schemaRefs/>
+</ds:datastoreItem>
+</file>
+
+<file path=customXml/itemProps44.xml><?xml version="1.0" encoding="utf-8"?>
+<ds:datastoreItem xmlns:ds="http://schemas.openxmlformats.org/officeDocument/2006/customXml" ds:itemID="{1619B309-BC79-42FB-9829-D9EF5F5E6ABA}">
+  <ds:schemaRefs/>
+</ds:datastoreItem>
+</file>
+
+<file path=customXml/itemProps45.xml><?xml version="1.0" encoding="utf-8"?>
+<ds:datastoreItem xmlns:ds="http://schemas.openxmlformats.org/officeDocument/2006/customXml" ds:itemID="{2968DDEF-D35E-45EF-BBA3-02C81FF31161}">
+  <ds:schemaRefs/>
+</ds:datastoreItem>
+</file>
+
+<file path=customXml/itemProps46.xml><?xml version="1.0" encoding="utf-8"?>
+<ds:datastoreItem xmlns:ds="http://schemas.openxmlformats.org/officeDocument/2006/customXml" ds:itemID="{0754541E-29C6-4605-9F63-040C2F5D214E}">
+  <ds:schemaRefs/>
+</ds:datastoreItem>
+</file>
+
+<file path=customXml/itemProps47.xml><?xml version="1.0" encoding="utf-8"?>
+<ds:datastoreItem xmlns:ds="http://schemas.openxmlformats.org/officeDocument/2006/customXml" ds:itemID="{1933872C-9F0C-4995-8802-9EC074270AD1}">
+  <ds:schemaRefs/>
+</ds:datastoreItem>
+</file>
+
+<file path=customXml/itemProps48.xml><?xml version="1.0" encoding="utf-8"?>
 <ds:datastoreItem xmlns:ds="http://schemas.openxmlformats.org/officeDocument/2006/customXml" ds:itemID="{B9AEDDE3-EA02-4A8F-B8F8-0606A0AA45FC}">
   <ds:schemaRefs/>
 </ds:datastoreItem>
 </file>
 
-<file path=customXml/itemProps10.xml><?xml version="1.0" encoding="utf-8"?>
+<file path=customXml/itemProps49.xml><?xml version="1.0" encoding="utf-8"?>
+<ds:datastoreItem xmlns:ds="http://schemas.openxmlformats.org/officeDocument/2006/customXml" ds:itemID="{4914A395-82D1-48FA-8CB8-12F347A6DC3D}">
+  <ds:schemaRefs/>
+</ds:datastoreItem>
+</file>
+
+<file path=customXml/itemProps5.xml><?xml version="1.0" encoding="utf-8"?>
+<ds:datastoreItem xmlns:ds="http://schemas.openxmlformats.org/officeDocument/2006/customXml" ds:itemID="{C09F197C-6A49-47D0-B877-F88807989676}">
+  <ds:schemaRefs/>
+</ds:datastoreItem>
+</file>
+
+<file path=customXml/itemProps50.xml><?xml version="1.0" encoding="utf-8"?>
+<ds:datastoreItem xmlns:ds="http://schemas.openxmlformats.org/officeDocument/2006/customXml" ds:itemID="{B3602864-BCA8-40F1-BE5D-134FF8125FA7}">
+  <ds:schemaRefs/>
+</ds:datastoreItem>
+</file>
+
+<file path=customXml/itemProps51.xml><?xml version="1.0" encoding="utf-8"?>
+<ds:datastoreItem xmlns:ds="http://schemas.openxmlformats.org/officeDocument/2006/customXml" ds:itemID="{F620854E-C0A1-47EC-A9D3-995A9385A2D0}">
+  <ds:schemaRefs/>
+</ds:datastoreItem>
+</file>
+
+<file path=customXml/itemProps52.xml><?xml version="1.0" encoding="utf-8"?>
+<ds:datastoreItem xmlns:ds="http://schemas.openxmlformats.org/officeDocument/2006/customXml" ds:itemID="{80224E79-0208-4699-9BF2-0FB110F82E0B}">
+  <ds:schemaRefs/>
+</ds:datastoreItem>
+</file>
+
+<file path=customXml/itemProps53.xml><?xml version="1.0" encoding="utf-8"?>
+<ds:datastoreItem xmlns:ds="http://schemas.openxmlformats.org/officeDocument/2006/customXml" ds:itemID="{A88B34E3-A4EA-4EAC-A2E0-0D3E1E3B52A1}">
+  <ds:schemaRefs/>
+</ds:datastoreItem>
+</file>
+
+<file path=customXml/itemProps54.xml><?xml version="1.0" encoding="utf-8"?>
+<ds:datastoreItem xmlns:ds="http://schemas.openxmlformats.org/officeDocument/2006/customXml" ds:itemID="{0C9D575C-12A6-4EAE-A1D0-E46E951025A8}">
+  <ds:schemaRefs/>
+</ds:datastoreItem>
+</file>
+
+<file path=customXml/itemProps55.xml><?xml version="1.0" encoding="utf-8"?>
+<ds:datastoreItem xmlns:ds="http://schemas.openxmlformats.org/officeDocument/2006/customXml" ds:itemID="{9C95E546-419F-44CA-98F6-6DE73C5C2AE6}">
+  <ds:schemaRefs/>
+</ds:datastoreItem>
+</file>
+
+<file path=customXml/itemProps56.xml><?xml version="1.0" encoding="utf-8"?>
 <ds:datastoreItem xmlns:ds="http://schemas.openxmlformats.org/officeDocument/2006/customXml" ds:itemID="{058EED06-94C4-4781-888F-0A8BB816BC9F}">
   <ds:schemaRefs>
     <ds:schemaRef ds:uri="http://schemas.microsoft.com/office/2006/metadata/contentType"/>
@@ -22861,357 +27229,80 @@
 </ds:datastoreItem>
 </file>
 
-<file path=customXml/itemProps11.xml><?xml version="1.0" encoding="utf-8"?>
-<ds:datastoreItem xmlns:ds="http://schemas.openxmlformats.org/officeDocument/2006/customXml" ds:itemID="{9FAD4269-FAB5-4B6F-A9E7-75C4B74ADDBA}">
+<file path=customXml/itemProps57.xml><?xml version="1.0" encoding="utf-8"?>
+<ds:datastoreItem xmlns:ds="http://schemas.openxmlformats.org/officeDocument/2006/customXml" ds:itemID="{822D38AD-8010-4CD3-BD6B-117CB8DF70A4}">
   <ds:schemaRefs/>
 </ds:datastoreItem>
 </file>
 
-<file path=customXml/itemProps12.xml><?xml version="1.0" encoding="utf-8"?>
-<ds:datastoreItem xmlns:ds="http://schemas.openxmlformats.org/officeDocument/2006/customXml" ds:itemID="{D4A722AD-2B5B-45A5-A3D7-6D0905F583E2}">
+<file path=customXml/itemProps58.xml><?xml version="1.0" encoding="utf-8"?>
+<ds:datastoreItem xmlns:ds="http://schemas.openxmlformats.org/officeDocument/2006/customXml" ds:itemID="{37F42BB5-ADFA-4FC6-BFD5-9E1577435898}">
   <ds:schemaRefs/>
 </ds:datastoreItem>
 </file>
 
-<file path=customXml/itemProps13.xml><?xml version="1.0" encoding="utf-8"?>
+<file path=customXml/itemProps59.xml><?xml version="1.0" encoding="utf-8"?>
+<ds:datastoreItem xmlns:ds="http://schemas.openxmlformats.org/officeDocument/2006/customXml" ds:itemID="{27A29DE5-0540-481C-B6DF-CCFA5149D061}">
+  <ds:schemaRefs/>
+</ds:datastoreItem>
+</file>
+
+<file path=customXml/itemProps6.xml><?xml version="1.0" encoding="utf-8"?>
+<ds:datastoreItem xmlns:ds="http://schemas.openxmlformats.org/officeDocument/2006/customXml" ds:itemID="{5007F12F-13D7-4ABB-8EFA-54222101B03A}">
+  <ds:schemaRefs/>
+</ds:datastoreItem>
+</file>
+
+<file path=customXml/itemProps60.xml><?xml version="1.0" encoding="utf-8"?>
+<ds:datastoreItem xmlns:ds="http://schemas.openxmlformats.org/officeDocument/2006/customXml" ds:itemID="{797151FE-01B6-456A-8AC0-6D64E129D8AD}">
+  <ds:schemaRefs/>
+</ds:datastoreItem>
+</file>
+
+<file path=customXml/itemProps61.xml><?xml version="1.0" encoding="utf-8"?>
+<ds:datastoreItem xmlns:ds="http://schemas.openxmlformats.org/officeDocument/2006/customXml" ds:itemID="{03AF3FDC-ACD1-46F3-A43E-782322DF9816}">
+  <ds:schemaRefs/>
+</ds:datastoreItem>
+</file>
+
+<file path=customXml/itemProps62.xml><?xml version="1.0" encoding="utf-8"?>
+<ds:datastoreItem xmlns:ds="http://schemas.openxmlformats.org/officeDocument/2006/customXml" ds:itemID="{1EBE98CF-9ADD-4A89-9517-F0CBB3D48CF2}">
+  <ds:schemaRefs/>
+</ds:datastoreItem>
+</file>
+
+<file path=customXml/itemProps63.xml><?xml version="1.0" encoding="utf-8"?>
 <ds:datastoreItem xmlns:ds="http://schemas.openxmlformats.org/officeDocument/2006/customXml" ds:itemID="{FD8AAF2B-04A9-4E66-893F-CA0598CEC652}">
   <ds:schemaRefs/>
 </ds:datastoreItem>
 </file>
 
-<file path=customXml/itemProps14.xml><?xml version="1.0" encoding="utf-8"?>
-<ds:datastoreItem xmlns:ds="http://schemas.openxmlformats.org/officeDocument/2006/customXml" ds:itemID="{EA44109E-9F2C-4118-91FC-98571BB2C36F}">
+<file path=customXml/itemProps64.xml><?xml version="1.0" encoding="utf-8"?>
+<ds:datastoreItem xmlns:ds="http://schemas.openxmlformats.org/officeDocument/2006/customXml" ds:itemID="{05541FDE-55D7-44F9-9BE6-FAE61896A3AA}">
   <ds:schemaRefs/>
 </ds:datastoreItem>
 </file>
 
-<file path=customXml/itemProps15.xml><?xml version="1.0" encoding="utf-8"?>
-<ds:datastoreItem xmlns:ds="http://schemas.openxmlformats.org/officeDocument/2006/customXml" ds:itemID="{B3602864-BCA8-40F1-BE5D-134FF8125FA7}">
+<file path=customXml/itemProps65.xml><?xml version="1.0" encoding="utf-8"?>
+<ds:datastoreItem xmlns:ds="http://schemas.openxmlformats.org/officeDocument/2006/customXml" ds:itemID="{AF743DED-2D82-40A0-9261-0E32F94BBF4B}">
   <ds:schemaRefs/>
 </ds:datastoreItem>
 </file>
 
-<file path=customXml/itemProps16.xml><?xml version="1.0" encoding="utf-8"?>
-<ds:datastoreItem xmlns:ds="http://schemas.openxmlformats.org/officeDocument/2006/customXml" ds:itemID="{1CE36EA9-2186-4EB1-871A-8AE59C2A13BB}">
-  <ds:schemaRefs/>
-</ds:datastoreItem>
-</file>
-
-<file path=customXml/itemProps17.xml><?xml version="1.0" encoding="utf-8"?>
-<ds:datastoreItem xmlns:ds="http://schemas.openxmlformats.org/officeDocument/2006/customXml" ds:itemID="{E62F5BD9-F540-46EF-9A11-25855FFC66A9}">
-  <ds:schemaRefs/>
-</ds:datastoreItem>
-</file>
-
-<file path=customXml/itemProps18.xml><?xml version="1.0" encoding="utf-8"?>
-<ds:datastoreItem xmlns:ds="http://schemas.openxmlformats.org/officeDocument/2006/customXml" ds:itemID="{1D860451-5A3B-4D87-A1E2-07CBFB6B39B8}">
-  <ds:schemaRefs/>
-</ds:datastoreItem>
-</file>
-
-<file path=customXml/itemProps19.xml><?xml version="1.0" encoding="utf-8"?>
-<ds:datastoreItem xmlns:ds="http://schemas.openxmlformats.org/officeDocument/2006/customXml" ds:itemID="{317D1776-4417-4622-AD96-D83CFCEEBA1C}">
-  <ds:schemaRefs/>
-</ds:datastoreItem>
-</file>
-
-<file path=customXml/itemProps2.xml><?xml version="1.0" encoding="utf-8"?>
-<ds:datastoreItem xmlns:ds="http://schemas.openxmlformats.org/officeDocument/2006/customXml" ds:itemID="{07958A4E-FAB1-42E4-B6B5-29B01F63F87B}">
-  <ds:schemaRefs/>
-</ds:datastoreItem>
-</file>
-
-<file path=customXml/itemProps20.xml><?xml version="1.0" encoding="utf-8"?>
-<ds:datastoreItem xmlns:ds="http://schemas.openxmlformats.org/officeDocument/2006/customXml" ds:itemID="{1619B309-BC79-42FB-9829-D9EF5F5E6ABA}">
-  <ds:schemaRefs/>
-</ds:datastoreItem>
-</file>
-
-<file path=customXml/itemProps21.xml><?xml version="1.0" encoding="utf-8"?>
-<ds:datastoreItem xmlns:ds="http://schemas.openxmlformats.org/officeDocument/2006/customXml" ds:itemID="{683FEB75-8CFA-449C-A6B1-B1E4A86A58A1}">
-  <ds:schemaRefs/>
-</ds:datastoreItem>
-</file>
-
-<file path=customXml/itemProps22.xml><?xml version="1.0" encoding="utf-8"?>
-<ds:datastoreItem xmlns:ds="http://schemas.openxmlformats.org/officeDocument/2006/customXml" ds:itemID="{72516535-7702-46AF-9B1F-8623A67A824E}">
-  <ds:schemaRefs/>
-</ds:datastoreItem>
-</file>
-
-<file path=customXml/itemProps23.xml><?xml version="1.0" encoding="utf-8"?>
-<ds:datastoreItem xmlns:ds="http://schemas.openxmlformats.org/officeDocument/2006/customXml" ds:itemID="{F620854E-C0A1-47EC-A9D3-995A9385A2D0}">
-  <ds:schemaRefs/>
-</ds:datastoreItem>
-</file>
-
-<file path=customXml/itemProps24.xml><?xml version="1.0" encoding="utf-8"?>
-<ds:datastoreItem xmlns:ds="http://schemas.openxmlformats.org/officeDocument/2006/customXml" ds:itemID="{32BA7684-6BE4-4F73-B22E-30934AB379B8}">
-  <ds:schemaRefs/>
-</ds:datastoreItem>
-</file>
-
-<file path=customXml/itemProps25.xml><?xml version="1.0" encoding="utf-8"?>
-<ds:datastoreItem xmlns:ds="http://schemas.openxmlformats.org/officeDocument/2006/customXml" ds:itemID="{E92247C9-F131-4F1E-8A9B-C0C26FA129F1}">
-  <ds:schemaRefs/>
-</ds:datastoreItem>
-</file>
-
-<file path=customXml/itemProps26.xml><?xml version="1.0" encoding="utf-8"?>
-<ds:datastoreItem xmlns:ds="http://schemas.openxmlformats.org/officeDocument/2006/customXml" ds:itemID="{D7D292BA-742B-46E0-AC89-77D6ED21560E}">
-  <ds:schemaRefs/>
-</ds:datastoreItem>
-</file>
-
-<file path=customXml/itemProps27.xml><?xml version="1.0" encoding="utf-8"?>
-<ds:datastoreItem xmlns:ds="http://schemas.openxmlformats.org/officeDocument/2006/customXml" ds:itemID="{7C8A74D3-8A90-43C4-90E3-C02BFA84440C}">
-  <ds:schemaRefs/>
-</ds:datastoreItem>
-</file>
-
-<file path=customXml/itemProps28.xml><?xml version="1.0" encoding="utf-8"?>
-<ds:datastoreItem xmlns:ds="http://schemas.openxmlformats.org/officeDocument/2006/customXml" ds:itemID="{80224E79-0208-4699-9BF2-0FB110F82E0B}">
-  <ds:schemaRefs/>
-</ds:datastoreItem>
-</file>
-
-<file path=customXml/itemProps29.xml><?xml version="1.0" encoding="utf-8"?>
-<ds:datastoreItem xmlns:ds="http://schemas.openxmlformats.org/officeDocument/2006/customXml" ds:itemID="{FC58A8E3-81C4-4F66-AA67-C126F768BD8C}">
-  <ds:schemaRefs/>
-</ds:datastoreItem>
-</file>
-
-<file path=customXml/itemProps3.xml><?xml version="1.0" encoding="utf-8"?>
-<ds:datastoreItem xmlns:ds="http://schemas.openxmlformats.org/officeDocument/2006/customXml" ds:itemID="{C2BC8509-EBAB-4B73-B13C-4F5DE708DC0D}">
-  <ds:schemaRefs/>
-</ds:datastoreItem>
-</file>
-
-<file path=customXml/itemProps30.xml><?xml version="1.0" encoding="utf-8"?>
-<ds:datastoreItem xmlns:ds="http://schemas.openxmlformats.org/officeDocument/2006/customXml" ds:itemID="{847502A6-7CBE-43AF-BDF6-4D4423521D8C}">
-  <ds:schemaRefs/>
-</ds:datastoreItem>
-</file>
-
-<file path=customXml/itemProps31.xml><?xml version="1.0" encoding="utf-8"?>
-<ds:datastoreItem xmlns:ds="http://schemas.openxmlformats.org/officeDocument/2006/customXml" ds:itemID="{822D38AD-8010-4CD3-BD6B-117CB8DF70A4}">
-  <ds:schemaRefs/>
-</ds:datastoreItem>
-</file>
-
-<file path=customXml/itemProps32.xml><?xml version="1.0" encoding="utf-8"?>
-<ds:datastoreItem xmlns:ds="http://schemas.openxmlformats.org/officeDocument/2006/customXml" ds:itemID="{BE1F93B5-AF26-4F0A-BAC1-8CF07BD532AD}">
-  <ds:schemaRefs/>
-</ds:datastoreItem>
-</file>
-
-<file path=customXml/itemProps33.xml><?xml version="1.0" encoding="utf-8"?>
-<ds:datastoreItem xmlns:ds="http://schemas.openxmlformats.org/officeDocument/2006/customXml" ds:itemID="{28651875-9BFB-492B-B1AF-53CD38F1E0E4}">
-  <ds:schemaRefs/>
-</ds:datastoreItem>
-</file>
-
-<file path=customXml/itemProps34.xml><?xml version="1.0" encoding="utf-8"?>
-<ds:datastoreItem xmlns:ds="http://schemas.openxmlformats.org/officeDocument/2006/customXml" ds:itemID="{C09F197C-6A49-47D0-B877-F88807989676}">
-  <ds:schemaRefs/>
-</ds:datastoreItem>
-</file>
-
-<file path=customXml/itemProps35.xml><?xml version="1.0" encoding="utf-8"?>
-<ds:datastoreItem xmlns:ds="http://schemas.openxmlformats.org/officeDocument/2006/customXml" ds:itemID="{433BD653-666E-4636-8BB6-9C46120EA7BE}">
-  <ds:schemaRefs/>
-</ds:datastoreItem>
-</file>
-
-<file path=customXml/itemProps36.xml><?xml version="1.0" encoding="utf-8"?>
-<ds:datastoreItem xmlns:ds="http://schemas.openxmlformats.org/officeDocument/2006/customXml" ds:itemID="{A88B34E3-A4EA-4EAC-A2E0-0D3E1E3B52A1}">
-  <ds:schemaRefs/>
-</ds:datastoreItem>
-</file>
-
-<file path=customXml/itemProps37.xml><?xml version="1.0" encoding="utf-8"?>
-<ds:datastoreItem xmlns:ds="http://schemas.openxmlformats.org/officeDocument/2006/customXml" ds:itemID="{27173B33-945E-463C-A014-EF54741A112C}">
-  <ds:schemaRefs/>
-</ds:datastoreItem>
-</file>
-
-<file path=customXml/itemProps38.xml><?xml version="1.0" encoding="utf-8"?>
-<ds:datastoreItem xmlns:ds="http://schemas.openxmlformats.org/officeDocument/2006/customXml" ds:itemID="{8F053257-F875-4C08-9F38-3C244F92FD0C}">
-  <ds:schemaRefs/>
-</ds:datastoreItem>
-</file>
-
-<file path=customXml/itemProps39.xml><?xml version="1.0" encoding="utf-8"?>
-<ds:datastoreItem xmlns:ds="http://schemas.openxmlformats.org/officeDocument/2006/customXml" ds:itemID="{D120E521-1155-4C12-963B-E5F1B15E10E4}">
-  <ds:schemaRefs/>
-</ds:datastoreItem>
-</file>
-
-<file path=customXml/itemProps4.xml><?xml version="1.0" encoding="utf-8"?>
-<ds:datastoreItem xmlns:ds="http://schemas.openxmlformats.org/officeDocument/2006/customXml" ds:itemID="{03AF3FDC-ACD1-46F3-A43E-782322DF9816}">
-  <ds:schemaRefs/>
-</ds:datastoreItem>
-</file>
-
-<file path=customXml/itemProps40.xml><?xml version="1.0" encoding="utf-8"?>
-<ds:datastoreItem xmlns:ds="http://schemas.openxmlformats.org/officeDocument/2006/customXml" ds:itemID="{5CEBE36B-30B4-45CF-9E32-D80F596098BD}">
-  <ds:schemaRefs/>
-</ds:datastoreItem>
-</file>
-
-<file path=customXml/itemProps41.xml><?xml version="1.0" encoding="utf-8"?>
-<ds:datastoreItem xmlns:ds="http://schemas.openxmlformats.org/officeDocument/2006/customXml" ds:itemID="{2968DDEF-D35E-45EF-BBA3-02C81FF31161}">
-  <ds:schemaRefs/>
-</ds:datastoreItem>
-</file>
-
-<file path=customXml/itemProps42.xml><?xml version="1.0" encoding="utf-8"?>
-<ds:datastoreItem xmlns:ds="http://schemas.openxmlformats.org/officeDocument/2006/customXml" ds:itemID="{5007F12F-13D7-4ABB-8EFA-54222101B03A}">
-  <ds:schemaRefs/>
-</ds:datastoreItem>
-</file>
-
-<file path=customXml/itemProps43.xml><?xml version="1.0" encoding="utf-8"?>
-<ds:datastoreItem xmlns:ds="http://schemas.openxmlformats.org/officeDocument/2006/customXml" ds:itemID="{D92C3DF5-A179-4E2D-BD20-07044B39171F}">
-  <ds:schemaRefs/>
-</ds:datastoreItem>
-</file>
-
-<file path=customXml/itemProps44.xml><?xml version="1.0" encoding="utf-8"?>
-<ds:datastoreItem xmlns:ds="http://schemas.openxmlformats.org/officeDocument/2006/customXml" ds:itemID="{37F42BB5-ADFA-4FC6-BFD5-9E1577435898}">
-  <ds:schemaRefs/>
-</ds:datastoreItem>
-</file>
-
-<file path=customXml/itemProps45.xml><?xml version="1.0" encoding="utf-8"?>
-<ds:datastoreItem xmlns:ds="http://schemas.openxmlformats.org/officeDocument/2006/customXml" ds:itemID="{8647BAD8-9C0D-44D3-8F26-B35AB680ED0B}">
-  <ds:schemaRefs/>
-</ds:datastoreItem>
-</file>
-
-<file path=customXml/itemProps46.xml><?xml version="1.0" encoding="utf-8"?>
-<ds:datastoreItem xmlns:ds="http://schemas.openxmlformats.org/officeDocument/2006/customXml" ds:itemID="{089FEF82-FF49-4304-ACE1-9CC99C3F3AD4}">
-  <ds:schemaRefs/>
-</ds:datastoreItem>
-</file>
-
-<file path=customXml/itemProps47.xml><?xml version="1.0" encoding="utf-8"?>
+<file path=customXml/itemProps7.xml><?xml version="1.0" encoding="utf-8"?>
 <ds:datastoreItem xmlns:ds="http://schemas.openxmlformats.org/officeDocument/2006/customXml" ds:itemID="{C9E57065-69F0-43E2-AADF-4C88E470BB8D}">
   <ds:schemaRefs/>
 </ds:datastoreItem>
 </file>
 
-<file path=customXml/itemProps48.xml><?xml version="1.0" encoding="utf-8"?>
-<ds:datastoreItem xmlns:ds="http://schemas.openxmlformats.org/officeDocument/2006/customXml" ds:itemID="{60674E46-5871-43B7-A6EA-907A403B767B}">
-  <ds:schemaRefs/>
-</ds:datastoreItem>
-</file>
-
-<file path=customXml/itemProps49.xml><?xml version="1.0" encoding="utf-8"?>
-<ds:datastoreItem xmlns:ds="http://schemas.openxmlformats.org/officeDocument/2006/customXml" ds:itemID="{0C9D575C-12A6-4EAE-A1D0-E46E951025A8}">
-  <ds:schemaRefs/>
-</ds:datastoreItem>
-</file>
-
-<file path=customXml/itemProps5.xml><?xml version="1.0" encoding="utf-8"?>
-<ds:datastoreItem xmlns:ds="http://schemas.openxmlformats.org/officeDocument/2006/customXml" ds:itemID="{F5A7E41D-6E7F-4B05-AFAB-F540BD4C068B}">
-  <ds:schemaRefs>
-    <ds:schemaRef ds:uri="http://schemas.microsoft.com/sharepoint/v3/contenttype/forms"/>
-  </ds:schemaRefs>
-</ds:datastoreItem>
-</file>
-
-<file path=customXml/itemProps50.xml><?xml version="1.0" encoding="utf-8"?>
+<file path=customXml/itemProps8.xml><?xml version="1.0" encoding="utf-8"?>
 <ds:datastoreItem xmlns:ds="http://schemas.openxmlformats.org/officeDocument/2006/customXml" ds:itemID="{7020B10D-9B30-421E-AB50-6B5B3E8895E5}">
   <ds:schemaRefs/>
 </ds:datastoreItem>
 </file>
 
-<file path=customXml/itemProps51.xml><?xml version="1.0" encoding="utf-8"?>
-<ds:datastoreItem xmlns:ds="http://schemas.openxmlformats.org/officeDocument/2006/customXml" ds:itemID="{FE716B1B-5E72-41FE-8634-288F88BBA8F9}">
-  <ds:schemaRefs/>
-</ds:datastoreItem>
-</file>
-
-<file path=customXml/itemProps52.xml><?xml version="1.0" encoding="utf-8"?>
-<ds:datastoreItem xmlns:ds="http://schemas.openxmlformats.org/officeDocument/2006/customXml" ds:itemID="{27A29DE5-0540-481C-B6DF-CCFA5149D061}">
-  <ds:schemaRefs/>
-</ds:datastoreItem>
-</file>
-
-<file path=customXml/itemProps53.xml><?xml version="1.0" encoding="utf-8"?>
-<ds:datastoreItem xmlns:ds="http://schemas.openxmlformats.org/officeDocument/2006/customXml" ds:itemID="{4CC300FD-F619-4F09-9E10-51D42657DF62}">
-  <ds:schemaRefs/>
-</ds:datastoreItem>
-</file>
-
-<file path=customXml/itemProps54.xml><?xml version="1.0" encoding="utf-8"?>
-<ds:datastoreItem xmlns:ds="http://schemas.openxmlformats.org/officeDocument/2006/customXml" ds:itemID="{0754541E-29C6-4605-9F63-040C2F5D214E}">
-  <ds:schemaRefs/>
-</ds:datastoreItem>
-</file>
-
-<file path=customXml/itemProps55.xml><?xml version="1.0" encoding="utf-8"?>
+<file path=customXml/itemProps9.xml><?xml version="1.0" encoding="utf-8"?>
 <ds:datastoreItem xmlns:ds="http://schemas.openxmlformats.org/officeDocument/2006/customXml" ds:itemID="{5DD38227-4247-4A5E-B719-07A63591B2F2}">
   <ds:schemaRefs/>
 </ds:datastoreItem>
-</file>
-
-<file path=customXml/itemProps56.xml><?xml version="1.0" encoding="utf-8"?>
-<ds:datastoreItem xmlns:ds="http://schemas.openxmlformats.org/officeDocument/2006/customXml" ds:itemID="{C717A6FA-BCFD-46DC-BC27-953BA39B46E6}">
-  <ds:schemaRefs/>
-</ds:datastoreItem>
-</file>
-
-<file path=customXml/itemProps57.xml><?xml version="1.0" encoding="utf-8"?>
-<ds:datastoreItem xmlns:ds="http://schemas.openxmlformats.org/officeDocument/2006/customXml" ds:itemID="{9C95E546-419F-44CA-98F6-6DE73C5C2AE6}">
-  <ds:schemaRefs/>
-</ds:datastoreItem>
-</file>
-
-<file path=customXml/itemProps58.xml><?xml version="1.0" encoding="utf-8"?>
-<ds:datastoreItem xmlns:ds="http://schemas.openxmlformats.org/officeDocument/2006/customXml" ds:itemID="{459BA17D-3344-435C-B24D-9F8049F051B3}">
-  <ds:schemaRefs/>
-</ds:datastoreItem>
-</file>
-
-<file path=customXml/itemProps59.xml><?xml version="1.0" encoding="utf-8"?>
-<ds:datastoreItem xmlns:ds="http://schemas.openxmlformats.org/officeDocument/2006/customXml" ds:itemID="{C578AE0C-5EE7-4C63-B292-B6FADFB5A6DA}">
-  <ds:schemaRefs/>
-</ds:datastoreItem>
-</file>
-
-<file path=customXml/itemProps6.xml><?xml version="1.0" encoding="utf-8"?>
-<ds:datastoreItem xmlns:ds="http://schemas.openxmlformats.org/officeDocument/2006/customXml" ds:itemID="{4914A395-82D1-48FA-8CB8-12F347A6DC3D}">
-  <ds:schemaRefs/>
-</ds:datastoreItem>
-</file>
-
-<file path=customXml/itemProps7.xml><?xml version="1.0" encoding="utf-8"?>
-<ds:datastoreItem xmlns:ds="http://schemas.openxmlformats.org/officeDocument/2006/customXml" ds:itemID="{56F2EE69-0CCA-4F48-BE22-EC4A886C57A7}">
-  <ds:schemaRefs>
-    <ds:schemaRef ds:uri="http://schemas.microsoft.com/office/2006/metadata/properties"/>
-    <ds:schemaRef ds:uri="http://schemas.microsoft.com/office/2006/documentManagement/types"/>
-    <ds:schemaRef ds:uri="92e1255f-bb7b-4dc9-b051-584cc104eb44"/>
-    <ds:schemaRef ds:uri="http://purl.org/dc/dcmitype/"/>
-    <ds:schemaRef ds:uri="http://schemas.microsoft.com/office/infopath/2007/PartnerControls"/>
-    <ds:schemaRef ds:uri="http://schemas.openxmlformats.org/package/2006/metadata/core-properties"/>
-    <ds:schemaRef ds:uri="http://purl.org/dc/elements/1.1/"/>
-    <ds:schemaRef ds:uri="a6550eff-0fc9-443f-8e77-72cbcf778382"/>
-    <ds:schemaRef ds:uri="http://www.w3.org/XML/1998/namespace"/>
-    <ds:schemaRef ds:uri="http://purl.org/dc/terms/"/>
-  </ds:schemaRefs>
-</ds:datastoreItem>
-</file>
-
-<file path=customXml/itemProps8.xml><?xml version="1.0" encoding="utf-8"?>
-<ds:datastoreItem xmlns:ds="http://schemas.openxmlformats.org/officeDocument/2006/customXml" ds:itemID="{58CC0B31-82B9-497A-9A2E-F3F72D0BBDAD}">
-  <ds:schemaRefs/>
-</ds:datastoreItem>
-</file>
-
-<file path=customXml/itemProps9.xml><?xml version="1.0" encoding="utf-8"?>
-<ds:datastoreItem xmlns:ds="http://schemas.openxmlformats.org/officeDocument/2006/customXml" ds:itemID="{1EBE98CF-9ADD-4A89-9517-F0CBB3D48CF2}">
-  <ds:schemaRefs/>
-</ds:datastoreItem>
 </file>
--- a/BC_1.pptx
+++ b/BC_1.pptx
@@ -1112,7 +1112,7 @@
               </a:rPr>
               <a:t>  |  EPRTSHE Prashant Shende  |  2019-12-08  |  Ericsson Confidential  |  Page </a:t>
             </a:r>
-            <a:fld id="{AF96B8D7-C89C-49F9-A950-D25631CEA93F}" type="slidenum">
+            <a:fld id="{2B834F3D-D9F6-417A-A578-268E88B36CD2}" type="slidenum">
               <a:rPr lang="en-US" sz="800" b="0" i="0" u="none" smtClean="0">
                 <a:solidFill>
                   <a:srgbClr val="1A1816"/>
@@ -1128,7 +1128,7 @@
                 </a:solidFill>
                 <a:latin typeface="+mn-lt"/>
               </a:rPr>
-              <a:t> of 15</a:t>
+              <a:t> of 16</a:t>
             </a:r>
             <a:endParaRPr lang="en-US" sz="800" b="0" i="0" u="none" dirty="0">
               <a:solidFill>
@@ -1605,7 +1605,7 @@
               </a:rPr>
               <a:t>  |  EPRTSHE Prashant Shende  |  2019-12-08  |  Ericsson Confidential  |  Page </a:t>
             </a:r>
-            <a:fld id="{914551BF-73E5-4136-8AF8-3B1954ED8E65}" type="slidenum">
+            <a:fld id="{27405041-2A98-4B3B-9FB8-076E137588BC}" type="slidenum">
               <a:rPr lang="en-US" sz="800" b="0" i="0" u="none" smtClean="0">
                 <a:solidFill>
                   <a:schemeClr val="bg1"/>
@@ -1621,7 +1621,7 @@
                 </a:solidFill>
                 <a:latin typeface="+mn-lt"/>
               </a:rPr>
-              <a:t> of 15</a:t>
+              <a:t> of 16</a:t>
             </a:r>
             <a:endParaRPr lang="en-US" sz="800" b="0" i="0" u="none" dirty="0">
               <a:solidFill>
@@ -1906,7 +1906,7 @@
               </a:rPr>
               <a:t>  |  EPRTSHE Prashant Shende  |  2019-12-08  |  Ericsson Confidential  |  Page </a:t>
             </a:r>
-            <a:fld id="{16A8C560-4CA2-483B-ACC3-15E1E2C26B0B}" type="slidenum">
+            <a:fld id="{515BD77F-0CD0-40B5-B1C1-CF556BD7DF34}" type="slidenum">
               <a:rPr lang="en-US" sz="800" b="0" i="0" u="none" smtClean="0">
                 <a:solidFill>
                   <a:srgbClr val="1A1816"/>
@@ -1922,7 +1922,7 @@
                 </a:solidFill>
                 <a:latin typeface="+mn-lt"/>
               </a:rPr>
-              <a:t> of 15</a:t>
+              <a:t> of 16</a:t>
             </a:r>
             <a:endParaRPr lang="en-US" sz="800" b="0" i="0" u="none" dirty="0">
               <a:solidFill>
@@ -2133,7 +2133,7 @@
               </a:rPr>
               <a:t>  |  EPRTSHE Prashant Shende  |  2019-12-08  |  Ericsson Confidential  |  Page </a:t>
             </a:r>
-            <a:fld id="{B5A65AF4-9CD4-4ADA-AED1-BE7BEE5D7928}" type="slidenum">
+            <a:fld id="{0F745C09-9024-4AFC-81BE-DC2707DD1AD7}" type="slidenum">
               <a:rPr lang="en-US" sz="800" b="0" i="0" u="none" smtClean="0">
                 <a:solidFill>
                   <a:srgbClr val="1A1816"/>
@@ -2149,7 +2149,7 @@
                 </a:solidFill>
                 <a:latin typeface="+mn-lt"/>
               </a:rPr>
-              <a:t> of 15</a:t>
+              <a:t> of 16</a:t>
             </a:r>
             <a:endParaRPr lang="en-US" sz="800" b="0" i="0" u="none" dirty="0">
               <a:solidFill>
@@ -2302,7 +2302,7 @@
               </a:rPr>
               <a:t>  |  EPRTSHE Prashant Shende  |  2019-12-08  |  Ericsson Confidential  |  Page </a:t>
             </a:r>
-            <a:fld id="{DE4313CC-26D6-4BAD-B3A7-81B77502F259}" type="slidenum">
+            <a:fld id="{286F4E76-90EE-4C73-8CC6-48A9A236BFF3}" type="slidenum">
               <a:rPr lang="en-US" sz="800" b="0" i="0" u="none" smtClean="0">
                 <a:solidFill>
                   <a:srgbClr val="1A1816"/>
@@ -2318,7 +2318,7 @@
                 </a:solidFill>
                 <a:latin typeface="+mn-lt"/>
               </a:rPr>
-              <a:t> of 15</a:t>
+              <a:t> of 16</a:t>
             </a:r>
             <a:endParaRPr lang="en-US" sz="800" b="0" i="0" u="none" dirty="0">
               <a:solidFill>
@@ -2518,7 +2518,7 @@
               </a:rPr>
               <a:t>  |  EPRTSHE Prashant Shende  |  2019-12-08  |  Ericsson Confidential  |  Page </a:t>
             </a:r>
-            <a:fld id="{ABB17926-6AE8-44EC-A83D-C528289B09AC}" type="slidenum">
+            <a:fld id="{653FDBBB-E8F9-4725-8D14-9296EF6E9C0C}" type="slidenum">
               <a:rPr lang="en-US" sz="800" b="0" i="0" u="none" smtClean="0">
                 <a:solidFill>
                   <a:srgbClr val="1A1816"/>
@@ -2534,7 +2534,7 @@
                 </a:solidFill>
                 <a:latin typeface="+mn-lt"/>
               </a:rPr>
-              <a:t> of 15</a:t>
+              <a:t> of 16</a:t>
             </a:r>
             <a:endParaRPr lang="en-US" sz="800" b="0" i="0" u="none" dirty="0">
               <a:solidFill>
@@ -2826,7 +2826,7 @@
               </a:rPr>
               <a:t>  |  EPRTSHE Prashant Shende  |  2019-12-08  |  Ericsson Confidential  |  Page </a:t>
             </a:r>
-            <a:fld id="{C34D2473-DB4A-473D-BC7B-B111745F2EB2}" type="slidenum">
+            <a:fld id="{F664812D-8ABF-42A0-8896-6C3D6AE48371}" type="slidenum">
               <a:rPr lang="en-US" sz="800" b="0" i="0" u="none" smtClean="0">
                 <a:solidFill>
                   <a:schemeClr val="bg1"/>
@@ -2842,7 +2842,7 @@
                 </a:solidFill>
                 <a:latin typeface="+mn-lt"/>
               </a:rPr>
-              <a:t> of 15</a:t>
+              <a:t> of 16</a:t>
             </a:r>
             <a:endParaRPr lang="en-US" sz="800" b="0" i="0" u="none" dirty="0">
               <a:solidFill>
@@ -3134,7 +3134,7 @@
               </a:rPr>
               <a:t>  |  EPRTSHE Prashant Shende  |  2019-12-08  |  Ericsson Confidential  |  Page </a:t>
             </a:r>
-            <a:fld id="{BECC7C0E-550D-4EE4-9ECE-84823508A119}" type="slidenum">
+            <a:fld id="{179A4DDC-D345-4B52-B9FD-A78144E75D6B}" type="slidenum">
               <a:rPr lang="en-US" sz="800" b="0" i="0" u="none" smtClean="0">
                 <a:solidFill>
                   <a:schemeClr val="bg1"/>
@@ -3150,7 +3150,7 @@
                 </a:solidFill>
                 <a:latin typeface="+mn-lt"/>
               </a:rPr>
-              <a:t> of 15</a:t>
+              <a:t> of 16</a:t>
             </a:r>
             <a:endParaRPr lang="en-US" sz="800" b="0" i="0" u="none" dirty="0">
               <a:solidFill>
@@ -3442,7 +3442,7 @@
               </a:rPr>
               <a:t>  |  EPRTSHE Prashant Shende  |  2019-12-08  |  Ericsson Confidential  |  Page </a:t>
             </a:r>
-            <a:fld id="{0D777B7B-E03A-4DD6-BA6E-A41138DDF6E3}" type="slidenum">
+            <a:fld id="{D35C993C-C2AF-42DC-B6B4-508FB648A459}" type="slidenum">
               <a:rPr lang="en-US" sz="800" b="0" i="0" u="none" smtClean="0">
                 <a:solidFill>
                   <a:schemeClr val="bg1"/>
@@ -3458,7 +3458,7 @@
                 </a:solidFill>
                 <a:latin typeface="+mn-lt"/>
               </a:rPr>
-              <a:t> of 15</a:t>
+              <a:t> of 16</a:t>
             </a:r>
             <a:endParaRPr lang="en-US" sz="800" b="0" i="0" u="none" dirty="0">
               <a:solidFill>
@@ -3750,7 +3750,7 @@
               </a:rPr>
               <a:t>  |  EPRTSHE Prashant Shende  |  2019-12-08  |  Ericsson Confidential  |  Page </a:t>
             </a:r>
-            <a:fld id="{89DBA37E-3C4B-4A6E-9E4F-25E1E333CF25}" type="slidenum">
+            <a:fld id="{65AB8DAA-7237-4CA5-AFDF-CD94FFB2940F}" type="slidenum">
               <a:rPr lang="en-US" sz="800" b="0" i="0" u="none" smtClean="0">
                 <a:solidFill>
                   <a:schemeClr val="bg1"/>
@@ -3766,7 +3766,7 @@
                 </a:solidFill>
                 <a:latin typeface="+mn-lt"/>
               </a:rPr>
-              <a:t> of 15</a:t>
+              <a:t> of 16</a:t>
             </a:r>
             <a:endParaRPr lang="en-US" sz="800" b="0" i="0" u="none" dirty="0">
               <a:solidFill>
@@ -4058,7 +4058,7 @@
               </a:rPr>
               <a:t>  |  EPRTSHE Prashant Shende  |  2019-12-08  |  Ericsson Confidential  |  Page </a:t>
             </a:r>
-            <a:fld id="{AFCAB4B0-DF31-4855-8000-031246A5CFBF}" type="slidenum">
+            <a:fld id="{A3CC881E-4F43-4183-8A8C-7D7AC1044269}" type="slidenum">
               <a:rPr lang="en-US" sz="800" b="0" i="0" u="none" smtClean="0">
                 <a:solidFill>
                   <a:schemeClr val="bg1"/>
@@ -4074,7 +4074,7 @@
                 </a:solidFill>
                 <a:latin typeface="+mn-lt"/>
               </a:rPr>
-              <a:t> of 15</a:t>
+              <a:t> of 16</a:t>
             </a:r>
             <a:endParaRPr lang="en-US" sz="800" b="0" i="0" u="none" dirty="0">
               <a:solidFill>
@@ -4579,7 +4579,7 @@
               </a:rPr>
               <a:t>  |  EPRTSHE Prashant Shende  |  2019-12-08  |  Ericsson Confidential  |  Page </a:t>
             </a:r>
-            <a:fld id="{06F22ED3-D256-4EAA-8977-3FE016FF1689}" type="slidenum">
+            <a:fld id="{0CB737AA-22F1-4861-B4D7-213E70C103E2}" type="slidenum">
               <a:rPr lang="en-US" sz="800" b="0" i="0" u="none" smtClean="0">
                 <a:solidFill>
                   <a:schemeClr val="bg1"/>
@@ -4595,7 +4595,7 @@
                 </a:solidFill>
                 <a:latin typeface="+mn-lt"/>
               </a:rPr>
-              <a:t> of 15</a:t>
+              <a:t> of 16</a:t>
             </a:r>
             <a:endParaRPr lang="en-US" sz="800" b="0" i="0" u="none" dirty="0">
               <a:solidFill>
@@ -4893,7 +4893,7 @@
               </a:rPr>
               <a:t>  |  EPRTSHE Prashant Shende  |  2019-12-08  |  Ericsson Confidential  |  Page </a:t>
             </a:r>
-            <a:fld id="{8A54B848-D09D-4D26-95E6-8FB0E7C598FF}" type="slidenum">
+            <a:fld id="{B6BAFBB4-5741-47FA-ABAC-8A1B639C30F4}" type="slidenum">
               <a:rPr lang="en-US" sz="800" b="0" i="0" u="none" smtClean="0">
                 <a:solidFill>
                   <a:schemeClr val="bg1"/>
@@ -4909,7 +4909,7 @@
                 </a:solidFill>
                 <a:latin typeface="+mn-lt"/>
               </a:rPr>
-              <a:t> of 15</a:t>
+              <a:t> of 16</a:t>
             </a:r>
             <a:endParaRPr lang="en-US" sz="800" b="0" i="0" u="none" dirty="0">
               <a:solidFill>
@@ -5201,7 +5201,7 @@
               </a:rPr>
               <a:t>  |  EPRTSHE Prashant Shende  |  2019-12-08  |  Ericsson Confidential  |  Page </a:t>
             </a:r>
-            <a:fld id="{95366FDE-8AB9-4617-A467-A79E57F4198C}" type="slidenum">
+            <a:fld id="{40D9D431-C943-4DC0-AE60-53A81C7658E1}" type="slidenum">
               <a:rPr lang="en-US" sz="800" b="0" i="0" u="none" smtClean="0">
                 <a:solidFill>
                   <a:schemeClr val="bg1"/>
@@ -5217,7 +5217,7 @@
                 </a:solidFill>
                 <a:latin typeface="+mn-lt"/>
               </a:rPr>
-              <a:t> of 15</a:t>
+              <a:t> of 16</a:t>
             </a:r>
             <a:endParaRPr lang="en-US" sz="800" b="0" i="0" u="none" dirty="0">
               <a:solidFill>
@@ -5503,7 +5503,7 @@
               </a:rPr>
               <a:t>  |  EPRTSHE Prashant Shende  |  2019-12-08  |  Ericsson Confidential  |  Page </a:t>
             </a:r>
-            <a:fld id="{110E14A3-0355-4500-B391-83529DF0A201}" type="slidenum">
+            <a:fld id="{39CA1BA1-2EE5-40E4-86AA-91AB22706C3F}" type="slidenum">
               <a:rPr lang="en-US" sz="800" b="0" i="0" u="none" smtClean="0">
                 <a:solidFill>
                   <a:srgbClr val="1A1816"/>
@@ -5519,7 +5519,7 @@
                 </a:solidFill>
                 <a:latin typeface="+mn-lt"/>
               </a:rPr>
-              <a:t> of 15</a:t>
+              <a:t> of 16</a:t>
             </a:r>
             <a:endParaRPr lang="en-US" sz="800" b="0" i="0" u="none" dirty="0">
               <a:solidFill>
@@ -5804,7 +5804,7 @@
               </a:rPr>
               <a:t>  |  EPRTSHE Prashant Shende  |  2019-12-08  |  Ericsson Confidential  |  Page </a:t>
             </a:r>
-            <a:fld id="{C9CC0005-6803-4143-ABCC-719DB381CD2C}" type="slidenum">
+            <a:fld id="{6D6D2F65-54FC-4055-989C-65E7788B7E3C}" type="slidenum">
               <a:rPr lang="en-US" sz="800" b="0" i="0" u="none" smtClean="0">
                 <a:solidFill>
                   <a:srgbClr val="1A1816"/>
@@ -5820,7 +5820,7 @@
                 </a:solidFill>
                 <a:latin typeface="+mn-lt"/>
               </a:rPr>
-              <a:t> of 15</a:t>
+              <a:t> of 16</a:t>
             </a:r>
             <a:endParaRPr lang="en-US" sz="800" b="0" i="0" u="none" dirty="0">
               <a:solidFill>
@@ -6111,7 +6111,7 @@
               </a:rPr>
               <a:t>  |  EPRTSHE Prashant Shende  |  2019-12-08  |  Ericsson Confidential  |  Page </a:t>
             </a:r>
-            <a:fld id="{F0E3798C-4F24-420C-9223-51EA7279965D}" type="slidenum">
+            <a:fld id="{7C127F88-B242-468F-BCED-0EFEC71F6135}" type="slidenum">
               <a:rPr lang="en-US" sz="800" b="0" i="0" u="none" smtClean="0">
                 <a:solidFill>
                   <a:srgbClr val="1A1816"/>
@@ -6127,7 +6127,7 @@
                 </a:solidFill>
                 <a:latin typeface="+mn-lt"/>
               </a:rPr>
-              <a:t> of 15</a:t>
+              <a:t> of 16</a:t>
             </a:r>
             <a:endParaRPr lang="en-US" sz="800" b="0" i="0" u="none" dirty="0">
               <a:solidFill>
@@ -6413,7 +6413,7 @@
               </a:rPr>
               <a:t>  |  EPRTSHE Prashant Shende  |  2019-12-08  |  Ericsson Confidential  |  Page </a:t>
             </a:r>
-            <a:fld id="{6A1EE28D-F2DC-4974-AC63-7D8D9135EE87}" type="slidenum">
+            <a:fld id="{2941508A-7680-4881-A64E-68ED72AC3E71}" type="slidenum">
               <a:rPr lang="en-US" sz="800" b="0" i="0" u="none" smtClean="0">
                 <a:solidFill>
                   <a:srgbClr val="1A1816"/>
@@ -6429,7 +6429,7 @@
                 </a:solidFill>
                 <a:latin typeface="+mn-lt"/>
               </a:rPr>
-              <a:t> of 15</a:t>
+              <a:t> of 16</a:t>
             </a:r>
             <a:endParaRPr lang="en-US" sz="800" b="0" i="0" u="none" dirty="0">
               <a:solidFill>
@@ -6751,7 +6751,7 @@
               </a:rPr>
               <a:t>  |  EPRTSHE Prashant Shende  |  2019-12-08  |  Ericsson Confidential  |  Page </a:t>
             </a:r>
-            <a:fld id="{59D3274C-613E-440A-8560-02E78915BCBD}" type="slidenum">
+            <a:fld id="{D61CAE05-B97B-4CB7-B986-06CBEF458F28}" type="slidenum">
               <a:rPr lang="en-US" sz="800" b="0" i="0" u="none" smtClean="0">
                 <a:solidFill>
                   <a:srgbClr val="1A1816"/>
@@ -6767,7 +6767,7 @@
                 </a:solidFill>
                 <a:latin typeface="+mn-lt"/>
               </a:rPr>
-              <a:t> of 15</a:t>
+              <a:t> of 16</a:t>
             </a:r>
             <a:endParaRPr lang="en-US" sz="800" b="0" i="0" u="none" dirty="0">
               <a:solidFill>
@@ -7053,7 +7053,7 @@
               </a:rPr>
               <a:t>  |  EPRTSHE Prashant Shende  |  2019-12-08  |  Ericsson Confidential  |  Page </a:t>
             </a:r>
-            <a:fld id="{1915ADB4-21FD-4630-8D9F-068D149982AE}" type="slidenum">
+            <a:fld id="{D94BAF55-9D10-46CA-A760-A37A0F84A069}" type="slidenum">
               <a:rPr lang="en-US" sz="800" b="0" i="0" u="none" smtClean="0">
                 <a:solidFill>
                   <a:srgbClr val="1A1816"/>
@@ -7069,7 +7069,7 @@
                 </a:solidFill>
                 <a:latin typeface="+mn-lt"/>
               </a:rPr>
-              <a:t> of 15</a:t>
+              <a:t> of 16</a:t>
             </a:r>
             <a:endParaRPr lang="en-US" sz="800" b="0" i="0" u="none" dirty="0">
               <a:solidFill>
@@ -7391,7 +7391,7 @@
               </a:rPr>
               <a:t>  |  EPRTSHE Prashant Shende  |  2019-12-08  |  Ericsson Confidential  |  Page </a:t>
             </a:r>
-            <a:fld id="{DDAEE2D5-656D-4A6C-B577-82E55F1A980B}" type="slidenum">
+            <a:fld id="{6C61DC49-CE0A-4AA9-BB3F-202B54E94F33}" type="slidenum">
               <a:rPr lang="en-US" sz="800" b="0" i="0" u="none" smtClean="0">
                 <a:solidFill>
                   <a:srgbClr val="1A1816"/>
@@ -7407,7 +7407,7 @@
                 </a:solidFill>
                 <a:latin typeface="+mn-lt"/>
               </a:rPr>
-              <a:t> of 15</a:t>
+              <a:t> of 16</a:t>
             </a:r>
             <a:endParaRPr lang="en-US" sz="800" b="0" i="0" u="none" dirty="0">
               <a:solidFill>
@@ -7773,7 +7773,7 @@
               </a:rPr>
               <a:t>  |  EPRTSHE Prashant Shende  |  2019-12-08  |  Ericsson Confidential  |  Page </a:t>
             </a:r>
-            <a:fld id="{FE2B389A-575C-4DB7-898F-4237615B98D1}" type="slidenum">
+            <a:fld id="{EE20FA22-8BF2-4FFA-892C-0735856B36C2}" type="slidenum">
               <a:rPr lang="en-US" sz="800" b="0" i="0" u="none" smtClean="0">
                 <a:solidFill>
                   <a:srgbClr val="1A1816"/>
@@ -7789,7 +7789,7 @@
                 </a:solidFill>
                 <a:latin typeface="+mn-lt"/>
               </a:rPr>
-              <a:t> of 15</a:t>
+              <a:t> of 16</a:t>
             </a:r>
             <a:endParaRPr lang="en-US" sz="800" b="0" i="0" u="none" dirty="0">
               <a:solidFill>
@@ -8115,7 +8115,7 @@
               </a:rPr>
               <a:t>  |  EPRTSHE Prashant Shende  |  2019-12-08  |  Ericsson Confidential  |  Page </a:t>
             </a:r>
-            <a:fld id="{A2085F8D-44FF-4435-9992-D9D61052CC56}" type="slidenum">
+            <a:fld id="{7D26BB8C-CDDC-410D-AD5F-4165436757A9}" type="slidenum">
               <a:rPr lang="en-US" sz="800" b="0" i="0" u="none" smtClean="0">
                 <a:solidFill>
                   <a:srgbClr val="1A1816"/>
@@ -8131,7 +8131,7 @@
                 </a:solidFill>
                 <a:latin typeface="+mn-lt"/>
               </a:rPr>
-              <a:t> of 15</a:t>
+              <a:t> of 16</a:t>
             </a:r>
             <a:endParaRPr lang="en-US" sz="800" b="0" i="0" u="none" dirty="0">
               <a:solidFill>
@@ -8482,7 +8482,7 @@
               </a:rPr>
               <a:t>  |  EPRTSHE Prashant Shende  |  2019-12-08  |  Ericsson Confidential  |  Page </a:t>
             </a:r>
-            <a:fld id="{22C6BBF9-364F-4057-924E-23A87D29F0E0}" type="slidenum">
+            <a:fld id="{B8AC7F18-CB9E-47A9-B487-3EED27B46824}" type="slidenum">
               <a:rPr lang="en-US" sz="800" b="0" i="0" u="none" smtClean="0">
                 <a:solidFill>
                   <a:srgbClr val="1A1816"/>
@@ -8498,7 +8498,7 @@
                 </a:solidFill>
                 <a:latin typeface="+mn-lt"/>
               </a:rPr>
-              <a:t> of 15</a:t>
+              <a:t> of 16</a:t>
             </a:r>
             <a:endParaRPr lang="en-US" sz="800" b="0" i="0" u="none" dirty="0">
               <a:solidFill>
@@ -8864,7 +8864,7 @@
               </a:rPr>
               <a:t>  |  EPRTSHE Prashant Shende  |  2019-12-08  |  Ericsson Confidential  |  Page </a:t>
             </a:r>
-            <a:fld id="{187564C1-BA27-4408-BD5F-D4E21E569C40}" type="slidenum">
+            <a:fld id="{AEA83BCF-C72F-420D-A45E-FB6958DDAA93}" type="slidenum">
               <a:rPr lang="en-US" sz="800" b="0" i="0" u="none" smtClean="0">
                 <a:solidFill>
                   <a:srgbClr val="1A1816"/>
@@ -8880,7 +8880,7 @@
                 </a:solidFill>
                 <a:latin typeface="+mn-lt"/>
               </a:rPr>
-              <a:t> of 15</a:t>
+              <a:t> of 16</a:t>
             </a:r>
             <a:endParaRPr lang="en-US" sz="800" b="0" i="0" u="none" dirty="0">
               <a:solidFill>
@@ -9246,7 +9246,7 @@
               </a:rPr>
               <a:t>  |  EPRTSHE Prashant Shende  |  2019-12-08  |  Ericsson Confidential  |  Page </a:t>
             </a:r>
-            <a:fld id="{59AFBD31-9D1F-45F8-A183-25F0FDFC78FC}" type="slidenum">
+            <a:fld id="{25EE6EB1-15E4-4F7A-9717-3B665B4366A0}" type="slidenum">
               <a:rPr lang="en-US" sz="800" b="0" i="0" u="none" smtClean="0">
                 <a:solidFill>
                   <a:srgbClr val="1A1816"/>
@@ -9262,7 +9262,7 @@
                 </a:solidFill>
                 <a:latin typeface="+mn-lt"/>
               </a:rPr>
-              <a:t> of 15</a:t>
+              <a:t> of 16</a:t>
             </a:r>
             <a:endParaRPr lang="en-US" sz="800" b="0" i="0" u="none" dirty="0">
               <a:solidFill>
@@ -9628,7 +9628,7 @@
               </a:rPr>
               <a:t>  |  EPRTSHE Prashant Shende  |  2019-12-08  |  Ericsson Confidential  |  Page </a:t>
             </a:r>
-            <a:fld id="{A1773927-DA82-4F0C-9571-23957707FD32}" type="slidenum">
+            <a:fld id="{8CB034A6-5174-420F-8358-41DB59BBDCFE}" type="slidenum">
               <a:rPr lang="en-US" sz="800" b="0" i="0" u="none" smtClean="0">
                 <a:solidFill>
                   <a:srgbClr val="1A1816"/>
@@ -9644,7 +9644,7 @@
                 </a:solidFill>
                 <a:latin typeface="+mn-lt"/>
               </a:rPr>
-              <a:t> of 15</a:t>
+              <a:t> of 16</a:t>
             </a:r>
             <a:endParaRPr lang="en-US" sz="800" b="0" i="0" u="none" dirty="0">
               <a:solidFill>
@@ -10010,7 +10010,7 @@
               </a:rPr>
               <a:t>  |  EPRTSHE Prashant Shende  |  2019-12-08  |  Ericsson Confidential  |  Page </a:t>
             </a:r>
-            <a:fld id="{4CAC4AB0-D5F9-4FE2-A419-E42DA00EF005}" type="slidenum">
+            <a:fld id="{AF3262F9-9E54-462E-9AD1-43B2F850D4A1}" type="slidenum">
               <a:rPr lang="en-US" sz="800" b="0" i="0" u="none" smtClean="0">
                 <a:solidFill>
                   <a:srgbClr val="1A1816"/>
@@ -10026,7 +10026,7 @@
                 </a:solidFill>
                 <a:latin typeface="+mn-lt"/>
               </a:rPr>
-              <a:t> of 15</a:t>
+              <a:t> of 16</a:t>
             </a:r>
             <a:endParaRPr lang="en-US" sz="800" b="0" i="0" u="none" dirty="0">
               <a:solidFill>
@@ -10454,7 +10454,7 @@
               </a:rPr>
               <a:t>  |  EPRTSHE Prashant Shende  |  2019-12-08  |  Ericsson Confidential  |  Page </a:t>
             </a:r>
-            <a:fld id="{37B8FC15-866A-4929-B470-D40A2368B8D1}" type="slidenum">
+            <a:fld id="{6CD972E0-4867-4A3C-A3CC-BE522BCBAA0D}" type="slidenum">
               <a:rPr lang="en-US" sz="800" b="0" i="0" u="none" smtClean="0">
                 <a:solidFill>
                   <a:srgbClr val="1A1816"/>
@@ -10470,7 +10470,7 @@
                 </a:solidFill>
                 <a:latin typeface="+mn-lt"/>
               </a:rPr>
-              <a:t> of 15</a:t>
+              <a:t> of 16</a:t>
             </a:r>
             <a:endParaRPr lang="en-US" sz="800" b="0" i="0" u="none" dirty="0">
               <a:solidFill>
@@ -10892,7 +10892,7 @@
               </a:rPr>
               <a:t>  |  EPRTSHE Prashant Shende  |  2019-12-08  |  Ericsson Confidential  |  Page </a:t>
             </a:r>
-            <a:fld id="{41E4C55D-E3FC-40F2-AAA9-A76001C16CCD}" type="slidenum">
+            <a:fld id="{F6A967F4-D2FF-4193-A87B-5B8B95760A89}" type="slidenum">
               <a:rPr lang="en-US" sz="800" b="0" i="0" u="none" smtClean="0">
                 <a:solidFill>
                   <a:srgbClr val="1A1816"/>
@@ -10908,7 +10908,7 @@
                 </a:solidFill>
                 <a:latin typeface="+mn-lt"/>
               </a:rPr>
-              <a:t> of 15</a:t>
+              <a:t> of 16</a:t>
             </a:r>
             <a:endParaRPr lang="en-US" sz="800" b="0" i="0" u="none" dirty="0">
               <a:solidFill>
@@ -11393,7 +11393,7 @@
               </a:rPr>
               <a:t>  |  EPRTSHE Prashant Shende  |  2019-12-08  |  Ericsson Confidential  |  Page </a:t>
             </a:r>
-            <a:fld id="{F1804982-E18A-43B1-A642-6C736FE0B99E}" type="slidenum">
+            <a:fld id="{96DDDC94-4789-49DD-B9DF-89BFFB7E3216}" type="slidenum">
               <a:rPr lang="en-US" sz="800" b="0" i="0" u="none" smtClean="0">
                 <a:solidFill>
                   <a:srgbClr val="1A1816"/>
@@ -11409,7 +11409,7 @@
                 </a:solidFill>
                 <a:latin typeface="+mn-lt"/>
               </a:rPr>
-              <a:t> of 15</a:t>
+              <a:t> of 16</a:t>
             </a:r>
             <a:endParaRPr lang="en-US" sz="800" b="0" i="0" u="none" dirty="0">
               <a:solidFill>
@@ -11907,7 +11907,7 @@
               </a:rPr>
               <a:t>  |  EPRTSHE Prashant Shende  |  2019-12-08  |  Ericsson Confidential  |  Page </a:t>
             </a:r>
-            <a:fld id="{594FB2C8-F3F6-4210-9B42-BD4D926ADDF9}" type="slidenum">
+            <a:fld id="{A9F0D895-B6AD-4077-85A3-CE92400704BA}" type="slidenum">
               <a:rPr lang="en-US" sz="800" b="0" i="0" u="none" smtClean="0">
                 <a:solidFill>
                   <a:srgbClr val="1A1816"/>
@@ -11923,7 +11923,7 @@
                 </a:solidFill>
                 <a:latin typeface="+mn-lt"/>
               </a:rPr>
-              <a:t> of 15</a:t>
+              <a:t> of 16</a:t>
             </a:r>
             <a:endParaRPr lang="en-US" sz="800" b="0" i="0" u="none" dirty="0">
               <a:solidFill>
@@ -12385,7 +12385,7 @@
               </a:rPr>
               <a:t>  |  EPRTSHE Prashant Shende  |  2019-12-08  |  Ericsson Confidential  |  Page </a:t>
             </a:r>
-            <a:fld id="{644B3271-B507-4745-94DE-50036F84E3D9}" type="slidenum">
+            <a:fld id="{84E6BFB7-90F9-4198-8383-4C8BE581F041}" type="slidenum">
               <a:rPr lang="en-US" sz="800" b="0" i="0" u="none" smtClean="0">
                 <a:solidFill>
                   <a:srgbClr val="1A1816"/>
@@ -12401,7 +12401,7 @@
                 </a:solidFill>
                 <a:latin typeface="+mn-lt"/>
               </a:rPr>
-              <a:t> of 15</a:t>
+              <a:t> of 16</a:t>
             </a:r>
             <a:endParaRPr lang="en-US" sz="800" b="0" i="0" u="none" dirty="0">
               <a:solidFill>
@@ -12773,7 +12773,7 @@
               </a:rPr>
               <a:t>  |  EPRTSHE Prashant Shende  |  2019-12-08  |  Ericsson Confidential  |  Page </a:t>
             </a:r>
-            <a:fld id="{CBCBCF32-16A7-4B35-9C79-BD44A3097206}" type="slidenum">
+            <a:fld id="{ED0D55A7-6058-4858-985D-B4B475B872E0}" type="slidenum">
               <a:rPr lang="en-US" sz="800" b="0" i="0" u="none" smtClean="0">
                 <a:solidFill>
                   <a:schemeClr val="bg1"/>
@@ -12789,7 +12789,7 @@
                 </a:solidFill>
                 <a:latin typeface="+mn-lt"/>
               </a:rPr>
-              <a:t> of 15</a:t>
+              <a:t> of 16</a:t>
             </a:r>
             <a:endParaRPr lang="en-US" sz="800" b="0" i="0" u="none" dirty="0">
               <a:solidFill>
@@ -13322,7 +13322,7 @@
               </a:rPr>
               <a:t>  |  EPRTSHE Prashant Shende  |  2019-12-08  |  Ericsson Confidential  |  Page </a:t>
             </a:r>
-            <a:fld id="{A5B15E24-A16C-4B2B-BFDD-7CA60D0638E2}" type="slidenum">
+            <a:fld id="{5B48809E-9974-42BD-BFC3-F547095DAFD1}" type="slidenum">
               <a:rPr lang="en-US" sz="800" b="0" i="0" u="none" smtClean="0">
                 <a:solidFill>
                   <a:srgbClr val="1A1816"/>
@@ -13338,7 +13338,7 @@
                 </a:solidFill>
                 <a:latin typeface="+mn-lt"/>
               </a:rPr>
-              <a:t> of 15</a:t>
+              <a:t> of 16</a:t>
             </a:r>
             <a:endParaRPr lang="en-US" sz="800" b="0" i="0" u="none" dirty="0">
               <a:solidFill>
@@ -14065,7 +14065,7 @@
               </a:rPr>
               <a:t>  |  EPRTSHE Prashant Shende  |  2019-12-08  |  Ericsson Confidential  |  Page </a:t>
             </a:r>
-            <a:fld id="{5A9C5548-FC71-486C-860D-ACF76206B06E}" type="slidenum">
+            <a:fld id="{47DB5DBD-38D9-4CC4-8741-C309162E1AC4}" type="slidenum">
               <a:rPr lang="en-US" sz="800" b="0" i="0" u="none" smtClean="0">
                 <a:solidFill>
                   <a:srgbClr val="1A1816"/>
@@ -14081,7 +14081,7 @@
                 </a:solidFill>
                 <a:latin typeface="+mn-lt"/>
               </a:rPr>
-              <a:t> of 15</a:t>
+              <a:t> of 16</a:t>
             </a:r>
             <a:endParaRPr lang="en-US" sz="800" b="0" i="0" u="none" dirty="0">
               <a:solidFill>
@@ -15421,7 +15421,7 @@
               </a:rPr>
               <a:t>  |  EPRTSHE Prashant Shende  |  2019-12-08  |  Ericsson Confidential  |  Page </a:t>
             </a:r>
-            <a:fld id="{978185AD-B589-4243-A0EF-F99B375A7DD2}" type="slidenum">
+            <a:fld id="{BEFA6595-FFC7-46FD-9180-FCBA0811AE6C}" type="slidenum">
               <a:rPr lang="en-US" sz="800" b="0" i="0" u="none" smtClean="0">
                 <a:solidFill>
                   <a:schemeClr val="bg1"/>
@@ -15437,7 +15437,7 @@
                 </a:solidFill>
                 <a:latin typeface="+mn-lt"/>
               </a:rPr>
-              <a:t> of 15</a:t>
+              <a:t> of 16</a:t>
             </a:r>
             <a:endParaRPr lang="en-US" sz="800" b="0" i="0" u="none" dirty="0">
               <a:solidFill>
@@ -15921,7 +15921,7 @@
               </a:rPr>
               <a:t>  |  EPRTSHE Prashant Shende  |  2019-12-08  |  Ericsson Confidential  |  Page </a:t>
             </a:r>
-            <a:fld id="{D8CA4FD8-A47A-4EE1-969A-B8F0EC4E0EE8}" type="slidenum">
+            <a:fld id="{A43CCA62-F888-465F-BB26-0D0E483C75C9}" type="slidenum">
               <a:rPr lang="en-US" sz="800" b="0" i="0" u="none" smtClean="0">
                 <a:solidFill>
                   <a:schemeClr val="bg1"/>
@@ -15937,7 +15937,7 @@
                 </a:solidFill>
                 <a:latin typeface="+mn-lt"/>
               </a:rPr>
-              <a:t> of 15</a:t>
+              <a:t> of 16</a:t>
             </a:r>
             <a:endParaRPr lang="en-US" sz="800" b="0" i="0" u="none" dirty="0">
               <a:solidFill>
@@ -16304,7 +16304,7 @@
               </a:rPr>
               <a:t>  |  EPRTSHE Prashant Shende  |  2019-12-08  |  Ericsson Confidential  |  Page </a:t>
             </a:r>
-            <a:fld id="{01CCD458-5771-4154-AD2E-7044CEE428C2}" type="slidenum">
+            <a:fld id="{A2E3423A-A29B-4492-9B08-BED13133C000}" type="slidenum">
               <a:rPr lang="en-US" sz="800" b="0" i="0" u="none" smtClean="0">
                 <a:solidFill>
                   <a:schemeClr val="bg1"/>
@@ -16320,7 +16320,7 @@
                 </a:solidFill>
                 <a:latin typeface="+mn-lt"/>
               </a:rPr>
-              <a:t> of 15</a:t>
+              <a:t> of 16</a:t>
             </a:r>
             <a:endParaRPr lang="en-US" sz="800" b="0" i="0" u="none" dirty="0">
               <a:solidFill>
@@ -16792,7 +16792,7 @@
               </a:rPr>
               <a:t>  |  EPRTSHE Prashant Shende  |  2019-12-08  |  Ericsson Confidential  |  Page </a:t>
             </a:r>
-            <a:fld id="{AC741A6E-D886-435A-8316-2C6C563CA214}" type="slidenum">
+            <a:fld id="{4CC59AB3-28C3-4C46-834A-6C90C0EE0462}" type="slidenum">
               <a:rPr lang="en-US" sz="800" b="0" i="0" u="none" smtClean="0">
                 <a:solidFill>
                   <a:schemeClr val="bg1"/>
@@ -16808,7 +16808,7 @@
                 </a:solidFill>
                 <a:latin typeface="+mn-lt"/>
               </a:rPr>
-              <a:t> of 15</a:t>
+              <a:t> of 16</a:t>
             </a:r>
             <a:endParaRPr lang="en-US" sz="800" b="0" i="0" u="none" dirty="0">
               <a:solidFill>
@@ -17280,7 +17280,7 @@
               </a:rPr>
               <a:t>  |  EPRTSHE Prashant Shende  |  2019-12-08  |  Ericsson Confidential  |  Page </a:t>
             </a:r>
-            <a:fld id="{0B9A55E5-A6DD-47C4-9814-7F76B7D5A643}" type="slidenum">
+            <a:fld id="{FA87D1B3-7C55-4783-9959-9F6AEC80DB00}" type="slidenum">
               <a:rPr lang="en-US" sz="800" b="0" i="0" u="none" smtClean="0">
                 <a:solidFill>
                   <a:schemeClr val="bg1"/>
@@ -17296,7 +17296,7 @@
                 </a:solidFill>
                 <a:latin typeface="+mn-lt"/>
               </a:rPr>
-              <a:t> of 15</a:t>
+              <a:t> of 16</a:t>
             </a:r>
             <a:endParaRPr lang="en-US" sz="800" b="0" i="0" u="none" dirty="0">
               <a:solidFill>
@@ -24104,7 +24104,7 @@
           <p:nvPr>
             <p:extLst>
               <p:ext uri="{D42A27DB-BD31-4B8C-83A1-F6EECF244321}">
-                <p14:modId xmlns:p14="http://schemas.microsoft.com/office/powerpoint/2010/main" val="1298647724"/>
+                <p14:modId xmlns:p14="http://schemas.microsoft.com/office/powerpoint/2010/main" val="129246202"/>
               </p:ext>
             </p:extLst>
           </p:nvPr>
@@ -24180,7 +24180,7 @@
                       </a:pPr>
                       <a:r>
                         <a:rPr lang="en-US" sz="1400" dirty="0"/>
-                        <a:t>Service 1 hides the internal complexity such from the user.</a:t>
+                        <a:t>Service 1 hides the internal complexity from the user.</a:t>
                       </a:r>
                     </a:p>
                     <a:p>
@@ -24198,7 +24198,7 @@
                       </a:pPr>
                       <a:r>
                         <a:rPr lang="en-US" sz="1400" dirty="0"/>
-                        <a:t> In case of any changes in the DB layer only corresponding service from the send layer will get impacted. Top layer service does not need to worry about it.</a:t>
+                        <a:t> In case of any changes in the DB layer only corresponding service from the second layer will get impacted. Top layer service does not need to worry about it.</a:t>
                       </a:r>
                     </a:p>
                     <a:p>
@@ -24583,14 +24583,14 @@
           <p:nvPr>
             <p:extLst>
               <p:ext uri="{D42A27DB-BD31-4B8C-83A1-F6EECF244321}">
-                <p14:modId xmlns:p14="http://schemas.microsoft.com/office/powerpoint/2010/main" val="2869700594"/>
+                <p14:modId xmlns:p14="http://schemas.microsoft.com/office/powerpoint/2010/main" val="2347102233"/>
               </p:ext>
             </p:extLst>
           </p:nvPr>
         </p:nvGraphicFramePr>
         <p:xfrm>
-          <a:off x="534257" y="2148840"/>
-          <a:ext cx="3811712" cy="2342508"/>
+          <a:off x="534257" y="2613553"/>
+          <a:ext cx="3811712" cy="1786162"/>
         </p:xfrm>
         <a:graphic>
           <a:graphicData uri="http://schemas.openxmlformats.org/drawingml/2006/table">
@@ -24605,7 +24605,7 @@
                   </a:extLst>
                 </a:gridCol>
               </a:tblGrid>
-              <a:tr h="2342508">
+              <a:tr h="1786162">
                 <a:tc>
                   <a:txBody>
                     <a:bodyPr/>
@@ -24649,7 +24649,7 @@
                       </a:pPr>
                       <a:r>
                         <a:rPr lang="en-US" sz="1400" dirty="0"/>
-                        <a:t>This option is not meant for the regular used.</a:t>
+                        <a:t>This option is not meant for the regular use.</a:t>
                       </a:r>
                     </a:p>
                     <a:p>
@@ -24658,7 +24658,7 @@
                       </a:pPr>
                       <a:r>
                         <a:rPr lang="en-US" sz="1400" dirty="0"/>
-                        <a:t>With proper authentication and authorization in place for a standard application this should only be used during the case of disaster recovery.</a:t>
+                        <a:t>With proper authentication and authorization</a:t>
                       </a:r>
                     </a:p>
                     <a:p>
@@ -26406,7 +26406,7 @@
 </file>
 
 <file path=customXml/item1.xml><?xml version="1.0" encoding="utf-8"?>
-<TemplafySlideFormConfiguration><![CDATA[{"formFields":[],"formDataEntries":[]}]]></TemplafySlideFormConfiguration>
+<TemplafySlideTemplateConfiguration><![CDATA[{"documentContentValidatorConfiguration":{"enableDocumentContentValidator":false,"documentContentValidatorVersion":0},"elementsMetadata":[],"slideId":"637037983905221558","enableDocumentContentUpdater":true,"version":"1.9"}]]></TemplafySlideTemplateConfiguration>
 </file>
 
 <file path=customXml/item10.xml><?xml version="1.0" encoding="utf-8"?>
@@ -26414,29 +26414,29 @@
 </file>
 
 <file path=customXml/item11.xml><?xml version="1.0" encoding="utf-8"?>
+<TemplafySlideTemplateConfiguration><![CDATA[{"documentContentValidatorConfiguration":{"enableDocumentContentValidator":false,"documentContentValidatorVersion":0},"elementsMetadata":[],"slideId":"637037983905221558","enableDocumentContentUpdater":true,"version":"1.9"}]]></TemplafySlideTemplateConfiguration>
+</file>
+
+<file path=customXml/item12.xml><?xml version="1.0" encoding="utf-8"?>
+<TemplafySlideFormConfiguration><![CDATA[{"formFields":[],"formDataEntries":[]}]]></TemplafySlideFormConfiguration>
+</file>
+
+<file path=customXml/item13.xml><?xml version="1.0" encoding="utf-8"?>
+<TemplafySlideFormConfiguration><![CDATA[{"formFields":[],"formDataEntries":[]}]]></TemplafySlideFormConfiguration>
+</file>
+
+<file path=customXml/item14.xml><?xml version="1.0" encoding="utf-8"?>
+<TemplafySlideFormConfiguration><![CDATA[{"formFields":[],"formDataEntries":[]}]]></TemplafySlideFormConfiguration>
+</file>
+
+<file path=customXml/item15.xml><?xml version="1.0" encoding="utf-8"?>
 <p:properties xmlns:p="http://schemas.microsoft.com/office/2006/metadata/properties" xmlns:xsi="http://www.w3.org/2001/XMLSchema-instance" xmlns:pc="http://schemas.microsoft.com/office/infopath/2007/PartnerControls">
   <documentManagement/>
 </p:properties>
 </file>
 
-<file path=customXml/item12.xml><?xml version="1.0" encoding="utf-8"?>
-<TemplafyTemplateConfiguration><![CDATA[{"elementsMetadata":[{"type":"shape","id":"d89929bb-4e06-4762-98cc-52c29ac5c103","elementConfiguration":{"binding":"Form.LogoInsertion.Pplogoname","inheritDimensions":"inheritNone","height":"1.34 cm","disableUpdates":false,"type":"image"}}],"transformationConfigurations":[{"language":"{{DocumentLanguage}}","disableUpdates":false,"type":"proofingLanguage"},{"propertyName":"FooterText","propertyValue":"true","disableUpdates":false,"type":"customDocumentProperty"},{"propertyName":"SecurityClass","propertyValue":"{{Form.ConfidentialityClass.Confidentiality}}","disableUpdates":false,"type":"customDocumentProperty"},{"propertyName":"ExtConf","propertyValue":"{{Form.ExternalConfidentialityLabel.ExternalConfidentiality}}","disableUpdates":false,"type":"customDocumentProperty"},{"propertyName":"Prepared","propertyValue":"{{Form.Prepared}}","disableUpdates":false,"type":"customDocumentProperty"},{"propertyName":"ApprovedBy","propertyValue":"{{Form.ApprovedBy}}","disableUpdates":false,"type":"customDocumentProperty"},{"propertyName":"DocNo","propertyValue":"{{Form.DocumentNumber}} {{Form.LanguageCode.LanguageCode}}","disableUpdates":false,"type":"customDocumentProperty"},{"propertyName":"Checked","propertyValue":"{{Form.Checked}}","disableUpdates":false,"type":"customDocumentProperty"},{"propertyName":"Date","propertyValue":"{{Form.Date}}","disableUpdates":false,"type":"customDocumentProperty"},{"propertyName":"Reference","propertyValue":"{{Form.Reference}}","disableUpdates":false,"type":"customDocumentProperty"},{"propertyName":"Title","propertyValue":"{{Form.DocumentTitle}}","disableUpdates":false,"type":"customDocumentProperty"},{"propertyName":"Keyword","propertyValue":"{{Form.Keywords}}","disableUpdates":false,"type":"customDocumentProperty"},{"propertyName":"DocumentType","propertyValue":"Presentation2011","disableUpdates":false,"type":"customDocumentProperty"},{"propertyName":"Language","propertyValue":"EnglishUS","disableUpdates":false,"type":"customDocumentProperty"},{"propertyName":"TemplateID","propertyValue":"FALSE","disableUpdates":false,"type":"customDocumentProperty"},{"propertyName":"ConfCtrl","propertyValue":"FALSE","disableUpdates":false,"type":"customDocumentProperty"},{"propertyName":"title","propertyValue":"{{Form.DocumentTitle}}","disableUpdates":false,"type":"documentProperty"},{"propertyName":"keywords","propertyValue":"{{Form.Keywords}}","disableUpdates":false,"type":"documentProperty"},{"propertyName":"creator","propertyValue":"{{Form.Prepared}}","disableUpdates":false,"type":"documentProperty"},{"propertyName":"DocTitle","propertyValue":"{{Form.DocTitle.DocTitle}}","disableUpdates":false,"type":"customDocumentProperty"},{"propertyName":"IsDocument","propertyValue":"{{Form.TemplateType.IsDocument}}","disableUpdates":false,"type":"customDocumentProperty"},{"propertyName":"IsPresentation","propertyValue":"{{Form.TemplateType.IsPresentation}}","disableUpdates":false,"type":"customDocumentProperty"},{"propertyName":"company","propertyValue":"Ericsson","disableUpdates":false,"type":"documentProperty"},{"propertyName":"PageNumberVisible","propertyValue":"{{Form.TotalPageNo.TotalPageNo_value}}","disableUpdates":false,"type":"customDocumentProperty"},{"propertyName":"Revision","propertyValue":"{{Form.Revision}}","disableUpdates":false,"type":"customDocumentProperty"},{"propertyName":"DocType","propertyValue":"{{Form.DocTypePresentation}}","disableUpdates":false,"type":"customDocumentProperty"},{"propertyName":"TemplateVersion","propertyValue":"R2A","disableUpdates":false,"type":"customDocumentProperty"},{"propertyName":"PackageNo","propertyValue":"LXA 119 603","disableUpdates":false,"type":"customDocumentProperty"},{"propertyName":"PackageVersion","propertyValue":"R6B","disableUpdates":false,"type":"customDocumentProperty"},{"propertyName":"TemplateName","propertyValue":"CXC 173 2731/1","disableUpdates":false,"type":"customDocumentProperty"},{"propertyName":"DocName","propertyValue":" ","disableUpdates":false,"type":"customDocumentProperty"},{"propertyName":"description","propertyValue":"{{Form.DocumentNumber}} {{Form.LanguageCode.LanguageCode}}\nRev {{Form.Revision}}","disableUpdates":false,"type":"documentProperty"}],"templateName":"Standard landscape","templateDescription":"","enableDocumentContentUpdater":true,"version":"1.9"}]]></TemplafyTemplateConfiguration>
-</file>
-
-<file path=customXml/item13.xml><?xml version="1.0" encoding="utf-8"?>
-<TemplafySlideTemplateConfiguration><![CDATA[{"documentContentValidatorConfiguration":{"enableDocumentContentValidator":false,"documentContentValidatorVersion":0},"elementsMetadata":[],"slideId":"637037983905678162","enableDocumentContentUpdater":true,"version":"1.9"}]]></TemplafySlideTemplateConfiguration>
-</file>
-
-<file path=customXml/item14.xml><?xml version="1.0" encoding="utf-8"?>
+<file path=customXml/item16.xml><?xml version="1.0" encoding="utf-8"?>
 <TemplafySlideTemplateConfiguration><![CDATA[{"documentContentValidatorConfiguration":{"enableDocumentContentValidator":false,"documentContentValidatorVersion":0},"elementsMetadata":[],"slideId":"637037983905221558","enableDocumentContentUpdater":true,"version":"1.9"}]]></TemplafySlideTemplateConfiguration>
-</file>
-
-<file path=customXml/item15.xml><?xml version="1.0" encoding="utf-8"?>
-<TemplafySlideTemplateConfiguration><![CDATA[{"documentContentValidatorConfiguration":{"enableDocumentContentValidator":false,"documentContentValidatorVersion":0},"elementsMetadata":[],"slideId":"637037983905221558","enableDocumentContentUpdater":true,"version":"1.9"}]]></TemplafySlideTemplateConfiguration>
-</file>
-
-<file path=customXml/item16.xml><?xml version="1.0" encoding="utf-8"?>
-<TemplafySlideFormConfiguration><![CDATA[{"formFields":[],"formDataEntries":[]}]]></TemplafySlideFormConfiguration>
 </file>
 
 <file path=customXml/item17.xml><?xml version="1.0" encoding="utf-8"?>
@@ -26452,32 +26452,27 @@
 </file>
 
 <file path=customXml/item2.xml><?xml version="1.0" encoding="utf-8"?>
+<TemplafySlideTemplateConfiguration><![CDATA[{"documentContentValidatorConfiguration":{"enableDocumentContentValidator":false,"documentContentValidatorVersion":0},"elementsMetadata":[],"slideId":"637037983905221558","enableDocumentContentUpdater":true,"version":"1.9"}]]></TemplafySlideTemplateConfiguration>
+</file>
+
+<file path=customXml/item20.xml><?xml version="1.0" encoding="utf-8"?>
+<TemplafySlideTemplateConfiguration><![CDATA[{"documentContentValidatorConfiguration":{"enableDocumentContentValidator":false,"documentContentValidatorVersion":0},"elementsMetadata":[],"slideId":"637037983905221558","enableDocumentContentUpdater":true,"version":"1.9"}]]></TemplafySlideTemplateConfiguration>
+</file>
+
+<file path=customXml/item21.xml><?xml version="1.0" encoding="utf-8"?>
 <TemplafySlideFormConfiguration><![CDATA[{"formFields":[],"formDataEntries":[]}]]></TemplafySlideFormConfiguration>
 </file>
 
-<file path=customXml/item20.xml><?xml version="1.0" encoding="utf-8"?>
+<file path=customXml/item22.xml><?xml version="1.0" encoding="utf-8"?>
 <TemplafySlideFormConfiguration><![CDATA[{"formFields":[],"formDataEntries":[]}]]></TemplafySlideFormConfiguration>
 </file>
 
-<file path=customXml/item21.xml><?xml version="1.0" encoding="utf-8"?>
-<TemplafySlideTemplateConfiguration><![CDATA[{"documentContentValidatorConfiguration":{"enableDocumentContentValidator":false,"documentContentValidatorVersion":0},"elementsMetadata":[],"slideId":"637037983905221558","enableDocumentContentUpdater":true,"version":"1.9"}]]></TemplafySlideTemplateConfiguration>
-</file>
-
-<file path=customXml/item22.xml><?xml version="1.0" encoding="utf-8"?>
-<TemplafySlideTemplateConfiguration><![CDATA[{"documentContentValidatorConfiguration":{"enableDocumentContentValidator":false,"documentContentValidatorVersion":0},"elementsMetadata":[],"slideId":"637037983905221558","enableDocumentContentUpdater":true,"version":"1.9"}]]></TemplafySlideTemplateConfiguration>
-</file>
-
 <file path=customXml/item23.xml><?xml version="1.0" encoding="utf-8"?>
-<?mso-contentType ?>
-<FormTemplates xmlns="http://schemas.microsoft.com/sharepoint/v3/contenttype/forms">
-  <Display>DocumentLibraryForm</Display>
-  <Edit>DocumentLibraryForm</Edit>
-  <New>DocumentLibraryForm</New>
-</FormTemplates>
+<TemplafySlideTemplateConfiguration><![CDATA[{"elementsMetadata":[],"documentContentValidatorConfiguration":{"enableDocumentContentValidator":false,"documentContentValidatorVersion":0},"slideId":"637027476704980324","enableDocumentContentUpdater":true,"version":"1.9"}]]></TemplafySlideTemplateConfiguration>
 </file>
 
 <file path=customXml/item24.xml><?xml version="1.0" encoding="utf-8"?>
-<TemplafySlideTemplateConfiguration><![CDATA[{"documentContentValidatorConfiguration":{"enableDocumentContentValidator":false,"documentContentValidatorVersion":0},"elementsMetadata":[],"slideId":"637037983905221558","enableDocumentContentUpdater":true,"version":"1.9"}]]></TemplafySlideTemplateConfiguration>
+<TemplafySlideTemplateConfiguration><![CDATA[{"documentContentValidatorConfiguration":{"enableDocumentContentValidator":false,"documentContentValidatorVersion":0},"elementsMetadata":[],"slideId":"637050925554934895","enableDocumentContentUpdater":true,"version":"1.9"}]]></TemplafySlideTemplateConfiguration>
 </file>
 
 <file path=customXml/item25.xml><?xml version="1.0" encoding="utf-8"?>
@@ -26489,15 +26484,15 @@
 </file>
 
 <file path=customXml/item27.xml><?xml version="1.0" encoding="utf-8"?>
+<TemplafySlideTemplateConfiguration><![CDATA[{"documentContentValidatorConfiguration":{"enableDocumentContentValidator":false,"documentContentValidatorVersion":0},"elementsMetadata":[],"slideId":"637037983905221558","enableDocumentContentUpdater":true,"version":"1.9"}]]></TemplafySlideTemplateConfiguration>
+</file>
+
+<file path=customXml/item28.xml><?xml version="1.0" encoding="utf-8"?>
 <TemplafySlideTemplateConfiguration><![CDATA[{"documentContentValidatorConfiguration":{"enableDocumentContentValidator":false,"documentContentValidatorVersion":0},"elementsMetadata":[],"slideId":"637037983905221557","enableDocumentContentUpdater":true,"version":"1.9"}]]></TemplafySlideTemplateConfiguration>
 </file>
 
-<file path=customXml/item28.xml><?xml version="1.0" encoding="utf-8"?>
+<file path=customXml/item29.xml><?xml version="1.0" encoding="utf-8"?>
 <TemplafySlideTemplateConfiguration><![CDATA[{"documentContentValidatorConfiguration":{"enableDocumentContentValidator":false,"documentContentValidatorVersion":0},"elementsMetadata":[],"slideId":"637037983905221558","enableDocumentContentUpdater":true,"version":"1.9"}]]></TemplafySlideTemplateConfiguration>
-</file>
-
-<file path=customXml/item29.xml><?xml version="1.0" encoding="utf-8"?>
-<TemplafySlideFormConfiguration><![CDATA[{"formFields":[],"formDataEntries":[]}]]></TemplafySlideFormConfiguration>
 </file>
 
 <file path=customXml/item3.xml><?xml version="1.0" encoding="utf-8"?>
@@ -26509,7 +26504,7 @@
 </file>
 
 <file path=customXml/item31.xml><?xml version="1.0" encoding="utf-8"?>
-<TemplafyFormConfiguration><![CDATA[{"formFields":[{"required":true,"placeholder":"","lines":0,"type":"textBox","name":"DocumentTitle","label":"Document Title","helpTexts":{"prefix":"","postfix":""},"spacing":{},"fullyQualifiedName":"DocumentTitle"},{"dataSource":"Confidentiality","displayColumn":"confidentiality","hideIfNoUserInteractionRequired":false,"distinct":true,"required":true,"autoSelectFirstOption":false,"type":"dropDown","name":"ConfidentialityClass","label":"Confidentiality Class","helpTexts":{"prefix":"","postfix":""},"spacing":{},"fullyQualifiedName":"ConfidentialityClass"},{"dataSource":"External Confidentiality label","displayColumn":"externalConfidentiality","hideIfNoUserInteractionRequired":false,"distinct":true,"required":false,"autoSelectFirstOption":false,"defaultValue":"1","type":"dropDown","name":"ExternalConfidentialityLabel","label":"External Confidentiality label","helpTexts":{"prefix":"","postfix":"If no external confidentiality class then please choose the blank value"},"spacing":{},"fullyQualifiedName":"ExternalConfidentialityLabel"},{"dataSource":"PowerPoint Document Type","column":"documentType","required":false,"placeholder":"","autoSelectFirstOption":false,"type":"comboBox","name":"DocTypePresentation","label":"Document Type Presentation","helpTexts":{"prefix":"","postfix":"If the document type differs from the default value, click on the X to delete and type/choose another type."},"spacing":{},"fullyQualifiedName":"DocTypePresentation"},{"required":false,"placeholder":"","lines":0,"type":"textBox","name":"DocumentNumber","label":"Document Number","helpTexts":{"prefix":"","postfix":""},"spacing":{},"fullyQualifiedName":"DocumentNumber"},{"dataSource":"Language code","displayColumn":"showName","hideIfNoUserInteractionRequired":false,"distinct":true,"required":false,"autoSelectFirstOption":false,"defaultValue":"1","type":"dropDown","name":"LanguageCode","label":"Language Code","helpTexts":{"prefix":"","postfix":"The language code will be appended to the Document No."},"spacing":{},"fullyQualifiedName":"LanguageCode"},{"dataSource":"Revision","column":"revision","required":false,"placeholder":"","autoSelectFirstOption":false,"type":"comboBox","name":"Revision","label":"Revision","helpTexts":{"prefix":"","postfix":""},"spacing":{},"fullyQualifiedName":"Revision"},{"required":false,"type":"datePicker","name":"Date","label":"Date","helpTexts":{"prefix":"","postfix":""},"spacing":{},"fullyQualifiedName":"Date"},{"type":"heading","name":"FooterVisibilityOptions","label":"Footer Visibility Options","helpTexts":{"prefix":"","postfix":""},"spacing":{},"fullyQualifiedName":"FooterVisibilityOptions"},{"dataSource":"PPT FooterVisibility","displayColumn":"templateType","hideIfNoUserInteractionRequired":false,"distinct":true,"required":true,"autoSelectFirstOption":false,"defaultValue":"1","type":"dropDown","name":"TemplateType","label":"Is this a document or presentation?","helpTexts":{"prefix":"","postfix":""},"spacing":{},"fullyQualifiedName":"TemplateType"},{"dataSource":"PPT FooterVisibility","displayColumn":"docTitle_label","hideIfNoUserInteractionRequired":false,"distinct":true,"required":false,"autoSelectFirstOption":true,"filter":{"column":"templateType","otherFieldName":"TemplateType","fullyQualifiedOtherFieldName":"TemplateType","otherFieldColumn":"TemplateType","formReference":"none","operator":"equals"},"type":"dropDown","name":"DocTitle","label":"Show document title in footer?","helpTexts":{"prefix":"","postfix":""},"spacing":{},"fullyQualifiedName":"DocTitle"},{"dataSource":"PPT FooterVisibility","displayColumn":"totalPageNo_text","hideIfNoUserInteractionRequired":false,"distinct":true,"required":false,"autoSelectFirstOption":true,"filter":{"column":"templateType","otherFieldName":"TemplateType","fullyQualifiedOtherFieldName":"TemplateType","otherFieldColumn":"TemplateType","formReference":"none","operator":"equals"},"type":"dropDown","name":"TotalPageNo","label":"Page numbering","helpTexts":{"prefix":"","postfix":""},"spacing":{},"fullyQualifiedName":"TotalPageNo"},{"required":false,"placeholder":"","lines":0,"defaultValue":"{{UserProfile.Prepared}}","type":"textBox","name":"Prepared","label":"Prepared By (Subject Responsible)","helpTexts":{"prefix":"","postfix":""},"spacing":{},"fullyQualifiedName":"Prepared"},{"required":false,"placeholder":"","lines":0,"type":"textBox","name":"ApprovedBy","label":"Approved By (Document Responsible)","helpTexts":{"prefix":"","postfix":""},"spacing":{},"fullyQualifiedName":"ApprovedBy"},{"required":false,"placeholder":"","lines":0,"type":"textBox","name":"Checked","label":"Checked","helpTexts":{"prefix":"","postfix":""},"spacing":{},"fullyQualifiedName":"Checked"},{"required":false,"placeholder":"","lines":0,"type":"textBox","name":"Reference","label":"Reference","helpTexts":{"prefix":"","postfix":""},"spacing":{},"fullyQualifiedName":"Reference"},{"required":false,"placeholder":"","lines":0,"type":"textBox","name":"Keywords","label":"Keywords","helpTexts":{"prefix":"","postfix":""},"spacing":{},"fullyQualifiedName":"Keywords"}],"formDataEntries":[{"name":"DocumentTitle","value":"cphpHFlWHVi/hOLtniQh1aBPYIR/AaE9QbbfhC0y1F8="},{"name":"ConfidentialityClass","value":"PxVEvJY8nE7m/hY9622Sng=="},{"name":"ExternalConfidentialityLabel","value":"5wlu7ZdPxHQj1W0w+yTNSg=="},{"name":"LanguageCode","value":"5wlu7ZdPxHQj1W0w+yTNSg=="},{"name":"Date","value":"X/KcS/SLiGScaUuFag44ug=="},{"name":"TemplateType","value":"5wlu7ZdPxHQj1W0w+yTNSg=="},{"name":"DocTitle","value":"5wlu7ZdPxHQj1W0w+yTNSg=="},{"name":"TotalPageNo","value":"5wlu7ZdPxHQj1W0w+yTNSg=="},{"name":"Prepared","value":"HrIrmeCpDkLBtg+ddS/H+U58vvGTYxAWCvR2E3vOs4o="}]}]]></TemplafyFormConfiguration>
+<TemplafySlideFormConfiguration><![CDATA[{"formFields":[],"formDataEntries":[]}]]></TemplafySlideFormConfiguration>
 </file>
 
 <file path=customXml/item32.xml><?xml version="1.0" encoding="utf-8"?>
@@ -26517,106 +26512,6 @@
 </file>
 
 <file path=customXml/item33.xml><?xml version="1.0" encoding="utf-8"?>
-<TemplafySlideTemplateConfiguration><![CDATA[{"documentContentValidatorConfiguration":{"enableDocumentContentValidator":false,"documentContentValidatorVersion":0},"elementsMetadata":[],"slideId":"637037983905221558","enableDocumentContentUpdater":true,"version":"1.9"}]]></TemplafySlideTemplateConfiguration>
-</file>
-
-<file path=customXml/item34.xml><?xml version="1.0" encoding="utf-8"?>
-<TemplafySlideFormConfiguration><![CDATA[{"formFields":[],"formDataEntries":[]}]]></TemplafySlideFormConfiguration>
-</file>
-
-<file path=customXml/item35.xml><?xml version="1.0" encoding="utf-8"?>
-<TemplafySlideTemplateConfiguration><![CDATA[{"documentContentValidatorConfiguration":{"enableDocumentContentValidator":false,"documentContentValidatorVersion":0},"elementsMetadata":[],"slideId":"637037983905221558","enableDocumentContentUpdater":true,"version":"1.9"}]]></TemplafySlideTemplateConfiguration>
-</file>
-
-<file path=customXml/item36.xml><?xml version="1.0" encoding="utf-8"?>
-<TemplafySlideTemplateConfiguration><![CDATA[{"documentContentValidatorConfiguration":{"enableDocumentContentValidator":false,"documentContentValidatorVersion":0},"elementsMetadata":[],"slideId":"637037983905221558","enableDocumentContentUpdater":true,"version":"1.9"}]]></TemplafySlideTemplateConfiguration>
-</file>
-
-<file path=customXml/item37.xml><?xml version="1.0" encoding="utf-8"?>
-<TemplafySlideTemplateConfiguration><![CDATA[{"documentContentValidatorConfiguration":{"enableDocumentContentValidator":false,"documentContentValidatorVersion":0},"elementsMetadata":[],"slideId":"637037983905221558","enableDocumentContentUpdater":true,"version":"1.9"}]]></TemplafySlideTemplateConfiguration>
-</file>
-
-<file path=customXml/item38.xml><?xml version="1.0" encoding="utf-8"?>
-<TemplafySlideTemplateConfiguration><![CDATA[{"documentContentValidatorConfiguration":{"enableDocumentContentValidator":false,"documentContentValidatorVersion":0},"elementsMetadata":[],"slideId":"637037983905221558","enableDocumentContentUpdater":true,"version":"1.9"}]]></TemplafySlideTemplateConfiguration>
-</file>
-
-<file path=customXml/item39.xml><?xml version="1.0" encoding="utf-8"?>
-<TemplafySlideTemplateConfiguration><![CDATA[{"documentContentValidatorConfiguration":{"enableDocumentContentValidator":false,"documentContentValidatorVersion":0},"elementsMetadata":[],"slideId":"637037983905221558","enableDocumentContentUpdater":true,"version":"1.9"}]]></TemplafySlideTemplateConfiguration>
-</file>
-
-<file path=customXml/item4.xml><?xml version="1.0" encoding="utf-8"?>
-<TemplafySlideTemplateConfiguration><![CDATA[{"documentContentValidatorConfiguration":{"enableDocumentContentValidator":false,"documentContentValidatorVersion":0},"elementsMetadata":[],"slideId":"637037983905221558","enableDocumentContentUpdater":true,"version":"1.9"}]]></TemplafySlideTemplateConfiguration>
-</file>
-
-<file path=customXml/item40.xml><?xml version="1.0" encoding="utf-8"?>
-<TemplafySlideFormConfiguration><![CDATA[{"formFields":[],"formDataEntries":[]}]]></TemplafySlideFormConfiguration>
-</file>
-
-<file path=customXml/item41.xml><?xml version="1.0" encoding="utf-8"?>
-<TemplafySlideFormConfiguration><![CDATA[{"formFields":[],"formDataEntries":[]}]]></TemplafySlideFormConfiguration>
-</file>
-
-<file path=customXml/item42.xml><?xml version="1.0" encoding="utf-8"?>
-<TemplafySlideFormConfiguration><![CDATA[{"formFields":[],"formDataEntries":[]}]]></TemplafySlideFormConfiguration>
-</file>
-
-<file path=customXml/item43.xml><?xml version="1.0" encoding="utf-8"?>
-<TemplafySlideFormConfiguration><![CDATA[{"formFields":[],"formDataEntries":[]}]]></TemplafySlideFormConfiguration>
-</file>
-
-<file path=customXml/item44.xml><?xml version="1.0" encoding="utf-8"?>
-<TemplafySlideFormConfiguration><![CDATA[{"formFields":[],"formDataEntries":[]}]]></TemplafySlideFormConfiguration>
-</file>
-
-<file path=customXml/item45.xml><?xml version="1.0" encoding="utf-8"?>
-<TemplafySlideTemplateConfiguration><![CDATA[{"documentContentValidatorConfiguration":{"enableDocumentContentValidator":false,"documentContentValidatorVersion":0},"elementsMetadata":[],"slideId":"637037983905221558","enableDocumentContentUpdater":true,"version":"1.9"}]]></TemplafySlideTemplateConfiguration>
-</file>
-
-<file path=customXml/item46.xml><?xml version="1.0" encoding="utf-8"?>
-<TemplafySlideFormConfiguration><![CDATA[{"formFields":[],"formDataEntries":[]}]]></TemplafySlideFormConfiguration>
-</file>
-
-<file path=customXml/item47.xml><?xml version="1.0" encoding="utf-8"?>
-<TemplafySlideFormConfiguration><![CDATA[{"formFields":[],"formDataEntries":[]}]]></TemplafySlideFormConfiguration>
-</file>
-
-<file path=customXml/item48.xml><?xml version="1.0" encoding="utf-8"?>
-<TemplafySlideFormConfiguration><![CDATA[{"formFields":[],"formDataEntries":[]}]]></TemplafySlideFormConfiguration>
-</file>
-
-<file path=customXml/item49.xml><?xml version="1.0" encoding="utf-8"?>
-<TemplafySlideFormConfiguration><![CDATA[{"formFields":[],"formDataEntries":[]}]]></TemplafySlideFormConfiguration>
-</file>
-
-<file path=customXml/item5.xml><?xml version="1.0" encoding="utf-8"?>
-<TemplafySlideTemplateConfiguration><![CDATA[{"elementsMetadata":[],"documentContentValidatorConfiguration":{"enableDocumentContentValidator":false,"documentContentValidatorVersion":0},"slideId":"637027476704980324","enableDocumentContentUpdater":true,"version":"1.9"}]]></TemplafySlideTemplateConfiguration>
-</file>
-
-<file path=customXml/item50.xml><?xml version="1.0" encoding="utf-8"?>
-<TemplafySlideFormConfiguration><![CDATA[{"formFields":[],"formDataEntries":[]}]]></TemplafySlideFormConfiguration>
-</file>
-
-<file path=customXml/item51.xml><?xml version="1.0" encoding="utf-8"?>
-<TemplafySlideFormConfiguration><![CDATA[{"formFields":[],"formDataEntries":[]}]]></TemplafySlideFormConfiguration>
-</file>
-
-<file path=customXml/item52.xml><?xml version="1.0" encoding="utf-8"?>
-<TemplafySlideFormConfiguration><![CDATA[{"formFields":[],"formDataEntries":[]}]]></TemplafySlideFormConfiguration>
-</file>
-
-<file path=customXml/item53.xml><?xml version="1.0" encoding="utf-8"?>
-<TemplafySlideFormConfiguration><![CDATA[{"formFields":[],"formDataEntries":[]}]]></TemplafySlideFormConfiguration>
-</file>
-
-<file path=customXml/item54.xml><?xml version="1.0" encoding="utf-8"?>
-<TemplafySlideTemplateConfiguration><![CDATA[{"documentContentValidatorConfiguration":{"enableDocumentContentValidator":false,"documentContentValidatorVersion":0},"elementsMetadata":[],"slideId":"637037983905221558","enableDocumentContentUpdater":true,"version":"1.9"}]]></TemplafySlideTemplateConfiguration>
-</file>
-
-<file path=customXml/item55.xml><?xml version="1.0" encoding="utf-8"?>
-<TemplafySlideFormConfiguration><![CDATA[{"formFields":[],"formDataEntries":[]}]]></TemplafySlideFormConfiguration>
-</file>
-
-<file path=customXml/item56.xml><?xml version="1.0" encoding="utf-8"?>
 <ct:contentTypeSchema xmlns:ct="http://schemas.microsoft.com/office/2006/metadata/contentType" xmlns:ma="http://schemas.microsoft.com/office/2006/metadata/properties/metaAttributes" ct:_="" ma:_="" ma:contentTypeName="Document" ma:contentTypeID="0x0101002C8661F604A9A64C9627B875CBEE0D49" ma:contentTypeVersion="13" ma:contentTypeDescription="Create a new document." ma:contentTypeScope="" ma:versionID="efb89547655977800231d60c8e2388d5">
   <xsd:schema xmlns:xsd="http://www.w3.org/2001/XMLSchema" xmlns:xs="http://www.w3.org/2001/XMLSchema" xmlns:p="http://schemas.microsoft.com/office/2006/metadata/properties" xmlns:ns3="92e1255f-bb7b-4dc9-b051-584cc104eb44" xmlns:ns4="a6550eff-0fc9-443f-8e77-72cbcf778382" targetNamespace="http://schemas.microsoft.com/office/2006/metadata/properties" ma:root="true" ma:fieldsID="5147822fdb6803771ba7305cbc438486" ns3:_="" ns4:_="">
     <xsd:import namespace="92e1255f-bb7b-4dc9-b051-584cc104eb44"/>
@@ -26839,12 +26734,117 @@
 </ct:contentTypeSchema>
 </file>
 
-<file path=customXml/item57.xml><?xml version="1.0" encoding="utf-8"?>
+<file path=customXml/item34.xml><?xml version="1.0" encoding="utf-8"?>
 <TemplafySlideFormConfiguration><![CDATA[{"formFields":[],"formDataEntries":[]}]]></TemplafySlideFormConfiguration>
 </file>
 
+<file path=customXml/item35.xml><?xml version="1.0" encoding="utf-8"?>
+<TemplafySlideFormConfiguration><![CDATA[{"formFields":[],"formDataEntries":[]}]]></TemplafySlideFormConfiguration>
+</file>
+
+<file path=customXml/item36.xml><?xml version="1.0" encoding="utf-8"?>
+<TemplafySlideFormConfiguration><![CDATA[{"formFields":[],"formDataEntries":[]}]]></TemplafySlideFormConfiguration>
+</file>
+
+<file path=customXml/item37.xml><?xml version="1.0" encoding="utf-8"?>
+<TemplafySlideTemplateConfiguration><![CDATA[{"documentContentValidatorConfiguration":{"enableDocumentContentValidator":false,"documentContentValidatorVersion":0},"elementsMetadata":[],"slideId":"637037983905221558","enableDocumentContentUpdater":true,"version":"1.9"}]]></TemplafySlideTemplateConfiguration>
+</file>
+
+<file path=customXml/item38.xml><?xml version="1.0" encoding="utf-8"?>
+<TemplafyTemplateConfiguration><![CDATA[{"elementsMetadata":[{"type":"shape","id":"d89929bb-4e06-4762-98cc-52c29ac5c103","elementConfiguration":{"binding":"Form.LogoInsertion.Pplogoname","inheritDimensions":"inheritNone","height":"1.34 cm","disableUpdates":false,"type":"image"}}],"transformationConfigurations":[{"language":"{{DocumentLanguage}}","disableUpdates":false,"type":"proofingLanguage"},{"propertyName":"FooterText","propertyValue":"true","disableUpdates":false,"type":"customDocumentProperty"},{"propertyName":"SecurityClass","propertyValue":"{{Form.ConfidentialityClass.Confidentiality}}","disableUpdates":false,"type":"customDocumentProperty"},{"propertyName":"ExtConf","propertyValue":"{{Form.ExternalConfidentialityLabel.ExternalConfidentiality}}","disableUpdates":false,"type":"customDocumentProperty"},{"propertyName":"Prepared","propertyValue":"{{Form.Prepared}}","disableUpdates":false,"type":"customDocumentProperty"},{"propertyName":"ApprovedBy","propertyValue":"{{Form.ApprovedBy}}","disableUpdates":false,"type":"customDocumentProperty"},{"propertyName":"DocNo","propertyValue":"{{Form.DocumentNumber}} {{Form.LanguageCode.LanguageCode}}","disableUpdates":false,"type":"customDocumentProperty"},{"propertyName":"Checked","propertyValue":"{{Form.Checked}}","disableUpdates":false,"type":"customDocumentProperty"},{"propertyName":"Date","propertyValue":"{{Form.Date}}","disableUpdates":false,"type":"customDocumentProperty"},{"propertyName":"Reference","propertyValue":"{{Form.Reference}}","disableUpdates":false,"type":"customDocumentProperty"},{"propertyName":"Title","propertyValue":"{{Form.DocumentTitle}}","disableUpdates":false,"type":"customDocumentProperty"},{"propertyName":"Keyword","propertyValue":"{{Form.Keywords}}","disableUpdates":false,"type":"customDocumentProperty"},{"propertyName":"DocumentType","propertyValue":"Presentation2011","disableUpdates":false,"type":"customDocumentProperty"},{"propertyName":"Language","propertyValue":"EnglishUS","disableUpdates":false,"type":"customDocumentProperty"},{"propertyName":"TemplateID","propertyValue":"FALSE","disableUpdates":false,"type":"customDocumentProperty"},{"propertyName":"ConfCtrl","propertyValue":"FALSE","disableUpdates":false,"type":"customDocumentProperty"},{"propertyName":"title","propertyValue":"{{Form.DocumentTitle}}","disableUpdates":false,"type":"documentProperty"},{"propertyName":"keywords","propertyValue":"{{Form.Keywords}}","disableUpdates":false,"type":"documentProperty"},{"propertyName":"creator","propertyValue":"{{Form.Prepared}}","disableUpdates":false,"type":"documentProperty"},{"propertyName":"DocTitle","propertyValue":"{{Form.DocTitle.DocTitle}}","disableUpdates":false,"type":"customDocumentProperty"},{"propertyName":"IsDocument","propertyValue":"{{Form.TemplateType.IsDocument}}","disableUpdates":false,"type":"customDocumentProperty"},{"propertyName":"IsPresentation","propertyValue":"{{Form.TemplateType.IsPresentation}}","disableUpdates":false,"type":"customDocumentProperty"},{"propertyName":"company","propertyValue":"Ericsson","disableUpdates":false,"type":"documentProperty"},{"propertyName":"PageNumberVisible","propertyValue":"{{Form.TotalPageNo.TotalPageNo_value}}","disableUpdates":false,"type":"customDocumentProperty"},{"propertyName":"Revision","propertyValue":"{{Form.Revision}}","disableUpdates":false,"type":"customDocumentProperty"},{"propertyName":"DocType","propertyValue":"{{Form.DocTypePresentation}}","disableUpdates":false,"type":"customDocumentProperty"},{"propertyName":"TemplateVersion","propertyValue":"R2A","disableUpdates":false,"type":"customDocumentProperty"},{"propertyName":"PackageNo","propertyValue":"LXA 119 603","disableUpdates":false,"type":"customDocumentProperty"},{"propertyName":"PackageVersion","propertyValue":"R6B","disableUpdates":false,"type":"customDocumentProperty"},{"propertyName":"TemplateName","propertyValue":"CXC 173 2731/1","disableUpdates":false,"type":"customDocumentProperty"},{"propertyName":"DocName","propertyValue":" ","disableUpdates":false,"type":"customDocumentProperty"},{"propertyName":"description","propertyValue":"{{Form.DocumentNumber}} {{Form.LanguageCode.LanguageCode}}\nRev {{Form.Revision}}","disableUpdates":false,"type":"documentProperty"}],"templateName":"Standard landscape","templateDescription":"","enableDocumentContentUpdater":true,"version":"1.9"}]]></TemplafyTemplateConfiguration>
+</file>
+
+<file path=customXml/item39.xml><?xml version="1.0" encoding="utf-8"?>
+<TemplafySlideFormConfiguration><![CDATA[{"formFields":[],"formDataEntries":[]}]]></TemplafySlideFormConfiguration>
+</file>
+
+<file path=customXml/item4.xml><?xml version="1.0" encoding="utf-8"?>
+<TemplafySlideTemplateConfiguration><![CDATA[{"documentContentValidatorConfiguration":{"enableDocumentContentValidator":false,"documentContentValidatorVersion":0},"elementsMetadata":[],"slideId":"637037983905221558","enableDocumentContentUpdater":true,"version":"1.9"}]]></TemplafySlideTemplateConfiguration>
+</file>
+
+<file path=customXml/item40.xml><?xml version="1.0" encoding="utf-8"?>
+<TemplafySlideFormConfiguration><![CDATA[{"formFields":[],"formDataEntries":[]}]]></TemplafySlideFormConfiguration>
+</file>
+
+<file path=customXml/item41.xml><?xml version="1.0" encoding="utf-8"?>
+<TemplafySlideTemplateConfiguration><![CDATA[{"documentContentValidatorConfiguration":{"enableDocumentContentValidator":false,"documentContentValidatorVersion":0},"elementsMetadata":[],"slideId":"637037983905221558","enableDocumentContentUpdater":true,"version":"1.9"}]]></TemplafySlideTemplateConfiguration>
+</file>
+
+<file path=customXml/item42.xml><?xml version="1.0" encoding="utf-8"?>
+<TemplafySlideTemplateConfiguration><![CDATA[{"documentContentValidatorConfiguration":{"enableDocumentContentValidator":false,"documentContentValidatorVersion":0},"elementsMetadata":[],"slideId":"637037983905221558","enableDocumentContentUpdater":true,"version":"1.9"}]]></TemplafySlideTemplateConfiguration>
+</file>
+
+<file path=customXml/item43.xml><?xml version="1.0" encoding="utf-8"?>
+<TemplafySlideFormConfiguration><![CDATA[{"formFields":[],"formDataEntries":[]}]]></TemplafySlideFormConfiguration>
+</file>
+
+<file path=customXml/item44.xml><?xml version="1.0" encoding="utf-8"?>
+<TemplafySlideFormConfiguration><![CDATA[{"formFields":[],"formDataEntries":[]}]]></TemplafySlideFormConfiguration>
+</file>
+
+<file path=customXml/item45.xml><?xml version="1.0" encoding="utf-8"?>
+<TemplafySlideFormConfiguration><![CDATA[{"formFields":[],"formDataEntries":[]}]]></TemplafySlideFormConfiguration>
+</file>
+
+<file path=customXml/item46.xml><?xml version="1.0" encoding="utf-8"?>
+<TemplafySlideFormConfiguration><![CDATA[{"formFields":[],"formDataEntries":[]}]]></TemplafySlideFormConfiguration>
+</file>
+
+<file path=customXml/item47.xml><?xml version="1.0" encoding="utf-8"?>
+<TemplafySlideTemplateConfiguration><![CDATA[{"documentContentValidatorConfiguration":{"enableDocumentContentValidator":false,"documentContentValidatorVersion":0},"elementsMetadata":[],"slideId":"637037983905221558","enableDocumentContentUpdater":true,"version":"1.9"}]]></TemplafySlideTemplateConfiguration>
+</file>
+
+<file path=customXml/item48.xml><?xml version="1.0" encoding="utf-8"?>
+<TemplafySlideTemplateConfiguration><![CDATA[{"documentContentValidatorConfiguration":{"enableDocumentContentValidator":false,"documentContentValidatorVersion":0},"elementsMetadata":[],"slideId":"637037983905221558","enableDocumentContentUpdater":true,"version":"1.9"}]]></TemplafySlideTemplateConfiguration>
+</file>
+
+<file path=customXml/item49.xml><?xml version="1.0" encoding="utf-8"?>
+<TemplafySlideFormConfiguration><![CDATA[{"formFields":[],"formDataEntries":[]}]]></TemplafySlideFormConfiguration>
+</file>
+
+<file path=customXml/item5.xml><?xml version="1.0" encoding="utf-8"?>
+<TemplafySlideFormConfiguration><![CDATA[{"formFields":[],"formDataEntries":[]}]]></TemplafySlideFormConfiguration>
+</file>
+
+<file path=customXml/item50.xml><?xml version="1.0" encoding="utf-8"?>
+<TemplafySlideTemplateConfiguration><![CDATA[{"documentContentValidatorConfiguration":{"enableDocumentContentValidator":false,"documentContentValidatorVersion":0},"elementsMetadata":[],"slideId":"637037983905221558","enableDocumentContentUpdater":true,"version":"1.9"}]]></TemplafySlideTemplateConfiguration>
+</file>
+
+<file path=customXml/item51.xml><?xml version="1.0" encoding="utf-8"?>
+<TemplafySlideTemplateConfiguration><![CDATA[{"documentContentValidatorConfiguration":{"enableDocumentContentValidator":false,"documentContentValidatorVersion":0},"elementsMetadata":[],"slideId":"637037983905221558","enableDocumentContentUpdater":true,"version":"1.9"}]]></TemplafySlideTemplateConfiguration>
+</file>
+
+<file path=customXml/item52.xml><?xml version="1.0" encoding="utf-8"?>
+<?mso-contentType ?>
+<FormTemplates xmlns="http://schemas.microsoft.com/sharepoint/v3/contenttype/forms">
+  <Display>DocumentLibraryForm</Display>
+  <Edit>DocumentLibraryForm</Edit>
+  <New>DocumentLibraryForm</New>
+</FormTemplates>
+</file>
+
+<file path=customXml/item53.xml><?xml version="1.0" encoding="utf-8"?>
+<TemplafySlideTemplateConfiguration><![CDATA[{"documentContentValidatorConfiguration":{"enableDocumentContentValidator":false,"documentContentValidatorVersion":0},"elementsMetadata":[],"slideId":"637037983905221558","enableDocumentContentUpdater":true,"version":"1.9"}]]></TemplafySlideTemplateConfiguration>
+</file>
+
+<file path=customXml/item54.xml><?xml version="1.0" encoding="utf-8"?>
+<TemplafySlideTemplateConfiguration><![CDATA[{"documentContentValidatorConfiguration":{"enableDocumentContentValidator":false,"documentContentValidatorVersion":0},"elementsMetadata":[],"slideId":"637037983905221558","enableDocumentContentUpdater":true,"version":"1.9"}]]></TemplafySlideTemplateConfiguration>
+</file>
+
+<file path=customXml/item55.xml><?xml version="1.0" encoding="utf-8"?>
+<TemplafySlideFormConfiguration><![CDATA[{"formFields":[],"formDataEntries":[]}]]></TemplafySlideFormConfiguration>
+</file>
+
+<file path=customXml/item56.xml><?xml version="1.0" encoding="utf-8"?>
+<TemplafySlideFormConfiguration><![CDATA[{"formFields":[],"formDataEntries":[]}]]></TemplafySlideFormConfiguration>
+</file>
+
+<file path=customXml/item57.xml><?xml version="1.0" encoding="utf-8"?>
+<TemplafySlideTemplateConfiguration><![CDATA[{"documentContentValidatorConfiguration":{"enableDocumentContentValidator":false,"documentContentValidatorVersion":0},"elementsMetadata":[],"slideId":"637037983905221558","enableDocumentContentUpdater":true,"version":"1.9"}]]></TemplafySlideTemplateConfiguration>
+</file>
+
 <file path=customXml/item58.xml><?xml version="1.0" encoding="utf-8"?>
-<TemplafySlideFormConfiguration><![CDATA[{"formFields":[],"formDataEntries":[]}]]></TemplafySlideFormConfiguration>
+<TemplafyFormConfiguration><![CDATA[{"formFields":[{"required":true,"placeholder":"","lines":0,"type":"textBox","name":"DocumentTitle","label":"Document Title","helpTexts":{"prefix":"","postfix":""},"spacing":{},"fullyQualifiedName":"DocumentTitle"},{"dataSource":"Confidentiality","displayColumn":"confidentiality","hideIfNoUserInteractionRequired":false,"distinct":true,"required":true,"autoSelectFirstOption":false,"type":"dropDown","name":"ConfidentialityClass","label":"Confidentiality Class","helpTexts":{"prefix":"","postfix":""},"spacing":{},"fullyQualifiedName":"ConfidentialityClass"},{"dataSource":"External Confidentiality label","displayColumn":"externalConfidentiality","hideIfNoUserInteractionRequired":false,"distinct":true,"required":false,"autoSelectFirstOption":false,"defaultValue":"1","type":"dropDown","name":"ExternalConfidentialityLabel","label":"External Confidentiality label","helpTexts":{"prefix":"","postfix":"If no external confidentiality class then please choose the blank value"},"spacing":{},"fullyQualifiedName":"ExternalConfidentialityLabel"},{"dataSource":"PowerPoint Document Type","column":"documentType","required":false,"placeholder":"","autoSelectFirstOption":false,"type":"comboBox","name":"DocTypePresentation","label":"Document Type Presentation","helpTexts":{"prefix":"","postfix":"If the document type differs from the default value, click on the X to delete and type/choose another type."},"spacing":{},"fullyQualifiedName":"DocTypePresentation"},{"required":false,"placeholder":"","lines":0,"type":"textBox","name":"DocumentNumber","label":"Document Number","helpTexts":{"prefix":"","postfix":""},"spacing":{},"fullyQualifiedName":"DocumentNumber"},{"dataSource":"Language code","displayColumn":"showName","hideIfNoUserInteractionRequired":false,"distinct":true,"required":false,"autoSelectFirstOption":false,"defaultValue":"1","type":"dropDown","name":"LanguageCode","label":"Language Code","helpTexts":{"prefix":"","postfix":"The language code will be appended to the Document No."},"spacing":{},"fullyQualifiedName":"LanguageCode"},{"dataSource":"Revision","column":"revision","required":false,"placeholder":"","autoSelectFirstOption":false,"type":"comboBox","name":"Revision","label":"Revision","helpTexts":{"prefix":"","postfix":""},"spacing":{},"fullyQualifiedName":"Revision"},{"required":false,"type":"datePicker","name":"Date","label":"Date","helpTexts":{"prefix":"","postfix":""},"spacing":{},"fullyQualifiedName":"Date"},{"type":"heading","name":"FooterVisibilityOptions","label":"Footer Visibility Options","helpTexts":{"prefix":"","postfix":""},"spacing":{},"fullyQualifiedName":"FooterVisibilityOptions"},{"dataSource":"PPT FooterVisibility","displayColumn":"templateType","hideIfNoUserInteractionRequired":false,"distinct":true,"required":true,"autoSelectFirstOption":false,"defaultValue":"1","type":"dropDown","name":"TemplateType","label":"Is this a document or presentation?","helpTexts":{"prefix":"","postfix":""},"spacing":{},"fullyQualifiedName":"TemplateType"},{"dataSource":"PPT FooterVisibility","displayColumn":"docTitle_label","hideIfNoUserInteractionRequired":false,"distinct":true,"required":false,"autoSelectFirstOption":true,"filter":{"column":"templateType","otherFieldName":"TemplateType","fullyQualifiedOtherFieldName":"TemplateType","otherFieldColumn":"TemplateType","formReference":"none","operator":"equals"},"type":"dropDown","name":"DocTitle","label":"Show document title in footer?","helpTexts":{"prefix":"","postfix":""},"spacing":{},"fullyQualifiedName":"DocTitle"},{"dataSource":"PPT FooterVisibility","displayColumn":"totalPageNo_text","hideIfNoUserInteractionRequired":false,"distinct":true,"required":false,"autoSelectFirstOption":true,"filter":{"column":"templateType","otherFieldName":"TemplateType","fullyQualifiedOtherFieldName":"TemplateType","otherFieldColumn":"TemplateType","formReference":"none","operator":"equals"},"type":"dropDown","name":"TotalPageNo","label":"Page numbering","helpTexts":{"prefix":"","postfix":""},"spacing":{},"fullyQualifiedName":"TotalPageNo"},{"required":false,"placeholder":"","lines":0,"defaultValue":"{{UserProfile.Prepared}}","type":"textBox","name":"Prepared","label":"Prepared By (Subject Responsible)","helpTexts":{"prefix":"","postfix":""},"spacing":{},"fullyQualifiedName":"Prepared"},{"required":false,"placeholder":"","lines":0,"type":"textBox","name":"ApprovedBy","label":"Approved By (Document Responsible)","helpTexts":{"prefix":"","postfix":""},"spacing":{},"fullyQualifiedName":"ApprovedBy"},{"required":false,"placeholder":"","lines":0,"type":"textBox","name":"Checked","label":"Checked","helpTexts":{"prefix":"","postfix":""},"spacing":{},"fullyQualifiedName":"Checked"},{"required":false,"placeholder":"","lines":0,"type":"textBox","name":"Reference","label":"Reference","helpTexts":{"prefix":"","postfix":""},"spacing":{},"fullyQualifiedName":"Reference"},{"required":false,"placeholder":"","lines":0,"type":"textBox","name":"Keywords","label":"Keywords","helpTexts":{"prefix":"","postfix":""},"spacing":{},"fullyQualifiedName":"Keywords"}],"formDataEntries":[{"name":"DocumentTitle","value":"cphpHFlWHVi/hOLtniQh1aBPYIR/AaE9QbbfhC0y1F8="},{"name":"ConfidentialityClass","value":"PxVEvJY8nE7m/hY9622Sng=="},{"name":"ExternalConfidentialityLabel","value":"5wlu7ZdPxHQj1W0w+yTNSg=="},{"name":"LanguageCode","value":"5wlu7ZdPxHQj1W0w+yTNSg=="},{"name":"Date","value":"X/KcS/SLiGScaUuFag44ug=="},{"name":"TemplateType","value":"5wlu7ZdPxHQj1W0w+yTNSg=="},{"name":"DocTitle","value":"5wlu7ZdPxHQj1W0w+yTNSg=="},{"name":"TotalPageNo","value":"5wlu7ZdPxHQj1W0w+yTNSg=="},{"name":"Prepared","value":"HrIrmeCpDkLBtg+ddS/H+U58vvGTYxAWCvR2E3vOs4o="}]}]]></TemplafyFormConfiguration>
 </file>
 
 <file path=customXml/item59.xml><?xml version="1.0" encoding="utf-8"?>
@@ -26852,7 +26852,7 @@
 </file>
 
 <file path=customXml/item6.xml><?xml version="1.0" encoding="utf-8"?>
-<TemplafySlideTemplateConfiguration><![CDATA[{"documentContentValidatorConfiguration":{"enableDocumentContentValidator":false,"documentContentValidatorVersion":0},"elementsMetadata":[],"slideId":"637037983905221558","enableDocumentContentUpdater":true,"version":"1.9"}]]></TemplafySlideTemplateConfiguration>
+<TemplafySlideFormConfiguration><![CDATA[{"formFields":[],"formDataEntries":[]}]]></TemplafySlideFormConfiguration>
 </file>
 
 <file path=customXml/item60.xml><?xml version="1.0" encoding="utf-8"?>
@@ -26860,7 +26860,7 @@
 </file>
 
 <file path=customXml/item61.xml><?xml version="1.0" encoding="utf-8"?>
-<TemplafySlideTemplateConfiguration><![CDATA[{"documentContentValidatorConfiguration":{"enableDocumentContentValidator":false,"documentContentValidatorVersion":0},"elementsMetadata":[],"slideId":"637050925554934895","enableDocumentContentUpdater":true,"version":"1.9"}]]></TemplafySlideTemplateConfiguration>
+<TemplafySlideFormConfiguration><![CDATA[{"formFields":[],"formDataEntries":[]}]]></TemplafySlideFormConfiguration>
 </file>
 
 <file path=customXml/item62.xml><?xml version="1.0" encoding="utf-8"?>
@@ -26872,15 +26872,15 @@
 </file>
 
 <file path=customXml/item64.xml><?xml version="1.0" encoding="utf-8"?>
-<TemplafySlideFormConfiguration><![CDATA[{"formFields":[],"formDataEntries":[]}]]></TemplafySlideFormConfiguration>
+<TemplafySlideTemplateConfiguration><![CDATA[{"documentContentValidatorConfiguration":{"enableDocumentContentValidator":false,"documentContentValidatorVersion":0},"elementsMetadata":[],"slideId":"637037983905221558","enableDocumentContentUpdater":true,"version":"1.9"}]]></TemplafySlideTemplateConfiguration>
 </file>
 
 <file path=customXml/item65.xml><?xml version="1.0" encoding="utf-8"?>
-<TemplafySlideTemplateConfiguration><![CDATA[{"documentContentValidatorConfiguration":{"enableDocumentContentValidator":false,"documentContentValidatorVersion":0},"elementsMetadata":[],"slideId":"637037983905221558","enableDocumentContentUpdater":true,"version":"1.9"}]]></TemplafySlideTemplateConfiguration>
+<TemplafySlideTemplateConfiguration><![CDATA[{"documentContentValidatorConfiguration":{"enableDocumentContentValidator":false,"documentContentValidatorVersion":0},"elementsMetadata":[],"slideId":"637037983905678162","enableDocumentContentUpdater":true,"version":"1.9"}]]></TemplafySlideTemplateConfiguration>
 </file>
 
 <file path=customXml/item7.xml><?xml version="1.0" encoding="utf-8"?>
-<TemplafySlideTemplateConfiguration><![CDATA[{"documentContentValidatorConfiguration":{"enableDocumentContentValidator":false,"documentContentValidatorVersion":0},"elementsMetadata":[],"slideId":"637037983905221558","enableDocumentContentUpdater":true,"version":"1.9"}]]></TemplafySlideTemplateConfiguration>
+<TemplafySlideFormConfiguration><![CDATA[{"formFields":[],"formDataEntries":[]}]]></TemplafySlideFormConfiguration>
 </file>
 
 <file path=customXml/item8.xml><?xml version="1.0" encoding="utf-8"?>
@@ -26888,22 +26888,46 @@
 </file>
 
 <file path=customXml/item9.xml><?xml version="1.0" encoding="utf-8"?>
-<TemplafySlideTemplateConfiguration><![CDATA[{"documentContentValidatorConfiguration":{"enableDocumentContentValidator":false,"documentContentValidatorVersion":0},"elementsMetadata":[],"slideId":"637037983905221558","enableDocumentContentUpdater":true,"version":"1.9"}]]></TemplafySlideTemplateConfiguration>
+<TemplafySlideFormConfiguration><![CDATA[{"formFields":[],"formDataEntries":[]}]]></TemplafySlideFormConfiguration>
 </file>
 
 <file path=customXml/itemProps1.xml><?xml version="1.0" encoding="utf-8"?>
-<ds:datastoreItem xmlns:ds="http://schemas.openxmlformats.org/officeDocument/2006/customXml" ds:itemID="{1D860451-5A3B-4D87-A1E2-07CBFB6B39B8}">
+<ds:datastoreItem xmlns:ds="http://schemas.openxmlformats.org/officeDocument/2006/customXml" ds:itemID="{27173B33-945E-463C-A014-EF54741A112C}">
   <ds:schemaRefs/>
 </ds:datastoreItem>
 </file>
 
 <file path=customXml/itemProps10.xml><?xml version="1.0" encoding="utf-8"?>
-<ds:datastoreItem xmlns:ds="http://schemas.openxmlformats.org/officeDocument/2006/customXml" ds:itemID="{0759E41F-49E7-4FA7-9127-920280DC8CF1}">
+<ds:datastoreItem xmlns:ds="http://schemas.openxmlformats.org/officeDocument/2006/customXml" ds:itemID="{FD8AAF2B-04A9-4E66-893F-CA0598CEC652}">
   <ds:schemaRefs/>
 </ds:datastoreItem>
 </file>
 
 <file path=customXml/itemProps11.xml><?xml version="1.0" encoding="utf-8"?>
+<ds:datastoreItem xmlns:ds="http://schemas.openxmlformats.org/officeDocument/2006/customXml" ds:itemID="{C9E57065-69F0-43E2-AADF-4C88E470BB8D}">
+  <ds:schemaRefs/>
+</ds:datastoreItem>
+</file>
+
+<file path=customXml/itemProps12.xml><?xml version="1.0" encoding="utf-8"?>
+<ds:datastoreItem xmlns:ds="http://schemas.openxmlformats.org/officeDocument/2006/customXml" ds:itemID="{D7D292BA-742B-46E0-AC89-77D6ED21560E}">
+  <ds:schemaRefs/>
+</ds:datastoreItem>
+</file>
+
+<file path=customXml/itemProps13.xml><?xml version="1.0" encoding="utf-8"?>
+<ds:datastoreItem xmlns:ds="http://schemas.openxmlformats.org/officeDocument/2006/customXml" ds:itemID="{32BA7684-6BE4-4F73-B22E-30934AB379B8}">
+  <ds:schemaRefs/>
+</ds:datastoreItem>
+</file>
+
+<file path=customXml/itemProps14.xml><?xml version="1.0" encoding="utf-8"?>
+<ds:datastoreItem xmlns:ds="http://schemas.openxmlformats.org/officeDocument/2006/customXml" ds:itemID="{847502A6-7CBE-43AF-BDF6-4D4423521D8C}">
+  <ds:schemaRefs/>
+</ds:datastoreItem>
+</file>
+
+<file path=customXml/itemProps15.xml><?xml version="1.0" encoding="utf-8"?>
 <ds:datastoreItem xmlns:ds="http://schemas.openxmlformats.org/officeDocument/2006/customXml" ds:itemID="{56F2EE69-0CCA-4F48-BE22-EC4A886C57A7}">
   <ds:schemaRefs>
     <ds:schemaRef ds:uri="http://schemas.microsoft.com/office/2006/metadata/properties"/>
@@ -26920,297 +26944,121 @@
 </ds:datastoreItem>
 </file>
 
-<file path=customXml/itemProps12.xml><?xml version="1.0" encoding="utf-8"?>
-<ds:datastoreItem xmlns:ds="http://schemas.openxmlformats.org/officeDocument/2006/customXml" ds:itemID="{07958A4E-FAB1-42E4-B6B5-29B01F63F87B}">
+<file path=customXml/itemProps16.xml><?xml version="1.0" encoding="utf-8"?>
+<ds:datastoreItem xmlns:ds="http://schemas.openxmlformats.org/officeDocument/2006/customXml" ds:itemID="{A2580BC4-03C6-4FD1-8C64-FE19DE615286}">
   <ds:schemaRefs/>
 </ds:datastoreItem>
 </file>
 
-<file path=customXml/itemProps13.xml><?xml version="1.0" encoding="utf-8"?>
-<ds:datastoreItem xmlns:ds="http://schemas.openxmlformats.org/officeDocument/2006/customXml" ds:itemID="{1CE36EA9-2186-4EB1-871A-8AE59C2A13BB}">
+<file path=customXml/itemProps17.xml><?xml version="1.0" encoding="utf-8"?>
+<ds:datastoreItem xmlns:ds="http://schemas.openxmlformats.org/officeDocument/2006/customXml" ds:itemID="{60674E46-5871-43B7-A6EA-907A403B767B}">
   <ds:schemaRefs/>
 </ds:datastoreItem>
 </file>
 
-<file path=customXml/itemProps14.xml><?xml version="1.0" encoding="utf-8"?>
+<file path=customXml/itemProps18.xml><?xml version="1.0" encoding="utf-8"?>
+<ds:datastoreItem xmlns:ds="http://schemas.openxmlformats.org/officeDocument/2006/customXml" ds:itemID="{D4A722AD-2B5B-45A5-A3D7-6D0905F583E2}">
+  <ds:schemaRefs/>
+</ds:datastoreItem>
+</file>
+
+<file path=customXml/itemProps19.xml><?xml version="1.0" encoding="utf-8"?>
+<ds:datastoreItem xmlns:ds="http://schemas.openxmlformats.org/officeDocument/2006/customXml" ds:itemID="{28651875-9BFB-492B-B1AF-53CD38F1E0E4}">
+  <ds:schemaRefs/>
+</ds:datastoreItem>
+</file>
+
+<file path=customXml/itemProps2.xml><?xml version="1.0" encoding="utf-8"?>
+<ds:datastoreItem xmlns:ds="http://schemas.openxmlformats.org/officeDocument/2006/customXml" ds:itemID="{EA44109E-9F2C-4118-91FC-98571BB2C36F}">
+  <ds:schemaRefs/>
+</ds:datastoreItem>
+</file>
+
+<file path=customXml/itemProps20.xml><?xml version="1.0" encoding="utf-8"?>
+<ds:datastoreItem xmlns:ds="http://schemas.openxmlformats.org/officeDocument/2006/customXml" ds:itemID="{2968DDEF-D35E-45EF-BBA3-02C81FF31161}">
+  <ds:schemaRefs/>
+</ds:datastoreItem>
+</file>
+
+<file path=customXml/itemProps21.xml><?xml version="1.0" encoding="utf-8"?>
+<ds:datastoreItem xmlns:ds="http://schemas.openxmlformats.org/officeDocument/2006/customXml" ds:itemID="{A88B34E3-A4EA-4EAC-A2E0-0D3E1E3B52A1}">
+  <ds:schemaRefs/>
+</ds:datastoreItem>
+</file>
+
+<file path=customXml/itemProps22.xml><?xml version="1.0" encoding="utf-8"?>
+<ds:datastoreItem xmlns:ds="http://schemas.openxmlformats.org/officeDocument/2006/customXml" ds:itemID="{37F42BB5-ADFA-4FC6-BFD5-9E1577435898}">
+  <ds:schemaRefs/>
+</ds:datastoreItem>
+</file>
+
+<file path=customXml/itemProps23.xml><?xml version="1.0" encoding="utf-8"?>
+<ds:datastoreItem xmlns:ds="http://schemas.openxmlformats.org/officeDocument/2006/customXml" ds:itemID="{C09F197C-6A49-47D0-B877-F88807989676}">
+  <ds:schemaRefs/>
+</ds:datastoreItem>
+</file>
+
+<file path=customXml/itemProps24.xml><?xml version="1.0" encoding="utf-8"?>
+<ds:datastoreItem xmlns:ds="http://schemas.openxmlformats.org/officeDocument/2006/customXml" ds:itemID="{03AF3FDC-ACD1-46F3-A43E-782322DF9816}">
+  <ds:schemaRefs/>
+</ds:datastoreItem>
+</file>
+
+<file path=customXml/itemProps25.xml><?xml version="1.0" encoding="utf-8"?>
+<ds:datastoreItem xmlns:ds="http://schemas.openxmlformats.org/officeDocument/2006/customXml" ds:itemID="{5CEBE36B-30B4-45CF-9E32-D80F596098BD}">
+  <ds:schemaRefs/>
+</ds:datastoreItem>
+</file>
+
+<file path=customXml/itemProps26.xml><?xml version="1.0" encoding="utf-8"?>
 <ds:datastoreItem xmlns:ds="http://schemas.openxmlformats.org/officeDocument/2006/customXml" ds:itemID="{FC58A8E3-81C4-4F66-AA67-C126F768BD8C}">
   <ds:schemaRefs/>
 </ds:datastoreItem>
 </file>
 
-<file path=customXml/itemProps15.xml><?xml version="1.0" encoding="utf-8"?>
-<ds:datastoreItem xmlns:ds="http://schemas.openxmlformats.org/officeDocument/2006/customXml" ds:itemID="{9FAD4269-FAB5-4B6F-A9E7-75C4B74ADDBA}">
-  <ds:schemaRefs/>
-</ds:datastoreItem>
-</file>
-
-<file path=customXml/itemProps16.xml><?xml version="1.0" encoding="utf-8"?>
-<ds:datastoreItem xmlns:ds="http://schemas.openxmlformats.org/officeDocument/2006/customXml" ds:itemID="{32BA7684-6BE4-4F73-B22E-30934AB379B8}">
-  <ds:schemaRefs/>
-</ds:datastoreItem>
-</file>
-
-<file path=customXml/itemProps17.xml><?xml version="1.0" encoding="utf-8"?>
-<ds:datastoreItem xmlns:ds="http://schemas.openxmlformats.org/officeDocument/2006/customXml" ds:itemID="{BE1F93B5-AF26-4F0A-BAC1-8CF07BD532AD}">
-  <ds:schemaRefs/>
-</ds:datastoreItem>
-</file>
-
-<file path=customXml/itemProps18.xml><?xml version="1.0" encoding="utf-8"?>
-<ds:datastoreItem xmlns:ds="http://schemas.openxmlformats.org/officeDocument/2006/customXml" ds:itemID="{27173B33-945E-463C-A014-EF54741A112C}">
-  <ds:schemaRefs/>
-</ds:datastoreItem>
-</file>
-
-<file path=customXml/itemProps19.xml><?xml version="1.0" encoding="utf-8"?>
-<ds:datastoreItem xmlns:ds="http://schemas.openxmlformats.org/officeDocument/2006/customXml" ds:itemID="{5CEBE36B-30B4-45CF-9E32-D80F596098BD}">
-  <ds:schemaRefs/>
-</ds:datastoreItem>
-</file>
-
-<file path=customXml/itemProps2.xml><?xml version="1.0" encoding="utf-8"?>
-<ds:datastoreItem xmlns:ds="http://schemas.openxmlformats.org/officeDocument/2006/customXml" ds:itemID="{D7D292BA-742B-46E0-AC89-77D6ED21560E}">
-  <ds:schemaRefs/>
-</ds:datastoreItem>
-</file>
-
-<file path=customXml/itemProps20.xml><?xml version="1.0" encoding="utf-8"?>
-<ds:datastoreItem xmlns:ds="http://schemas.openxmlformats.org/officeDocument/2006/customXml" ds:itemID="{8647BAD8-9C0D-44D3-8F26-B35AB680ED0B}">
-  <ds:schemaRefs/>
-</ds:datastoreItem>
-</file>
-
-<file path=customXml/itemProps21.xml><?xml version="1.0" encoding="utf-8"?>
-<ds:datastoreItem xmlns:ds="http://schemas.openxmlformats.org/officeDocument/2006/customXml" ds:itemID="{4CC300FD-F619-4F09-9E10-51D42657DF62}">
-  <ds:schemaRefs/>
-</ds:datastoreItem>
-</file>
-
-<file path=customXml/itemProps22.xml><?xml version="1.0" encoding="utf-8"?>
+<file path=customXml/itemProps27.xml><?xml version="1.0" encoding="utf-8"?>
 <ds:datastoreItem xmlns:ds="http://schemas.openxmlformats.org/officeDocument/2006/customXml" ds:itemID="{459BA17D-3344-435C-B24D-9F8049F051B3}">
   <ds:schemaRefs/>
 </ds:datastoreItem>
 </file>
 
-<file path=customXml/itemProps23.xml><?xml version="1.0" encoding="utf-8"?>
-<ds:datastoreItem xmlns:ds="http://schemas.openxmlformats.org/officeDocument/2006/customXml" ds:itemID="{F5A7E41D-6E7F-4B05-AFAB-F540BD4C068B}">
-  <ds:schemaRefs>
-    <ds:schemaRef ds:uri="http://schemas.microsoft.com/sharepoint/v3/contenttype/forms"/>
-  </ds:schemaRefs>
-</ds:datastoreItem>
-</file>
-
-<file path=customXml/itemProps24.xml><?xml version="1.0" encoding="utf-8"?>
-<ds:datastoreItem xmlns:ds="http://schemas.openxmlformats.org/officeDocument/2006/customXml" ds:itemID="{A2580BC4-03C6-4FD1-8C64-FE19DE615286}">
-  <ds:schemaRefs/>
-</ds:datastoreItem>
-</file>
-
-<file path=customXml/itemProps25.xml><?xml version="1.0" encoding="utf-8"?>
-<ds:datastoreItem xmlns:ds="http://schemas.openxmlformats.org/officeDocument/2006/customXml" ds:itemID="{317D1776-4417-4622-AD96-D83CFCEEBA1C}">
-  <ds:schemaRefs/>
-</ds:datastoreItem>
-</file>
-
-<file path=customXml/itemProps26.xml><?xml version="1.0" encoding="utf-8"?>
-<ds:datastoreItem xmlns:ds="http://schemas.openxmlformats.org/officeDocument/2006/customXml" ds:itemID="{EA44109E-9F2C-4118-91FC-98571BB2C36F}">
-  <ds:schemaRefs/>
-</ds:datastoreItem>
-</file>
-
-<file path=customXml/itemProps27.xml><?xml version="1.0" encoding="utf-8"?>
+<file path=customXml/itemProps28.xml><?xml version="1.0" encoding="utf-8"?>
 <ds:datastoreItem xmlns:ds="http://schemas.openxmlformats.org/officeDocument/2006/customXml" ds:itemID="{72516535-7702-46AF-9B1F-8623A67A824E}">
   <ds:schemaRefs/>
 </ds:datastoreItem>
 </file>
 
-<file path=customXml/itemProps28.xml><?xml version="1.0" encoding="utf-8"?>
-<ds:datastoreItem xmlns:ds="http://schemas.openxmlformats.org/officeDocument/2006/customXml" ds:itemID="{7C8A74D3-8A90-43C4-90E3-C02BFA84440C}">
-  <ds:schemaRefs/>
-</ds:datastoreItem>
-</file>
-
 <file path=customXml/itemProps29.xml><?xml version="1.0" encoding="utf-8"?>
-<ds:datastoreItem xmlns:ds="http://schemas.openxmlformats.org/officeDocument/2006/customXml" ds:itemID="{847502A6-7CBE-43AF-BDF6-4D4423521D8C}">
+<ds:datastoreItem xmlns:ds="http://schemas.openxmlformats.org/officeDocument/2006/customXml" ds:itemID="{433BD653-666E-4636-8BB6-9C46120EA7BE}">
   <ds:schemaRefs/>
 </ds:datastoreItem>
 </file>
 
 <file path=customXml/itemProps3.xml><?xml version="1.0" encoding="utf-8"?>
-<ds:datastoreItem xmlns:ds="http://schemas.openxmlformats.org/officeDocument/2006/customXml" ds:itemID="{D120E521-1155-4C12-963B-E5F1B15E10E4}">
+<ds:datastoreItem xmlns:ds="http://schemas.openxmlformats.org/officeDocument/2006/customXml" ds:itemID="{E92247C9-F131-4F1E-8A9B-C0C26FA129F1}">
   <ds:schemaRefs/>
 </ds:datastoreItem>
 </file>
 
 <file path=customXml/itemProps30.xml><?xml version="1.0" encoding="utf-8"?>
-<ds:datastoreItem xmlns:ds="http://schemas.openxmlformats.org/officeDocument/2006/customXml" ds:itemID="{433BD653-666E-4636-8BB6-9C46120EA7BE}">
+<ds:datastoreItem xmlns:ds="http://schemas.openxmlformats.org/officeDocument/2006/customXml" ds:itemID="{FE716B1B-5E72-41FE-8634-288F88BBA8F9}">
   <ds:schemaRefs/>
 </ds:datastoreItem>
 </file>
 
 <file path=customXml/itemProps31.xml><?xml version="1.0" encoding="utf-8"?>
-<ds:datastoreItem xmlns:ds="http://schemas.openxmlformats.org/officeDocument/2006/customXml" ds:itemID="{D92C3DF5-A179-4E2D-BD20-07044B39171F}">
+<ds:datastoreItem xmlns:ds="http://schemas.openxmlformats.org/officeDocument/2006/customXml" ds:itemID="{C578AE0C-5EE7-4C63-B292-B6FADFB5A6DA}">
   <ds:schemaRefs/>
 </ds:datastoreItem>
 </file>
 
 <file path=customXml/itemProps32.xml><?xml version="1.0" encoding="utf-8"?>
-<ds:datastoreItem xmlns:ds="http://schemas.openxmlformats.org/officeDocument/2006/customXml" ds:itemID="{60674E46-5871-43B7-A6EA-907A403B767B}">
+<ds:datastoreItem xmlns:ds="http://schemas.openxmlformats.org/officeDocument/2006/customXml" ds:itemID="{B9AEDDE3-EA02-4A8F-B8F8-0606A0AA45FC}">
   <ds:schemaRefs/>
 </ds:datastoreItem>
 </file>
 
 <file path=customXml/itemProps33.xml><?xml version="1.0" encoding="utf-8"?>
-<ds:datastoreItem xmlns:ds="http://schemas.openxmlformats.org/officeDocument/2006/customXml" ds:itemID="{C717A6FA-BCFD-46DC-BC27-953BA39B46E6}">
-  <ds:schemaRefs/>
-</ds:datastoreItem>
-</file>
-
-<file path=customXml/itemProps34.xml><?xml version="1.0" encoding="utf-8"?>
-<ds:datastoreItem xmlns:ds="http://schemas.openxmlformats.org/officeDocument/2006/customXml" ds:itemID="{58CC0B31-82B9-497A-9A2E-F3F72D0BBDAD}">
-  <ds:schemaRefs/>
-</ds:datastoreItem>
-</file>
-
-<file path=customXml/itemProps35.xml><?xml version="1.0" encoding="utf-8"?>
-<ds:datastoreItem xmlns:ds="http://schemas.openxmlformats.org/officeDocument/2006/customXml" ds:itemID="{FE716B1B-5E72-41FE-8634-288F88BBA8F9}">
-  <ds:schemaRefs/>
-</ds:datastoreItem>
-</file>
-
-<file path=customXml/itemProps36.xml><?xml version="1.0" encoding="utf-8"?>
-<ds:datastoreItem xmlns:ds="http://schemas.openxmlformats.org/officeDocument/2006/customXml" ds:itemID="{C2BC8509-EBAB-4B73-B13C-4F5DE708DC0D}">
-  <ds:schemaRefs/>
-</ds:datastoreItem>
-</file>
-
-<file path=customXml/itemProps37.xml><?xml version="1.0" encoding="utf-8"?>
-<ds:datastoreItem xmlns:ds="http://schemas.openxmlformats.org/officeDocument/2006/customXml" ds:itemID="{D4A722AD-2B5B-45A5-A3D7-6D0905F583E2}">
-  <ds:schemaRefs/>
-</ds:datastoreItem>
-</file>
-
-<file path=customXml/itemProps38.xml><?xml version="1.0" encoding="utf-8"?>
-<ds:datastoreItem xmlns:ds="http://schemas.openxmlformats.org/officeDocument/2006/customXml" ds:itemID="{E62F5BD9-F540-46EF-9A11-25855FFC66A9}">
-  <ds:schemaRefs/>
-</ds:datastoreItem>
-</file>
-
-<file path=customXml/itemProps39.xml><?xml version="1.0" encoding="utf-8"?>
-<ds:datastoreItem xmlns:ds="http://schemas.openxmlformats.org/officeDocument/2006/customXml" ds:itemID="{E92247C9-F131-4F1E-8A9B-C0C26FA129F1}">
-  <ds:schemaRefs/>
-</ds:datastoreItem>
-</file>
-
-<file path=customXml/itemProps4.xml><?xml version="1.0" encoding="utf-8"?>
-<ds:datastoreItem xmlns:ds="http://schemas.openxmlformats.org/officeDocument/2006/customXml" ds:itemID="{683FEB75-8CFA-449C-A6B1-B1E4A86A58A1}">
-  <ds:schemaRefs/>
-</ds:datastoreItem>
-</file>
-
-<file path=customXml/itemProps40.xml><?xml version="1.0" encoding="utf-8"?>
-<ds:datastoreItem xmlns:ds="http://schemas.openxmlformats.org/officeDocument/2006/customXml" ds:itemID="{28651875-9BFB-492B-B1AF-53CD38F1E0E4}">
-  <ds:schemaRefs/>
-</ds:datastoreItem>
-</file>
-
-<file path=customXml/itemProps41.xml><?xml version="1.0" encoding="utf-8"?>
-<ds:datastoreItem xmlns:ds="http://schemas.openxmlformats.org/officeDocument/2006/customXml" ds:itemID="{8F053257-F875-4C08-9F38-3C244F92FD0C}">
-  <ds:schemaRefs/>
-</ds:datastoreItem>
-</file>
-
-<file path=customXml/itemProps42.xml><?xml version="1.0" encoding="utf-8"?>
-<ds:datastoreItem xmlns:ds="http://schemas.openxmlformats.org/officeDocument/2006/customXml" ds:itemID="{089FEF82-FF49-4304-ACE1-9CC99C3F3AD4}">
-  <ds:schemaRefs/>
-</ds:datastoreItem>
-</file>
-
-<file path=customXml/itemProps43.xml><?xml version="1.0" encoding="utf-8"?>
-<ds:datastoreItem xmlns:ds="http://schemas.openxmlformats.org/officeDocument/2006/customXml" ds:itemID="{C578AE0C-5EE7-4C63-B292-B6FADFB5A6DA}">
-  <ds:schemaRefs/>
-</ds:datastoreItem>
-</file>
-
-<file path=customXml/itemProps44.xml><?xml version="1.0" encoding="utf-8"?>
-<ds:datastoreItem xmlns:ds="http://schemas.openxmlformats.org/officeDocument/2006/customXml" ds:itemID="{1619B309-BC79-42FB-9829-D9EF5F5E6ABA}">
-  <ds:schemaRefs/>
-</ds:datastoreItem>
-</file>
-
-<file path=customXml/itemProps45.xml><?xml version="1.0" encoding="utf-8"?>
-<ds:datastoreItem xmlns:ds="http://schemas.openxmlformats.org/officeDocument/2006/customXml" ds:itemID="{2968DDEF-D35E-45EF-BBA3-02C81FF31161}">
-  <ds:schemaRefs/>
-</ds:datastoreItem>
-</file>
-
-<file path=customXml/itemProps46.xml><?xml version="1.0" encoding="utf-8"?>
-<ds:datastoreItem xmlns:ds="http://schemas.openxmlformats.org/officeDocument/2006/customXml" ds:itemID="{0754541E-29C6-4605-9F63-040C2F5D214E}">
-  <ds:schemaRefs/>
-</ds:datastoreItem>
-</file>
-
-<file path=customXml/itemProps47.xml><?xml version="1.0" encoding="utf-8"?>
-<ds:datastoreItem xmlns:ds="http://schemas.openxmlformats.org/officeDocument/2006/customXml" ds:itemID="{1933872C-9F0C-4995-8802-9EC074270AD1}">
-  <ds:schemaRefs/>
-</ds:datastoreItem>
-</file>
-
-<file path=customXml/itemProps48.xml><?xml version="1.0" encoding="utf-8"?>
-<ds:datastoreItem xmlns:ds="http://schemas.openxmlformats.org/officeDocument/2006/customXml" ds:itemID="{B9AEDDE3-EA02-4A8F-B8F8-0606A0AA45FC}">
-  <ds:schemaRefs/>
-</ds:datastoreItem>
-</file>
-
-<file path=customXml/itemProps49.xml><?xml version="1.0" encoding="utf-8"?>
-<ds:datastoreItem xmlns:ds="http://schemas.openxmlformats.org/officeDocument/2006/customXml" ds:itemID="{4914A395-82D1-48FA-8CB8-12F347A6DC3D}">
-  <ds:schemaRefs/>
-</ds:datastoreItem>
-</file>
-
-<file path=customXml/itemProps5.xml><?xml version="1.0" encoding="utf-8"?>
-<ds:datastoreItem xmlns:ds="http://schemas.openxmlformats.org/officeDocument/2006/customXml" ds:itemID="{C09F197C-6A49-47D0-B877-F88807989676}">
-  <ds:schemaRefs/>
-</ds:datastoreItem>
-</file>
-
-<file path=customXml/itemProps50.xml><?xml version="1.0" encoding="utf-8"?>
-<ds:datastoreItem xmlns:ds="http://schemas.openxmlformats.org/officeDocument/2006/customXml" ds:itemID="{B3602864-BCA8-40F1-BE5D-134FF8125FA7}">
-  <ds:schemaRefs/>
-</ds:datastoreItem>
-</file>
-
-<file path=customXml/itemProps51.xml><?xml version="1.0" encoding="utf-8"?>
-<ds:datastoreItem xmlns:ds="http://schemas.openxmlformats.org/officeDocument/2006/customXml" ds:itemID="{F620854E-C0A1-47EC-A9D3-995A9385A2D0}">
-  <ds:schemaRefs/>
-</ds:datastoreItem>
-</file>
-
-<file path=customXml/itemProps52.xml><?xml version="1.0" encoding="utf-8"?>
-<ds:datastoreItem xmlns:ds="http://schemas.openxmlformats.org/officeDocument/2006/customXml" ds:itemID="{80224E79-0208-4699-9BF2-0FB110F82E0B}">
-  <ds:schemaRefs/>
-</ds:datastoreItem>
-</file>
-
-<file path=customXml/itemProps53.xml><?xml version="1.0" encoding="utf-8"?>
-<ds:datastoreItem xmlns:ds="http://schemas.openxmlformats.org/officeDocument/2006/customXml" ds:itemID="{A88B34E3-A4EA-4EAC-A2E0-0D3E1E3B52A1}">
-  <ds:schemaRefs/>
-</ds:datastoreItem>
-</file>
-
-<file path=customXml/itemProps54.xml><?xml version="1.0" encoding="utf-8"?>
-<ds:datastoreItem xmlns:ds="http://schemas.openxmlformats.org/officeDocument/2006/customXml" ds:itemID="{0C9D575C-12A6-4EAE-A1D0-E46E951025A8}">
-  <ds:schemaRefs/>
-</ds:datastoreItem>
-</file>
-
-<file path=customXml/itemProps55.xml><?xml version="1.0" encoding="utf-8"?>
-<ds:datastoreItem xmlns:ds="http://schemas.openxmlformats.org/officeDocument/2006/customXml" ds:itemID="{9C95E546-419F-44CA-98F6-6DE73C5C2AE6}">
-  <ds:schemaRefs/>
-</ds:datastoreItem>
-</file>
-
-<file path=customXml/itemProps56.xml><?xml version="1.0" encoding="utf-8"?>
 <ds:datastoreItem xmlns:ds="http://schemas.openxmlformats.org/officeDocument/2006/customXml" ds:itemID="{058EED06-94C4-4781-888F-0A8BB816BC9F}">
   <ds:schemaRefs>
     <ds:schemaRef ds:uri="http://schemas.microsoft.com/office/2006/metadata/contentType"/>
@@ -27229,80 +27077,232 @@
 </ds:datastoreItem>
 </file>
 
-<file path=customXml/itemProps57.xml><?xml version="1.0" encoding="utf-8"?>
+<file path=customXml/itemProps34.xml><?xml version="1.0" encoding="utf-8"?>
+<ds:datastoreItem xmlns:ds="http://schemas.openxmlformats.org/officeDocument/2006/customXml" ds:itemID="{05541FDE-55D7-44F9-9BE6-FAE61896A3AA}">
+  <ds:schemaRefs/>
+</ds:datastoreItem>
+</file>
+
+<file path=customXml/itemProps35.xml><?xml version="1.0" encoding="utf-8"?>
+<ds:datastoreItem xmlns:ds="http://schemas.openxmlformats.org/officeDocument/2006/customXml" ds:itemID="{7020B10D-9B30-421E-AB50-6B5B3E8895E5}">
+  <ds:schemaRefs/>
+</ds:datastoreItem>
+</file>
+
+<file path=customXml/itemProps36.xml><?xml version="1.0" encoding="utf-8"?>
+<ds:datastoreItem xmlns:ds="http://schemas.openxmlformats.org/officeDocument/2006/customXml" ds:itemID="{F620854E-C0A1-47EC-A9D3-995A9385A2D0}">
+  <ds:schemaRefs/>
+</ds:datastoreItem>
+</file>
+
+<file path=customXml/itemProps37.xml><?xml version="1.0" encoding="utf-8"?>
+<ds:datastoreItem xmlns:ds="http://schemas.openxmlformats.org/officeDocument/2006/customXml" ds:itemID="{D120E521-1155-4C12-963B-E5F1B15E10E4}">
+  <ds:schemaRefs/>
+</ds:datastoreItem>
+</file>
+
+<file path=customXml/itemProps38.xml><?xml version="1.0" encoding="utf-8"?>
+<ds:datastoreItem xmlns:ds="http://schemas.openxmlformats.org/officeDocument/2006/customXml" ds:itemID="{07958A4E-FAB1-42E4-B6B5-29B01F63F87B}">
+  <ds:schemaRefs/>
+</ds:datastoreItem>
+</file>
+
+<file path=customXml/itemProps39.xml><?xml version="1.0" encoding="utf-8"?>
+<ds:datastoreItem xmlns:ds="http://schemas.openxmlformats.org/officeDocument/2006/customXml" ds:itemID="{BE1F93B5-AF26-4F0A-BAC1-8CF07BD532AD}">
+  <ds:schemaRefs/>
+</ds:datastoreItem>
+</file>
+
+<file path=customXml/itemProps4.xml><?xml version="1.0" encoding="utf-8"?>
+<ds:datastoreItem xmlns:ds="http://schemas.openxmlformats.org/officeDocument/2006/customXml" ds:itemID="{4CC300FD-F619-4F09-9E10-51D42657DF62}">
+  <ds:schemaRefs/>
+</ds:datastoreItem>
+</file>
+
+<file path=customXml/itemProps40.xml><?xml version="1.0" encoding="utf-8"?>
+<ds:datastoreItem xmlns:ds="http://schemas.openxmlformats.org/officeDocument/2006/customXml" ds:itemID="{317D1776-4417-4622-AD96-D83CFCEEBA1C}">
+  <ds:schemaRefs/>
+</ds:datastoreItem>
+</file>
+
+<file path=customXml/itemProps41.xml><?xml version="1.0" encoding="utf-8"?>
+<ds:datastoreItem xmlns:ds="http://schemas.openxmlformats.org/officeDocument/2006/customXml" ds:itemID="{C717A6FA-BCFD-46DC-BC27-953BA39B46E6}">
+  <ds:schemaRefs/>
+</ds:datastoreItem>
+</file>
+
+<file path=customXml/itemProps42.xml><?xml version="1.0" encoding="utf-8"?>
+<ds:datastoreItem xmlns:ds="http://schemas.openxmlformats.org/officeDocument/2006/customXml" ds:itemID="{E62F5BD9-F540-46EF-9A11-25855FFC66A9}">
+  <ds:schemaRefs/>
+</ds:datastoreItem>
+</file>
+
+<file path=customXml/itemProps43.xml><?xml version="1.0" encoding="utf-8"?>
+<ds:datastoreItem xmlns:ds="http://schemas.openxmlformats.org/officeDocument/2006/customXml" ds:itemID="{0754541E-29C6-4605-9F63-040C2F5D214E}">
+  <ds:schemaRefs/>
+</ds:datastoreItem>
+</file>
+
+<file path=customXml/itemProps44.xml><?xml version="1.0" encoding="utf-8"?>
+<ds:datastoreItem xmlns:ds="http://schemas.openxmlformats.org/officeDocument/2006/customXml" ds:itemID="{27A29DE5-0540-481C-B6DF-CCFA5149D061}">
+  <ds:schemaRefs/>
+</ds:datastoreItem>
+</file>
+
+<file path=customXml/itemProps45.xml><?xml version="1.0" encoding="utf-8"?>
+<ds:datastoreItem xmlns:ds="http://schemas.openxmlformats.org/officeDocument/2006/customXml" ds:itemID="{8647BAD8-9C0D-44D3-8F26-B35AB680ED0B}">
+  <ds:schemaRefs/>
+</ds:datastoreItem>
+</file>
+
+<file path=customXml/itemProps46.xml><?xml version="1.0" encoding="utf-8"?>
+<ds:datastoreItem xmlns:ds="http://schemas.openxmlformats.org/officeDocument/2006/customXml" ds:itemID="{8F053257-F875-4C08-9F38-3C244F92FD0C}">
+  <ds:schemaRefs/>
+</ds:datastoreItem>
+</file>
+
+<file path=customXml/itemProps47.xml><?xml version="1.0" encoding="utf-8"?>
+<ds:datastoreItem xmlns:ds="http://schemas.openxmlformats.org/officeDocument/2006/customXml" ds:itemID="{0C9D575C-12A6-4EAE-A1D0-E46E951025A8}">
+  <ds:schemaRefs/>
+</ds:datastoreItem>
+</file>
+
+<file path=customXml/itemProps48.xml><?xml version="1.0" encoding="utf-8"?>
+<ds:datastoreItem xmlns:ds="http://schemas.openxmlformats.org/officeDocument/2006/customXml" ds:itemID="{1EBE98CF-9ADD-4A89-9517-F0CBB3D48CF2}">
+  <ds:schemaRefs/>
+</ds:datastoreItem>
+</file>
+
+<file path=customXml/itemProps49.xml><?xml version="1.0" encoding="utf-8"?>
+<ds:datastoreItem xmlns:ds="http://schemas.openxmlformats.org/officeDocument/2006/customXml" ds:itemID="{1D860451-5A3B-4D87-A1E2-07CBFB6B39B8}">
+  <ds:schemaRefs/>
+</ds:datastoreItem>
+</file>
+
+<file path=customXml/itemProps5.xml><?xml version="1.0" encoding="utf-8"?>
+<ds:datastoreItem xmlns:ds="http://schemas.openxmlformats.org/officeDocument/2006/customXml" ds:itemID="{58CC0B31-82B9-497A-9A2E-F3F72D0BBDAD}">
+  <ds:schemaRefs/>
+</ds:datastoreItem>
+</file>
+
+<file path=customXml/itemProps50.xml><?xml version="1.0" encoding="utf-8"?>
+<ds:datastoreItem xmlns:ds="http://schemas.openxmlformats.org/officeDocument/2006/customXml" ds:itemID="{5007F12F-13D7-4ABB-8EFA-54222101B03A}">
+  <ds:schemaRefs/>
+</ds:datastoreItem>
+</file>
+
+<file path=customXml/itemProps51.xml><?xml version="1.0" encoding="utf-8"?>
+<ds:datastoreItem xmlns:ds="http://schemas.openxmlformats.org/officeDocument/2006/customXml" ds:itemID="{9FAD4269-FAB5-4B6F-A9E7-75C4B74ADDBA}">
+  <ds:schemaRefs/>
+</ds:datastoreItem>
+</file>
+
+<file path=customXml/itemProps52.xml><?xml version="1.0" encoding="utf-8"?>
+<ds:datastoreItem xmlns:ds="http://schemas.openxmlformats.org/officeDocument/2006/customXml" ds:itemID="{F5A7E41D-6E7F-4B05-AFAB-F540BD4C068B}">
+  <ds:schemaRefs>
+    <ds:schemaRef ds:uri="http://schemas.microsoft.com/sharepoint/v3/contenttype/forms"/>
+  </ds:schemaRefs>
+</ds:datastoreItem>
+</file>
+
+<file path=customXml/itemProps53.xml><?xml version="1.0" encoding="utf-8"?>
+<ds:datastoreItem xmlns:ds="http://schemas.openxmlformats.org/officeDocument/2006/customXml" ds:itemID="{7C8A74D3-8A90-43C4-90E3-C02BFA84440C}">
+  <ds:schemaRefs/>
+</ds:datastoreItem>
+</file>
+
+<file path=customXml/itemProps54.xml><?xml version="1.0" encoding="utf-8"?>
+<ds:datastoreItem xmlns:ds="http://schemas.openxmlformats.org/officeDocument/2006/customXml" ds:itemID="{C2BC8509-EBAB-4B73-B13C-4F5DE708DC0D}">
+  <ds:schemaRefs/>
+</ds:datastoreItem>
+</file>
+
+<file path=customXml/itemProps55.xml><?xml version="1.0" encoding="utf-8"?>
+<ds:datastoreItem xmlns:ds="http://schemas.openxmlformats.org/officeDocument/2006/customXml" ds:itemID="{4914A395-82D1-48FA-8CB8-12F347A6DC3D}">
+  <ds:schemaRefs/>
+</ds:datastoreItem>
+</file>
+
+<file path=customXml/itemProps56.xml><?xml version="1.0" encoding="utf-8"?>
 <ds:datastoreItem xmlns:ds="http://schemas.openxmlformats.org/officeDocument/2006/customXml" ds:itemID="{822D38AD-8010-4CD3-BD6B-117CB8DF70A4}">
   <ds:schemaRefs/>
 </ds:datastoreItem>
 </file>
 
+<file path=customXml/itemProps57.xml><?xml version="1.0" encoding="utf-8"?>
+<ds:datastoreItem xmlns:ds="http://schemas.openxmlformats.org/officeDocument/2006/customXml" ds:itemID="{0759E41F-49E7-4FA7-9127-920280DC8CF1}">
+  <ds:schemaRefs/>
+</ds:datastoreItem>
+</file>
+
 <file path=customXml/itemProps58.xml><?xml version="1.0" encoding="utf-8"?>
-<ds:datastoreItem xmlns:ds="http://schemas.openxmlformats.org/officeDocument/2006/customXml" ds:itemID="{37F42BB5-ADFA-4FC6-BFD5-9E1577435898}">
+<ds:datastoreItem xmlns:ds="http://schemas.openxmlformats.org/officeDocument/2006/customXml" ds:itemID="{D92C3DF5-A179-4E2D-BD20-07044B39171F}">
   <ds:schemaRefs/>
 </ds:datastoreItem>
 </file>
 
 <file path=customXml/itemProps59.xml><?xml version="1.0" encoding="utf-8"?>
-<ds:datastoreItem xmlns:ds="http://schemas.openxmlformats.org/officeDocument/2006/customXml" ds:itemID="{27A29DE5-0540-481C-B6DF-CCFA5149D061}">
+<ds:datastoreItem xmlns:ds="http://schemas.openxmlformats.org/officeDocument/2006/customXml" ds:itemID="{1619B309-BC79-42FB-9829-D9EF5F5E6ABA}">
   <ds:schemaRefs/>
 </ds:datastoreItem>
 </file>
 
 <file path=customXml/itemProps6.xml><?xml version="1.0" encoding="utf-8"?>
-<ds:datastoreItem xmlns:ds="http://schemas.openxmlformats.org/officeDocument/2006/customXml" ds:itemID="{5007F12F-13D7-4ABB-8EFA-54222101B03A}">
+<ds:datastoreItem xmlns:ds="http://schemas.openxmlformats.org/officeDocument/2006/customXml" ds:itemID="{089FEF82-FF49-4304-ACE1-9CC99C3F3AD4}">
   <ds:schemaRefs/>
 </ds:datastoreItem>
 </file>
 
 <file path=customXml/itemProps60.xml><?xml version="1.0" encoding="utf-8"?>
+<ds:datastoreItem xmlns:ds="http://schemas.openxmlformats.org/officeDocument/2006/customXml" ds:itemID="{80224E79-0208-4699-9BF2-0FB110F82E0B}">
+  <ds:schemaRefs/>
+</ds:datastoreItem>
+</file>
+
+<file path=customXml/itemProps61.xml><?xml version="1.0" encoding="utf-8"?>
 <ds:datastoreItem xmlns:ds="http://schemas.openxmlformats.org/officeDocument/2006/customXml" ds:itemID="{797151FE-01B6-456A-8AC0-6D64E129D8AD}">
   <ds:schemaRefs/>
 </ds:datastoreItem>
 </file>
 
-<file path=customXml/itemProps61.xml><?xml version="1.0" encoding="utf-8"?>
-<ds:datastoreItem xmlns:ds="http://schemas.openxmlformats.org/officeDocument/2006/customXml" ds:itemID="{03AF3FDC-ACD1-46F3-A43E-782322DF9816}">
-  <ds:schemaRefs/>
-</ds:datastoreItem>
-</file>
-
 <file path=customXml/itemProps62.xml><?xml version="1.0" encoding="utf-8"?>
-<ds:datastoreItem xmlns:ds="http://schemas.openxmlformats.org/officeDocument/2006/customXml" ds:itemID="{1EBE98CF-9ADD-4A89-9517-F0CBB3D48CF2}">
+<ds:datastoreItem xmlns:ds="http://schemas.openxmlformats.org/officeDocument/2006/customXml" ds:itemID="{AF743DED-2D82-40A0-9261-0E32F94BBF4B}">
   <ds:schemaRefs/>
 </ds:datastoreItem>
 </file>
 
 <file path=customXml/itemProps63.xml><?xml version="1.0" encoding="utf-8"?>
-<ds:datastoreItem xmlns:ds="http://schemas.openxmlformats.org/officeDocument/2006/customXml" ds:itemID="{FD8AAF2B-04A9-4E66-893F-CA0598CEC652}">
+<ds:datastoreItem xmlns:ds="http://schemas.openxmlformats.org/officeDocument/2006/customXml" ds:itemID="{683FEB75-8CFA-449C-A6B1-B1E4A86A58A1}">
   <ds:schemaRefs/>
 </ds:datastoreItem>
 </file>
 
 <file path=customXml/itemProps64.xml><?xml version="1.0" encoding="utf-8"?>
-<ds:datastoreItem xmlns:ds="http://schemas.openxmlformats.org/officeDocument/2006/customXml" ds:itemID="{05541FDE-55D7-44F9-9BE6-FAE61896A3AA}">
+<ds:datastoreItem xmlns:ds="http://schemas.openxmlformats.org/officeDocument/2006/customXml" ds:itemID="{5DD38227-4247-4A5E-B719-07A63591B2F2}">
   <ds:schemaRefs/>
 </ds:datastoreItem>
 </file>
 
 <file path=customXml/itemProps65.xml><?xml version="1.0" encoding="utf-8"?>
-<ds:datastoreItem xmlns:ds="http://schemas.openxmlformats.org/officeDocument/2006/customXml" ds:itemID="{AF743DED-2D82-40A0-9261-0E32F94BBF4B}">
+<ds:datastoreItem xmlns:ds="http://schemas.openxmlformats.org/officeDocument/2006/customXml" ds:itemID="{1CE36EA9-2186-4EB1-871A-8AE59C2A13BB}">
   <ds:schemaRefs/>
 </ds:datastoreItem>
 </file>
 
 <file path=customXml/itemProps7.xml><?xml version="1.0" encoding="utf-8"?>
-<ds:datastoreItem xmlns:ds="http://schemas.openxmlformats.org/officeDocument/2006/customXml" ds:itemID="{C9E57065-69F0-43E2-AADF-4C88E470BB8D}">
+<ds:datastoreItem xmlns:ds="http://schemas.openxmlformats.org/officeDocument/2006/customXml" ds:itemID="{1933872C-9F0C-4995-8802-9EC074270AD1}">
   <ds:schemaRefs/>
 </ds:datastoreItem>
 </file>
 
 <file path=customXml/itemProps8.xml><?xml version="1.0" encoding="utf-8"?>
-<ds:datastoreItem xmlns:ds="http://schemas.openxmlformats.org/officeDocument/2006/customXml" ds:itemID="{7020B10D-9B30-421E-AB50-6B5B3E8895E5}">
+<ds:datastoreItem xmlns:ds="http://schemas.openxmlformats.org/officeDocument/2006/customXml" ds:itemID="{B3602864-BCA8-40F1-BE5D-134FF8125FA7}">
   <ds:schemaRefs/>
 </ds:datastoreItem>
 </file>
 
 <file path=customXml/itemProps9.xml><?xml version="1.0" encoding="utf-8"?>
-<ds:datastoreItem xmlns:ds="http://schemas.openxmlformats.org/officeDocument/2006/customXml" ds:itemID="{5DD38227-4247-4A5E-B719-07A63591B2F2}">
+<ds:datastoreItem xmlns:ds="http://schemas.openxmlformats.org/officeDocument/2006/customXml" ds:itemID="{9C95E546-419F-44CA-98F6-6DE73C5C2AE6}">
   <ds:schemaRefs/>
 </ds:datastoreItem>
 </file>